--- a/Carte.pptx
+++ b/Carte.pptx
@@ -244,7 +244,7 @@
           <a:p>
             <a:fld id="{2DF4A536-D849-4442-BF18-C4A97ACA9C75}" type="datetimeFigureOut">
               <a:rPr lang="en-GB" smtClean="0"/>
-              <a:t>19/03/2020</a:t>
+              <a:t>23/03/2020</a:t>
             </a:fld>
             <a:endParaRPr lang="en-GB"/>
           </a:p>
@@ -414,7 +414,7 @@
           <a:p>
             <a:fld id="{2DF4A536-D849-4442-BF18-C4A97ACA9C75}" type="datetimeFigureOut">
               <a:rPr lang="en-GB" smtClean="0"/>
-              <a:t>19/03/2020</a:t>
+              <a:t>23/03/2020</a:t>
             </a:fld>
             <a:endParaRPr lang="en-GB"/>
           </a:p>
@@ -594,7 +594,7 @@
           <a:p>
             <a:fld id="{2DF4A536-D849-4442-BF18-C4A97ACA9C75}" type="datetimeFigureOut">
               <a:rPr lang="en-GB" smtClean="0"/>
-              <a:t>19/03/2020</a:t>
+              <a:t>23/03/2020</a:t>
             </a:fld>
             <a:endParaRPr lang="en-GB"/>
           </a:p>
@@ -764,7 +764,7 @@
           <a:p>
             <a:fld id="{2DF4A536-D849-4442-BF18-C4A97ACA9C75}" type="datetimeFigureOut">
               <a:rPr lang="en-GB" smtClean="0"/>
-              <a:t>19/03/2020</a:t>
+              <a:t>23/03/2020</a:t>
             </a:fld>
             <a:endParaRPr lang="en-GB"/>
           </a:p>
@@ -1008,7 +1008,7 @@
           <a:p>
             <a:fld id="{2DF4A536-D849-4442-BF18-C4A97ACA9C75}" type="datetimeFigureOut">
               <a:rPr lang="en-GB" smtClean="0"/>
-              <a:t>19/03/2020</a:t>
+              <a:t>23/03/2020</a:t>
             </a:fld>
             <a:endParaRPr lang="en-GB"/>
           </a:p>
@@ -1240,7 +1240,7 @@
           <a:p>
             <a:fld id="{2DF4A536-D849-4442-BF18-C4A97ACA9C75}" type="datetimeFigureOut">
               <a:rPr lang="en-GB" smtClean="0"/>
-              <a:t>19/03/2020</a:t>
+              <a:t>23/03/2020</a:t>
             </a:fld>
             <a:endParaRPr lang="en-GB"/>
           </a:p>
@@ -1607,7 +1607,7 @@
           <a:p>
             <a:fld id="{2DF4A536-D849-4442-BF18-C4A97ACA9C75}" type="datetimeFigureOut">
               <a:rPr lang="en-GB" smtClean="0"/>
-              <a:t>19/03/2020</a:t>
+              <a:t>23/03/2020</a:t>
             </a:fld>
             <a:endParaRPr lang="en-GB"/>
           </a:p>
@@ -1725,7 +1725,7 @@
           <a:p>
             <a:fld id="{2DF4A536-D849-4442-BF18-C4A97ACA9C75}" type="datetimeFigureOut">
               <a:rPr lang="en-GB" smtClean="0"/>
-              <a:t>19/03/2020</a:t>
+              <a:t>23/03/2020</a:t>
             </a:fld>
             <a:endParaRPr lang="en-GB"/>
           </a:p>
@@ -1820,7 +1820,7 @@
           <a:p>
             <a:fld id="{2DF4A536-D849-4442-BF18-C4A97ACA9C75}" type="datetimeFigureOut">
               <a:rPr lang="en-GB" smtClean="0"/>
-              <a:t>19/03/2020</a:t>
+              <a:t>23/03/2020</a:t>
             </a:fld>
             <a:endParaRPr lang="en-GB"/>
           </a:p>
@@ -2097,7 +2097,7 @@
           <a:p>
             <a:fld id="{2DF4A536-D849-4442-BF18-C4A97ACA9C75}" type="datetimeFigureOut">
               <a:rPr lang="en-GB" smtClean="0"/>
-              <a:t>19/03/2020</a:t>
+              <a:t>23/03/2020</a:t>
             </a:fld>
             <a:endParaRPr lang="en-GB"/>
           </a:p>
@@ -2354,7 +2354,7 @@
           <a:p>
             <a:fld id="{2DF4A536-D849-4442-BF18-C4A97ACA9C75}" type="datetimeFigureOut">
               <a:rPr lang="en-GB" smtClean="0"/>
-              <a:t>19/03/2020</a:t>
+              <a:t>23/03/2020</a:t>
             </a:fld>
             <a:endParaRPr lang="en-GB"/>
           </a:p>
@@ -2567,7 +2567,7 @@
           <a:p>
             <a:fld id="{2DF4A536-D849-4442-BF18-C4A97ACA9C75}" type="datetimeFigureOut">
               <a:rPr lang="en-GB" smtClean="0"/>
-              <a:t>19/03/2020</a:t>
+              <a:t>23/03/2020</a:t>
             </a:fld>
             <a:endParaRPr lang="en-GB"/>
           </a:p>
@@ -10397,8 +10397,8 @@
         </p:nvSpPr>
         <p:spPr>
           <a:xfrm>
-            <a:off x="1867202" y="4158000"/>
-            <a:ext cx="1800000" cy="720000"/>
+            <a:off x="1124636" y="4627814"/>
+            <a:ext cx="2520000" cy="720000"/>
           </a:xfrm>
           <a:prstGeom prst="rect">
             <a:avLst/>
@@ -10524,153 +10524,7 @@
             <a:pPr algn="ctr"/>
             <a:r>
               <a:rPr lang="en-GB" sz="1625" dirty="0"/>
-              <a:t>Sensor to Nano</a:t>
-            </a:r>
-          </a:p>
-        </p:txBody>
-      </p:sp>
-      <p:sp>
-        <p:nvSpPr>
-          <p:cNvPr id="15" name="Rectangle 14">
-            <a:extLst>
-              <a:ext uri="{FF2B5EF4-FFF2-40B4-BE49-F238E27FC236}">
-                <a16:creationId xmlns:a16="http://schemas.microsoft.com/office/drawing/2014/main" id="{68F422E6-92B9-47AF-8942-5F79C8F5D239}"/>
-              </a:ext>
-            </a:extLst>
-          </p:cNvPr>
-          <p:cNvSpPr/>
-          <p:nvPr/>
-        </p:nvSpPr>
-        <p:spPr>
-          <a:xfrm>
-            <a:off x="5580000" y="1620000"/>
-            <a:ext cx="1080000" cy="720000"/>
-          </a:xfrm>
-          <a:prstGeom prst="rect">
-            <a:avLst/>
-          </a:prstGeom>
-          <a:ln w="38100"/>
-        </p:spPr>
-        <p:style>
-          <a:lnRef idx="2">
-            <a:schemeClr val="accent2">
-              <a:shade val="50000"/>
-            </a:schemeClr>
-          </a:lnRef>
-          <a:fillRef idx="1">
-            <a:schemeClr val="accent2"/>
-          </a:fillRef>
-          <a:effectRef idx="0">
-            <a:schemeClr val="accent2"/>
-          </a:effectRef>
-          <a:fontRef idx="minor">
-            <a:schemeClr val="lt1"/>
-          </a:fontRef>
-        </p:style>
-        <p:txBody>
-          <a:bodyPr rot="0" spcFirstLastPara="0" vert="horz" wrap="square" lIns="74295" tIns="37148" rIns="74295" bIns="37148" numCol="1" spcCol="0" rtlCol="0" fromWordArt="0" anchor="ctr" anchorCtr="0" forceAA="0" compatLnSpc="1">
-            <a:prstTxWarp prst="textNoShape">
-              <a:avLst/>
-            </a:prstTxWarp>
-            <a:noAutofit/>
-          </a:bodyPr>
-          <a:lstStyle>
-            <a:lvl1pPr marL="0" indent="0">
-              <a:defRPr sz="1100">
-                <a:solidFill>
-                  <a:schemeClr val="lt1"/>
-                </a:solidFill>
-                <a:latin typeface="+mn-lt"/>
-                <a:ea typeface="+mn-ea"/>
-                <a:cs typeface="+mn-cs"/>
-              </a:defRPr>
-            </a:lvl1pPr>
-            <a:lvl2pPr marL="457200" indent="0">
-              <a:defRPr sz="1100">
-                <a:solidFill>
-                  <a:schemeClr val="lt1"/>
-                </a:solidFill>
-                <a:latin typeface="+mn-lt"/>
-                <a:ea typeface="+mn-ea"/>
-                <a:cs typeface="+mn-cs"/>
-              </a:defRPr>
-            </a:lvl2pPr>
-            <a:lvl3pPr marL="914400" indent="0">
-              <a:defRPr sz="1100">
-                <a:solidFill>
-                  <a:schemeClr val="lt1"/>
-                </a:solidFill>
-                <a:latin typeface="+mn-lt"/>
-                <a:ea typeface="+mn-ea"/>
-                <a:cs typeface="+mn-cs"/>
-              </a:defRPr>
-            </a:lvl3pPr>
-            <a:lvl4pPr marL="1371600" indent="0">
-              <a:defRPr sz="1100">
-                <a:solidFill>
-                  <a:schemeClr val="lt1"/>
-                </a:solidFill>
-                <a:latin typeface="+mn-lt"/>
-                <a:ea typeface="+mn-ea"/>
-                <a:cs typeface="+mn-cs"/>
-              </a:defRPr>
-            </a:lvl4pPr>
-            <a:lvl5pPr marL="1828800" indent="0">
-              <a:defRPr sz="1100">
-                <a:solidFill>
-                  <a:schemeClr val="lt1"/>
-                </a:solidFill>
-                <a:latin typeface="+mn-lt"/>
-                <a:ea typeface="+mn-ea"/>
-                <a:cs typeface="+mn-cs"/>
-              </a:defRPr>
-            </a:lvl5pPr>
-            <a:lvl6pPr marL="2286000" indent="0">
-              <a:defRPr sz="1100">
-                <a:solidFill>
-                  <a:schemeClr val="lt1"/>
-                </a:solidFill>
-                <a:latin typeface="+mn-lt"/>
-                <a:ea typeface="+mn-ea"/>
-                <a:cs typeface="+mn-cs"/>
-              </a:defRPr>
-            </a:lvl6pPr>
-            <a:lvl7pPr marL="2743200" indent="0">
-              <a:defRPr sz="1100">
-                <a:solidFill>
-                  <a:schemeClr val="lt1"/>
-                </a:solidFill>
-                <a:latin typeface="+mn-lt"/>
-                <a:ea typeface="+mn-ea"/>
-                <a:cs typeface="+mn-cs"/>
-              </a:defRPr>
-            </a:lvl7pPr>
-            <a:lvl8pPr marL="3200400" indent="0">
-              <a:defRPr sz="1100">
-                <a:solidFill>
-                  <a:schemeClr val="lt1"/>
-                </a:solidFill>
-                <a:latin typeface="+mn-lt"/>
-                <a:ea typeface="+mn-ea"/>
-                <a:cs typeface="+mn-cs"/>
-              </a:defRPr>
-            </a:lvl8pPr>
-            <a:lvl9pPr marL="3657600" indent="0">
-              <a:defRPr sz="1100">
-                <a:solidFill>
-                  <a:schemeClr val="lt1"/>
-                </a:solidFill>
-                <a:latin typeface="+mn-lt"/>
-                <a:ea typeface="+mn-ea"/>
-                <a:cs typeface="+mn-cs"/>
-              </a:defRPr>
-            </a:lvl9pPr>
-          </a:lstStyle>
-          <a:p>
-            <a:pPr algn="ctr"/>
-            <a:r>
-              <a:rPr lang="en-GB" sz="1625" dirty="0"/>
-              <a:t>I2C</a:t>
+              <a:t>Sensor to Nano (et I²C)</a:t>
             </a:r>
           </a:p>
         </p:txBody>
@@ -11535,8 +11389,8 @@
         </p:nvCxnSpPr>
         <p:spPr>
           <a:xfrm>
-            <a:off x="1206516" y="1129445"/>
-            <a:ext cx="1560686" cy="3028555"/>
+            <a:off x="463950" y="1599259"/>
+            <a:ext cx="1920686" cy="3028555"/>
           </a:xfrm>
           <a:prstGeom prst="line">
             <a:avLst/>
@@ -11579,8 +11433,8 @@
         </p:nvCxnSpPr>
         <p:spPr>
           <a:xfrm>
-            <a:off x="1187830" y="1489445"/>
-            <a:ext cx="1579372" cy="2668555"/>
+            <a:off x="445264" y="1959259"/>
+            <a:ext cx="1939372" cy="2668555"/>
           </a:xfrm>
           <a:prstGeom prst="line">
             <a:avLst/>
@@ -11623,8 +11477,8 @@
         </p:nvCxnSpPr>
         <p:spPr>
           <a:xfrm>
-            <a:off x="1158173" y="1849445"/>
-            <a:ext cx="1609029" cy="2308555"/>
+            <a:off x="415607" y="2319259"/>
+            <a:ext cx="1969029" cy="2308555"/>
           </a:xfrm>
           <a:prstGeom prst="line">
             <a:avLst/>
@@ -11667,8 +11521,8 @@
         </p:nvCxnSpPr>
         <p:spPr>
           <a:xfrm>
-            <a:off x="1216863" y="3289445"/>
-            <a:ext cx="1550339" cy="868555"/>
+            <a:off x="474297" y="3759259"/>
+            <a:ext cx="1910339" cy="868555"/>
           </a:xfrm>
           <a:prstGeom prst="line">
             <a:avLst/>
@@ -12478,6 +12332,98 @@
           <a:ln w="28575">
             <a:solidFill>
               <a:schemeClr val="tx1"/>
+            </a:solidFill>
+          </a:ln>
+        </p:spPr>
+        <p:style>
+          <a:lnRef idx="1">
+            <a:schemeClr val="accent1"/>
+          </a:lnRef>
+          <a:fillRef idx="0">
+            <a:schemeClr val="accent1"/>
+          </a:fillRef>
+          <a:effectRef idx="0">
+            <a:schemeClr val="accent1"/>
+          </a:effectRef>
+          <a:fontRef idx="minor">
+            <a:schemeClr val="tx1"/>
+          </a:fontRef>
+        </p:style>
+      </p:cxnSp>
+      <p:cxnSp>
+        <p:nvCxnSpPr>
+          <p:cNvPr id="47" name="Connecteur droit 46">
+            <a:extLst>
+              <a:ext uri="{FF2B5EF4-FFF2-40B4-BE49-F238E27FC236}">
+                <a16:creationId xmlns:a16="http://schemas.microsoft.com/office/drawing/2014/main" id="{ABA40264-59BB-4072-B5E0-74E5687C813C}"/>
+              </a:ext>
+            </a:extLst>
+          </p:cNvPr>
+          <p:cNvCxnSpPr>
+            <a:cxnSpLocks/>
+          </p:cNvCxnSpPr>
+          <p:nvPr/>
+        </p:nvCxnSpPr>
+        <p:spPr>
+          <a:xfrm flipV="1">
+            <a:off x="3420000" y="2530955"/>
+            <a:ext cx="2934147" cy="2044673"/>
+          </a:xfrm>
+          <a:prstGeom prst="line">
+            <a:avLst/>
+          </a:prstGeom>
+          <a:ln w="28575">
+            <a:solidFill>
+              <a:schemeClr val="accent4">
+                <a:lumMod val="60000"/>
+                <a:lumOff val="40000"/>
+              </a:schemeClr>
+            </a:solidFill>
+          </a:ln>
+        </p:spPr>
+        <p:style>
+          <a:lnRef idx="1">
+            <a:schemeClr val="accent1"/>
+          </a:lnRef>
+          <a:fillRef idx="0">
+            <a:schemeClr val="accent1"/>
+          </a:fillRef>
+          <a:effectRef idx="0">
+            <a:schemeClr val="accent1"/>
+          </a:effectRef>
+          <a:fontRef idx="minor">
+            <a:schemeClr val="tx1"/>
+          </a:fontRef>
+        </p:style>
+      </p:cxnSp>
+      <p:cxnSp>
+        <p:nvCxnSpPr>
+          <p:cNvPr id="48" name="Connecteur droit 47">
+            <a:extLst>
+              <a:ext uri="{FF2B5EF4-FFF2-40B4-BE49-F238E27FC236}">
+                <a16:creationId xmlns:a16="http://schemas.microsoft.com/office/drawing/2014/main" id="{B8C51182-F894-4B32-AAC6-CE7519965CEC}"/>
+              </a:ext>
+            </a:extLst>
+          </p:cNvPr>
+          <p:cNvCxnSpPr>
+            <a:cxnSpLocks/>
+          </p:cNvCxnSpPr>
+          <p:nvPr/>
+        </p:nvCxnSpPr>
+        <p:spPr>
+          <a:xfrm flipV="1">
+            <a:off x="2924636" y="2520000"/>
+            <a:ext cx="2984752" cy="2099048"/>
+          </a:xfrm>
+          <a:prstGeom prst="line">
+            <a:avLst/>
+          </a:prstGeom>
+          <a:ln w="28575">
+            <a:solidFill>
+              <a:schemeClr val="accent4">
+                <a:lumMod val="60000"/>
+                <a:lumOff val="40000"/>
+              </a:schemeClr>
             </a:solidFill>
           </a:ln>
         </p:spPr>

--- a/Carte.pptx
+++ b/Carte.pptx
@@ -244,7 +244,7 @@
           <a:p>
             <a:fld id="{2DF4A536-D849-4442-BF18-C4A97ACA9C75}" type="datetimeFigureOut">
               <a:rPr lang="en-GB" smtClean="0"/>
-              <a:t>23/03/2020</a:t>
+              <a:t>24/03/2020</a:t>
             </a:fld>
             <a:endParaRPr lang="en-GB"/>
           </a:p>
@@ -414,7 +414,7 @@
           <a:p>
             <a:fld id="{2DF4A536-D849-4442-BF18-C4A97ACA9C75}" type="datetimeFigureOut">
               <a:rPr lang="en-GB" smtClean="0"/>
-              <a:t>23/03/2020</a:t>
+              <a:t>24/03/2020</a:t>
             </a:fld>
             <a:endParaRPr lang="en-GB"/>
           </a:p>
@@ -594,7 +594,7 @@
           <a:p>
             <a:fld id="{2DF4A536-D849-4442-BF18-C4A97ACA9C75}" type="datetimeFigureOut">
               <a:rPr lang="en-GB" smtClean="0"/>
-              <a:t>23/03/2020</a:t>
+              <a:t>24/03/2020</a:t>
             </a:fld>
             <a:endParaRPr lang="en-GB"/>
           </a:p>
@@ -764,7 +764,7 @@
           <a:p>
             <a:fld id="{2DF4A536-D849-4442-BF18-C4A97ACA9C75}" type="datetimeFigureOut">
               <a:rPr lang="en-GB" smtClean="0"/>
-              <a:t>23/03/2020</a:t>
+              <a:t>24/03/2020</a:t>
             </a:fld>
             <a:endParaRPr lang="en-GB"/>
           </a:p>
@@ -1008,7 +1008,7 @@
           <a:p>
             <a:fld id="{2DF4A536-D849-4442-BF18-C4A97ACA9C75}" type="datetimeFigureOut">
               <a:rPr lang="en-GB" smtClean="0"/>
-              <a:t>23/03/2020</a:t>
+              <a:t>24/03/2020</a:t>
             </a:fld>
             <a:endParaRPr lang="en-GB"/>
           </a:p>
@@ -1240,7 +1240,7 @@
           <a:p>
             <a:fld id="{2DF4A536-D849-4442-BF18-C4A97ACA9C75}" type="datetimeFigureOut">
               <a:rPr lang="en-GB" smtClean="0"/>
-              <a:t>23/03/2020</a:t>
+              <a:t>24/03/2020</a:t>
             </a:fld>
             <a:endParaRPr lang="en-GB"/>
           </a:p>
@@ -1607,7 +1607,7 @@
           <a:p>
             <a:fld id="{2DF4A536-D849-4442-BF18-C4A97ACA9C75}" type="datetimeFigureOut">
               <a:rPr lang="en-GB" smtClean="0"/>
-              <a:t>23/03/2020</a:t>
+              <a:t>24/03/2020</a:t>
             </a:fld>
             <a:endParaRPr lang="en-GB"/>
           </a:p>
@@ -1725,7 +1725,7 @@
           <a:p>
             <a:fld id="{2DF4A536-D849-4442-BF18-C4A97ACA9C75}" type="datetimeFigureOut">
               <a:rPr lang="en-GB" smtClean="0"/>
-              <a:t>23/03/2020</a:t>
+              <a:t>24/03/2020</a:t>
             </a:fld>
             <a:endParaRPr lang="en-GB"/>
           </a:p>
@@ -1820,7 +1820,7 @@
           <a:p>
             <a:fld id="{2DF4A536-D849-4442-BF18-C4A97ACA9C75}" type="datetimeFigureOut">
               <a:rPr lang="en-GB" smtClean="0"/>
-              <a:t>23/03/2020</a:t>
+              <a:t>24/03/2020</a:t>
             </a:fld>
             <a:endParaRPr lang="en-GB"/>
           </a:p>
@@ -2097,7 +2097,7 @@
           <a:p>
             <a:fld id="{2DF4A536-D849-4442-BF18-C4A97ACA9C75}" type="datetimeFigureOut">
               <a:rPr lang="en-GB" smtClean="0"/>
-              <a:t>23/03/2020</a:t>
+              <a:t>24/03/2020</a:t>
             </a:fld>
             <a:endParaRPr lang="en-GB"/>
           </a:p>
@@ -2354,7 +2354,7 @@
           <a:p>
             <a:fld id="{2DF4A536-D849-4442-BF18-C4A97ACA9C75}" type="datetimeFigureOut">
               <a:rPr lang="en-GB" smtClean="0"/>
-              <a:t>23/03/2020</a:t>
+              <a:t>24/03/2020</a:t>
             </a:fld>
             <a:endParaRPr lang="en-GB"/>
           </a:p>
@@ -2567,7 +2567,7 @@
           <a:p>
             <a:fld id="{2DF4A536-D849-4442-BF18-C4A97ACA9C75}" type="datetimeFigureOut">
               <a:rPr lang="en-GB" smtClean="0"/>
-              <a:t>23/03/2020</a:t>
+              <a:t>24/03/2020</a:t>
             </a:fld>
             <a:endParaRPr lang="en-GB"/>
           </a:p>
@@ -8326,7 +8326,7 @@
                     <a:lstStyle/>
                     <a:p>
                       <a:pPr algn="ctr"/>
-                      <a:endParaRPr lang="en-GB" sz="1300" b="1"/>
+                      <a:endParaRPr lang="en-GB" sz="1300" b="1" dirty="0"/>
                     </a:p>
                   </a:txBody>
                   <a:tcPr marL="74295" marR="74295" marT="37148" marB="37148" anchor="ctr">
@@ -10397,7 +10397,7 @@
         </p:nvSpPr>
         <p:spPr>
           <a:xfrm>
-            <a:off x="1124636" y="4627814"/>
+            <a:off x="1217946" y="4627814"/>
             <a:ext cx="2520000" cy="720000"/>
           </a:xfrm>
           <a:prstGeom prst="rect">
@@ -11383,14 +11383,13 @@
           </p:cNvPr>
           <p:cNvCxnSpPr>
             <a:cxnSpLocks/>
-            <a:endCxn id="14" idx="0"/>
           </p:cNvCxnSpPr>
           <p:nvPr/>
         </p:nvCxnSpPr>
         <p:spPr>
           <a:xfrm>
-            <a:off x="463950" y="1599259"/>
-            <a:ext cx="1920686" cy="3028555"/>
+            <a:off x="900000" y="900000"/>
+            <a:ext cx="1793380" cy="3727814"/>
           </a:xfrm>
           <a:prstGeom prst="line">
             <a:avLst/>
@@ -11427,14 +11426,13 @@
           </p:cNvPr>
           <p:cNvCxnSpPr>
             <a:cxnSpLocks/>
-            <a:endCxn id="14" idx="0"/>
           </p:cNvCxnSpPr>
           <p:nvPr/>
         </p:nvCxnSpPr>
         <p:spPr>
           <a:xfrm>
-            <a:off x="445264" y="1959259"/>
-            <a:ext cx="1939372" cy="2668555"/>
+            <a:off x="1024706" y="1291786"/>
+            <a:ext cx="1332204" cy="3327262"/>
           </a:xfrm>
           <a:prstGeom prst="line">
             <a:avLst/>
@@ -11471,14 +11469,13 @@
           </p:cNvPr>
           <p:cNvCxnSpPr>
             <a:cxnSpLocks/>
-            <a:endCxn id="14" idx="0"/>
           </p:cNvCxnSpPr>
           <p:nvPr/>
         </p:nvCxnSpPr>
         <p:spPr>
           <a:xfrm>
-            <a:off x="415607" y="2319259"/>
-            <a:ext cx="1969029" cy="2308555"/>
+            <a:off x="931396" y="1631442"/>
+            <a:ext cx="1077504" cy="3009036"/>
           </a:xfrm>
           <a:prstGeom prst="line">
             <a:avLst/>
@@ -11515,14 +11512,13 @@
           </p:cNvPr>
           <p:cNvCxnSpPr>
             <a:cxnSpLocks/>
-            <a:endCxn id="14" idx="0"/>
           </p:cNvCxnSpPr>
           <p:nvPr/>
         </p:nvCxnSpPr>
         <p:spPr>
           <a:xfrm>
-            <a:off x="474297" y="3759259"/>
-            <a:ext cx="1910339" cy="868555"/>
+            <a:off x="931396" y="3068765"/>
+            <a:ext cx="665756" cy="1506863"/>
           </a:xfrm>
           <a:prstGeom prst="line">
             <a:avLst/>
@@ -12442,6 +12438,513 @@
           </a:fontRef>
         </p:style>
       </p:cxnSp>
+      <p:cxnSp>
+        <p:nvCxnSpPr>
+          <p:cNvPr id="51" name="Connecteur droit 50">
+            <a:extLst>
+              <a:ext uri="{FF2B5EF4-FFF2-40B4-BE49-F238E27FC236}">
+                <a16:creationId xmlns:a16="http://schemas.microsoft.com/office/drawing/2014/main" id="{B4EDD794-CB46-456D-995B-380AD8AF3DF4}"/>
+              </a:ext>
+            </a:extLst>
+          </p:cNvPr>
+          <p:cNvCxnSpPr>
+            <a:cxnSpLocks/>
+          </p:cNvCxnSpPr>
+          <p:nvPr/>
+        </p:nvCxnSpPr>
+        <p:spPr>
+          <a:xfrm>
+            <a:off x="4117152" y="1246359"/>
+            <a:ext cx="1425514" cy="0"/>
+          </a:xfrm>
+          <a:prstGeom prst="line">
+            <a:avLst/>
+          </a:prstGeom>
+          <a:ln w="28575">
+            <a:solidFill>
+              <a:schemeClr val="tx1"/>
+            </a:solidFill>
+          </a:ln>
+        </p:spPr>
+        <p:style>
+          <a:lnRef idx="1">
+            <a:schemeClr val="accent1"/>
+          </a:lnRef>
+          <a:fillRef idx="0">
+            <a:schemeClr val="accent1"/>
+          </a:fillRef>
+          <a:effectRef idx="0">
+            <a:schemeClr val="accent1"/>
+          </a:effectRef>
+          <a:fontRef idx="minor">
+            <a:schemeClr val="tx1"/>
+          </a:fontRef>
+        </p:style>
+      </p:cxnSp>
+      <p:cxnSp>
+        <p:nvCxnSpPr>
+          <p:cNvPr id="56" name="Connecteur droit 55">
+            <a:extLst>
+              <a:ext uri="{FF2B5EF4-FFF2-40B4-BE49-F238E27FC236}">
+                <a16:creationId xmlns:a16="http://schemas.microsoft.com/office/drawing/2014/main" id="{A133DB0F-20EA-485A-B031-BD9C2DEEB00A}"/>
+              </a:ext>
+            </a:extLst>
+          </p:cNvPr>
+          <p:cNvCxnSpPr>
+            <a:cxnSpLocks/>
+          </p:cNvCxnSpPr>
+          <p:nvPr/>
+        </p:nvCxnSpPr>
+        <p:spPr>
+          <a:xfrm flipH="1" flipV="1">
+            <a:off x="2998778" y="1536611"/>
+            <a:ext cx="31755" cy="1892389"/>
+          </a:xfrm>
+          <a:prstGeom prst="line">
+            <a:avLst/>
+          </a:prstGeom>
+          <a:ln w="28575">
+            <a:solidFill>
+              <a:schemeClr val="tx1"/>
+            </a:solidFill>
+          </a:ln>
+        </p:spPr>
+        <p:style>
+          <a:lnRef idx="1">
+            <a:schemeClr val="accent1"/>
+          </a:lnRef>
+          <a:fillRef idx="0">
+            <a:schemeClr val="accent1"/>
+          </a:fillRef>
+          <a:effectRef idx="0">
+            <a:schemeClr val="accent1"/>
+          </a:effectRef>
+          <a:fontRef idx="minor">
+            <a:schemeClr val="tx1"/>
+          </a:fontRef>
+        </p:style>
+      </p:cxnSp>
+      <p:cxnSp>
+        <p:nvCxnSpPr>
+          <p:cNvPr id="62" name="Connecteur droit 61">
+            <a:extLst>
+              <a:ext uri="{FF2B5EF4-FFF2-40B4-BE49-F238E27FC236}">
+                <a16:creationId xmlns:a16="http://schemas.microsoft.com/office/drawing/2014/main" id="{829D1D07-2766-4611-ACEC-29740B0CFCBD}"/>
+              </a:ext>
+            </a:extLst>
+          </p:cNvPr>
+          <p:cNvCxnSpPr>
+            <a:cxnSpLocks/>
+          </p:cNvCxnSpPr>
+          <p:nvPr/>
+        </p:nvCxnSpPr>
+        <p:spPr>
+          <a:xfrm flipH="1">
+            <a:off x="834004" y="3408709"/>
+            <a:ext cx="2196529" cy="20292"/>
+          </a:xfrm>
+          <a:prstGeom prst="line">
+            <a:avLst/>
+          </a:prstGeom>
+          <a:ln w="28575">
+            <a:solidFill>
+              <a:schemeClr val="tx1"/>
+            </a:solidFill>
+          </a:ln>
+        </p:spPr>
+        <p:style>
+          <a:lnRef idx="1">
+            <a:schemeClr val="accent1"/>
+          </a:lnRef>
+          <a:fillRef idx="0">
+            <a:schemeClr val="accent1"/>
+          </a:fillRef>
+          <a:effectRef idx="0">
+            <a:schemeClr val="accent1"/>
+          </a:effectRef>
+          <a:fontRef idx="minor">
+            <a:schemeClr val="tx1"/>
+          </a:fontRef>
+        </p:style>
+      </p:cxnSp>
+      <p:sp>
+        <p:nvSpPr>
+          <p:cNvPr id="63" name="Rectangle 62">
+            <a:extLst>
+              <a:ext uri="{FF2B5EF4-FFF2-40B4-BE49-F238E27FC236}">
+                <a16:creationId xmlns:a16="http://schemas.microsoft.com/office/drawing/2014/main" id="{B5967717-E603-4BEF-909E-344A7254C131}"/>
+              </a:ext>
+            </a:extLst>
+          </p:cNvPr>
+          <p:cNvSpPr/>
+          <p:nvPr/>
+        </p:nvSpPr>
+        <p:spPr>
+          <a:xfrm>
+            <a:off x="1597152" y="4575628"/>
+            <a:ext cx="1217946" cy="168709"/>
+          </a:xfrm>
+          <a:prstGeom prst="rect">
+            <a:avLst/>
+          </a:prstGeom>
+          <a:solidFill>
+            <a:schemeClr val="bg1"/>
+          </a:solidFill>
+          <a:ln>
+            <a:solidFill>
+              <a:schemeClr val="bg1"/>
+            </a:solidFill>
+          </a:ln>
+        </p:spPr>
+        <p:style>
+          <a:lnRef idx="2">
+            <a:schemeClr val="accent1">
+              <a:shade val="50000"/>
+            </a:schemeClr>
+          </a:lnRef>
+          <a:fillRef idx="1">
+            <a:schemeClr val="accent1"/>
+          </a:fillRef>
+          <a:effectRef idx="0">
+            <a:schemeClr val="accent1"/>
+          </a:effectRef>
+          <a:fontRef idx="minor">
+            <a:schemeClr val="lt1"/>
+          </a:fontRef>
+        </p:style>
+        <p:txBody>
+          <a:bodyPr rtlCol="0" anchor="ctr"/>
+          <a:lstStyle/>
+          <a:p>
+            <a:pPr algn="ctr"/>
+            <a:endParaRPr lang="en-GB"/>
+          </a:p>
+        </p:txBody>
+      </p:sp>
+      <p:sp>
+        <p:nvSpPr>
+          <p:cNvPr id="64" name="Rectangle 63">
+            <a:extLst>
+              <a:ext uri="{FF2B5EF4-FFF2-40B4-BE49-F238E27FC236}">
+                <a16:creationId xmlns:a16="http://schemas.microsoft.com/office/drawing/2014/main" id="{47E1987B-3005-49AD-9D12-CDAC930562FB}"/>
+              </a:ext>
+            </a:extLst>
+          </p:cNvPr>
+          <p:cNvSpPr/>
+          <p:nvPr/>
+        </p:nvSpPr>
+        <p:spPr>
+          <a:xfrm>
+            <a:off x="5167597" y="4140000"/>
+            <a:ext cx="1217946" cy="168709"/>
+          </a:xfrm>
+          <a:prstGeom prst="rect">
+            <a:avLst/>
+          </a:prstGeom>
+          <a:solidFill>
+            <a:schemeClr val="bg1"/>
+          </a:solidFill>
+          <a:ln>
+            <a:solidFill>
+              <a:schemeClr val="bg1"/>
+            </a:solidFill>
+          </a:ln>
+        </p:spPr>
+        <p:style>
+          <a:lnRef idx="2">
+            <a:schemeClr val="accent1">
+              <a:shade val="50000"/>
+            </a:schemeClr>
+          </a:lnRef>
+          <a:fillRef idx="1">
+            <a:schemeClr val="accent1"/>
+          </a:fillRef>
+          <a:effectRef idx="0">
+            <a:schemeClr val="accent1"/>
+          </a:effectRef>
+          <a:fontRef idx="minor">
+            <a:schemeClr val="lt1"/>
+          </a:fontRef>
+        </p:style>
+        <p:txBody>
+          <a:bodyPr rtlCol="0" anchor="ctr"/>
+          <a:lstStyle/>
+          <a:p>
+            <a:pPr algn="ctr"/>
+            <a:endParaRPr lang="en-GB"/>
+          </a:p>
+        </p:txBody>
+      </p:sp>
+      <p:sp>
+        <p:nvSpPr>
+          <p:cNvPr id="65" name="Rectangle 64">
+            <a:extLst>
+              <a:ext uri="{FF2B5EF4-FFF2-40B4-BE49-F238E27FC236}">
+                <a16:creationId xmlns:a16="http://schemas.microsoft.com/office/drawing/2014/main" id="{61D7C010-F224-49A4-A535-A74CAE86D219}"/>
+              </a:ext>
+            </a:extLst>
+          </p:cNvPr>
+          <p:cNvSpPr/>
+          <p:nvPr/>
+        </p:nvSpPr>
+        <p:spPr>
+          <a:xfrm>
+            <a:off x="5190711" y="886470"/>
+            <a:ext cx="1217946" cy="168709"/>
+          </a:xfrm>
+          <a:prstGeom prst="rect">
+            <a:avLst/>
+          </a:prstGeom>
+          <a:solidFill>
+            <a:schemeClr val="bg1"/>
+          </a:solidFill>
+          <a:ln>
+            <a:solidFill>
+              <a:schemeClr val="bg1"/>
+            </a:solidFill>
+          </a:ln>
+        </p:spPr>
+        <p:style>
+          <a:lnRef idx="2">
+            <a:schemeClr val="accent1">
+              <a:shade val="50000"/>
+            </a:schemeClr>
+          </a:lnRef>
+          <a:fillRef idx="1">
+            <a:schemeClr val="accent1"/>
+          </a:fillRef>
+          <a:effectRef idx="0">
+            <a:schemeClr val="accent1"/>
+          </a:effectRef>
+          <a:fontRef idx="minor">
+            <a:schemeClr val="lt1"/>
+          </a:fontRef>
+        </p:style>
+        <p:txBody>
+          <a:bodyPr rtlCol="0" anchor="ctr"/>
+          <a:lstStyle/>
+          <a:p>
+            <a:pPr algn="ctr"/>
+            <a:endParaRPr lang="en-GB"/>
+          </a:p>
+        </p:txBody>
+      </p:sp>
+      <p:sp>
+        <p:nvSpPr>
+          <p:cNvPr id="66" name="Rectangle 65">
+            <a:extLst>
+              <a:ext uri="{FF2B5EF4-FFF2-40B4-BE49-F238E27FC236}">
+                <a16:creationId xmlns:a16="http://schemas.microsoft.com/office/drawing/2014/main" id="{644A3966-EB97-4865-A640-75147B1DD6D4}"/>
+              </a:ext>
+            </a:extLst>
+          </p:cNvPr>
+          <p:cNvSpPr/>
+          <p:nvPr/>
+        </p:nvSpPr>
+        <p:spPr>
+          <a:xfrm>
+            <a:off x="5190711" y="124030"/>
+            <a:ext cx="1217946" cy="168709"/>
+          </a:xfrm>
+          <a:prstGeom prst="rect">
+            <a:avLst/>
+          </a:prstGeom>
+          <a:solidFill>
+            <a:schemeClr val="bg1"/>
+          </a:solidFill>
+          <a:ln>
+            <a:solidFill>
+              <a:schemeClr val="bg1"/>
+            </a:solidFill>
+          </a:ln>
+        </p:spPr>
+        <p:style>
+          <a:lnRef idx="2">
+            <a:schemeClr val="accent1">
+              <a:shade val="50000"/>
+            </a:schemeClr>
+          </a:lnRef>
+          <a:fillRef idx="1">
+            <a:schemeClr val="accent1"/>
+          </a:fillRef>
+          <a:effectRef idx="0">
+            <a:schemeClr val="accent1"/>
+          </a:effectRef>
+          <a:fontRef idx="minor">
+            <a:schemeClr val="lt1"/>
+          </a:fontRef>
+        </p:style>
+        <p:txBody>
+          <a:bodyPr rtlCol="0" anchor="ctr"/>
+          <a:lstStyle/>
+          <a:p>
+            <a:pPr algn="ctr"/>
+            <a:endParaRPr lang="en-GB"/>
+          </a:p>
+        </p:txBody>
+      </p:sp>
+      <p:sp>
+        <p:nvSpPr>
+          <p:cNvPr id="67" name="Rectangle 66">
+            <a:extLst>
+              <a:ext uri="{FF2B5EF4-FFF2-40B4-BE49-F238E27FC236}">
+                <a16:creationId xmlns:a16="http://schemas.microsoft.com/office/drawing/2014/main" id="{D76F1E5D-21FE-4533-BF87-FFF8020512C4}"/>
+              </a:ext>
+            </a:extLst>
+          </p:cNvPr>
+          <p:cNvSpPr/>
+          <p:nvPr/>
+        </p:nvSpPr>
+        <p:spPr>
+          <a:xfrm rot="16200000">
+            <a:off x="2990300" y="1075481"/>
+            <a:ext cx="926904" cy="185011"/>
+          </a:xfrm>
+          <a:prstGeom prst="rect">
+            <a:avLst/>
+          </a:prstGeom>
+          <a:solidFill>
+            <a:schemeClr val="bg1"/>
+          </a:solidFill>
+          <a:ln>
+            <a:solidFill>
+              <a:schemeClr val="bg1"/>
+            </a:solidFill>
+          </a:ln>
+        </p:spPr>
+        <p:style>
+          <a:lnRef idx="2">
+            <a:schemeClr val="accent1">
+              <a:shade val="50000"/>
+            </a:schemeClr>
+          </a:lnRef>
+          <a:fillRef idx="1">
+            <a:schemeClr val="accent1"/>
+          </a:fillRef>
+          <a:effectRef idx="0">
+            <a:schemeClr val="accent1"/>
+          </a:effectRef>
+          <a:fontRef idx="minor">
+            <a:schemeClr val="lt1"/>
+          </a:fontRef>
+        </p:style>
+        <p:txBody>
+          <a:bodyPr rtlCol="0" anchor="ctr"/>
+          <a:lstStyle/>
+          <a:p>
+            <a:pPr algn="ctr"/>
+            <a:endParaRPr lang="en-GB"/>
+          </a:p>
+        </p:txBody>
+      </p:sp>
+      <p:sp>
+        <p:nvSpPr>
+          <p:cNvPr id="68" name="Rectangle 67">
+            <a:extLst>
+              <a:ext uri="{FF2B5EF4-FFF2-40B4-BE49-F238E27FC236}">
+                <a16:creationId xmlns:a16="http://schemas.microsoft.com/office/drawing/2014/main" id="{908C4C88-15AE-47BC-ADE1-B2E1B9E4D356}"/>
+              </a:ext>
+            </a:extLst>
+          </p:cNvPr>
+          <p:cNvSpPr/>
+          <p:nvPr/>
+        </p:nvSpPr>
+        <p:spPr>
+          <a:xfrm rot="16200000">
+            <a:off x="-299966" y="2955959"/>
+            <a:ext cx="926904" cy="185011"/>
+          </a:xfrm>
+          <a:prstGeom prst="rect">
+            <a:avLst/>
+          </a:prstGeom>
+          <a:solidFill>
+            <a:schemeClr val="bg1"/>
+          </a:solidFill>
+          <a:ln>
+            <a:solidFill>
+              <a:schemeClr val="bg1"/>
+            </a:solidFill>
+          </a:ln>
+        </p:spPr>
+        <p:style>
+          <a:lnRef idx="2">
+            <a:schemeClr val="accent1">
+              <a:shade val="50000"/>
+            </a:schemeClr>
+          </a:lnRef>
+          <a:fillRef idx="1">
+            <a:schemeClr val="accent1"/>
+          </a:fillRef>
+          <a:effectRef idx="0">
+            <a:schemeClr val="accent1"/>
+          </a:effectRef>
+          <a:fontRef idx="minor">
+            <a:schemeClr val="lt1"/>
+          </a:fontRef>
+        </p:style>
+        <p:txBody>
+          <a:bodyPr rtlCol="0" anchor="ctr"/>
+          <a:lstStyle/>
+          <a:p>
+            <a:pPr algn="ctr"/>
+            <a:endParaRPr lang="en-GB"/>
+          </a:p>
+        </p:txBody>
+      </p:sp>
+      <p:sp>
+        <p:nvSpPr>
+          <p:cNvPr id="69" name="Rectangle 68">
+            <a:extLst>
+              <a:ext uri="{FF2B5EF4-FFF2-40B4-BE49-F238E27FC236}">
+                <a16:creationId xmlns:a16="http://schemas.microsoft.com/office/drawing/2014/main" id="{D7074D7F-659A-4EF2-8E6B-7C4AAD44DF5A}"/>
+              </a:ext>
+            </a:extLst>
+          </p:cNvPr>
+          <p:cNvSpPr/>
+          <p:nvPr/>
+        </p:nvSpPr>
+        <p:spPr>
+          <a:xfrm rot="16200000">
+            <a:off x="-280274" y="1365494"/>
+            <a:ext cx="926904" cy="185011"/>
+          </a:xfrm>
+          <a:prstGeom prst="rect">
+            <a:avLst/>
+          </a:prstGeom>
+          <a:solidFill>
+            <a:schemeClr val="bg1"/>
+          </a:solidFill>
+          <a:ln>
+            <a:solidFill>
+              <a:schemeClr val="bg1"/>
+            </a:solidFill>
+          </a:ln>
+        </p:spPr>
+        <p:style>
+          <a:lnRef idx="2">
+            <a:schemeClr val="accent1">
+              <a:shade val="50000"/>
+            </a:schemeClr>
+          </a:lnRef>
+          <a:fillRef idx="1">
+            <a:schemeClr val="accent1"/>
+          </a:fillRef>
+          <a:effectRef idx="0">
+            <a:schemeClr val="accent1"/>
+          </a:effectRef>
+          <a:fontRef idx="minor">
+            <a:schemeClr val="lt1"/>
+          </a:fontRef>
+        </p:style>
+        <p:txBody>
+          <a:bodyPr rtlCol="0" anchor="ctr"/>
+          <a:lstStyle/>
+          <a:p>
+            <a:pPr algn="ctr"/>
+            <a:endParaRPr lang="en-GB"/>
+          </a:p>
+        </p:txBody>
+      </p:sp>
     </p:spTree>
     <p:extLst>
       <p:ext uri="{BB962C8B-B14F-4D97-AF65-F5344CB8AC3E}">
@@ -20180,7 +20683,7 @@
                     <a:bodyPr/>
                     <a:lstStyle/>
                     <a:p>
-                      <a:endParaRPr lang="en-GB" sz="1300"/>
+                      <a:endParaRPr lang="en-GB" sz="1300" dirty="0"/>
                     </a:p>
                   </a:txBody>
                   <a:tcPr marL="74295" marR="74295" marT="37148" marB="37148">
@@ -22099,7 +22602,7 @@
         </p:nvSpPr>
         <p:spPr>
           <a:xfrm>
-            <a:off x="571580" y="4338394"/>
+            <a:off x="580756" y="4160442"/>
             <a:ext cx="1440000" cy="720000"/>
           </a:xfrm>
           <a:prstGeom prst="rect">
@@ -22245,7 +22748,7 @@
         </p:nvSpPr>
         <p:spPr>
           <a:xfrm>
-            <a:off x="900000" y="-180000"/>
+            <a:off x="10221246" y="4779950"/>
             <a:ext cx="720000" cy="1080000"/>
           </a:xfrm>
           <a:prstGeom prst="rect">
@@ -22558,8 +23061,8 @@
         </p:nvCxnSpPr>
         <p:spPr>
           <a:xfrm>
-            <a:off x="966857" y="4926563"/>
-            <a:ext cx="0" cy="765109"/>
+            <a:off x="963935" y="4779950"/>
+            <a:ext cx="2922" cy="911722"/>
           </a:xfrm>
           <a:prstGeom prst="line">
             <a:avLst/>
@@ -22596,13 +23099,14 @@
           </p:cNvPr>
           <p:cNvCxnSpPr>
             <a:cxnSpLocks/>
+            <a:stCxn id="7" idx="2"/>
           </p:cNvCxnSpPr>
           <p:nvPr/>
         </p:nvCxnSpPr>
         <p:spPr>
-          <a:xfrm>
-            <a:off x="1249349" y="4907902"/>
-            <a:ext cx="0" cy="324147"/>
+          <a:xfrm flipH="1">
+            <a:off x="1249350" y="4880442"/>
+            <a:ext cx="0" cy="351607"/>
           </a:xfrm>
           <a:prstGeom prst="line">
             <a:avLst/>
@@ -22788,7 +23292,7 @@
         </p:nvSpPr>
         <p:spPr>
           <a:xfrm>
-            <a:off x="9219000" y="4589117"/>
+            <a:off x="5207290" y="453923"/>
             <a:ext cx="1800000" cy="720000"/>
           </a:xfrm>
           <a:prstGeom prst="rect">
@@ -22947,6 +23451,8 @@
               <a:srgbClr val="FF5D5D"/>
             </a:solidFill>
             <a:prstDash val="dashDot"/>
+            <a:headEnd type="oval" w="med" len="med"/>
+            <a:tailEnd type="oval" w="med" len="med"/>
           </a:ln>
         </p:spPr>
         <p:style>
@@ -23841,7091 +24347,6 @@
       </p:grpSp>
       <p:graphicFrame>
         <p:nvGraphicFramePr>
-          <p:cNvPr id="15" name="Tableau 15">
-            <a:extLst>
-              <a:ext uri="{FF2B5EF4-FFF2-40B4-BE49-F238E27FC236}">
-                <a16:creationId xmlns:a16="http://schemas.microsoft.com/office/drawing/2014/main" id="{1064B1BD-F255-4C21-AB79-43D1089F87FE}"/>
-              </a:ext>
-            </a:extLst>
-          </p:cNvPr>
-          <p:cNvGraphicFramePr>
-            <a:graphicFrameLocks noGrp="1"/>
-          </p:cNvGraphicFramePr>
-          <p:nvPr>
-            <p:extLst>
-              <p:ext uri="{D42A27DB-BD31-4B8C-83A1-F6EECF244321}">
-                <p14:modId xmlns:p14="http://schemas.microsoft.com/office/powerpoint/2010/main" val="804502954"/>
-              </p:ext>
-            </p:extLst>
-          </p:nvPr>
-        </p:nvGraphicFramePr>
-        <p:xfrm>
-          <a:off x="-6659586" y="-669925"/>
-          <a:ext cx="6604007" cy="2677160"/>
-        </p:xfrm>
-        <a:graphic>
-          <a:graphicData uri="http://schemas.openxmlformats.org/drawingml/2006/table">
-            <a:tbl>
-              <a:tblPr firstRow="1" bandRow="1">
-                <a:tableStyleId>{5C22544A-7EE6-4342-B048-85BDC9FD1C3A}</a:tableStyleId>
-              </a:tblPr>
-              <a:tblGrid>
-                <a:gridCol w="388471">
-                  <a:extLst>
-                    <a:ext uri="{9D8B030D-6E8A-4147-A177-3AD203B41FA5}">
-                      <a16:colId xmlns:a16="http://schemas.microsoft.com/office/drawing/2014/main" val="3350812756"/>
-                    </a:ext>
-                  </a:extLst>
-                </a:gridCol>
-                <a:gridCol w="388471">
-                  <a:extLst>
-                    <a:ext uri="{9D8B030D-6E8A-4147-A177-3AD203B41FA5}">
-                      <a16:colId xmlns:a16="http://schemas.microsoft.com/office/drawing/2014/main" val="2842365454"/>
-                    </a:ext>
-                  </a:extLst>
-                </a:gridCol>
-                <a:gridCol w="388471">
-                  <a:extLst>
-                    <a:ext uri="{9D8B030D-6E8A-4147-A177-3AD203B41FA5}">
-                      <a16:colId xmlns:a16="http://schemas.microsoft.com/office/drawing/2014/main" val="366475615"/>
-                    </a:ext>
-                  </a:extLst>
-                </a:gridCol>
-                <a:gridCol w="388471">
-                  <a:extLst>
-                    <a:ext uri="{9D8B030D-6E8A-4147-A177-3AD203B41FA5}">
-                      <a16:colId xmlns:a16="http://schemas.microsoft.com/office/drawing/2014/main" val="2012026961"/>
-                    </a:ext>
-                  </a:extLst>
-                </a:gridCol>
-                <a:gridCol w="388471">
-                  <a:extLst>
-                    <a:ext uri="{9D8B030D-6E8A-4147-A177-3AD203B41FA5}">
-                      <a16:colId xmlns:a16="http://schemas.microsoft.com/office/drawing/2014/main" val="1503921133"/>
-                    </a:ext>
-                  </a:extLst>
-                </a:gridCol>
-                <a:gridCol w="388471">
-                  <a:extLst>
-                    <a:ext uri="{9D8B030D-6E8A-4147-A177-3AD203B41FA5}">
-                      <a16:colId xmlns:a16="http://schemas.microsoft.com/office/drawing/2014/main" val="3129092103"/>
-                    </a:ext>
-                  </a:extLst>
-                </a:gridCol>
-                <a:gridCol w="388471">
-                  <a:extLst>
-                    <a:ext uri="{9D8B030D-6E8A-4147-A177-3AD203B41FA5}">
-                      <a16:colId xmlns:a16="http://schemas.microsoft.com/office/drawing/2014/main" val="3382578379"/>
-                    </a:ext>
-                  </a:extLst>
-                </a:gridCol>
-                <a:gridCol w="388471">
-                  <a:extLst>
-                    <a:ext uri="{9D8B030D-6E8A-4147-A177-3AD203B41FA5}">
-                      <a16:colId xmlns:a16="http://schemas.microsoft.com/office/drawing/2014/main" val="1635731077"/>
-                    </a:ext>
-                  </a:extLst>
-                </a:gridCol>
-                <a:gridCol w="388471">
-                  <a:extLst>
-                    <a:ext uri="{9D8B030D-6E8A-4147-A177-3AD203B41FA5}">
-                      <a16:colId xmlns:a16="http://schemas.microsoft.com/office/drawing/2014/main" val="1769679394"/>
-                    </a:ext>
-                  </a:extLst>
-                </a:gridCol>
-                <a:gridCol w="388471">
-                  <a:extLst>
-                    <a:ext uri="{9D8B030D-6E8A-4147-A177-3AD203B41FA5}">
-                      <a16:colId xmlns:a16="http://schemas.microsoft.com/office/drawing/2014/main" val="2706965203"/>
-                    </a:ext>
-                  </a:extLst>
-                </a:gridCol>
-                <a:gridCol w="388471">
-                  <a:extLst>
-                    <a:ext uri="{9D8B030D-6E8A-4147-A177-3AD203B41FA5}">
-                      <a16:colId xmlns:a16="http://schemas.microsoft.com/office/drawing/2014/main" val="1779030250"/>
-                    </a:ext>
-                  </a:extLst>
-                </a:gridCol>
-                <a:gridCol w="388471">
-                  <a:extLst>
-                    <a:ext uri="{9D8B030D-6E8A-4147-A177-3AD203B41FA5}">
-                      <a16:colId xmlns:a16="http://schemas.microsoft.com/office/drawing/2014/main" val="3653655977"/>
-                    </a:ext>
-                  </a:extLst>
-                </a:gridCol>
-                <a:gridCol w="388471">
-                  <a:extLst>
-                    <a:ext uri="{9D8B030D-6E8A-4147-A177-3AD203B41FA5}">
-                      <a16:colId xmlns:a16="http://schemas.microsoft.com/office/drawing/2014/main" val="4219464498"/>
-                    </a:ext>
-                  </a:extLst>
-                </a:gridCol>
-                <a:gridCol w="388471">
-                  <a:extLst>
-                    <a:ext uri="{9D8B030D-6E8A-4147-A177-3AD203B41FA5}">
-                      <a16:colId xmlns:a16="http://schemas.microsoft.com/office/drawing/2014/main" val="2619611209"/>
-                    </a:ext>
-                  </a:extLst>
-                </a:gridCol>
-                <a:gridCol w="388471">
-                  <a:extLst>
-                    <a:ext uri="{9D8B030D-6E8A-4147-A177-3AD203B41FA5}">
-                      <a16:colId xmlns:a16="http://schemas.microsoft.com/office/drawing/2014/main" val="4262003928"/>
-                    </a:ext>
-                  </a:extLst>
-                </a:gridCol>
-                <a:gridCol w="388471">
-                  <a:extLst>
-                    <a:ext uri="{9D8B030D-6E8A-4147-A177-3AD203B41FA5}">
-                      <a16:colId xmlns:a16="http://schemas.microsoft.com/office/drawing/2014/main" val="1875573066"/>
-                    </a:ext>
-                  </a:extLst>
-                </a:gridCol>
-                <a:gridCol w="388471">
-                  <a:extLst>
-                    <a:ext uri="{9D8B030D-6E8A-4147-A177-3AD203B41FA5}">
-                      <a16:colId xmlns:a16="http://schemas.microsoft.com/office/drawing/2014/main" val="477312678"/>
-                    </a:ext>
-                  </a:extLst>
-                </a:gridCol>
-              </a:tblGrid>
-              <a:tr h="351452">
-                <a:tc>
-                  <a:txBody>
-                    <a:bodyPr/>
-                    <a:lstStyle/>
-                    <a:p>
-                      <a:endParaRPr lang="en-GB">
-                        <a:solidFill>
-                          <a:schemeClr val="tx1"/>
-                        </a:solidFill>
-                      </a:endParaRPr>
-                    </a:p>
-                  </a:txBody>
-                  <a:tcPr>
-                    <a:lnL w="12700" cap="flat" cmpd="sng" algn="ctr">
-                      <a:solidFill>
-                        <a:schemeClr val="tx1"/>
-                      </a:solidFill>
-                      <a:prstDash val="solid"/>
-                      <a:round/>
-                      <a:headEnd type="none" w="med" len="med"/>
-                      <a:tailEnd type="none" w="med" len="med"/>
-                    </a:lnL>
-                    <a:lnR w="12700" cap="flat" cmpd="sng" algn="ctr">
-                      <a:solidFill>
-                        <a:schemeClr val="tx1"/>
-                      </a:solidFill>
-                      <a:prstDash val="solid"/>
-                      <a:round/>
-                      <a:headEnd type="none" w="med" len="med"/>
-                      <a:tailEnd type="none" w="med" len="med"/>
-                    </a:lnR>
-                    <a:lnT w="12700" cap="flat" cmpd="sng" algn="ctr">
-                      <a:solidFill>
-                        <a:schemeClr val="tx1"/>
-                      </a:solidFill>
-                      <a:prstDash val="solid"/>
-                      <a:round/>
-                      <a:headEnd type="none" w="med" len="med"/>
-                      <a:tailEnd type="none" w="med" len="med"/>
-                    </a:lnT>
-                    <a:lnB w="12700" cap="flat" cmpd="sng" algn="ctr">
-                      <a:solidFill>
-                        <a:schemeClr val="tx1"/>
-                      </a:solidFill>
-                      <a:prstDash val="solid"/>
-                      <a:round/>
-                      <a:headEnd type="none" w="med" len="med"/>
-                      <a:tailEnd type="none" w="med" len="med"/>
-                    </a:lnB>
-                    <a:solidFill>
-                      <a:schemeClr val="accent1">
-                        <a:lumMod val="20000"/>
-                        <a:lumOff val="80000"/>
-                      </a:schemeClr>
-                    </a:solidFill>
-                  </a:tcPr>
-                </a:tc>
-                <a:tc>
-                  <a:txBody>
-                    <a:bodyPr/>
-                    <a:lstStyle/>
-                    <a:p>
-                      <a:r>
-                        <a:rPr lang="en-GB" sz="1100" dirty="0">
-                          <a:solidFill>
-                            <a:schemeClr val="tx1"/>
-                          </a:solidFill>
-                        </a:rPr>
-                        <a:t>13</a:t>
-                      </a:r>
-                    </a:p>
-                  </a:txBody>
-                  <a:tcPr>
-                    <a:lnL w="12700" cap="flat" cmpd="sng" algn="ctr">
-                      <a:solidFill>
-                        <a:schemeClr val="tx1"/>
-                      </a:solidFill>
-                      <a:prstDash val="solid"/>
-                      <a:round/>
-                      <a:headEnd type="none" w="med" len="med"/>
-                      <a:tailEnd type="none" w="med" len="med"/>
-                    </a:lnL>
-                    <a:lnR w="12700" cap="flat" cmpd="sng" algn="ctr">
-                      <a:solidFill>
-                        <a:schemeClr val="tx1"/>
-                      </a:solidFill>
-                      <a:prstDash val="solid"/>
-                      <a:round/>
-                      <a:headEnd type="none" w="med" len="med"/>
-                      <a:tailEnd type="none" w="med" len="med"/>
-                    </a:lnR>
-                    <a:lnT w="12700" cap="flat" cmpd="sng" algn="ctr">
-                      <a:solidFill>
-                        <a:schemeClr val="tx1"/>
-                      </a:solidFill>
-                      <a:prstDash val="solid"/>
-                      <a:round/>
-                      <a:headEnd type="none" w="med" len="med"/>
-                      <a:tailEnd type="none" w="med" len="med"/>
-                    </a:lnT>
-                    <a:lnB w="12700" cap="flat" cmpd="sng" algn="ctr">
-                      <a:solidFill>
-                        <a:schemeClr val="tx1"/>
-                      </a:solidFill>
-                      <a:prstDash val="solid"/>
-                      <a:round/>
-                      <a:headEnd type="none" w="med" len="med"/>
-                      <a:tailEnd type="none" w="med" len="med"/>
-                    </a:lnB>
-                    <a:solidFill>
-                      <a:schemeClr val="accent1">
-                        <a:lumMod val="20000"/>
-                        <a:lumOff val="80000"/>
-                      </a:schemeClr>
-                    </a:solidFill>
-                  </a:tcPr>
-                </a:tc>
-                <a:tc>
-                  <a:txBody>
-                    <a:bodyPr/>
-                    <a:lstStyle/>
-                    <a:p>
-                      <a:r>
-                        <a:rPr lang="en-GB" sz="1100" dirty="0">
-                          <a:solidFill>
-                            <a:schemeClr val="tx1"/>
-                          </a:solidFill>
-                        </a:rPr>
-                        <a:t>+3,3</a:t>
-                      </a:r>
-                    </a:p>
-                  </a:txBody>
-                  <a:tcPr>
-                    <a:lnL w="12700" cap="flat" cmpd="sng" algn="ctr">
-                      <a:solidFill>
-                        <a:schemeClr val="tx1"/>
-                      </a:solidFill>
-                      <a:prstDash val="solid"/>
-                      <a:round/>
-                      <a:headEnd type="none" w="med" len="med"/>
-                      <a:tailEnd type="none" w="med" len="med"/>
-                    </a:lnL>
-                    <a:lnR w="12700" cap="flat" cmpd="sng" algn="ctr">
-                      <a:solidFill>
-                        <a:schemeClr val="tx1"/>
-                      </a:solidFill>
-                      <a:prstDash val="solid"/>
-                      <a:round/>
-                      <a:headEnd type="none" w="med" len="med"/>
-                      <a:tailEnd type="none" w="med" len="med"/>
-                    </a:lnR>
-                    <a:lnT w="12700" cap="flat" cmpd="sng" algn="ctr">
-                      <a:solidFill>
-                        <a:schemeClr val="tx1"/>
-                      </a:solidFill>
-                      <a:prstDash val="solid"/>
-                      <a:round/>
-                      <a:headEnd type="none" w="med" len="med"/>
-                      <a:tailEnd type="none" w="med" len="med"/>
-                    </a:lnT>
-                    <a:lnB w="12700" cap="flat" cmpd="sng" algn="ctr">
-                      <a:solidFill>
-                        <a:schemeClr val="tx1"/>
-                      </a:solidFill>
-                      <a:prstDash val="solid"/>
-                      <a:round/>
-                      <a:headEnd type="none" w="med" len="med"/>
-                      <a:tailEnd type="none" w="med" len="med"/>
-                    </a:lnB>
-                    <a:solidFill>
-                      <a:schemeClr val="accent1">
-                        <a:lumMod val="20000"/>
-                        <a:lumOff val="80000"/>
-                      </a:schemeClr>
-                    </a:solidFill>
-                  </a:tcPr>
-                </a:tc>
-                <a:tc>
-                  <a:txBody>
-                    <a:bodyPr/>
-                    <a:lstStyle/>
-                    <a:p>
-                      <a:r>
-                        <a:rPr lang="en-GB" sz="1100" dirty="0" err="1">
-                          <a:solidFill>
-                            <a:schemeClr val="tx1"/>
-                          </a:solidFill>
-                        </a:rPr>
-                        <a:t>Aref</a:t>
-                      </a:r>
-                      <a:endParaRPr lang="en-GB" sz="1100" dirty="0">
-                        <a:solidFill>
-                          <a:schemeClr val="tx1"/>
-                        </a:solidFill>
-                      </a:endParaRPr>
-                    </a:p>
-                  </a:txBody>
-                  <a:tcPr>
-                    <a:lnL w="12700" cap="flat" cmpd="sng" algn="ctr">
-                      <a:solidFill>
-                        <a:schemeClr val="tx1"/>
-                      </a:solidFill>
-                      <a:prstDash val="solid"/>
-                      <a:round/>
-                      <a:headEnd type="none" w="med" len="med"/>
-                      <a:tailEnd type="none" w="med" len="med"/>
-                    </a:lnL>
-                    <a:lnR w="12700" cap="flat" cmpd="sng" algn="ctr">
-                      <a:solidFill>
-                        <a:schemeClr val="tx1"/>
-                      </a:solidFill>
-                      <a:prstDash val="solid"/>
-                      <a:round/>
-                      <a:headEnd type="none" w="med" len="med"/>
-                      <a:tailEnd type="none" w="med" len="med"/>
-                    </a:lnR>
-                    <a:lnT w="12700" cap="flat" cmpd="sng" algn="ctr">
-                      <a:solidFill>
-                        <a:schemeClr val="tx1"/>
-                      </a:solidFill>
-                      <a:prstDash val="solid"/>
-                      <a:round/>
-                      <a:headEnd type="none" w="med" len="med"/>
-                      <a:tailEnd type="none" w="med" len="med"/>
-                    </a:lnT>
-                    <a:lnB w="12700" cap="flat" cmpd="sng" algn="ctr">
-                      <a:solidFill>
-                        <a:schemeClr val="tx1"/>
-                      </a:solidFill>
-                      <a:prstDash val="solid"/>
-                      <a:round/>
-                      <a:headEnd type="none" w="med" len="med"/>
-                      <a:tailEnd type="none" w="med" len="med"/>
-                    </a:lnB>
-                    <a:solidFill>
-                      <a:schemeClr val="accent1">
-                        <a:lumMod val="20000"/>
-                        <a:lumOff val="80000"/>
-                      </a:schemeClr>
-                    </a:solidFill>
-                  </a:tcPr>
-                </a:tc>
-                <a:tc>
-                  <a:txBody>
-                    <a:bodyPr/>
-                    <a:lstStyle/>
-                    <a:p>
-                      <a:r>
-                        <a:rPr lang="en-GB" sz="1100" dirty="0">
-                          <a:solidFill>
-                            <a:schemeClr val="tx1"/>
-                          </a:solidFill>
-                        </a:rPr>
-                        <a:t>A0</a:t>
-                      </a:r>
-                    </a:p>
-                  </a:txBody>
-                  <a:tcPr>
-                    <a:lnL w="12700" cap="flat" cmpd="sng" algn="ctr">
-                      <a:solidFill>
-                        <a:schemeClr val="tx1"/>
-                      </a:solidFill>
-                      <a:prstDash val="solid"/>
-                      <a:round/>
-                      <a:headEnd type="none" w="med" len="med"/>
-                      <a:tailEnd type="none" w="med" len="med"/>
-                    </a:lnL>
-                    <a:lnR w="12700" cap="flat" cmpd="sng" algn="ctr">
-                      <a:solidFill>
-                        <a:schemeClr val="tx1"/>
-                      </a:solidFill>
-                      <a:prstDash val="solid"/>
-                      <a:round/>
-                      <a:headEnd type="none" w="med" len="med"/>
-                      <a:tailEnd type="none" w="med" len="med"/>
-                    </a:lnR>
-                    <a:lnT w="12700" cap="flat" cmpd="sng" algn="ctr">
-                      <a:solidFill>
-                        <a:schemeClr val="tx1"/>
-                      </a:solidFill>
-                      <a:prstDash val="solid"/>
-                      <a:round/>
-                      <a:headEnd type="none" w="med" len="med"/>
-                      <a:tailEnd type="none" w="med" len="med"/>
-                    </a:lnT>
-                    <a:lnB w="12700" cap="flat" cmpd="sng" algn="ctr">
-                      <a:solidFill>
-                        <a:schemeClr val="tx1"/>
-                      </a:solidFill>
-                      <a:prstDash val="solid"/>
-                      <a:round/>
-                      <a:headEnd type="none" w="med" len="med"/>
-                      <a:tailEnd type="none" w="med" len="med"/>
-                    </a:lnB>
-                    <a:solidFill>
-                      <a:schemeClr val="accent1">
-                        <a:lumMod val="20000"/>
-                        <a:lumOff val="80000"/>
-                      </a:schemeClr>
-                    </a:solidFill>
-                  </a:tcPr>
-                </a:tc>
-                <a:tc>
-                  <a:txBody>
-                    <a:bodyPr/>
-                    <a:lstStyle/>
-                    <a:p>
-                      <a:r>
-                        <a:rPr lang="en-GB" sz="1100" dirty="0">
-                          <a:solidFill>
-                            <a:schemeClr val="tx1"/>
-                          </a:solidFill>
-                        </a:rPr>
-                        <a:t>A1</a:t>
-                      </a:r>
-                    </a:p>
-                  </a:txBody>
-                  <a:tcPr>
-                    <a:lnL w="12700" cap="flat" cmpd="sng" algn="ctr">
-                      <a:solidFill>
-                        <a:schemeClr val="tx1"/>
-                      </a:solidFill>
-                      <a:prstDash val="solid"/>
-                      <a:round/>
-                      <a:headEnd type="none" w="med" len="med"/>
-                      <a:tailEnd type="none" w="med" len="med"/>
-                    </a:lnL>
-                    <a:lnR w="12700" cap="flat" cmpd="sng" algn="ctr">
-                      <a:solidFill>
-                        <a:schemeClr val="tx1"/>
-                      </a:solidFill>
-                      <a:prstDash val="solid"/>
-                      <a:round/>
-                      <a:headEnd type="none" w="med" len="med"/>
-                      <a:tailEnd type="none" w="med" len="med"/>
-                    </a:lnR>
-                    <a:lnT w="12700" cap="flat" cmpd="sng" algn="ctr">
-                      <a:solidFill>
-                        <a:schemeClr val="tx1"/>
-                      </a:solidFill>
-                      <a:prstDash val="solid"/>
-                      <a:round/>
-                      <a:headEnd type="none" w="med" len="med"/>
-                      <a:tailEnd type="none" w="med" len="med"/>
-                    </a:lnT>
-                    <a:lnB w="12700" cap="flat" cmpd="sng" algn="ctr">
-                      <a:solidFill>
-                        <a:schemeClr val="tx1"/>
-                      </a:solidFill>
-                      <a:prstDash val="solid"/>
-                      <a:round/>
-                      <a:headEnd type="none" w="med" len="med"/>
-                      <a:tailEnd type="none" w="med" len="med"/>
-                    </a:lnB>
-                    <a:solidFill>
-                      <a:schemeClr val="accent1">
-                        <a:lumMod val="20000"/>
-                        <a:lumOff val="80000"/>
-                      </a:schemeClr>
-                    </a:solidFill>
-                  </a:tcPr>
-                </a:tc>
-                <a:tc>
-                  <a:txBody>
-                    <a:bodyPr/>
-                    <a:lstStyle/>
-                    <a:p>
-                      <a:r>
-                        <a:rPr lang="en-GB" sz="1100" dirty="0">
-                          <a:solidFill>
-                            <a:schemeClr val="tx1"/>
-                          </a:solidFill>
-                        </a:rPr>
-                        <a:t>A2</a:t>
-                      </a:r>
-                    </a:p>
-                  </a:txBody>
-                  <a:tcPr>
-                    <a:lnL w="12700" cap="flat" cmpd="sng" algn="ctr">
-                      <a:solidFill>
-                        <a:schemeClr val="tx1"/>
-                      </a:solidFill>
-                      <a:prstDash val="solid"/>
-                      <a:round/>
-                      <a:headEnd type="none" w="med" len="med"/>
-                      <a:tailEnd type="none" w="med" len="med"/>
-                    </a:lnL>
-                    <a:lnR w="12700" cap="flat" cmpd="sng" algn="ctr">
-                      <a:solidFill>
-                        <a:schemeClr val="tx1"/>
-                      </a:solidFill>
-                      <a:prstDash val="solid"/>
-                      <a:round/>
-                      <a:headEnd type="none" w="med" len="med"/>
-                      <a:tailEnd type="none" w="med" len="med"/>
-                    </a:lnR>
-                    <a:lnT w="12700" cap="flat" cmpd="sng" algn="ctr">
-                      <a:solidFill>
-                        <a:schemeClr val="tx1"/>
-                      </a:solidFill>
-                      <a:prstDash val="solid"/>
-                      <a:round/>
-                      <a:headEnd type="none" w="med" len="med"/>
-                      <a:tailEnd type="none" w="med" len="med"/>
-                    </a:lnT>
-                    <a:lnB w="12700" cap="flat" cmpd="sng" algn="ctr">
-                      <a:solidFill>
-                        <a:schemeClr val="tx1"/>
-                      </a:solidFill>
-                      <a:prstDash val="solid"/>
-                      <a:round/>
-                      <a:headEnd type="none" w="med" len="med"/>
-                      <a:tailEnd type="none" w="med" len="med"/>
-                    </a:lnB>
-                    <a:solidFill>
-                      <a:schemeClr val="accent1">
-                        <a:lumMod val="20000"/>
-                        <a:lumOff val="80000"/>
-                      </a:schemeClr>
-                    </a:solidFill>
-                  </a:tcPr>
-                </a:tc>
-                <a:tc>
-                  <a:txBody>
-                    <a:bodyPr/>
-                    <a:lstStyle/>
-                    <a:p>
-                      <a:r>
-                        <a:rPr lang="en-GB" sz="1100" dirty="0">
-                          <a:solidFill>
-                            <a:schemeClr val="tx1"/>
-                          </a:solidFill>
-                        </a:rPr>
-                        <a:t>A3</a:t>
-                      </a:r>
-                    </a:p>
-                  </a:txBody>
-                  <a:tcPr>
-                    <a:lnL w="12700" cap="flat" cmpd="sng" algn="ctr">
-                      <a:solidFill>
-                        <a:schemeClr val="tx1"/>
-                      </a:solidFill>
-                      <a:prstDash val="solid"/>
-                      <a:round/>
-                      <a:headEnd type="none" w="med" len="med"/>
-                      <a:tailEnd type="none" w="med" len="med"/>
-                    </a:lnL>
-                    <a:lnR w="12700" cap="flat" cmpd="sng" algn="ctr">
-                      <a:solidFill>
-                        <a:schemeClr val="tx1"/>
-                      </a:solidFill>
-                      <a:prstDash val="solid"/>
-                      <a:round/>
-                      <a:headEnd type="none" w="med" len="med"/>
-                      <a:tailEnd type="none" w="med" len="med"/>
-                    </a:lnR>
-                    <a:lnT w="12700" cap="flat" cmpd="sng" algn="ctr">
-                      <a:solidFill>
-                        <a:schemeClr val="tx1"/>
-                      </a:solidFill>
-                      <a:prstDash val="solid"/>
-                      <a:round/>
-                      <a:headEnd type="none" w="med" len="med"/>
-                      <a:tailEnd type="none" w="med" len="med"/>
-                    </a:lnT>
-                    <a:lnB w="12700" cap="flat" cmpd="sng" algn="ctr">
-                      <a:solidFill>
-                        <a:schemeClr val="tx1"/>
-                      </a:solidFill>
-                      <a:prstDash val="solid"/>
-                      <a:round/>
-                      <a:headEnd type="none" w="med" len="med"/>
-                      <a:tailEnd type="none" w="med" len="med"/>
-                    </a:lnB>
-                    <a:solidFill>
-                      <a:schemeClr val="accent1">
-                        <a:lumMod val="20000"/>
-                        <a:lumOff val="80000"/>
-                      </a:schemeClr>
-                    </a:solidFill>
-                  </a:tcPr>
-                </a:tc>
-                <a:tc>
-                  <a:txBody>
-                    <a:bodyPr/>
-                    <a:lstStyle/>
-                    <a:p>
-                      <a:r>
-                        <a:rPr lang="en-GB" sz="1100" dirty="0">
-                          <a:solidFill>
-                            <a:schemeClr val="tx1"/>
-                          </a:solidFill>
-                        </a:rPr>
-                        <a:t>A4</a:t>
-                      </a:r>
-                    </a:p>
-                  </a:txBody>
-                  <a:tcPr>
-                    <a:lnL w="12700" cap="flat" cmpd="sng" algn="ctr">
-                      <a:solidFill>
-                        <a:schemeClr val="tx1"/>
-                      </a:solidFill>
-                      <a:prstDash val="solid"/>
-                      <a:round/>
-                      <a:headEnd type="none" w="med" len="med"/>
-                      <a:tailEnd type="none" w="med" len="med"/>
-                    </a:lnL>
-                    <a:lnR w="12700" cap="flat" cmpd="sng" algn="ctr">
-                      <a:solidFill>
-                        <a:schemeClr val="tx1"/>
-                      </a:solidFill>
-                      <a:prstDash val="solid"/>
-                      <a:round/>
-                      <a:headEnd type="none" w="med" len="med"/>
-                      <a:tailEnd type="none" w="med" len="med"/>
-                    </a:lnR>
-                    <a:lnT w="12700" cap="flat" cmpd="sng" algn="ctr">
-                      <a:solidFill>
-                        <a:schemeClr val="tx1"/>
-                      </a:solidFill>
-                      <a:prstDash val="solid"/>
-                      <a:round/>
-                      <a:headEnd type="none" w="med" len="med"/>
-                      <a:tailEnd type="none" w="med" len="med"/>
-                    </a:lnT>
-                    <a:lnB w="12700" cap="flat" cmpd="sng" algn="ctr">
-                      <a:solidFill>
-                        <a:schemeClr val="tx1"/>
-                      </a:solidFill>
-                      <a:prstDash val="solid"/>
-                      <a:round/>
-                      <a:headEnd type="none" w="med" len="med"/>
-                      <a:tailEnd type="none" w="med" len="med"/>
-                    </a:lnB>
-                    <a:solidFill>
-                      <a:schemeClr val="accent1">
-                        <a:lumMod val="20000"/>
-                        <a:lumOff val="80000"/>
-                      </a:schemeClr>
-                    </a:solidFill>
-                  </a:tcPr>
-                </a:tc>
-                <a:tc>
-                  <a:txBody>
-                    <a:bodyPr/>
-                    <a:lstStyle/>
-                    <a:p>
-                      <a:r>
-                        <a:rPr lang="en-GB" sz="1100" dirty="0">
-                          <a:solidFill>
-                            <a:schemeClr val="tx1"/>
-                          </a:solidFill>
-                        </a:rPr>
-                        <a:t>A5</a:t>
-                      </a:r>
-                    </a:p>
-                  </a:txBody>
-                  <a:tcPr>
-                    <a:lnL w="12700" cap="flat" cmpd="sng" algn="ctr">
-                      <a:solidFill>
-                        <a:schemeClr val="tx1"/>
-                      </a:solidFill>
-                      <a:prstDash val="solid"/>
-                      <a:round/>
-                      <a:headEnd type="none" w="med" len="med"/>
-                      <a:tailEnd type="none" w="med" len="med"/>
-                    </a:lnL>
-                    <a:lnR w="12700" cap="flat" cmpd="sng" algn="ctr">
-                      <a:solidFill>
-                        <a:schemeClr val="tx1"/>
-                      </a:solidFill>
-                      <a:prstDash val="solid"/>
-                      <a:round/>
-                      <a:headEnd type="none" w="med" len="med"/>
-                      <a:tailEnd type="none" w="med" len="med"/>
-                    </a:lnR>
-                    <a:lnT w="12700" cap="flat" cmpd="sng" algn="ctr">
-                      <a:solidFill>
-                        <a:schemeClr val="tx1"/>
-                      </a:solidFill>
-                      <a:prstDash val="solid"/>
-                      <a:round/>
-                      <a:headEnd type="none" w="med" len="med"/>
-                      <a:tailEnd type="none" w="med" len="med"/>
-                    </a:lnT>
-                    <a:lnB w="12700" cap="flat" cmpd="sng" algn="ctr">
-                      <a:solidFill>
-                        <a:schemeClr val="tx1"/>
-                      </a:solidFill>
-                      <a:prstDash val="solid"/>
-                      <a:round/>
-                      <a:headEnd type="none" w="med" len="med"/>
-                      <a:tailEnd type="none" w="med" len="med"/>
-                    </a:lnB>
-                    <a:solidFill>
-                      <a:schemeClr val="accent1">
-                        <a:lumMod val="20000"/>
-                        <a:lumOff val="80000"/>
-                      </a:schemeClr>
-                    </a:solidFill>
-                  </a:tcPr>
-                </a:tc>
-                <a:tc>
-                  <a:txBody>
-                    <a:bodyPr/>
-                    <a:lstStyle/>
-                    <a:p>
-                      <a:r>
-                        <a:rPr lang="en-GB" sz="1100" dirty="0">
-                          <a:solidFill>
-                            <a:schemeClr val="tx1"/>
-                          </a:solidFill>
-                        </a:rPr>
-                        <a:t>A6</a:t>
-                      </a:r>
-                    </a:p>
-                  </a:txBody>
-                  <a:tcPr>
-                    <a:lnL w="12700" cap="flat" cmpd="sng" algn="ctr">
-                      <a:solidFill>
-                        <a:schemeClr val="tx1"/>
-                      </a:solidFill>
-                      <a:prstDash val="solid"/>
-                      <a:round/>
-                      <a:headEnd type="none" w="med" len="med"/>
-                      <a:tailEnd type="none" w="med" len="med"/>
-                    </a:lnL>
-                    <a:lnR w="12700" cap="flat" cmpd="sng" algn="ctr">
-                      <a:solidFill>
-                        <a:schemeClr val="tx1"/>
-                      </a:solidFill>
-                      <a:prstDash val="solid"/>
-                      <a:round/>
-                      <a:headEnd type="none" w="med" len="med"/>
-                      <a:tailEnd type="none" w="med" len="med"/>
-                    </a:lnR>
-                    <a:lnT w="12700" cap="flat" cmpd="sng" algn="ctr">
-                      <a:solidFill>
-                        <a:schemeClr val="tx1"/>
-                      </a:solidFill>
-                      <a:prstDash val="solid"/>
-                      <a:round/>
-                      <a:headEnd type="none" w="med" len="med"/>
-                      <a:tailEnd type="none" w="med" len="med"/>
-                    </a:lnT>
-                    <a:lnB w="12700" cap="flat" cmpd="sng" algn="ctr">
-                      <a:solidFill>
-                        <a:schemeClr val="tx1"/>
-                      </a:solidFill>
-                      <a:prstDash val="solid"/>
-                      <a:round/>
-                      <a:headEnd type="none" w="med" len="med"/>
-                      <a:tailEnd type="none" w="med" len="med"/>
-                    </a:lnB>
-                    <a:solidFill>
-                      <a:schemeClr val="accent1">
-                        <a:lumMod val="20000"/>
-                        <a:lumOff val="80000"/>
-                      </a:schemeClr>
-                    </a:solidFill>
-                  </a:tcPr>
-                </a:tc>
-                <a:tc>
-                  <a:txBody>
-                    <a:bodyPr/>
-                    <a:lstStyle/>
-                    <a:p>
-                      <a:r>
-                        <a:rPr lang="en-GB" sz="1100" dirty="0">
-                          <a:solidFill>
-                            <a:schemeClr val="tx1"/>
-                          </a:solidFill>
-                        </a:rPr>
-                        <a:t>A7</a:t>
-                      </a:r>
-                    </a:p>
-                  </a:txBody>
-                  <a:tcPr>
-                    <a:lnL w="12700" cap="flat" cmpd="sng" algn="ctr">
-                      <a:solidFill>
-                        <a:schemeClr val="tx1"/>
-                      </a:solidFill>
-                      <a:prstDash val="solid"/>
-                      <a:round/>
-                      <a:headEnd type="none" w="med" len="med"/>
-                      <a:tailEnd type="none" w="med" len="med"/>
-                    </a:lnL>
-                    <a:lnR w="12700" cap="flat" cmpd="sng" algn="ctr">
-                      <a:solidFill>
-                        <a:schemeClr val="tx1"/>
-                      </a:solidFill>
-                      <a:prstDash val="solid"/>
-                      <a:round/>
-                      <a:headEnd type="none" w="med" len="med"/>
-                      <a:tailEnd type="none" w="med" len="med"/>
-                    </a:lnR>
-                    <a:lnT w="12700" cap="flat" cmpd="sng" algn="ctr">
-                      <a:solidFill>
-                        <a:schemeClr val="tx1"/>
-                      </a:solidFill>
-                      <a:prstDash val="solid"/>
-                      <a:round/>
-                      <a:headEnd type="none" w="med" len="med"/>
-                      <a:tailEnd type="none" w="med" len="med"/>
-                    </a:lnT>
-                    <a:lnB w="12700" cap="flat" cmpd="sng" algn="ctr">
-                      <a:solidFill>
-                        <a:schemeClr val="tx1"/>
-                      </a:solidFill>
-                      <a:prstDash val="solid"/>
-                      <a:round/>
-                      <a:headEnd type="none" w="med" len="med"/>
-                      <a:tailEnd type="none" w="med" len="med"/>
-                    </a:lnB>
-                    <a:solidFill>
-                      <a:schemeClr val="accent1">
-                        <a:lumMod val="20000"/>
-                        <a:lumOff val="80000"/>
-                      </a:schemeClr>
-                    </a:solidFill>
-                  </a:tcPr>
-                </a:tc>
-                <a:tc>
-                  <a:txBody>
-                    <a:bodyPr/>
-                    <a:lstStyle/>
-                    <a:p>
-                      <a:r>
-                        <a:rPr lang="en-GB" sz="1100" dirty="0">
-                          <a:solidFill>
-                            <a:schemeClr val="tx1"/>
-                          </a:solidFill>
-                        </a:rPr>
-                        <a:t>5V</a:t>
-                      </a:r>
-                    </a:p>
-                  </a:txBody>
-                  <a:tcPr>
-                    <a:lnL w="12700" cap="flat" cmpd="sng" algn="ctr">
-                      <a:solidFill>
-                        <a:schemeClr val="tx1"/>
-                      </a:solidFill>
-                      <a:prstDash val="solid"/>
-                      <a:round/>
-                      <a:headEnd type="none" w="med" len="med"/>
-                      <a:tailEnd type="none" w="med" len="med"/>
-                    </a:lnL>
-                    <a:lnR w="12700" cap="flat" cmpd="sng" algn="ctr">
-                      <a:solidFill>
-                        <a:schemeClr val="tx1"/>
-                      </a:solidFill>
-                      <a:prstDash val="solid"/>
-                      <a:round/>
-                      <a:headEnd type="none" w="med" len="med"/>
-                      <a:tailEnd type="none" w="med" len="med"/>
-                    </a:lnR>
-                    <a:lnT w="12700" cap="flat" cmpd="sng" algn="ctr">
-                      <a:solidFill>
-                        <a:schemeClr val="tx1"/>
-                      </a:solidFill>
-                      <a:prstDash val="solid"/>
-                      <a:round/>
-                      <a:headEnd type="none" w="med" len="med"/>
-                      <a:tailEnd type="none" w="med" len="med"/>
-                    </a:lnT>
-                    <a:lnB w="12700" cap="flat" cmpd="sng" algn="ctr">
-                      <a:solidFill>
-                        <a:schemeClr val="tx1"/>
-                      </a:solidFill>
-                      <a:prstDash val="solid"/>
-                      <a:round/>
-                      <a:headEnd type="none" w="med" len="med"/>
-                      <a:tailEnd type="none" w="med" len="med"/>
-                    </a:lnB>
-                    <a:solidFill>
-                      <a:schemeClr val="accent1">
-                        <a:lumMod val="20000"/>
-                        <a:lumOff val="80000"/>
-                      </a:schemeClr>
-                    </a:solidFill>
-                  </a:tcPr>
-                </a:tc>
-                <a:tc>
-                  <a:txBody>
-                    <a:bodyPr/>
-                    <a:lstStyle/>
-                    <a:p>
-                      <a:r>
-                        <a:rPr lang="en-GB" sz="1100" dirty="0">
-                          <a:solidFill>
-                            <a:schemeClr val="tx1"/>
-                          </a:solidFill>
-                        </a:rPr>
-                        <a:t>RST</a:t>
-                      </a:r>
-                    </a:p>
-                  </a:txBody>
-                  <a:tcPr>
-                    <a:lnL w="12700" cap="flat" cmpd="sng" algn="ctr">
-                      <a:solidFill>
-                        <a:schemeClr val="tx1"/>
-                      </a:solidFill>
-                      <a:prstDash val="solid"/>
-                      <a:round/>
-                      <a:headEnd type="none" w="med" len="med"/>
-                      <a:tailEnd type="none" w="med" len="med"/>
-                    </a:lnL>
-                    <a:lnR w="12700" cap="flat" cmpd="sng" algn="ctr">
-                      <a:solidFill>
-                        <a:schemeClr val="tx1"/>
-                      </a:solidFill>
-                      <a:prstDash val="solid"/>
-                      <a:round/>
-                      <a:headEnd type="none" w="med" len="med"/>
-                      <a:tailEnd type="none" w="med" len="med"/>
-                    </a:lnR>
-                    <a:lnT w="12700" cap="flat" cmpd="sng" algn="ctr">
-                      <a:solidFill>
-                        <a:schemeClr val="tx1"/>
-                      </a:solidFill>
-                      <a:prstDash val="solid"/>
-                      <a:round/>
-                      <a:headEnd type="none" w="med" len="med"/>
-                      <a:tailEnd type="none" w="med" len="med"/>
-                    </a:lnT>
-                    <a:lnB w="12700" cap="flat" cmpd="sng" algn="ctr">
-                      <a:solidFill>
-                        <a:schemeClr val="tx1"/>
-                      </a:solidFill>
-                      <a:prstDash val="solid"/>
-                      <a:round/>
-                      <a:headEnd type="none" w="med" len="med"/>
-                      <a:tailEnd type="none" w="med" len="med"/>
-                    </a:lnB>
-                    <a:solidFill>
-                      <a:schemeClr val="accent1">
-                        <a:lumMod val="20000"/>
-                        <a:lumOff val="80000"/>
-                      </a:schemeClr>
-                    </a:solidFill>
-                  </a:tcPr>
-                </a:tc>
-                <a:tc>
-                  <a:txBody>
-                    <a:bodyPr/>
-                    <a:lstStyle/>
-                    <a:p>
-                      <a:r>
-                        <a:rPr lang="en-GB" sz="1100" dirty="0">
-                          <a:solidFill>
-                            <a:schemeClr val="tx1"/>
-                          </a:solidFill>
-                        </a:rPr>
-                        <a:t>GND</a:t>
-                      </a:r>
-                    </a:p>
-                  </a:txBody>
-                  <a:tcPr>
-                    <a:lnL w="12700" cap="flat" cmpd="sng" algn="ctr">
-                      <a:solidFill>
-                        <a:schemeClr val="tx1"/>
-                      </a:solidFill>
-                      <a:prstDash val="solid"/>
-                      <a:round/>
-                      <a:headEnd type="none" w="med" len="med"/>
-                      <a:tailEnd type="none" w="med" len="med"/>
-                    </a:lnL>
-                    <a:lnR w="12700" cap="flat" cmpd="sng" algn="ctr">
-                      <a:solidFill>
-                        <a:schemeClr val="tx1"/>
-                      </a:solidFill>
-                      <a:prstDash val="solid"/>
-                      <a:round/>
-                      <a:headEnd type="none" w="med" len="med"/>
-                      <a:tailEnd type="none" w="med" len="med"/>
-                    </a:lnR>
-                    <a:lnT w="12700" cap="flat" cmpd="sng" algn="ctr">
-                      <a:solidFill>
-                        <a:schemeClr val="tx1"/>
-                      </a:solidFill>
-                      <a:prstDash val="solid"/>
-                      <a:round/>
-                      <a:headEnd type="none" w="med" len="med"/>
-                      <a:tailEnd type="none" w="med" len="med"/>
-                    </a:lnT>
-                    <a:lnB w="12700" cap="flat" cmpd="sng" algn="ctr">
-                      <a:solidFill>
-                        <a:schemeClr val="tx1"/>
-                      </a:solidFill>
-                      <a:prstDash val="solid"/>
-                      <a:round/>
-                      <a:headEnd type="none" w="med" len="med"/>
-                      <a:tailEnd type="none" w="med" len="med"/>
-                    </a:lnB>
-                    <a:solidFill>
-                      <a:schemeClr val="accent1">
-                        <a:lumMod val="20000"/>
-                        <a:lumOff val="80000"/>
-                      </a:schemeClr>
-                    </a:solidFill>
-                  </a:tcPr>
-                </a:tc>
-                <a:tc>
-                  <a:txBody>
-                    <a:bodyPr/>
-                    <a:lstStyle/>
-                    <a:p>
-                      <a:r>
-                        <a:rPr lang="en-GB" sz="1100" dirty="0">
-                          <a:solidFill>
-                            <a:schemeClr val="tx1"/>
-                          </a:solidFill>
-                        </a:rPr>
-                        <a:t>Vin</a:t>
-                      </a:r>
-                    </a:p>
-                  </a:txBody>
-                  <a:tcPr>
-                    <a:lnL w="12700" cap="flat" cmpd="sng" algn="ctr">
-                      <a:solidFill>
-                        <a:schemeClr val="tx1"/>
-                      </a:solidFill>
-                      <a:prstDash val="solid"/>
-                      <a:round/>
-                      <a:headEnd type="none" w="med" len="med"/>
-                      <a:tailEnd type="none" w="med" len="med"/>
-                    </a:lnL>
-                    <a:lnR w="12700" cap="flat" cmpd="sng" algn="ctr">
-                      <a:solidFill>
-                        <a:schemeClr val="tx1"/>
-                      </a:solidFill>
-                      <a:prstDash val="solid"/>
-                      <a:round/>
-                      <a:headEnd type="none" w="med" len="med"/>
-                      <a:tailEnd type="none" w="med" len="med"/>
-                    </a:lnR>
-                    <a:lnT w="12700" cap="flat" cmpd="sng" algn="ctr">
-                      <a:solidFill>
-                        <a:schemeClr val="tx1"/>
-                      </a:solidFill>
-                      <a:prstDash val="solid"/>
-                      <a:round/>
-                      <a:headEnd type="none" w="med" len="med"/>
-                      <a:tailEnd type="none" w="med" len="med"/>
-                    </a:lnT>
-                    <a:lnB w="12700" cap="flat" cmpd="sng" algn="ctr">
-                      <a:solidFill>
-                        <a:schemeClr val="tx1"/>
-                      </a:solidFill>
-                      <a:prstDash val="solid"/>
-                      <a:round/>
-                      <a:headEnd type="none" w="med" len="med"/>
-                      <a:tailEnd type="none" w="med" len="med"/>
-                    </a:lnB>
-                    <a:solidFill>
-                      <a:schemeClr val="accent1">
-                        <a:lumMod val="20000"/>
-                        <a:lumOff val="80000"/>
-                      </a:schemeClr>
-                    </a:solidFill>
-                  </a:tcPr>
-                </a:tc>
-                <a:tc>
-                  <a:txBody>
-                    <a:bodyPr/>
-                    <a:lstStyle/>
-                    <a:p>
-                      <a:endParaRPr lang="en-GB">
-                        <a:solidFill>
-                          <a:schemeClr val="tx1"/>
-                        </a:solidFill>
-                      </a:endParaRPr>
-                    </a:p>
-                  </a:txBody>
-                  <a:tcPr>
-                    <a:lnL w="12700" cap="flat" cmpd="sng" algn="ctr">
-                      <a:solidFill>
-                        <a:schemeClr val="tx1"/>
-                      </a:solidFill>
-                      <a:prstDash val="solid"/>
-                      <a:round/>
-                      <a:headEnd type="none" w="med" len="med"/>
-                      <a:tailEnd type="none" w="med" len="med"/>
-                    </a:lnL>
-                    <a:lnR w="12700" cap="flat" cmpd="sng" algn="ctr">
-                      <a:solidFill>
-                        <a:schemeClr val="tx1"/>
-                      </a:solidFill>
-                      <a:prstDash val="solid"/>
-                      <a:round/>
-                      <a:headEnd type="none" w="med" len="med"/>
-                      <a:tailEnd type="none" w="med" len="med"/>
-                    </a:lnR>
-                    <a:lnT w="12700" cap="flat" cmpd="sng" algn="ctr">
-                      <a:solidFill>
-                        <a:schemeClr val="tx1"/>
-                      </a:solidFill>
-                      <a:prstDash val="solid"/>
-                      <a:round/>
-                      <a:headEnd type="none" w="med" len="med"/>
-                      <a:tailEnd type="none" w="med" len="med"/>
-                    </a:lnT>
-                    <a:lnB w="12700" cap="flat" cmpd="sng" algn="ctr">
-                      <a:solidFill>
-                        <a:schemeClr val="tx1"/>
-                      </a:solidFill>
-                      <a:prstDash val="solid"/>
-                      <a:round/>
-                      <a:headEnd type="none" w="med" len="med"/>
-                      <a:tailEnd type="none" w="med" len="med"/>
-                    </a:lnB>
-                    <a:solidFill>
-                      <a:schemeClr val="accent1">
-                        <a:lumMod val="20000"/>
-                        <a:lumOff val="80000"/>
-                      </a:schemeClr>
-                    </a:solidFill>
-                  </a:tcPr>
-                </a:tc>
-                <a:extLst>
-                  <a:ext uri="{0D108BD9-81ED-4DB2-BD59-A6C34878D82A}">
-                    <a16:rowId xmlns:a16="http://schemas.microsoft.com/office/drawing/2014/main" val="4286469677"/>
-                  </a:ext>
-                </a:extLst>
-              </a:tr>
-              <a:tr h="370840">
-                <a:tc>
-                  <a:txBody>
-                    <a:bodyPr/>
-                    <a:lstStyle/>
-                    <a:p>
-                      <a:endParaRPr lang="en-GB">
-                        <a:solidFill>
-                          <a:schemeClr val="tx1"/>
-                        </a:solidFill>
-                      </a:endParaRPr>
-                    </a:p>
-                  </a:txBody>
-                  <a:tcPr>
-                    <a:lnL w="12700" cap="flat" cmpd="sng" algn="ctr">
-                      <a:solidFill>
-                        <a:schemeClr val="tx1"/>
-                      </a:solidFill>
-                      <a:prstDash val="solid"/>
-                      <a:round/>
-                      <a:headEnd type="none" w="med" len="med"/>
-                      <a:tailEnd type="none" w="med" len="med"/>
-                    </a:lnL>
-                    <a:lnR w="12700" cap="flat" cmpd="sng" algn="ctr">
-                      <a:solidFill>
-                        <a:schemeClr val="tx1"/>
-                      </a:solidFill>
-                      <a:prstDash val="solid"/>
-                      <a:round/>
-                      <a:headEnd type="none" w="med" len="med"/>
-                      <a:tailEnd type="none" w="med" len="med"/>
-                    </a:lnR>
-                    <a:lnT w="12700" cap="flat" cmpd="sng" algn="ctr">
-                      <a:solidFill>
-                        <a:schemeClr val="tx1"/>
-                      </a:solidFill>
-                      <a:prstDash val="solid"/>
-                      <a:round/>
-                      <a:headEnd type="none" w="med" len="med"/>
-                      <a:tailEnd type="none" w="med" len="med"/>
-                    </a:lnT>
-                    <a:lnB w="12700" cap="flat" cmpd="sng" algn="ctr">
-                      <a:solidFill>
-                        <a:schemeClr val="tx1"/>
-                      </a:solidFill>
-                      <a:prstDash val="solid"/>
-                      <a:round/>
-                      <a:headEnd type="none" w="med" len="med"/>
-                      <a:tailEnd type="none" w="med" len="med"/>
-                    </a:lnB>
-                    <a:solidFill>
-                      <a:schemeClr val="accent1">
-                        <a:lumMod val="20000"/>
-                        <a:lumOff val="80000"/>
-                      </a:schemeClr>
-                    </a:solidFill>
-                  </a:tcPr>
-                </a:tc>
-                <a:tc>
-                  <a:txBody>
-                    <a:bodyPr/>
-                    <a:lstStyle/>
-                    <a:p>
-                      <a:endParaRPr lang="en-GB" dirty="0">
-                        <a:solidFill>
-                          <a:schemeClr val="tx1"/>
-                        </a:solidFill>
-                      </a:endParaRPr>
-                    </a:p>
-                  </a:txBody>
-                  <a:tcPr>
-                    <a:lnL w="12700" cap="flat" cmpd="sng" algn="ctr">
-                      <a:solidFill>
-                        <a:schemeClr val="tx1"/>
-                      </a:solidFill>
-                      <a:prstDash val="solid"/>
-                      <a:round/>
-                      <a:headEnd type="none" w="med" len="med"/>
-                      <a:tailEnd type="none" w="med" len="med"/>
-                    </a:lnL>
-                    <a:lnR w="12700" cap="flat" cmpd="sng" algn="ctr">
-                      <a:solidFill>
-                        <a:schemeClr val="tx1"/>
-                      </a:solidFill>
-                      <a:prstDash val="solid"/>
-                      <a:round/>
-                      <a:headEnd type="none" w="med" len="med"/>
-                      <a:tailEnd type="none" w="med" len="med"/>
-                    </a:lnR>
-                    <a:lnT w="12700" cap="flat" cmpd="sng" algn="ctr">
-                      <a:solidFill>
-                        <a:schemeClr val="tx1"/>
-                      </a:solidFill>
-                      <a:prstDash val="solid"/>
-                      <a:round/>
-                      <a:headEnd type="none" w="med" len="med"/>
-                      <a:tailEnd type="none" w="med" len="med"/>
-                    </a:lnT>
-                    <a:lnB w="12700" cap="flat" cmpd="sng" algn="ctr">
-                      <a:solidFill>
-                        <a:schemeClr val="tx1"/>
-                      </a:solidFill>
-                      <a:prstDash val="solid"/>
-                      <a:round/>
-                      <a:headEnd type="none" w="med" len="med"/>
-                      <a:tailEnd type="none" w="med" len="med"/>
-                    </a:lnB>
-                    <a:solidFill>
-                      <a:schemeClr val="accent1">
-                        <a:lumMod val="20000"/>
-                        <a:lumOff val="80000"/>
-                      </a:schemeClr>
-                    </a:solidFill>
-                  </a:tcPr>
-                </a:tc>
-                <a:tc>
-                  <a:txBody>
-                    <a:bodyPr/>
-                    <a:lstStyle/>
-                    <a:p>
-                      <a:endParaRPr lang="en-GB">
-                        <a:solidFill>
-                          <a:schemeClr val="tx1"/>
-                        </a:solidFill>
-                      </a:endParaRPr>
-                    </a:p>
-                  </a:txBody>
-                  <a:tcPr>
-                    <a:lnL w="12700" cap="flat" cmpd="sng" algn="ctr">
-                      <a:solidFill>
-                        <a:schemeClr val="tx1"/>
-                      </a:solidFill>
-                      <a:prstDash val="solid"/>
-                      <a:round/>
-                      <a:headEnd type="none" w="med" len="med"/>
-                      <a:tailEnd type="none" w="med" len="med"/>
-                    </a:lnL>
-                    <a:lnR w="12700" cap="flat" cmpd="sng" algn="ctr">
-                      <a:solidFill>
-                        <a:schemeClr val="tx1"/>
-                      </a:solidFill>
-                      <a:prstDash val="solid"/>
-                      <a:round/>
-                      <a:headEnd type="none" w="med" len="med"/>
-                      <a:tailEnd type="none" w="med" len="med"/>
-                    </a:lnR>
-                    <a:lnT w="12700" cap="flat" cmpd="sng" algn="ctr">
-                      <a:solidFill>
-                        <a:schemeClr val="tx1"/>
-                      </a:solidFill>
-                      <a:prstDash val="solid"/>
-                      <a:round/>
-                      <a:headEnd type="none" w="med" len="med"/>
-                      <a:tailEnd type="none" w="med" len="med"/>
-                    </a:lnT>
-                    <a:lnB w="12700" cap="flat" cmpd="sng" algn="ctr">
-                      <a:solidFill>
-                        <a:schemeClr val="tx1"/>
-                      </a:solidFill>
-                      <a:prstDash val="solid"/>
-                      <a:round/>
-                      <a:headEnd type="none" w="med" len="med"/>
-                      <a:tailEnd type="none" w="med" len="med"/>
-                    </a:lnB>
-                    <a:solidFill>
-                      <a:schemeClr val="accent1">
-                        <a:lumMod val="20000"/>
-                        <a:lumOff val="80000"/>
-                      </a:schemeClr>
-                    </a:solidFill>
-                  </a:tcPr>
-                </a:tc>
-                <a:tc>
-                  <a:txBody>
-                    <a:bodyPr/>
-                    <a:lstStyle/>
-                    <a:p>
-                      <a:endParaRPr lang="en-GB">
-                        <a:solidFill>
-                          <a:schemeClr val="tx1"/>
-                        </a:solidFill>
-                      </a:endParaRPr>
-                    </a:p>
-                  </a:txBody>
-                  <a:tcPr>
-                    <a:lnL w="12700" cap="flat" cmpd="sng" algn="ctr">
-                      <a:solidFill>
-                        <a:schemeClr val="tx1"/>
-                      </a:solidFill>
-                      <a:prstDash val="solid"/>
-                      <a:round/>
-                      <a:headEnd type="none" w="med" len="med"/>
-                      <a:tailEnd type="none" w="med" len="med"/>
-                    </a:lnL>
-                    <a:lnR w="12700" cap="flat" cmpd="sng" algn="ctr">
-                      <a:solidFill>
-                        <a:schemeClr val="tx1"/>
-                      </a:solidFill>
-                      <a:prstDash val="solid"/>
-                      <a:round/>
-                      <a:headEnd type="none" w="med" len="med"/>
-                      <a:tailEnd type="none" w="med" len="med"/>
-                    </a:lnR>
-                    <a:lnT w="12700" cap="flat" cmpd="sng" algn="ctr">
-                      <a:solidFill>
-                        <a:schemeClr val="tx1"/>
-                      </a:solidFill>
-                      <a:prstDash val="solid"/>
-                      <a:round/>
-                      <a:headEnd type="none" w="med" len="med"/>
-                      <a:tailEnd type="none" w="med" len="med"/>
-                    </a:lnT>
-                    <a:lnB w="12700" cap="flat" cmpd="sng" algn="ctr">
-                      <a:solidFill>
-                        <a:schemeClr val="tx1"/>
-                      </a:solidFill>
-                      <a:prstDash val="solid"/>
-                      <a:round/>
-                      <a:headEnd type="none" w="med" len="med"/>
-                      <a:tailEnd type="none" w="med" len="med"/>
-                    </a:lnB>
-                    <a:solidFill>
-                      <a:schemeClr val="accent1">
-                        <a:lumMod val="20000"/>
-                        <a:lumOff val="80000"/>
-                      </a:schemeClr>
-                    </a:solidFill>
-                  </a:tcPr>
-                </a:tc>
-                <a:tc>
-                  <a:txBody>
-                    <a:bodyPr/>
-                    <a:lstStyle/>
-                    <a:p>
-                      <a:endParaRPr lang="en-GB">
-                        <a:solidFill>
-                          <a:schemeClr val="tx1"/>
-                        </a:solidFill>
-                      </a:endParaRPr>
-                    </a:p>
-                  </a:txBody>
-                  <a:tcPr>
-                    <a:lnL w="12700" cap="flat" cmpd="sng" algn="ctr">
-                      <a:solidFill>
-                        <a:schemeClr val="tx1"/>
-                      </a:solidFill>
-                      <a:prstDash val="solid"/>
-                      <a:round/>
-                      <a:headEnd type="none" w="med" len="med"/>
-                      <a:tailEnd type="none" w="med" len="med"/>
-                    </a:lnL>
-                    <a:lnR w="12700" cap="flat" cmpd="sng" algn="ctr">
-                      <a:solidFill>
-                        <a:schemeClr val="tx1"/>
-                      </a:solidFill>
-                      <a:prstDash val="solid"/>
-                      <a:round/>
-                      <a:headEnd type="none" w="med" len="med"/>
-                      <a:tailEnd type="none" w="med" len="med"/>
-                    </a:lnR>
-                    <a:lnT w="12700" cap="flat" cmpd="sng" algn="ctr">
-                      <a:solidFill>
-                        <a:schemeClr val="tx1"/>
-                      </a:solidFill>
-                      <a:prstDash val="solid"/>
-                      <a:round/>
-                      <a:headEnd type="none" w="med" len="med"/>
-                      <a:tailEnd type="none" w="med" len="med"/>
-                    </a:lnT>
-                    <a:lnB w="12700" cap="flat" cmpd="sng" algn="ctr">
-                      <a:solidFill>
-                        <a:schemeClr val="tx1"/>
-                      </a:solidFill>
-                      <a:prstDash val="solid"/>
-                      <a:round/>
-                      <a:headEnd type="none" w="med" len="med"/>
-                      <a:tailEnd type="none" w="med" len="med"/>
-                    </a:lnB>
-                    <a:solidFill>
-                      <a:schemeClr val="accent1">
-                        <a:lumMod val="20000"/>
-                        <a:lumOff val="80000"/>
-                      </a:schemeClr>
-                    </a:solidFill>
-                  </a:tcPr>
-                </a:tc>
-                <a:tc>
-                  <a:txBody>
-                    <a:bodyPr/>
-                    <a:lstStyle/>
-                    <a:p>
-                      <a:endParaRPr lang="en-GB">
-                        <a:solidFill>
-                          <a:schemeClr val="tx1"/>
-                        </a:solidFill>
-                      </a:endParaRPr>
-                    </a:p>
-                  </a:txBody>
-                  <a:tcPr>
-                    <a:lnL w="12700" cap="flat" cmpd="sng" algn="ctr">
-                      <a:solidFill>
-                        <a:schemeClr val="tx1"/>
-                      </a:solidFill>
-                      <a:prstDash val="solid"/>
-                      <a:round/>
-                      <a:headEnd type="none" w="med" len="med"/>
-                      <a:tailEnd type="none" w="med" len="med"/>
-                    </a:lnL>
-                    <a:lnR w="12700" cap="flat" cmpd="sng" algn="ctr">
-                      <a:solidFill>
-                        <a:schemeClr val="tx1"/>
-                      </a:solidFill>
-                      <a:prstDash val="solid"/>
-                      <a:round/>
-                      <a:headEnd type="none" w="med" len="med"/>
-                      <a:tailEnd type="none" w="med" len="med"/>
-                    </a:lnR>
-                    <a:lnT w="12700" cap="flat" cmpd="sng" algn="ctr">
-                      <a:solidFill>
-                        <a:schemeClr val="tx1"/>
-                      </a:solidFill>
-                      <a:prstDash val="solid"/>
-                      <a:round/>
-                      <a:headEnd type="none" w="med" len="med"/>
-                      <a:tailEnd type="none" w="med" len="med"/>
-                    </a:lnT>
-                    <a:lnB w="12700" cap="flat" cmpd="sng" algn="ctr">
-                      <a:solidFill>
-                        <a:schemeClr val="tx1"/>
-                      </a:solidFill>
-                      <a:prstDash val="solid"/>
-                      <a:round/>
-                      <a:headEnd type="none" w="med" len="med"/>
-                      <a:tailEnd type="none" w="med" len="med"/>
-                    </a:lnB>
-                    <a:solidFill>
-                      <a:schemeClr val="accent1">
-                        <a:lumMod val="20000"/>
-                        <a:lumOff val="80000"/>
-                      </a:schemeClr>
-                    </a:solidFill>
-                  </a:tcPr>
-                </a:tc>
-                <a:tc>
-                  <a:txBody>
-                    <a:bodyPr/>
-                    <a:lstStyle/>
-                    <a:p>
-                      <a:endParaRPr lang="en-GB">
-                        <a:solidFill>
-                          <a:schemeClr val="tx1"/>
-                        </a:solidFill>
-                      </a:endParaRPr>
-                    </a:p>
-                  </a:txBody>
-                  <a:tcPr>
-                    <a:lnL w="12700" cap="flat" cmpd="sng" algn="ctr">
-                      <a:solidFill>
-                        <a:schemeClr val="tx1"/>
-                      </a:solidFill>
-                      <a:prstDash val="solid"/>
-                      <a:round/>
-                      <a:headEnd type="none" w="med" len="med"/>
-                      <a:tailEnd type="none" w="med" len="med"/>
-                    </a:lnL>
-                    <a:lnR w="12700" cap="flat" cmpd="sng" algn="ctr">
-                      <a:solidFill>
-                        <a:schemeClr val="tx1"/>
-                      </a:solidFill>
-                      <a:prstDash val="solid"/>
-                      <a:round/>
-                      <a:headEnd type="none" w="med" len="med"/>
-                      <a:tailEnd type="none" w="med" len="med"/>
-                    </a:lnR>
-                    <a:lnT w="12700" cap="flat" cmpd="sng" algn="ctr">
-                      <a:solidFill>
-                        <a:schemeClr val="tx1"/>
-                      </a:solidFill>
-                      <a:prstDash val="solid"/>
-                      <a:round/>
-                      <a:headEnd type="none" w="med" len="med"/>
-                      <a:tailEnd type="none" w="med" len="med"/>
-                    </a:lnT>
-                    <a:lnB w="12700" cap="flat" cmpd="sng" algn="ctr">
-                      <a:solidFill>
-                        <a:schemeClr val="tx1"/>
-                      </a:solidFill>
-                      <a:prstDash val="solid"/>
-                      <a:round/>
-                      <a:headEnd type="none" w="med" len="med"/>
-                      <a:tailEnd type="none" w="med" len="med"/>
-                    </a:lnB>
-                    <a:solidFill>
-                      <a:schemeClr val="accent1">
-                        <a:lumMod val="20000"/>
-                        <a:lumOff val="80000"/>
-                      </a:schemeClr>
-                    </a:solidFill>
-                  </a:tcPr>
-                </a:tc>
-                <a:tc>
-                  <a:txBody>
-                    <a:bodyPr/>
-                    <a:lstStyle/>
-                    <a:p>
-                      <a:endParaRPr lang="en-GB">
-                        <a:solidFill>
-                          <a:schemeClr val="tx1"/>
-                        </a:solidFill>
-                      </a:endParaRPr>
-                    </a:p>
-                  </a:txBody>
-                  <a:tcPr>
-                    <a:lnL w="12700" cap="flat" cmpd="sng" algn="ctr">
-                      <a:solidFill>
-                        <a:schemeClr val="tx1"/>
-                      </a:solidFill>
-                      <a:prstDash val="solid"/>
-                      <a:round/>
-                      <a:headEnd type="none" w="med" len="med"/>
-                      <a:tailEnd type="none" w="med" len="med"/>
-                    </a:lnL>
-                    <a:lnR w="12700" cap="flat" cmpd="sng" algn="ctr">
-                      <a:solidFill>
-                        <a:schemeClr val="tx1"/>
-                      </a:solidFill>
-                      <a:prstDash val="solid"/>
-                      <a:round/>
-                      <a:headEnd type="none" w="med" len="med"/>
-                      <a:tailEnd type="none" w="med" len="med"/>
-                    </a:lnR>
-                    <a:lnT w="12700" cap="flat" cmpd="sng" algn="ctr">
-                      <a:solidFill>
-                        <a:schemeClr val="tx1"/>
-                      </a:solidFill>
-                      <a:prstDash val="solid"/>
-                      <a:round/>
-                      <a:headEnd type="none" w="med" len="med"/>
-                      <a:tailEnd type="none" w="med" len="med"/>
-                    </a:lnT>
-                    <a:lnB w="12700" cap="flat" cmpd="sng" algn="ctr">
-                      <a:solidFill>
-                        <a:schemeClr val="tx1"/>
-                      </a:solidFill>
-                      <a:prstDash val="solid"/>
-                      <a:round/>
-                      <a:headEnd type="none" w="med" len="med"/>
-                      <a:tailEnd type="none" w="med" len="med"/>
-                    </a:lnB>
-                    <a:solidFill>
-                      <a:schemeClr val="accent1">
-                        <a:lumMod val="20000"/>
-                        <a:lumOff val="80000"/>
-                      </a:schemeClr>
-                    </a:solidFill>
-                  </a:tcPr>
-                </a:tc>
-                <a:tc>
-                  <a:txBody>
-                    <a:bodyPr/>
-                    <a:lstStyle/>
-                    <a:p>
-                      <a:endParaRPr lang="en-GB">
-                        <a:solidFill>
-                          <a:schemeClr val="tx1"/>
-                        </a:solidFill>
-                      </a:endParaRPr>
-                    </a:p>
-                  </a:txBody>
-                  <a:tcPr>
-                    <a:lnL w="12700" cap="flat" cmpd="sng" algn="ctr">
-                      <a:solidFill>
-                        <a:schemeClr val="tx1"/>
-                      </a:solidFill>
-                      <a:prstDash val="solid"/>
-                      <a:round/>
-                      <a:headEnd type="none" w="med" len="med"/>
-                      <a:tailEnd type="none" w="med" len="med"/>
-                    </a:lnL>
-                    <a:lnR w="12700" cap="flat" cmpd="sng" algn="ctr">
-                      <a:solidFill>
-                        <a:schemeClr val="tx1"/>
-                      </a:solidFill>
-                      <a:prstDash val="solid"/>
-                      <a:round/>
-                      <a:headEnd type="none" w="med" len="med"/>
-                      <a:tailEnd type="none" w="med" len="med"/>
-                    </a:lnR>
-                    <a:lnT w="12700" cap="flat" cmpd="sng" algn="ctr">
-                      <a:solidFill>
-                        <a:schemeClr val="tx1"/>
-                      </a:solidFill>
-                      <a:prstDash val="solid"/>
-                      <a:round/>
-                      <a:headEnd type="none" w="med" len="med"/>
-                      <a:tailEnd type="none" w="med" len="med"/>
-                    </a:lnT>
-                    <a:lnB w="12700" cap="flat" cmpd="sng" algn="ctr">
-                      <a:solidFill>
-                        <a:schemeClr val="tx1"/>
-                      </a:solidFill>
-                      <a:prstDash val="solid"/>
-                      <a:round/>
-                      <a:headEnd type="none" w="med" len="med"/>
-                      <a:tailEnd type="none" w="med" len="med"/>
-                    </a:lnB>
-                    <a:solidFill>
-                      <a:schemeClr val="accent1">
-                        <a:lumMod val="20000"/>
-                        <a:lumOff val="80000"/>
-                      </a:schemeClr>
-                    </a:solidFill>
-                  </a:tcPr>
-                </a:tc>
-                <a:tc>
-                  <a:txBody>
-                    <a:bodyPr/>
-                    <a:lstStyle/>
-                    <a:p>
-                      <a:endParaRPr lang="en-GB">
-                        <a:solidFill>
-                          <a:schemeClr val="tx1"/>
-                        </a:solidFill>
-                      </a:endParaRPr>
-                    </a:p>
-                  </a:txBody>
-                  <a:tcPr>
-                    <a:lnL w="12700" cap="flat" cmpd="sng" algn="ctr">
-                      <a:solidFill>
-                        <a:schemeClr val="tx1"/>
-                      </a:solidFill>
-                      <a:prstDash val="solid"/>
-                      <a:round/>
-                      <a:headEnd type="none" w="med" len="med"/>
-                      <a:tailEnd type="none" w="med" len="med"/>
-                    </a:lnL>
-                    <a:lnR w="12700" cap="flat" cmpd="sng" algn="ctr">
-                      <a:solidFill>
-                        <a:schemeClr val="tx1"/>
-                      </a:solidFill>
-                      <a:prstDash val="solid"/>
-                      <a:round/>
-                      <a:headEnd type="none" w="med" len="med"/>
-                      <a:tailEnd type="none" w="med" len="med"/>
-                    </a:lnR>
-                    <a:lnT w="12700" cap="flat" cmpd="sng" algn="ctr">
-                      <a:solidFill>
-                        <a:schemeClr val="tx1"/>
-                      </a:solidFill>
-                      <a:prstDash val="solid"/>
-                      <a:round/>
-                      <a:headEnd type="none" w="med" len="med"/>
-                      <a:tailEnd type="none" w="med" len="med"/>
-                    </a:lnT>
-                    <a:lnB w="12700" cap="flat" cmpd="sng" algn="ctr">
-                      <a:solidFill>
-                        <a:schemeClr val="tx1"/>
-                      </a:solidFill>
-                      <a:prstDash val="solid"/>
-                      <a:round/>
-                      <a:headEnd type="none" w="med" len="med"/>
-                      <a:tailEnd type="none" w="med" len="med"/>
-                    </a:lnB>
-                    <a:solidFill>
-                      <a:schemeClr val="accent1">
-                        <a:lumMod val="20000"/>
-                        <a:lumOff val="80000"/>
-                      </a:schemeClr>
-                    </a:solidFill>
-                  </a:tcPr>
-                </a:tc>
-                <a:tc>
-                  <a:txBody>
-                    <a:bodyPr/>
-                    <a:lstStyle/>
-                    <a:p>
-                      <a:endParaRPr lang="en-GB">
-                        <a:solidFill>
-                          <a:schemeClr val="tx1"/>
-                        </a:solidFill>
-                      </a:endParaRPr>
-                    </a:p>
-                  </a:txBody>
-                  <a:tcPr>
-                    <a:lnL w="12700" cap="flat" cmpd="sng" algn="ctr">
-                      <a:solidFill>
-                        <a:schemeClr val="tx1"/>
-                      </a:solidFill>
-                      <a:prstDash val="solid"/>
-                      <a:round/>
-                      <a:headEnd type="none" w="med" len="med"/>
-                      <a:tailEnd type="none" w="med" len="med"/>
-                    </a:lnL>
-                    <a:lnR w="12700" cap="flat" cmpd="sng" algn="ctr">
-                      <a:solidFill>
-                        <a:schemeClr val="tx1"/>
-                      </a:solidFill>
-                      <a:prstDash val="solid"/>
-                      <a:round/>
-                      <a:headEnd type="none" w="med" len="med"/>
-                      <a:tailEnd type="none" w="med" len="med"/>
-                    </a:lnR>
-                    <a:lnT w="12700" cap="flat" cmpd="sng" algn="ctr">
-                      <a:solidFill>
-                        <a:schemeClr val="tx1"/>
-                      </a:solidFill>
-                      <a:prstDash val="solid"/>
-                      <a:round/>
-                      <a:headEnd type="none" w="med" len="med"/>
-                      <a:tailEnd type="none" w="med" len="med"/>
-                    </a:lnT>
-                    <a:lnB w="12700" cap="flat" cmpd="sng" algn="ctr">
-                      <a:solidFill>
-                        <a:schemeClr val="tx1"/>
-                      </a:solidFill>
-                      <a:prstDash val="solid"/>
-                      <a:round/>
-                      <a:headEnd type="none" w="med" len="med"/>
-                      <a:tailEnd type="none" w="med" len="med"/>
-                    </a:lnB>
-                    <a:solidFill>
-                      <a:schemeClr val="accent1">
-                        <a:lumMod val="20000"/>
-                        <a:lumOff val="80000"/>
-                      </a:schemeClr>
-                    </a:solidFill>
-                  </a:tcPr>
-                </a:tc>
-                <a:tc>
-                  <a:txBody>
-                    <a:bodyPr/>
-                    <a:lstStyle/>
-                    <a:p>
-                      <a:endParaRPr lang="en-GB">
-                        <a:solidFill>
-                          <a:schemeClr val="tx1"/>
-                        </a:solidFill>
-                      </a:endParaRPr>
-                    </a:p>
-                  </a:txBody>
-                  <a:tcPr>
-                    <a:lnL w="12700" cap="flat" cmpd="sng" algn="ctr">
-                      <a:solidFill>
-                        <a:schemeClr val="tx1"/>
-                      </a:solidFill>
-                      <a:prstDash val="solid"/>
-                      <a:round/>
-                      <a:headEnd type="none" w="med" len="med"/>
-                      <a:tailEnd type="none" w="med" len="med"/>
-                    </a:lnL>
-                    <a:lnR w="12700" cap="flat" cmpd="sng" algn="ctr">
-                      <a:solidFill>
-                        <a:schemeClr val="tx1"/>
-                      </a:solidFill>
-                      <a:prstDash val="solid"/>
-                      <a:round/>
-                      <a:headEnd type="none" w="med" len="med"/>
-                      <a:tailEnd type="none" w="med" len="med"/>
-                    </a:lnR>
-                    <a:lnT w="12700" cap="flat" cmpd="sng" algn="ctr">
-                      <a:solidFill>
-                        <a:schemeClr val="tx1"/>
-                      </a:solidFill>
-                      <a:prstDash val="solid"/>
-                      <a:round/>
-                      <a:headEnd type="none" w="med" len="med"/>
-                      <a:tailEnd type="none" w="med" len="med"/>
-                    </a:lnT>
-                    <a:lnB w="12700" cap="flat" cmpd="sng" algn="ctr">
-                      <a:solidFill>
-                        <a:schemeClr val="tx1"/>
-                      </a:solidFill>
-                      <a:prstDash val="solid"/>
-                      <a:round/>
-                      <a:headEnd type="none" w="med" len="med"/>
-                      <a:tailEnd type="none" w="med" len="med"/>
-                    </a:lnB>
-                    <a:solidFill>
-                      <a:schemeClr val="accent1">
-                        <a:lumMod val="20000"/>
-                        <a:lumOff val="80000"/>
-                      </a:schemeClr>
-                    </a:solidFill>
-                  </a:tcPr>
-                </a:tc>
-                <a:tc>
-                  <a:txBody>
-                    <a:bodyPr/>
-                    <a:lstStyle/>
-                    <a:p>
-                      <a:endParaRPr lang="en-GB">
-                        <a:solidFill>
-                          <a:schemeClr val="tx1"/>
-                        </a:solidFill>
-                      </a:endParaRPr>
-                    </a:p>
-                  </a:txBody>
-                  <a:tcPr>
-                    <a:lnL w="12700" cap="flat" cmpd="sng" algn="ctr">
-                      <a:solidFill>
-                        <a:schemeClr val="tx1"/>
-                      </a:solidFill>
-                      <a:prstDash val="solid"/>
-                      <a:round/>
-                      <a:headEnd type="none" w="med" len="med"/>
-                      <a:tailEnd type="none" w="med" len="med"/>
-                    </a:lnL>
-                    <a:lnR w="12700" cap="flat" cmpd="sng" algn="ctr">
-                      <a:solidFill>
-                        <a:schemeClr val="tx1"/>
-                      </a:solidFill>
-                      <a:prstDash val="solid"/>
-                      <a:round/>
-                      <a:headEnd type="none" w="med" len="med"/>
-                      <a:tailEnd type="none" w="med" len="med"/>
-                    </a:lnR>
-                    <a:lnT w="12700" cap="flat" cmpd="sng" algn="ctr">
-                      <a:solidFill>
-                        <a:schemeClr val="tx1"/>
-                      </a:solidFill>
-                      <a:prstDash val="solid"/>
-                      <a:round/>
-                      <a:headEnd type="none" w="med" len="med"/>
-                      <a:tailEnd type="none" w="med" len="med"/>
-                    </a:lnT>
-                    <a:lnB w="12700" cap="flat" cmpd="sng" algn="ctr">
-                      <a:solidFill>
-                        <a:schemeClr val="tx1"/>
-                      </a:solidFill>
-                      <a:prstDash val="solid"/>
-                      <a:round/>
-                      <a:headEnd type="none" w="med" len="med"/>
-                      <a:tailEnd type="none" w="med" len="med"/>
-                    </a:lnB>
-                    <a:solidFill>
-                      <a:schemeClr val="accent1">
-                        <a:lumMod val="20000"/>
-                        <a:lumOff val="80000"/>
-                      </a:schemeClr>
-                    </a:solidFill>
-                  </a:tcPr>
-                </a:tc>
-                <a:tc>
-                  <a:txBody>
-                    <a:bodyPr/>
-                    <a:lstStyle/>
-                    <a:p>
-                      <a:endParaRPr lang="en-GB">
-                        <a:solidFill>
-                          <a:schemeClr val="tx1"/>
-                        </a:solidFill>
-                      </a:endParaRPr>
-                    </a:p>
-                  </a:txBody>
-                  <a:tcPr>
-                    <a:lnL w="12700" cap="flat" cmpd="sng" algn="ctr">
-                      <a:solidFill>
-                        <a:schemeClr val="tx1"/>
-                      </a:solidFill>
-                      <a:prstDash val="solid"/>
-                      <a:round/>
-                      <a:headEnd type="none" w="med" len="med"/>
-                      <a:tailEnd type="none" w="med" len="med"/>
-                    </a:lnL>
-                    <a:lnR w="12700" cap="flat" cmpd="sng" algn="ctr">
-                      <a:solidFill>
-                        <a:schemeClr val="tx1"/>
-                      </a:solidFill>
-                      <a:prstDash val="solid"/>
-                      <a:round/>
-                      <a:headEnd type="none" w="med" len="med"/>
-                      <a:tailEnd type="none" w="med" len="med"/>
-                    </a:lnR>
-                    <a:lnT w="12700" cap="flat" cmpd="sng" algn="ctr">
-                      <a:solidFill>
-                        <a:schemeClr val="tx1"/>
-                      </a:solidFill>
-                      <a:prstDash val="solid"/>
-                      <a:round/>
-                      <a:headEnd type="none" w="med" len="med"/>
-                      <a:tailEnd type="none" w="med" len="med"/>
-                    </a:lnT>
-                    <a:lnB w="12700" cap="flat" cmpd="sng" algn="ctr">
-                      <a:solidFill>
-                        <a:schemeClr val="tx1"/>
-                      </a:solidFill>
-                      <a:prstDash val="solid"/>
-                      <a:round/>
-                      <a:headEnd type="none" w="med" len="med"/>
-                      <a:tailEnd type="none" w="med" len="med"/>
-                    </a:lnB>
-                    <a:solidFill>
-                      <a:schemeClr val="accent1">
-                        <a:lumMod val="20000"/>
-                        <a:lumOff val="80000"/>
-                      </a:schemeClr>
-                    </a:solidFill>
-                  </a:tcPr>
-                </a:tc>
-                <a:tc>
-                  <a:txBody>
-                    <a:bodyPr/>
-                    <a:lstStyle/>
-                    <a:p>
-                      <a:endParaRPr lang="en-GB">
-                        <a:solidFill>
-                          <a:schemeClr val="tx1"/>
-                        </a:solidFill>
-                      </a:endParaRPr>
-                    </a:p>
-                  </a:txBody>
-                  <a:tcPr>
-                    <a:lnL w="12700" cap="flat" cmpd="sng" algn="ctr">
-                      <a:solidFill>
-                        <a:schemeClr val="tx1"/>
-                      </a:solidFill>
-                      <a:prstDash val="solid"/>
-                      <a:round/>
-                      <a:headEnd type="none" w="med" len="med"/>
-                      <a:tailEnd type="none" w="med" len="med"/>
-                    </a:lnL>
-                    <a:lnR w="12700" cap="flat" cmpd="sng" algn="ctr">
-                      <a:solidFill>
-                        <a:schemeClr val="tx1"/>
-                      </a:solidFill>
-                      <a:prstDash val="solid"/>
-                      <a:round/>
-                      <a:headEnd type="none" w="med" len="med"/>
-                      <a:tailEnd type="none" w="med" len="med"/>
-                    </a:lnR>
-                    <a:lnT w="12700" cap="flat" cmpd="sng" algn="ctr">
-                      <a:solidFill>
-                        <a:schemeClr val="tx1"/>
-                      </a:solidFill>
-                      <a:prstDash val="solid"/>
-                      <a:round/>
-                      <a:headEnd type="none" w="med" len="med"/>
-                      <a:tailEnd type="none" w="med" len="med"/>
-                    </a:lnT>
-                    <a:lnB w="12700" cap="flat" cmpd="sng" algn="ctr">
-                      <a:solidFill>
-                        <a:schemeClr val="tx1"/>
-                      </a:solidFill>
-                      <a:prstDash val="solid"/>
-                      <a:round/>
-                      <a:headEnd type="none" w="med" len="med"/>
-                      <a:tailEnd type="none" w="med" len="med"/>
-                    </a:lnB>
-                    <a:solidFill>
-                      <a:schemeClr val="accent1">
-                        <a:lumMod val="20000"/>
-                        <a:lumOff val="80000"/>
-                      </a:schemeClr>
-                    </a:solidFill>
-                  </a:tcPr>
-                </a:tc>
-                <a:tc>
-                  <a:txBody>
-                    <a:bodyPr/>
-                    <a:lstStyle/>
-                    <a:p>
-                      <a:endParaRPr lang="en-GB">
-                        <a:solidFill>
-                          <a:schemeClr val="tx1"/>
-                        </a:solidFill>
-                      </a:endParaRPr>
-                    </a:p>
-                  </a:txBody>
-                  <a:tcPr>
-                    <a:lnL w="12700" cap="flat" cmpd="sng" algn="ctr">
-                      <a:solidFill>
-                        <a:schemeClr val="tx1"/>
-                      </a:solidFill>
-                      <a:prstDash val="solid"/>
-                      <a:round/>
-                      <a:headEnd type="none" w="med" len="med"/>
-                      <a:tailEnd type="none" w="med" len="med"/>
-                    </a:lnL>
-                    <a:lnR w="12700" cap="flat" cmpd="sng" algn="ctr">
-                      <a:solidFill>
-                        <a:schemeClr val="tx1"/>
-                      </a:solidFill>
-                      <a:prstDash val="solid"/>
-                      <a:round/>
-                      <a:headEnd type="none" w="med" len="med"/>
-                      <a:tailEnd type="none" w="med" len="med"/>
-                    </a:lnR>
-                    <a:lnT w="12700" cap="flat" cmpd="sng" algn="ctr">
-                      <a:solidFill>
-                        <a:schemeClr val="tx1"/>
-                      </a:solidFill>
-                      <a:prstDash val="solid"/>
-                      <a:round/>
-                      <a:headEnd type="none" w="med" len="med"/>
-                      <a:tailEnd type="none" w="med" len="med"/>
-                    </a:lnT>
-                    <a:lnB w="12700" cap="flat" cmpd="sng" algn="ctr">
-                      <a:solidFill>
-                        <a:schemeClr val="tx1"/>
-                      </a:solidFill>
-                      <a:prstDash val="solid"/>
-                      <a:round/>
-                      <a:headEnd type="none" w="med" len="med"/>
-                      <a:tailEnd type="none" w="med" len="med"/>
-                    </a:lnB>
-                    <a:solidFill>
-                      <a:schemeClr val="accent1">
-                        <a:lumMod val="20000"/>
-                        <a:lumOff val="80000"/>
-                      </a:schemeClr>
-                    </a:solidFill>
-                  </a:tcPr>
-                </a:tc>
-                <a:tc>
-                  <a:txBody>
-                    <a:bodyPr/>
-                    <a:lstStyle/>
-                    <a:p>
-                      <a:endParaRPr lang="en-GB">
-                        <a:solidFill>
-                          <a:schemeClr val="tx1"/>
-                        </a:solidFill>
-                      </a:endParaRPr>
-                    </a:p>
-                  </a:txBody>
-                  <a:tcPr>
-                    <a:lnL w="12700" cap="flat" cmpd="sng" algn="ctr">
-                      <a:solidFill>
-                        <a:schemeClr val="tx1"/>
-                      </a:solidFill>
-                      <a:prstDash val="solid"/>
-                      <a:round/>
-                      <a:headEnd type="none" w="med" len="med"/>
-                      <a:tailEnd type="none" w="med" len="med"/>
-                    </a:lnL>
-                    <a:lnR w="12700" cap="flat" cmpd="sng" algn="ctr">
-                      <a:solidFill>
-                        <a:schemeClr val="tx1"/>
-                      </a:solidFill>
-                      <a:prstDash val="solid"/>
-                      <a:round/>
-                      <a:headEnd type="none" w="med" len="med"/>
-                      <a:tailEnd type="none" w="med" len="med"/>
-                    </a:lnR>
-                    <a:lnT w="12700" cap="flat" cmpd="sng" algn="ctr">
-                      <a:solidFill>
-                        <a:schemeClr val="tx1"/>
-                      </a:solidFill>
-                      <a:prstDash val="solid"/>
-                      <a:round/>
-                      <a:headEnd type="none" w="med" len="med"/>
-                      <a:tailEnd type="none" w="med" len="med"/>
-                    </a:lnT>
-                    <a:lnB w="12700" cap="flat" cmpd="sng" algn="ctr">
-                      <a:solidFill>
-                        <a:schemeClr val="tx1"/>
-                      </a:solidFill>
-                      <a:prstDash val="solid"/>
-                      <a:round/>
-                      <a:headEnd type="none" w="med" len="med"/>
-                      <a:tailEnd type="none" w="med" len="med"/>
-                    </a:lnB>
-                    <a:solidFill>
-                      <a:schemeClr val="accent1">
-                        <a:lumMod val="20000"/>
-                        <a:lumOff val="80000"/>
-                      </a:schemeClr>
-                    </a:solidFill>
-                  </a:tcPr>
-                </a:tc>
-                <a:extLst>
-                  <a:ext uri="{0D108BD9-81ED-4DB2-BD59-A6C34878D82A}">
-                    <a16:rowId xmlns:a16="http://schemas.microsoft.com/office/drawing/2014/main" val="2224476832"/>
-                  </a:ext>
-                </a:extLst>
-              </a:tr>
-              <a:tr h="370840">
-                <a:tc rowSpan="3" gridSpan="2">
-                  <a:txBody>
-                    <a:bodyPr/>
-                    <a:lstStyle/>
-                    <a:p>
-                      <a:r>
-                        <a:rPr lang="en-GB" dirty="0">
-                          <a:solidFill>
-                            <a:schemeClr val="tx1"/>
-                          </a:solidFill>
-                        </a:rPr>
-                        <a:t>USB</a:t>
-                      </a:r>
-                    </a:p>
-                  </a:txBody>
-                  <a:tcPr anchor="ctr">
-                    <a:lnL w="12700" cap="flat" cmpd="sng" algn="ctr">
-                      <a:solidFill>
-                        <a:schemeClr val="tx1"/>
-                      </a:solidFill>
-                      <a:prstDash val="solid"/>
-                      <a:round/>
-                      <a:headEnd type="none" w="med" len="med"/>
-                      <a:tailEnd type="none" w="med" len="med"/>
-                    </a:lnL>
-                    <a:lnR w="12700" cap="flat" cmpd="sng" algn="ctr">
-                      <a:solidFill>
-                        <a:schemeClr val="tx1"/>
-                      </a:solidFill>
-                      <a:prstDash val="solid"/>
-                      <a:round/>
-                      <a:headEnd type="none" w="med" len="med"/>
-                      <a:tailEnd type="none" w="med" len="med"/>
-                    </a:lnR>
-                    <a:lnT w="12700" cap="flat" cmpd="sng" algn="ctr">
-                      <a:solidFill>
-                        <a:schemeClr val="tx1"/>
-                      </a:solidFill>
-                      <a:prstDash val="solid"/>
-                      <a:round/>
-                      <a:headEnd type="none" w="med" len="med"/>
-                      <a:tailEnd type="none" w="med" len="med"/>
-                    </a:lnT>
-                    <a:lnB w="12700" cap="flat" cmpd="sng" algn="ctr">
-                      <a:solidFill>
-                        <a:schemeClr val="tx1"/>
-                      </a:solidFill>
-                      <a:prstDash val="solid"/>
-                      <a:round/>
-                      <a:headEnd type="none" w="med" len="med"/>
-                      <a:tailEnd type="none" w="med" len="med"/>
-                    </a:lnB>
-                    <a:solidFill>
-                      <a:schemeClr val="accent1">
-                        <a:lumMod val="20000"/>
-                        <a:lumOff val="80000"/>
-                      </a:schemeClr>
-                    </a:solidFill>
-                  </a:tcPr>
-                </a:tc>
-                <a:tc rowSpan="3" hMerge="1">
-                  <a:txBody>
-                    <a:bodyPr/>
-                    <a:lstStyle/>
-                    <a:p>
-                      <a:endParaRPr lang="en-GB" dirty="0">
-                        <a:solidFill>
-                          <a:schemeClr val="tx1"/>
-                        </a:solidFill>
-                      </a:endParaRPr>
-                    </a:p>
-                  </a:txBody>
-                  <a:tcPr>
-                    <a:lnL w="12700" cap="flat" cmpd="sng" algn="ctr">
-                      <a:solidFill>
-                        <a:schemeClr val="tx1"/>
-                      </a:solidFill>
-                      <a:prstDash val="solid"/>
-                      <a:round/>
-                      <a:headEnd type="none" w="med" len="med"/>
-                      <a:tailEnd type="none" w="med" len="med"/>
-                    </a:lnL>
-                    <a:lnR w="12700" cap="flat" cmpd="sng" algn="ctr">
-                      <a:solidFill>
-                        <a:schemeClr val="tx1"/>
-                      </a:solidFill>
-                      <a:prstDash val="solid"/>
-                      <a:round/>
-                      <a:headEnd type="none" w="med" len="med"/>
-                      <a:tailEnd type="none" w="med" len="med"/>
-                    </a:lnR>
-                    <a:lnT w="12700" cap="flat" cmpd="sng" algn="ctr">
-                      <a:solidFill>
-                        <a:schemeClr val="tx1"/>
-                      </a:solidFill>
-                      <a:prstDash val="solid"/>
-                      <a:round/>
-                      <a:headEnd type="none" w="med" len="med"/>
-                      <a:tailEnd type="none" w="med" len="med"/>
-                    </a:lnT>
-                    <a:lnB w="12700" cap="flat" cmpd="sng" algn="ctr">
-                      <a:solidFill>
-                        <a:schemeClr val="tx1"/>
-                      </a:solidFill>
-                      <a:prstDash val="solid"/>
-                      <a:round/>
-                      <a:headEnd type="none" w="med" len="med"/>
-                      <a:tailEnd type="none" w="med" len="med"/>
-                    </a:lnB>
-                    <a:solidFill>
-                      <a:schemeClr val="accent1">
-                        <a:lumMod val="20000"/>
-                        <a:lumOff val="80000"/>
-                      </a:schemeClr>
-                    </a:solidFill>
-                  </a:tcPr>
-                </a:tc>
-                <a:tc>
-                  <a:txBody>
-                    <a:bodyPr/>
-                    <a:lstStyle/>
-                    <a:p>
-                      <a:endParaRPr lang="en-GB">
-                        <a:solidFill>
-                          <a:schemeClr val="tx1"/>
-                        </a:solidFill>
-                      </a:endParaRPr>
-                    </a:p>
-                  </a:txBody>
-                  <a:tcPr>
-                    <a:lnL w="12700" cap="flat" cmpd="sng" algn="ctr">
-                      <a:solidFill>
-                        <a:schemeClr val="tx1"/>
-                      </a:solidFill>
-                      <a:prstDash val="solid"/>
-                      <a:round/>
-                      <a:headEnd type="none" w="med" len="med"/>
-                      <a:tailEnd type="none" w="med" len="med"/>
-                    </a:lnL>
-                    <a:lnR w="12700" cap="flat" cmpd="sng" algn="ctr">
-                      <a:solidFill>
-                        <a:schemeClr val="tx1"/>
-                      </a:solidFill>
-                      <a:prstDash val="solid"/>
-                      <a:round/>
-                      <a:headEnd type="none" w="med" len="med"/>
-                      <a:tailEnd type="none" w="med" len="med"/>
-                    </a:lnR>
-                    <a:lnT w="12700" cap="flat" cmpd="sng" algn="ctr">
-                      <a:solidFill>
-                        <a:schemeClr val="tx1"/>
-                      </a:solidFill>
-                      <a:prstDash val="solid"/>
-                      <a:round/>
-                      <a:headEnd type="none" w="med" len="med"/>
-                      <a:tailEnd type="none" w="med" len="med"/>
-                    </a:lnT>
-                    <a:lnB w="12700" cap="flat" cmpd="sng" algn="ctr">
-                      <a:solidFill>
-                        <a:schemeClr val="tx1"/>
-                      </a:solidFill>
-                      <a:prstDash val="solid"/>
-                      <a:round/>
-                      <a:headEnd type="none" w="med" len="med"/>
-                      <a:tailEnd type="none" w="med" len="med"/>
-                    </a:lnB>
-                    <a:solidFill>
-                      <a:schemeClr val="accent1">
-                        <a:lumMod val="20000"/>
-                        <a:lumOff val="80000"/>
-                      </a:schemeClr>
-                    </a:solidFill>
-                  </a:tcPr>
-                </a:tc>
-                <a:tc>
-                  <a:txBody>
-                    <a:bodyPr/>
-                    <a:lstStyle/>
-                    <a:p>
-                      <a:endParaRPr lang="en-GB">
-                        <a:solidFill>
-                          <a:schemeClr val="tx1"/>
-                        </a:solidFill>
-                      </a:endParaRPr>
-                    </a:p>
-                  </a:txBody>
-                  <a:tcPr>
-                    <a:lnL w="12700" cap="flat" cmpd="sng" algn="ctr">
-                      <a:solidFill>
-                        <a:schemeClr val="tx1"/>
-                      </a:solidFill>
-                      <a:prstDash val="solid"/>
-                      <a:round/>
-                      <a:headEnd type="none" w="med" len="med"/>
-                      <a:tailEnd type="none" w="med" len="med"/>
-                    </a:lnL>
-                    <a:lnR w="12700" cap="flat" cmpd="sng" algn="ctr">
-                      <a:solidFill>
-                        <a:schemeClr val="tx1"/>
-                      </a:solidFill>
-                      <a:prstDash val="solid"/>
-                      <a:round/>
-                      <a:headEnd type="none" w="med" len="med"/>
-                      <a:tailEnd type="none" w="med" len="med"/>
-                    </a:lnR>
-                    <a:lnT w="12700" cap="flat" cmpd="sng" algn="ctr">
-                      <a:solidFill>
-                        <a:schemeClr val="tx1"/>
-                      </a:solidFill>
-                      <a:prstDash val="solid"/>
-                      <a:round/>
-                      <a:headEnd type="none" w="med" len="med"/>
-                      <a:tailEnd type="none" w="med" len="med"/>
-                    </a:lnT>
-                    <a:lnB w="12700" cap="flat" cmpd="sng" algn="ctr">
-                      <a:solidFill>
-                        <a:schemeClr val="tx1"/>
-                      </a:solidFill>
-                      <a:prstDash val="solid"/>
-                      <a:round/>
-                      <a:headEnd type="none" w="med" len="med"/>
-                      <a:tailEnd type="none" w="med" len="med"/>
-                    </a:lnB>
-                    <a:solidFill>
-                      <a:schemeClr val="accent1">
-                        <a:lumMod val="20000"/>
-                        <a:lumOff val="80000"/>
-                      </a:schemeClr>
-                    </a:solidFill>
-                  </a:tcPr>
-                </a:tc>
-                <a:tc>
-                  <a:txBody>
-                    <a:bodyPr/>
-                    <a:lstStyle/>
-                    <a:p>
-                      <a:endParaRPr lang="en-GB">
-                        <a:solidFill>
-                          <a:schemeClr val="tx1"/>
-                        </a:solidFill>
-                      </a:endParaRPr>
-                    </a:p>
-                  </a:txBody>
-                  <a:tcPr>
-                    <a:lnL w="12700" cap="flat" cmpd="sng" algn="ctr">
-                      <a:solidFill>
-                        <a:schemeClr val="tx1"/>
-                      </a:solidFill>
-                      <a:prstDash val="solid"/>
-                      <a:round/>
-                      <a:headEnd type="none" w="med" len="med"/>
-                      <a:tailEnd type="none" w="med" len="med"/>
-                    </a:lnL>
-                    <a:lnR w="12700" cap="flat" cmpd="sng" algn="ctr">
-                      <a:solidFill>
-                        <a:schemeClr val="tx1"/>
-                      </a:solidFill>
-                      <a:prstDash val="solid"/>
-                      <a:round/>
-                      <a:headEnd type="none" w="med" len="med"/>
-                      <a:tailEnd type="none" w="med" len="med"/>
-                    </a:lnR>
-                    <a:lnT w="12700" cap="flat" cmpd="sng" algn="ctr">
-                      <a:solidFill>
-                        <a:schemeClr val="tx1"/>
-                      </a:solidFill>
-                      <a:prstDash val="solid"/>
-                      <a:round/>
-                      <a:headEnd type="none" w="med" len="med"/>
-                      <a:tailEnd type="none" w="med" len="med"/>
-                    </a:lnT>
-                    <a:lnB w="12700" cap="flat" cmpd="sng" algn="ctr">
-                      <a:solidFill>
-                        <a:schemeClr val="tx1"/>
-                      </a:solidFill>
-                      <a:prstDash val="solid"/>
-                      <a:round/>
-                      <a:headEnd type="none" w="med" len="med"/>
-                      <a:tailEnd type="none" w="med" len="med"/>
-                    </a:lnB>
-                    <a:solidFill>
-                      <a:schemeClr val="accent1">
-                        <a:lumMod val="20000"/>
-                        <a:lumOff val="80000"/>
-                      </a:schemeClr>
-                    </a:solidFill>
-                  </a:tcPr>
-                </a:tc>
-                <a:tc>
-                  <a:txBody>
-                    <a:bodyPr/>
-                    <a:lstStyle/>
-                    <a:p>
-                      <a:endParaRPr lang="en-GB">
-                        <a:solidFill>
-                          <a:schemeClr val="tx1"/>
-                        </a:solidFill>
-                      </a:endParaRPr>
-                    </a:p>
-                  </a:txBody>
-                  <a:tcPr>
-                    <a:lnL w="12700" cap="flat" cmpd="sng" algn="ctr">
-                      <a:solidFill>
-                        <a:schemeClr val="tx1"/>
-                      </a:solidFill>
-                      <a:prstDash val="solid"/>
-                      <a:round/>
-                      <a:headEnd type="none" w="med" len="med"/>
-                      <a:tailEnd type="none" w="med" len="med"/>
-                    </a:lnL>
-                    <a:lnR w="12700" cap="flat" cmpd="sng" algn="ctr">
-                      <a:solidFill>
-                        <a:schemeClr val="tx1"/>
-                      </a:solidFill>
-                      <a:prstDash val="solid"/>
-                      <a:round/>
-                      <a:headEnd type="none" w="med" len="med"/>
-                      <a:tailEnd type="none" w="med" len="med"/>
-                    </a:lnR>
-                    <a:lnT w="12700" cap="flat" cmpd="sng" algn="ctr">
-                      <a:solidFill>
-                        <a:schemeClr val="tx1"/>
-                      </a:solidFill>
-                      <a:prstDash val="solid"/>
-                      <a:round/>
-                      <a:headEnd type="none" w="med" len="med"/>
-                      <a:tailEnd type="none" w="med" len="med"/>
-                    </a:lnT>
-                    <a:lnB w="12700" cap="flat" cmpd="sng" algn="ctr">
-                      <a:solidFill>
-                        <a:schemeClr val="tx1"/>
-                      </a:solidFill>
-                      <a:prstDash val="solid"/>
-                      <a:round/>
-                      <a:headEnd type="none" w="med" len="med"/>
-                      <a:tailEnd type="none" w="med" len="med"/>
-                    </a:lnB>
-                    <a:solidFill>
-                      <a:schemeClr val="accent1">
-                        <a:lumMod val="20000"/>
-                        <a:lumOff val="80000"/>
-                      </a:schemeClr>
-                    </a:solidFill>
-                  </a:tcPr>
-                </a:tc>
-                <a:tc>
-                  <a:txBody>
-                    <a:bodyPr/>
-                    <a:lstStyle/>
-                    <a:p>
-                      <a:endParaRPr lang="en-GB">
-                        <a:solidFill>
-                          <a:schemeClr val="tx1"/>
-                        </a:solidFill>
-                      </a:endParaRPr>
-                    </a:p>
-                  </a:txBody>
-                  <a:tcPr>
-                    <a:lnL w="12700" cap="flat" cmpd="sng" algn="ctr">
-                      <a:solidFill>
-                        <a:schemeClr val="tx1"/>
-                      </a:solidFill>
-                      <a:prstDash val="solid"/>
-                      <a:round/>
-                      <a:headEnd type="none" w="med" len="med"/>
-                      <a:tailEnd type="none" w="med" len="med"/>
-                    </a:lnL>
-                    <a:lnR w="12700" cap="flat" cmpd="sng" algn="ctr">
-                      <a:solidFill>
-                        <a:schemeClr val="tx1"/>
-                      </a:solidFill>
-                      <a:prstDash val="solid"/>
-                      <a:round/>
-                      <a:headEnd type="none" w="med" len="med"/>
-                      <a:tailEnd type="none" w="med" len="med"/>
-                    </a:lnR>
-                    <a:lnT w="12700" cap="flat" cmpd="sng" algn="ctr">
-                      <a:solidFill>
-                        <a:schemeClr val="tx1"/>
-                      </a:solidFill>
-                      <a:prstDash val="solid"/>
-                      <a:round/>
-                      <a:headEnd type="none" w="med" len="med"/>
-                      <a:tailEnd type="none" w="med" len="med"/>
-                    </a:lnT>
-                    <a:lnB w="12700" cap="flat" cmpd="sng" algn="ctr">
-                      <a:solidFill>
-                        <a:schemeClr val="tx1"/>
-                      </a:solidFill>
-                      <a:prstDash val="solid"/>
-                      <a:round/>
-                      <a:headEnd type="none" w="med" len="med"/>
-                      <a:tailEnd type="none" w="med" len="med"/>
-                    </a:lnB>
-                    <a:solidFill>
-                      <a:schemeClr val="accent1">
-                        <a:lumMod val="20000"/>
-                        <a:lumOff val="80000"/>
-                      </a:schemeClr>
-                    </a:solidFill>
-                  </a:tcPr>
-                </a:tc>
-                <a:tc>
-                  <a:txBody>
-                    <a:bodyPr/>
-                    <a:lstStyle/>
-                    <a:p>
-                      <a:endParaRPr lang="en-GB">
-                        <a:solidFill>
-                          <a:schemeClr val="tx1"/>
-                        </a:solidFill>
-                      </a:endParaRPr>
-                    </a:p>
-                  </a:txBody>
-                  <a:tcPr>
-                    <a:lnL w="12700" cap="flat" cmpd="sng" algn="ctr">
-                      <a:solidFill>
-                        <a:schemeClr val="tx1"/>
-                      </a:solidFill>
-                      <a:prstDash val="solid"/>
-                      <a:round/>
-                      <a:headEnd type="none" w="med" len="med"/>
-                      <a:tailEnd type="none" w="med" len="med"/>
-                    </a:lnL>
-                    <a:lnR w="12700" cap="flat" cmpd="sng" algn="ctr">
-                      <a:solidFill>
-                        <a:schemeClr val="tx1"/>
-                      </a:solidFill>
-                      <a:prstDash val="solid"/>
-                      <a:round/>
-                      <a:headEnd type="none" w="med" len="med"/>
-                      <a:tailEnd type="none" w="med" len="med"/>
-                    </a:lnR>
-                    <a:lnT w="12700" cap="flat" cmpd="sng" algn="ctr">
-                      <a:solidFill>
-                        <a:schemeClr val="tx1"/>
-                      </a:solidFill>
-                      <a:prstDash val="solid"/>
-                      <a:round/>
-                      <a:headEnd type="none" w="med" len="med"/>
-                      <a:tailEnd type="none" w="med" len="med"/>
-                    </a:lnT>
-                    <a:lnB w="12700" cap="flat" cmpd="sng" algn="ctr">
-                      <a:solidFill>
-                        <a:schemeClr val="tx1"/>
-                      </a:solidFill>
-                      <a:prstDash val="solid"/>
-                      <a:round/>
-                      <a:headEnd type="none" w="med" len="med"/>
-                      <a:tailEnd type="none" w="med" len="med"/>
-                    </a:lnB>
-                    <a:solidFill>
-                      <a:schemeClr val="accent1">
-                        <a:lumMod val="20000"/>
-                        <a:lumOff val="80000"/>
-                      </a:schemeClr>
-                    </a:solidFill>
-                  </a:tcPr>
-                </a:tc>
-                <a:tc>
-                  <a:txBody>
-                    <a:bodyPr/>
-                    <a:lstStyle/>
-                    <a:p>
-                      <a:endParaRPr lang="en-GB">
-                        <a:solidFill>
-                          <a:schemeClr val="tx1"/>
-                        </a:solidFill>
-                      </a:endParaRPr>
-                    </a:p>
-                  </a:txBody>
-                  <a:tcPr>
-                    <a:lnL w="12700" cap="flat" cmpd="sng" algn="ctr">
-                      <a:solidFill>
-                        <a:schemeClr val="tx1"/>
-                      </a:solidFill>
-                      <a:prstDash val="solid"/>
-                      <a:round/>
-                      <a:headEnd type="none" w="med" len="med"/>
-                      <a:tailEnd type="none" w="med" len="med"/>
-                    </a:lnL>
-                    <a:lnR w="12700" cap="flat" cmpd="sng" algn="ctr">
-                      <a:solidFill>
-                        <a:schemeClr val="tx1"/>
-                      </a:solidFill>
-                      <a:prstDash val="solid"/>
-                      <a:round/>
-                      <a:headEnd type="none" w="med" len="med"/>
-                      <a:tailEnd type="none" w="med" len="med"/>
-                    </a:lnR>
-                    <a:lnT w="12700" cap="flat" cmpd="sng" algn="ctr">
-                      <a:solidFill>
-                        <a:schemeClr val="tx1"/>
-                      </a:solidFill>
-                      <a:prstDash val="solid"/>
-                      <a:round/>
-                      <a:headEnd type="none" w="med" len="med"/>
-                      <a:tailEnd type="none" w="med" len="med"/>
-                    </a:lnT>
-                    <a:lnB w="12700" cap="flat" cmpd="sng" algn="ctr">
-                      <a:solidFill>
-                        <a:schemeClr val="tx1"/>
-                      </a:solidFill>
-                      <a:prstDash val="solid"/>
-                      <a:round/>
-                      <a:headEnd type="none" w="med" len="med"/>
-                      <a:tailEnd type="none" w="med" len="med"/>
-                    </a:lnB>
-                    <a:solidFill>
-                      <a:schemeClr val="accent1">
-                        <a:lumMod val="20000"/>
-                        <a:lumOff val="80000"/>
-                      </a:schemeClr>
-                    </a:solidFill>
-                  </a:tcPr>
-                </a:tc>
-                <a:tc>
-                  <a:txBody>
-                    <a:bodyPr/>
-                    <a:lstStyle/>
-                    <a:p>
-                      <a:endParaRPr lang="en-GB">
-                        <a:solidFill>
-                          <a:schemeClr val="tx1"/>
-                        </a:solidFill>
-                      </a:endParaRPr>
-                    </a:p>
-                  </a:txBody>
-                  <a:tcPr>
-                    <a:lnL w="12700" cap="flat" cmpd="sng" algn="ctr">
-                      <a:solidFill>
-                        <a:schemeClr val="tx1"/>
-                      </a:solidFill>
-                      <a:prstDash val="solid"/>
-                      <a:round/>
-                      <a:headEnd type="none" w="med" len="med"/>
-                      <a:tailEnd type="none" w="med" len="med"/>
-                    </a:lnL>
-                    <a:lnR w="12700" cap="flat" cmpd="sng" algn="ctr">
-                      <a:solidFill>
-                        <a:schemeClr val="tx1"/>
-                      </a:solidFill>
-                      <a:prstDash val="solid"/>
-                      <a:round/>
-                      <a:headEnd type="none" w="med" len="med"/>
-                      <a:tailEnd type="none" w="med" len="med"/>
-                    </a:lnR>
-                    <a:lnT w="12700" cap="flat" cmpd="sng" algn="ctr">
-                      <a:solidFill>
-                        <a:schemeClr val="tx1"/>
-                      </a:solidFill>
-                      <a:prstDash val="solid"/>
-                      <a:round/>
-                      <a:headEnd type="none" w="med" len="med"/>
-                      <a:tailEnd type="none" w="med" len="med"/>
-                    </a:lnT>
-                    <a:lnB w="12700" cap="flat" cmpd="sng" algn="ctr">
-                      <a:solidFill>
-                        <a:schemeClr val="tx1"/>
-                      </a:solidFill>
-                      <a:prstDash val="solid"/>
-                      <a:round/>
-                      <a:headEnd type="none" w="med" len="med"/>
-                      <a:tailEnd type="none" w="med" len="med"/>
-                    </a:lnB>
-                    <a:solidFill>
-                      <a:schemeClr val="accent1">
-                        <a:lumMod val="20000"/>
-                        <a:lumOff val="80000"/>
-                      </a:schemeClr>
-                    </a:solidFill>
-                  </a:tcPr>
-                </a:tc>
-                <a:tc>
-                  <a:txBody>
-                    <a:bodyPr/>
-                    <a:lstStyle/>
-                    <a:p>
-                      <a:endParaRPr lang="en-GB">
-                        <a:solidFill>
-                          <a:schemeClr val="tx1"/>
-                        </a:solidFill>
-                      </a:endParaRPr>
-                    </a:p>
-                  </a:txBody>
-                  <a:tcPr>
-                    <a:lnL w="12700" cap="flat" cmpd="sng" algn="ctr">
-                      <a:solidFill>
-                        <a:schemeClr val="tx1"/>
-                      </a:solidFill>
-                      <a:prstDash val="solid"/>
-                      <a:round/>
-                      <a:headEnd type="none" w="med" len="med"/>
-                      <a:tailEnd type="none" w="med" len="med"/>
-                    </a:lnL>
-                    <a:lnR w="12700" cap="flat" cmpd="sng" algn="ctr">
-                      <a:solidFill>
-                        <a:schemeClr val="tx1"/>
-                      </a:solidFill>
-                      <a:prstDash val="solid"/>
-                      <a:round/>
-                      <a:headEnd type="none" w="med" len="med"/>
-                      <a:tailEnd type="none" w="med" len="med"/>
-                    </a:lnR>
-                    <a:lnT w="12700" cap="flat" cmpd="sng" algn="ctr">
-                      <a:solidFill>
-                        <a:schemeClr val="tx1"/>
-                      </a:solidFill>
-                      <a:prstDash val="solid"/>
-                      <a:round/>
-                      <a:headEnd type="none" w="med" len="med"/>
-                      <a:tailEnd type="none" w="med" len="med"/>
-                    </a:lnT>
-                    <a:lnB w="12700" cap="flat" cmpd="sng" algn="ctr">
-                      <a:solidFill>
-                        <a:schemeClr val="tx1"/>
-                      </a:solidFill>
-                      <a:prstDash val="solid"/>
-                      <a:round/>
-                      <a:headEnd type="none" w="med" len="med"/>
-                      <a:tailEnd type="none" w="med" len="med"/>
-                    </a:lnB>
-                    <a:solidFill>
-                      <a:schemeClr val="accent1">
-                        <a:lumMod val="20000"/>
-                        <a:lumOff val="80000"/>
-                      </a:schemeClr>
-                    </a:solidFill>
-                  </a:tcPr>
-                </a:tc>
-                <a:tc>
-                  <a:txBody>
-                    <a:bodyPr/>
-                    <a:lstStyle/>
-                    <a:p>
-                      <a:endParaRPr lang="en-GB">
-                        <a:solidFill>
-                          <a:schemeClr val="tx1"/>
-                        </a:solidFill>
-                      </a:endParaRPr>
-                    </a:p>
-                  </a:txBody>
-                  <a:tcPr>
-                    <a:lnL w="12700" cap="flat" cmpd="sng" algn="ctr">
-                      <a:solidFill>
-                        <a:schemeClr val="tx1"/>
-                      </a:solidFill>
-                      <a:prstDash val="solid"/>
-                      <a:round/>
-                      <a:headEnd type="none" w="med" len="med"/>
-                      <a:tailEnd type="none" w="med" len="med"/>
-                    </a:lnL>
-                    <a:lnR w="12700" cap="flat" cmpd="sng" algn="ctr">
-                      <a:solidFill>
-                        <a:schemeClr val="tx1"/>
-                      </a:solidFill>
-                      <a:prstDash val="solid"/>
-                      <a:round/>
-                      <a:headEnd type="none" w="med" len="med"/>
-                      <a:tailEnd type="none" w="med" len="med"/>
-                    </a:lnR>
-                    <a:lnT w="12700" cap="flat" cmpd="sng" algn="ctr">
-                      <a:solidFill>
-                        <a:schemeClr val="tx1"/>
-                      </a:solidFill>
-                      <a:prstDash val="solid"/>
-                      <a:round/>
-                      <a:headEnd type="none" w="med" len="med"/>
-                      <a:tailEnd type="none" w="med" len="med"/>
-                    </a:lnT>
-                    <a:lnB w="12700" cap="flat" cmpd="sng" algn="ctr">
-                      <a:solidFill>
-                        <a:schemeClr val="tx1"/>
-                      </a:solidFill>
-                      <a:prstDash val="solid"/>
-                      <a:round/>
-                      <a:headEnd type="none" w="med" len="med"/>
-                      <a:tailEnd type="none" w="med" len="med"/>
-                    </a:lnB>
-                    <a:solidFill>
-                      <a:schemeClr val="accent1">
-                        <a:lumMod val="20000"/>
-                        <a:lumOff val="80000"/>
-                      </a:schemeClr>
-                    </a:solidFill>
-                  </a:tcPr>
-                </a:tc>
-                <a:tc>
-                  <a:txBody>
-                    <a:bodyPr/>
-                    <a:lstStyle/>
-                    <a:p>
-                      <a:endParaRPr lang="en-GB">
-                        <a:solidFill>
-                          <a:schemeClr val="tx1"/>
-                        </a:solidFill>
-                      </a:endParaRPr>
-                    </a:p>
-                  </a:txBody>
-                  <a:tcPr>
-                    <a:lnL w="12700" cap="flat" cmpd="sng" algn="ctr">
-                      <a:solidFill>
-                        <a:schemeClr val="tx1"/>
-                      </a:solidFill>
-                      <a:prstDash val="solid"/>
-                      <a:round/>
-                      <a:headEnd type="none" w="med" len="med"/>
-                      <a:tailEnd type="none" w="med" len="med"/>
-                    </a:lnL>
-                    <a:lnR w="12700" cap="flat" cmpd="sng" algn="ctr">
-                      <a:solidFill>
-                        <a:schemeClr val="tx1"/>
-                      </a:solidFill>
-                      <a:prstDash val="solid"/>
-                      <a:round/>
-                      <a:headEnd type="none" w="med" len="med"/>
-                      <a:tailEnd type="none" w="med" len="med"/>
-                    </a:lnR>
-                    <a:lnT w="12700" cap="flat" cmpd="sng" algn="ctr">
-                      <a:solidFill>
-                        <a:schemeClr val="tx1"/>
-                      </a:solidFill>
-                      <a:prstDash val="solid"/>
-                      <a:round/>
-                      <a:headEnd type="none" w="med" len="med"/>
-                      <a:tailEnd type="none" w="med" len="med"/>
-                    </a:lnT>
-                    <a:lnB w="12700" cap="flat" cmpd="sng" algn="ctr">
-                      <a:solidFill>
-                        <a:schemeClr val="tx1"/>
-                      </a:solidFill>
-                      <a:prstDash val="solid"/>
-                      <a:round/>
-                      <a:headEnd type="none" w="med" len="med"/>
-                      <a:tailEnd type="none" w="med" len="med"/>
-                    </a:lnB>
-                    <a:solidFill>
-                      <a:schemeClr val="accent1">
-                        <a:lumMod val="20000"/>
-                        <a:lumOff val="80000"/>
-                      </a:schemeClr>
-                    </a:solidFill>
-                  </a:tcPr>
-                </a:tc>
-                <a:tc>
-                  <a:txBody>
-                    <a:bodyPr/>
-                    <a:lstStyle/>
-                    <a:p>
-                      <a:endParaRPr lang="en-GB">
-                        <a:solidFill>
-                          <a:schemeClr val="tx1"/>
-                        </a:solidFill>
-                      </a:endParaRPr>
-                    </a:p>
-                  </a:txBody>
-                  <a:tcPr>
-                    <a:lnL w="12700" cap="flat" cmpd="sng" algn="ctr">
-                      <a:solidFill>
-                        <a:schemeClr val="tx1"/>
-                      </a:solidFill>
-                      <a:prstDash val="solid"/>
-                      <a:round/>
-                      <a:headEnd type="none" w="med" len="med"/>
-                      <a:tailEnd type="none" w="med" len="med"/>
-                    </a:lnL>
-                    <a:lnR w="12700" cap="flat" cmpd="sng" algn="ctr">
-                      <a:solidFill>
-                        <a:schemeClr val="tx1"/>
-                      </a:solidFill>
-                      <a:prstDash val="solid"/>
-                      <a:round/>
-                      <a:headEnd type="none" w="med" len="med"/>
-                      <a:tailEnd type="none" w="med" len="med"/>
-                    </a:lnR>
-                    <a:lnT w="12700" cap="flat" cmpd="sng" algn="ctr">
-                      <a:solidFill>
-                        <a:schemeClr val="tx1"/>
-                      </a:solidFill>
-                      <a:prstDash val="solid"/>
-                      <a:round/>
-                      <a:headEnd type="none" w="med" len="med"/>
-                      <a:tailEnd type="none" w="med" len="med"/>
-                    </a:lnT>
-                    <a:lnB w="12700" cap="flat" cmpd="sng" algn="ctr">
-                      <a:solidFill>
-                        <a:schemeClr val="tx1"/>
-                      </a:solidFill>
-                      <a:prstDash val="solid"/>
-                      <a:round/>
-                      <a:headEnd type="none" w="med" len="med"/>
-                      <a:tailEnd type="none" w="med" len="med"/>
-                    </a:lnB>
-                    <a:solidFill>
-                      <a:schemeClr val="accent1">
-                        <a:lumMod val="20000"/>
-                        <a:lumOff val="80000"/>
-                      </a:schemeClr>
-                    </a:solidFill>
-                  </a:tcPr>
-                </a:tc>
-                <a:tc>
-                  <a:txBody>
-                    <a:bodyPr/>
-                    <a:lstStyle/>
-                    <a:p>
-                      <a:endParaRPr lang="en-GB">
-                        <a:solidFill>
-                          <a:schemeClr val="tx1"/>
-                        </a:solidFill>
-                      </a:endParaRPr>
-                    </a:p>
-                  </a:txBody>
-                  <a:tcPr>
-                    <a:lnL w="12700" cap="flat" cmpd="sng" algn="ctr">
-                      <a:solidFill>
-                        <a:schemeClr val="tx1"/>
-                      </a:solidFill>
-                      <a:prstDash val="solid"/>
-                      <a:round/>
-                      <a:headEnd type="none" w="med" len="med"/>
-                      <a:tailEnd type="none" w="med" len="med"/>
-                    </a:lnL>
-                    <a:lnR w="12700" cap="flat" cmpd="sng" algn="ctr">
-                      <a:solidFill>
-                        <a:schemeClr val="tx1"/>
-                      </a:solidFill>
-                      <a:prstDash val="solid"/>
-                      <a:round/>
-                      <a:headEnd type="none" w="med" len="med"/>
-                      <a:tailEnd type="none" w="med" len="med"/>
-                    </a:lnR>
-                    <a:lnT w="12700" cap="flat" cmpd="sng" algn="ctr">
-                      <a:solidFill>
-                        <a:schemeClr val="tx1"/>
-                      </a:solidFill>
-                      <a:prstDash val="solid"/>
-                      <a:round/>
-                      <a:headEnd type="none" w="med" len="med"/>
-                      <a:tailEnd type="none" w="med" len="med"/>
-                    </a:lnT>
-                    <a:lnB w="12700" cap="flat" cmpd="sng" algn="ctr">
-                      <a:solidFill>
-                        <a:schemeClr val="tx1"/>
-                      </a:solidFill>
-                      <a:prstDash val="solid"/>
-                      <a:round/>
-                      <a:headEnd type="none" w="med" len="med"/>
-                      <a:tailEnd type="none" w="med" len="med"/>
-                    </a:lnB>
-                    <a:solidFill>
-                      <a:schemeClr val="accent1">
-                        <a:lumMod val="20000"/>
-                        <a:lumOff val="80000"/>
-                      </a:schemeClr>
-                    </a:solidFill>
-                  </a:tcPr>
-                </a:tc>
-                <a:tc>
-                  <a:txBody>
-                    <a:bodyPr/>
-                    <a:lstStyle/>
-                    <a:p>
-                      <a:endParaRPr lang="en-GB">
-                        <a:solidFill>
-                          <a:schemeClr val="tx1"/>
-                        </a:solidFill>
-                      </a:endParaRPr>
-                    </a:p>
-                  </a:txBody>
-                  <a:tcPr>
-                    <a:lnL w="12700" cap="flat" cmpd="sng" algn="ctr">
-                      <a:solidFill>
-                        <a:schemeClr val="tx1"/>
-                      </a:solidFill>
-                      <a:prstDash val="solid"/>
-                      <a:round/>
-                      <a:headEnd type="none" w="med" len="med"/>
-                      <a:tailEnd type="none" w="med" len="med"/>
-                    </a:lnL>
-                    <a:lnR w="12700" cap="flat" cmpd="sng" algn="ctr">
-                      <a:solidFill>
-                        <a:schemeClr val="tx1"/>
-                      </a:solidFill>
-                      <a:prstDash val="solid"/>
-                      <a:round/>
-                      <a:headEnd type="none" w="med" len="med"/>
-                      <a:tailEnd type="none" w="med" len="med"/>
-                    </a:lnR>
-                    <a:lnT w="12700" cap="flat" cmpd="sng" algn="ctr">
-                      <a:solidFill>
-                        <a:schemeClr val="tx1"/>
-                      </a:solidFill>
-                      <a:prstDash val="solid"/>
-                      <a:round/>
-                      <a:headEnd type="none" w="med" len="med"/>
-                      <a:tailEnd type="none" w="med" len="med"/>
-                    </a:lnT>
-                    <a:lnB w="12700" cap="flat" cmpd="sng" algn="ctr">
-                      <a:solidFill>
-                        <a:schemeClr val="tx1"/>
-                      </a:solidFill>
-                      <a:prstDash val="solid"/>
-                      <a:round/>
-                      <a:headEnd type="none" w="med" len="med"/>
-                      <a:tailEnd type="none" w="med" len="med"/>
-                    </a:lnB>
-                    <a:solidFill>
-                      <a:schemeClr val="accent1">
-                        <a:lumMod val="20000"/>
-                        <a:lumOff val="80000"/>
-                      </a:schemeClr>
-                    </a:solidFill>
-                  </a:tcPr>
-                </a:tc>
-                <a:tc>
-                  <a:txBody>
-                    <a:bodyPr/>
-                    <a:lstStyle/>
-                    <a:p>
-                      <a:endParaRPr lang="en-GB">
-                        <a:solidFill>
-                          <a:schemeClr val="tx1"/>
-                        </a:solidFill>
-                      </a:endParaRPr>
-                    </a:p>
-                  </a:txBody>
-                  <a:tcPr>
-                    <a:lnL w="12700" cap="flat" cmpd="sng" algn="ctr">
-                      <a:solidFill>
-                        <a:schemeClr val="tx1"/>
-                      </a:solidFill>
-                      <a:prstDash val="solid"/>
-                      <a:round/>
-                      <a:headEnd type="none" w="med" len="med"/>
-                      <a:tailEnd type="none" w="med" len="med"/>
-                    </a:lnL>
-                    <a:lnR w="12700" cap="flat" cmpd="sng" algn="ctr">
-                      <a:solidFill>
-                        <a:schemeClr val="tx1"/>
-                      </a:solidFill>
-                      <a:prstDash val="solid"/>
-                      <a:round/>
-                      <a:headEnd type="none" w="med" len="med"/>
-                      <a:tailEnd type="none" w="med" len="med"/>
-                    </a:lnR>
-                    <a:lnT w="12700" cap="flat" cmpd="sng" algn="ctr">
-                      <a:solidFill>
-                        <a:schemeClr val="tx1"/>
-                      </a:solidFill>
-                      <a:prstDash val="solid"/>
-                      <a:round/>
-                      <a:headEnd type="none" w="med" len="med"/>
-                      <a:tailEnd type="none" w="med" len="med"/>
-                    </a:lnT>
-                    <a:lnB w="12700" cap="flat" cmpd="sng" algn="ctr">
-                      <a:solidFill>
-                        <a:schemeClr val="tx1"/>
-                      </a:solidFill>
-                      <a:prstDash val="solid"/>
-                      <a:round/>
-                      <a:headEnd type="none" w="med" len="med"/>
-                      <a:tailEnd type="none" w="med" len="med"/>
-                    </a:lnB>
-                    <a:solidFill>
-                      <a:schemeClr val="accent1">
-                        <a:lumMod val="20000"/>
-                        <a:lumOff val="80000"/>
-                      </a:schemeClr>
-                    </a:solidFill>
-                  </a:tcPr>
-                </a:tc>
-                <a:extLst>
-                  <a:ext uri="{0D108BD9-81ED-4DB2-BD59-A6C34878D82A}">
-                    <a16:rowId xmlns:a16="http://schemas.microsoft.com/office/drawing/2014/main" val="3284443829"/>
-                  </a:ext>
-                </a:extLst>
-              </a:tr>
-              <a:tr h="370840">
-                <a:tc gridSpan="2" vMerge="1">
-                  <a:txBody>
-                    <a:bodyPr/>
-                    <a:lstStyle/>
-                    <a:p>
-                      <a:endParaRPr lang="en-GB">
-                        <a:solidFill>
-                          <a:schemeClr val="tx1"/>
-                        </a:solidFill>
-                      </a:endParaRPr>
-                    </a:p>
-                  </a:txBody>
-                  <a:tcPr>
-                    <a:lnL w="12700" cap="flat" cmpd="sng" algn="ctr">
-                      <a:solidFill>
-                        <a:schemeClr val="tx1"/>
-                      </a:solidFill>
-                      <a:prstDash val="solid"/>
-                      <a:round/>
-                      <a:headEnd type="none" w="med" len="med"/>
-                      <a:tailEnd type="none" w="med" len="med"/>
-                    </a:lnL>
-                    <a:lnR w="12700" cap="flat" cmpd="sng" algn="ctr">
-                      <a:solidFill>
-                        <a:schemeClr val="tx1"/>
-                      </a:solidFill>
-                      <a:prstDash val="solid"/>
-                      <a:round/>
-                      <a:headEnd type="none" w="med" len="med"/>
-                      <a:tailEnd type="none" w="med" len="med"/>
-                    </a:lnR>
-                    <a:lnT w="12700" cap="flat" cmpd="sng" algn="ctr">
-                      <a:solidFill>
-                        <a:schemeClr val="tx1"/>
-                      </a:solidFill>
-                      <a:prstDash val="solid"/>
-                      <a:round/>
-                      <a:headEnd type="none" w="med" len="med"/>
-                      <a:tailEnd type="none" w="med" len="med"/>
-                    </a:lnT>
-                    <a:lnB w="12700" cap="flat" cmpd="sng" algn="ctr">
-                      <a:solidFill>
-                        <a:schemeClr val="tx1"/>
-                      </a:solidFill>
-                      <a:prstDash val="solid"/>
-                      <a:round/>
-                      <a:headEnd type="none" w="med" len="med"/>
-                      <a:tailEnd type="none" w="med" len="med"/>
-                    </a:lnB>
-                    <a:solidFill>
-                      <a:schemeClr val="accent1">
-                        <a:lumMod val="20000"/>
-                        <a:lumOff val="80000"/>
-                      </a:schemeClr>
-                    </a:solidFill>
-                  </a:tcPr>
-                </a:tc>
-                <a:tc hMerge="1" vMerge="1">
-                  <a:txBody>
-                    <a:bodyPr/>
-                    <a:lstStyle/>
-                    <a:p>
-                      <a:endParaRPr lang="en-GB" dirty="0">
-                        <a:solidFill>
-                          <a:schemeClr val="tx1"/>
-                        </a:solidFill>
-                      </a:endParaRPr>
-                    </a:p>
-                  </a:txBody>
-                  <a:tcPr>
-                    <a:lnL w="12700" cap="flat" cmpd="sng" algn="ctr">
-                      <a:solidFill>
-                        <a:schemeClr val="tx1"/>
-                      </a:solidFill>
-                      <a:prstDash val="solid"/>
-                      <a:round/>
-                      <a:headEnd type="none" w="med" len="med"/>
-                      <a:tailEnd type="none" w="med" len="med"/>
-                    </a:lnL>
-                    <a:lnR w="12700" cap="flat" cmpd="sng" algn="ctr">
-                      <a:solidFill>
-                        <a:schemeClr val="tx1"/>
-                      </a:solidFill>
-                      <a:prstDash val="solid"/>
-                      <a:round/>
-                      <a:headEnd type="none" w="med" len="med"/>
-                      <a:tailEnd type="none" w="med" len="med"/>
-                    </a:lnR>
-                    <a:lnT w="12700" cap="flat" cmpd="sng" algn="ctr">
-                      <a:solidFill>
-                        <a:schemeClr val="tx1"/>
-                      </a:solidFill>
-                      <a:prstDash val="solid"/>
-                      <a:round/>
-                      <a:headEnd type="none" w="med" len="med"/>
-                      <a:tailEnd type="none" w="med" len="med"/>
-                    </a:lnT>
-                    <a:lnB w="12700" cap="flat" cmpd="sng" algn="ctr">
-                      <a:solidFill>
-                        <a:schemeClr val="tx1"/>
-                      </a:solidFill>
-                      <a:prstDash val="solid"/>
-                      <a:round/>
-                      <a:headEnd type="none" w="med" len="med"/>
-                      <a:tailEnd type="none" w="med" len="med"/>
-                    </a:lnB>
-                    <a:solidFill>
-                      <a:schemeClr val="accent1">
-                        <a:lumMod val="20000"/>
-                        <a:lumOff val="80000"/>
-                      </a:schemeClr>
-                    </a:solidFill>
-                  </a:tcPr>
-                </a:tc>
-                <a:tc>
-                  <a:txBody>
-                    <a:bodyPr/>
-                    <a:lstStyle/>
-                    <a:p>
-                      <a:endParaRPr lang="en-GB">
-                        <a:solidFill>
-                          <a:schemeClr val="tx1"/>
-                        </a:solidFill>
-                      </a:endParaRPr>
-                    </a:p>
-                  </a:txBody>
-                  <a:tcPr>
-                    <a:lnL w="12700" cap="flat" cmpd="sng" algn="ctr">
-                      <a:solidFill>
-                        <a:schemeClr val="tx1"/>
-                      </a:solidFill>
-                      <a:prstDash val="solid"/>
-                      <a:round/>
-                      <a:headEnd type="none" w="med" len="med"/>
-                      <a:tailEnd type="none" w="med" len="med"/>
-                    </a:lnL>
-                    <a:lnR w="12700" cap="flat" cmpd="sng" algn="ctr">
-                      <a:solidFill>
-                        <a:schemeClr val="tx1"/>
-                      </a:solidFill>
-                      <a:prstDash val="solid"/>
-                      <a:round/>
-                      <a:headEnd type="none" w="med" len="med"/>
-                      <a:tailEnd type="none" w="med" len="med"/>
-                    </a:lnR>
-                    <a:lnT w="12700" cap="flat" cmpd="sng" algn="ctr">
-                      <a:solidFill>
-                        <a:schemeClr val="tx1"/>
-                      </a:solidFill>
-                      <a:prstDash val="solid"/>
-                      <a:round/>
-                      <a:headEnd type="none" w="med" len="med"/>
-                      <a:tailEnd type="none" w="med" len="med"/>
-                    </a:lnT>
-                    <a:lnB w="12700" cap="flat" cmpd="sng" algn="ctr">
-                      <a:solidFill>
-                        <a:schemeClr val="tx1"/>
-                      </a:solidFill>
-                      <a:prstDash val="solid"/>
-                      <a:round/>
-                      <a:headEnd type="none" w="med" len="med"/>
-                      <a:tailEnd type="none" w="med" len="med"/>
-                    </a:lnB>
-                    <a:solidFill>
-                      <a:schemeClr val="accent1">
-                        <a:lumMod val="20000"/>
-                        <a:lumOff val="80000"/>
-                      </a:schemeClr>
-                    </a:solidFill>
-                  </a:tcPr>
-                </a:tc>
-                <a:tc>
-                  <a:txBody>
-                    <a:bodyPr/>
-                    <a:lstStyle/>
-                    <a:p>
-                      <a:endParaRPr lang="en-GB">
-                        <a:solidFill>
-                          <a:schemeClr val="tx1"/>
-                        </a:solidFill>
-                      </a:endParaRPr>
-                    </a:p>
-                  </a:txBody>
-                  <a:tcPr>
-                    <a:lnL w="12700" cap="flat" cmpd="sng" algn="ctr">
-                      <a:solidFill>
-                        <a:schemeClr val="tx1"/>
-                      </a:solidFill>
-                      <a:prstDash val="solid"/>
-                      <a:round/>
-                      <a:headEnd type="none" w="med" len="med"/>
-                      <a:tailEnd type="none" w="med" len="med"/>
-                    </a:lnL>
-                    <a:lnR w="12700" cap="flat" cmpd="sng" algn="ctr">
-                      <a:solidFill>
-                        <a:schemeClr val="tx1"/>
-                      </a:solidFill>
-                      <a:prstDash val="solid"/>
-                      <a:round/>
-                      <a:headEnd type="none" w="med" len="med"/>
-                      <a:tailEnd type="none" w="med" len="med"/>
-                    </a:lnR>
-                    <a:lnT w="12700" cap="flat" cmpd="sng" algn="ctr">
-                      <a:solidFill>
-                        <a:schemeClr val="tx1"/>
-                      </a:solidFill>
-                      <a:prstDash val="solid"/>
-                      <a:round/>
-                      <a:headEnd type="none" w="med" len="med"/>
-                      <a:tailEnd type="none" w="med" len="med"/>
-                    </a:lnT>
-                    <a:lnB w="12700" cap="flat" cmpd="sng" algn="ctr">
-                      <a:solidFill>
-                        <a:schemeClr val="tx1"/>
-                      </a:solidFill>
-                      <a:prstDash val="solid"/>
-                      <a:round/>
-                      <a:headEnd type="none" w="med" len="med"/>
-                      <a:tailEnd type="none" w="med" len="med"/>
-                    </a:lnB>
-                    <a:solidFill>
-                      <a:schemeClr val="accent1">
-                        <a:lumMod val="20000"/>
-                        <a:lumOff val="80000"/>
-                      </a:schemeClr>
-                    </a:solidFill>
-                  </a:tcPr>
-                </a:tc>
-                <a:tc>
-                  <a:txBody>
-                    <a:bodyPr/>
-                    <a:lstStyle/>
-                    <a:p>
-                      <a:endParaRPr lang="en-GB">
-                        <a:solidFill>
-                          <a:schemeClr val="tx1"/>
-                        </a:solidFill>
-                      </a:endParaRPr>
-                    </a:p>
-                  </a:txBody>
-                  <a:tcPr>
-                    <a:lnL w="12700" cap="flat" cmpd="sng" algn="ctr">
-                      <a:solidFill>
-                        <a:schemeClr val="tx1"/>
-                      </a:solidFill>
-                      <a:prstDash val="solid"/>
-                      <a:round/>
-                      <a:headEnd type="none" w="med" len="med"/>
-                      <a:tailEnd type="none" w="med" len="med"/>
-                    </a:lnL>
-                    <a:lnR w="12700" cap="flat" cmpd="sng" algn="ctr">
-                      <a:solidFill>
-                        <a:schemeClr val="tx1"/>
-                      </a:solidFill>
-                      <a:prstDash val="solid"/>
-                      <a:round/>
-                      <a:headEnd type="none" w="med" len="med"/>
-                      <a:tailEnd type="none" w="med" len="med"/>
-                    </a:lnR>
-                    <a:lnT w="12700" cap="flat" cmpd="sng" algn="ctr">
-                      <a:solidFill>
-                        <a:schemeClr val="tx1"/>
-                      </a:solidFill>
-                      <a:prstDash val="solid"/>
-                      <a:round/>
-                      <a:headEnd type="none" w="med" len="med"/>
-                      <a:tailEnd type="none" w="med" len="med"/>
-                    </a:lnT>
-                    <a:lnB w="12700" cap="flat" cmpd="sng" algn="ctr">
-                      <a:solidFill>
-                        <a:schemeClr val="tx1"/>
-                      </a:solidFill>
-                      <a:prstDash val="solid"/>
-                      <a:round/>
-                      <a:headEnd type="none" w="med" len="med"/>
-                      <a:tailEnd type="none" w="med" len="med"/>
-                    </a:lnB>
-                    <a:solidFill>
-                      <a:schemeClr val="accent1">
-                        <a:lumMod val="20000"/>
-                        <a:lumOff val="80000"/>
-                      </a:schemeClr>
-                    </a:solidFill>
-                  </a:tcPr>
-                </a:tc>
-                <a:tc>
-                  <a:txBody>
-                    <a:bodyPr/>
-                    <a:lstStyle/>
-                    <a:p>
-                      <a:endParaRPr lang="en-GB">
-                        <a:solidFill>
-                          <a:schemeClr val="tx1"/>
-                        </a:solidFill>
-                      </a:endParaRPr>
-                    </a:p>
-                  </a:txBody>
-                  <a:tcPr>
-                    <a:lnL w="12700" cap="flat" cmpd="sng" algn="ctr">
-                      <a:solidFill>
-                        <a:schemeClr val="tx1"/>
-                      </a:solidFill>
-                      <a:prstDash val="solid"/>
-                      <a:round/>
-                      <a:headEnd type="none" w="med" len="med"/>
-                      <a:tailEnd type="none" w="med" len="med"/>
-                    </a:lnL>
-                    <a:lnR w="12700" cap="flat" cmpd="sng" algn="ctr">
-                      <a:solidFill>
-                        <a:schemeClr val="tx1"/>
-                      </a:solidFill>
-                      <a:prstDash val="solid"/>
-                      <a:round/>
-                      <a:headEnd type="none" w="med" len="med"/>
-                      <a:tailEnd type="none" w="med" len="med"/>
-                    </a:lnR>
-                    <a:lnT w="12700" cap="flat" cmpd="sng" algn="ctr">
-                      <a:solidFill>
-                        <a:schemeClr val="tx1"/>
-                      </a:solidFill>
-                      <a:prstDash val="solid"/>
-                      <a:round/>
-                      <a:headEnd type="none" w="med" len="med"/>
-                      <a:tailEnd type="none" w="med" len="med"/>
-                    </a:lnT>
-                    <a:lnB w="12700" cap="flat" cmpd="sng" algn="ctr">
-                      <a:solidFill>
-                        <a:schemeClr val="tx1"/>
-                      </a:solidFill>
-                      <a:prstDash val="solid"/>
-                      <a:round/>
-                      <a:headEnd type="none" w="med" len="med"/>
-                      <a:tailEnd type="none" w="med" len="med"/>
-                    </a:lnB>
-                    <a:solidFill>
-                      <a:schemeClr val="accent1">
-                        <a:lumMod val="20000"/>
-                        <a:lumOff val="80000"/>
-                      </a:schemeClr>
-                    </a:solidFill>
-                  </a:tcPr>
-                </a:tc>
-                <a:tc>
-                  <a:txBody>
-                    <a:bodyPr/>
-                    <a:lstStyle/>
-                    <a:p>
-                      <a:endParaRPr lang="en-GB">
-                        <a:solidFill>
-                          <a:schemeClr val="tx1"/>
-                        </a:solidFill>
-                      </a:endParaRPr>
-                    </a:p>
-                  </a:txBody>
-                  <a:tcPr>
-                    <a:lnL w="12700" cap="flat" cmpd="sng" algn="ctr">
-                      <a:solidFill>
-                        <a:schemeClr val="tx1"/>
-                      </a:solidFill>
-                      <a:prstDash val="solid"/>
-                      <a:round/>
-                      <a:headEnd type="none" w="med" len="med"/>
-                      <a:tailEnd type="none" w="med" len="med"/>
-                    </a:lnL>
-                    <a:lnR w="12700" cap="flat" cmpd="sng" algn="ctr">
-                      <a:solidFill>
-                        <a:schemeClr val="tx1"/>
-                      </a:solidFill>
-                      <a:prstDash val="solid"/>
-                      <a:round/>
-                      <a:headEnd type="none" w="med" len="med"/>
-                      <a:tailEnd type="none" w="med" len="med"/>
-                    </a:lnR>
-                    <a:lnT w="12700" cap="flat" cmpd="sng" algn="ctr">
-                      <a:solidFill>
-                        <a:schemeClr val="tx1"/>
-                      </a:solidFill>
-                      <a:prstDash val="solid"/>
-                      <a:round/>
-                      <a:headEnd type="none" w="med" len="med"/>
-                      <a:tailEnd type="none" w="med" len="med"/>
-                    </a:lnT>
-                    <a:lnB w="12700" cap="flat" cmpd="sng" algn="ctr">
-                      <a:solidFill>
-                        <a:schemeClr val="tx1"/>
-                      </a:solidFill>
-                      <a:prstDash val="solid"/>
-                      <a:round/>
-                      <a:headEnd type="none" w="med" len="med"/>
-                      <a:tailEnd type="none" w="med" len="med"/>
-                    </a:lnB>
-                    <a:solidFill>
-                      <a:schemeClr val="accent1">
-                        <a:lumMod val="20000"/>
-                        <a:lumOff val="80000"/>
-                      </a:schemeClr>
-                    </a:solidFill>
-                  </a:tcPr>
-                </a:tc>
-                <a:tc>
-                  <a:txBody>
-                    <a:bodyPr/>
-                    <a:lstStyle/>
-                    <a:p>
-                      <a:endParaRPr lang="en-GB">
-                        <a:solidFill>
-                          <a:schemeClr val="tx1"/>
-                        </a:solidFill>
-                      </a:endParaRPr>
-                    </a:p>
-                  </a:txBody>
-                  <a:tcPr>
-                    <a:lnL w="12700" cap="flat" cmpd="sng" algn="ctr">
-                      <a:solidFill>
-                        <a:schemeClr val="tx1"/>
-                      </a:solidFill>
-                      <a:prstDash val="solid"/>
-                      <a:round/>
-                      <a:headEnd type="none" w="med" len="med"/>
-                      <a:tailEnd type="none" w="med" len="med"/>
-                    </a:lnL>
-                    <a:lnR w="12700" cap="flat" cmpd="sng" algn="ctr">
-                      <a:solidFill>
-                        <a:schemeClr val="tx1"/>
-                      </a:solidFill>
-                      <a:prstDash val="solid"/>
-                      <a:round/>
-                      <a:headEnd type="none" w="med" len="med"/>
-                      <a:tailEnd type="none" w="med" len="med"/>
-                    </a:lnR>
-                    <a:lnT w="12700" cap="flat" cmpd="sng" algn="ctr">
-                      <a:solidFill>
-                        <a:schemeClr val="tx1"/>
-                      </a:solidFill>
-                      <a:prstDash val="solid"/>
-                      <a:round/>
-                      <a:headEnd type="none" w="med" len="med"/>
-                      <a:tailEnd type="none" w="med" len="med"/>
-                    </a:lnT>
-                    <a:lnB w="12700" cap="flat" cmpd="sng" algn="ctr">
-                      <a:solidFill>
-                        <a:schemeClr val="tx1"/>
-                      </a:solidFill>
-                      <a:prstDash val="solid"/>
-                      <a:round/>
-                      <a:headEnd type="none" w="med" len="med"/>
-                      <a:tailEnd type="none" w="med" len="med"/>
-                    </a:lnB>
-                    <a:solidFill>
-                      <a:schemeClr val="accent1">
-                        <a:lumMod val="20000"/>
-                        <a:lumOff val="80000"/>
-                      </a:schemeClr>
-                    </a:solidFill>
-                  </a:tcPr>
-                </a:tc>
-                <a:tc>
-                  <a:txBody>
-                    <a:bodyPr/>
-                    <a:lstStyle/>
-                    <a:p>
-                      <a:endParaRPr lang="en-GB">
-                        <a:solidFill>
-                          <a:schemeClr val="tx1"/>
-                        </a:solidFill>
-                      </a:endParaRPr>
-                    </a:p>
-                  </a:txBody>
-                  <a:tcPr>
-                    <a:lnL w="12700" cap="flat" cmpd="sng" algn="ctr">
-                      <a:solidFill>
-                        <a:schemeClr val="tx1"/>
-                      </a:solidFill>
-                      <a:prstDash val="solid"/>
-                      <a:round/>
-                      <a:headEnd type="none" w="med" len="med"/>
-                      <a:tailEnd type="none" w="med" len="med"/>
-                    </a:lnL>
-                    <a:lnR w="12700" cap="flat" cmpd="sng" algn="ctr">
-                      <a:solidFill>
-                        <a:schemeClr val="tx1"/>
-                      </a:solidFill>
-                      <a:prstDash val="solid"/>
-                      <a:round/>
-                      <a:headEnd type="none" w="med" len="med"/>
-                      <a:tailEnd type="none" w="med" len="med"/>
-                    </a:lnR>
-                    <a:lnT w="12700" cap="flat" cmpd="sng" algn="ctr">
-                      <a:solidFill>
-                        <a:schemeClr val="tx1"/>
-                      </a:solidFill>
-                      <a:prstDash val="solid"/>
-                      <a:round/>
-                      <a:headEnd type="none" w="med" len="med"/>
-                      <a:tailEnd type="none" w="med" len="med"/>
-                    </a:lnT>
-                    <a:lnB w="12700" cap="flat" cmpd="sng" algn="ctr">
-                      <a:solidFill>
-                        <a:schemeClr val="tx1"/>
-                      </a:solidFill>
-                      <a:prstDash val="solid"/>
-                      <a:round/>
-                      <a:headEnd type="none" w="med" len="med"/>
-                      <a:tailEnd type="none" w="med" len="med"/>
-                    </a:lnB>
-                    <a:solidFill>
-                      <a:schemeClr val="accent1">
-                        <a:lumMod val="20000"/>
-                        <a:lumOff val="80000"/>
-                      </a:schemeClr>
-                    </a:solidFill>
-                  </a:tcPr>
-                </a:tc>
-                <a:tc>
-                  <a:txBody>
-                    <a:bodyPr/>
-                    <a:lstStyle/>
-                    <a:p>
-                      <a:endParaRPr lang="en-GB">
-                        <a:solidFill>
-                          <a:schemeClr val="tx1"/>
-                        </a:solidFill>
-                      </a:endParaRPr>
-                    </a:p>
-                  </a:txBody>
-                  <a:tcPr>
-                    <a:lnL w="12700" cap="flat" cmpd="sng" algn="ctr">
-                      <a:solidFill>
-                        <a:schemeClr val="tx1"/>
-                      </a:solidFill>
-                      <a:prstDash val="solid"/>
-                      <a:round/>
-                      <a:headEnd type="none" w="med" len="med"/>
-                      <a:tailEnd type="none" w="med" len="med"/>
-                    </a:lnL>
-                    <a:lnR w="12700" cap="flat" cmpd="sng" algn="ctr">
-                      <a:solidFill>
-                        <a:schemeClr val="tx1"/>
-                      </a:solidFill>
-                      <a:prstDash val="solid"/>
-                      <a:round/>
-                      <a:headEnd type="none" w="med" len="med"/>
-                      <a:tailEnd type="none" w="med" len="med"/>
-                    </a:lnR>
-                    <a:lnT w="12700" cap="flat" cmpd="sng" algn="ctr">
-                      <a:solidFill>
-                        <a:schemeClr val="tx1"/>
-                      </a:solidFill>
-                      <a:prstDash val="solid"/>
-                      <a:round/>
-                      <a:headEnd type="none" w="med" len="med"/>
-                      <a:tailEnd type="none" w="med" len="med"/>
-                    </a:lnT>
-                    <a:lnB w="12700" cap="flat" cmpd="sng" algn="ctr">
-                      <a:solidFill>
-                        <a:schemeClr val="tx1"/>
-                      </a:solidFill>
-                      <a:prstDash val="solid"/>
-                      <a:round/>
-                      <a:headEnd type="none" w="med" len="med"/>
-                      <a:tailEnd type="none" w="med" len="med"/>
-                    </a:lnB>
-                    <a:solidFill>
-                      <a:schemeClr val="accent1">
-                        <a:lumMod val="20000"/>
-                        <a:lumOff val="80000"/>
-                      </a:schemeClr>
-                    </a:solidFill>
-                  </a:tcPr>
-                </a:tc>
-                <a:tc>
-                  <a:txBody>
-                    <a:bodyPr/>
-                    <a:lstStyle/>
-                    <a:p>
-                      <a:endParaRPr lang="en-GB">
-                        <a:solidFill>
-                          <a:schemeClr val="tx1"/>
-                        </a:solidFill>
-                      </a:endParaRPr>
-                    </a:p>
-                  </a:txBody>
-                  <a:tcPr>
-                    <a:lnL w="12700" cap="flat" cmpd="sng" algn="ctr">
-                      <a:solidFill>
-                        <a:schemeClr val="tx1"/>
-                      </a:solidFill>
-                      <a:prstDash val="solid"/>
-                      <a:round/>
-                      <a:headEnd type="none" w="med" len="med"/>
-                      <a:tailEnd type="none" w="med" len="med"/>
-                    </a:lnL>
-                    <a:lnR w="12700" cap="flat" cmpd="sng" algn="ctr">
-                      <a:solidFill>
-                        <a:schemeClr val="tx1"/>
-                      </a:solidFill>
-                      <a:prstDash val="solid"/>
-                      <a:round/>
-                      <a:headEnd type="none" w="med" len="med"/>
-                      <a:tailEnd type="none" w="med" len="med"/>
-                    </a:lnR>
-                    <a:lnT w="12700" cap="flat" cmpd="sng" algn="ctr">
-                      <a:solidFill>
-                        <a:schemeClr val="tx1"/>
-                      </a:solidFill>
-                      <a:prstDash val="solid"/>
-                      <a:round/>
-                      <a:headEnd type="none" w="med" len="med"/>
-                      <a:tailEnd type="none" w="med" len="med"/>
-                    </a:lnT>
-                    <a:lnB w="12700" cap="flat" cmpd="sng" algn="ctr">
-                      <a:solidFill>
-                        <a:schemeClr val="tx1"/>
-                      </a:solidFill>
-                      <a:prstDash val="solid"/>
-                      <a:round/>
-                      <a:headEnd type="none" w="med" len="med"/>
-                      <a:tailEnd type="none" w="med" len="med"/>
-                    </a:lnB>
-                    <a:solidFill>
-                      <a:schemeClr val="accent1">
-                        <a:lumMod val="20000"/>
-                        <a:lumOff val="80000"/>
-                      </a:schemeClr>
-                    </a:solidFill>
-                  </a:tcPr>
-                </a:tc>
-                <a:tc>
-                  <a:txBody>
-                    <a:bodyPr/>
-                    <a:lstStyle/>
-                    <a:p>
-                      <a:endParaRPr lang="en-GB">
-                        <a:solidFill>
-                          <a:schemeClr val="tx1"/>
-                        </a:solidFill>
-                      </a:endParaRPr>
-                    </a:p>
-                  </a:txBody>
-                  <a:tcPr>
-                    <a:lnL w="12700" cap="flat" cmpd="sng" algn="ctr">
-                      <a:solidFill>
-                        <a:schemeClr val="tx1"/>
-                      </a:solidFill>
-                      <a:prstDash val="solid"/>
-                      <a:round/>
-                      <a:headEnd type="none" w="med" len="med"/>
-                      <a:tailEnd type="none" w="med" len="med"/>
-                    </a:lnL>
-                    <a:lnR w="12700" cap="flat" cmpd="sng" algn="ctr">
-                      <a:solidFill>
-                        <a:schemeClr val="tx1"/>
-                      </a:solidFill>
-                      <a:prstDash val="solid"/>
-                      <a:round/>
-                      <a:headEnd type="none" w="med" len="med"/>
-                      <a:tailEnd type="none" w="med" len="med"/>
-                    </a:lnR>
-                    <a:lnT w="12700" cap="flat" cmpd="sng" algn="ctr">
-                      <a:solidFill>
-                        <a:schemeClr val="tx1"/>
-                      </a:solidFill>
-                      <a:prstDash val="solid"/>
-                      <a:round/>
-                      <a:headEnd type="none" w="med" len="med"/>
-                      <a:tailEnd type="none" w="med" len="med"/>
-                    </a:lnT>
-                    <a:lnB w="12700" cap="flat" cmpd="sng" algn="ctr">
-                      <a:solidFill>
-                        <a:schemeClr val="tx1"/>
-                      </a:solidFill>
-                      <a:prstDash val="solid"/>
-                      <a:round/>
-                      <a:headEnd type="none" w="med" len="med"/>
-                      <a:tailEnd type="none" w="med" len="med"/>
-                    </a:lnB>
-                    <a:solidFill>
-                      <a:schemeClr val="accent1">
-                        <a:lumMod val="20000"/>
-                        <a:lumOff val="80000"/>
-                      </a:schemeClr>
-                    </a:solidFill>
-                  </a:tcPr>
-                </a:tc>
-                <a:tc>
-                  <a:txBody>
-                    <a:bodyPr/>
-                    <a:lstStyle/>
-                    <a:p>
-                      <a:endParaRPr lang="en-GB">
-                        <a:solidFill>
-                          <a:schemeClr val="tx1"/>
-                        </a:solidFill>
-                      </a:endParaRPr>
-                    </a:p>
-                  </a:txBody>
-                  <a:tcPr>
-                    <a:lnL w="12700" cap="flat" cmpd="sng" algn="ctr">
-                      <a:solidFill>
-                        <a:schemeClr val="tx1"/>
-                      </a:solidFill>
-                      <a:prstDash val="solid"/>
-                      <a:round/>
-                      <a:headEnd type="none" w="med" len="med"/>
-                      <a:tailEnd type="none" w="med" len="med"/>
-                    </a:lnL>
-                    <a:lnR w="12700" cap="flat" cmpd="sng" algn="ctr">
-                      <a:solidFill>
-                        <a:schemeClr val="tx1"/>
-                      </a:solidFill>
-                      <a:prstDash val="solid"/>
-                      <a:round/>
-                      <a:headEnd type="none" w="med" len="med"/>
-                      <a:tailEnd type="none" w="med" len="med"/>
-                    </a:lnR>
-                    <a:lnT w="12700" cap="flat" cmpd="sng" algn="ctr">
-                      <a:solidFill>
-                        <a:schemeClr val="tx1"/>
-                      </a:solidFill>
-                      <a:prstDash val="solid"/>
-                      <a:round/>
-                      <a:headEnd type="none" w="med" len="med"/>
-                      <a:tailEnd type="none" w="med" len="med"/>
-                    </a:lnT>
-                    <a:lnB w="12700" cap="flat" cmpd="sng" algn="ctr">
-                      <a:solidFill>
-                        <a:schemeClr val="tx1"/>
-                      </a:solidFill>
-                      <a:prstDash val="solid"/>
-                      <a:round/>
-                      <a:headEnd type="none" w="med" len="med"/>
-                      <a:tailEnd type="none" w="med" len="med"/>
-                    </a:lnB>
-                    <a:solidFill>
-                      <a:schemeClr val="accent1">
-                        <a:lumMod val="20000"/>
-                        <a:lumOff val="80000"/>
-                      </a:schemeClr>
-                    </a:solidFill>
-                  </a:tcPr>
-                </a:tc>
-                <a:tc>
-                  <a:txBody>
-                    <a:bodyPr/>
-                    <a:lstStyle/>
-                    <a:p>
-                      <a:endParaRPr lang="en-GB">
-                        <a:solidFill>
-                          <a:schemeClr val="tx1"/>
-                        </a:solidFill>
-                      </a:endParaRPr>
-                    </a:p>
-                  </a:txBody>
-                  <a:tcPr>
-                    <a:lnL w="12700" cap="flat" cmpd="sng" algn="ctr">
-                      <a:solidFill>
-                        <a:schemeClr val="tx1"/>
-                      </a:solidFill>
-                      <a:prstDash val="solid"/>
-                      <a:round/>
-                      <a:headEnd type="none" w="med" len="med"/>
-                      <a:tailEnd type="none" w="med" len="med"/>
-                    </a:lnL>
-                    <a:lnR w="12700" cap="flat" cmpd="sng" algn="ctr">
-                      <a:solidFill>
-                        <a:schemeClr val="tx1"/>
-                      </a:solidFill>
-                      <a:prstDash val="solid"/>
-                      <a:round/>
-                      <a:headEnd type="none" w="med" len="med"/>
-                      <a:tailEnd type="none" w="med" len="med"/>
-                    </a:lnR>
-                    <a:lnT w="12700" cap="flat" cmpd="sng" algn="ctr">
-                      <a:solidFill>
-                        <a:schemeClr val="tx1"/>
-                      </a:solidFill>
-                      <a:prstDash val="solid"/>
-                      <a:round/>
-                      <a:headEnd type="none" w="med" len="med"/>
-                      <a:tailEnd type="none" w="med" len="med"/>
-                    </a:lnT>
-                    <a:lnB w="12700" cap="flat" cmpd="sng" algn="ctr">
-                      <a:solidFill>
-                        <a:schemeClr val="tx1"/>
-                      </a:solidFill>
-                      <a:prstDash val="solid"/>
-                      <a:round/>
-                      <a:headEnd type="none" w="med" len="med"/>
-                      <a:tailEnd type="none" w="med" len="med"/>
-                    </a:lnB>
-                    <a:solidFill>
-                      <a:schemeClr val="accent1">
-                        <a:lumMod val="20000"/>
-                        <a:lumOff val="80000"/>
-                      </a:schemeClr>
-                    </a:solidFill>
-                  </a:tcPr>
-                </a:tc>
-                <a:tc>
-                  <a:txBody>
-                    <a:bodyPr/>
-                    <a:lstStyle/>
-                    <a:p>
-                      <a:endParaRPr lang="en-GB">
-                        <a:solidFill>
-                          <a:schemeClr val="tx1"/>
-                        </a:solidFill>
-                      </a:endParaRPr>
-                    </a:p>
-                  </a:txBody>
-                  <a:tcPr>
-                    <a:lnL w="12700" cap="flat" cmpd="sng" algn="ctr">
-                      <a:solidFill>
-                        <a:schemeClr val="tx1"/>
-                      </a:solidFill>
-                      <a:prstDash val="solid"/>
-                      <a:round/>
-                      <a:headEnd type="none" w="med" len="med"/>
-                      <a:tailEnd type="none" w="med" len="med"/>
-                    </a:lnL>
-                    <a:lnR w="12700" cap="flat" cmpd="sng" algn="ctr">
-                      <a:solidFill>
-                        <a:schemeClr val="tx1"/>
-                      </a:solidFill>
-                      <a:prstDash val="solid"/>
-                      <a:round/>
-                      <a:headEnd type="none" w="med" len="med"/>
-                      <a:tailEnd type="none" w="med" len="med"/>
-                    </a:lnR>
-                    <a:lnT w="12700" cap="flat" cmpd="sng" algn="ctr">
-                      <a:solidFill>
-                        <a:schemeClr val="tx1"/>
-                      </a:solidFill>
-                      <a:prstDash val="solid"/>
-                      <a:round/>
-                      <a:headEnd type="none" w="med" len="med"/>
-                      <a:tailEnd type="none" w="med" len="med"/>
-                    </a:lnT>
-                    <a:lnB w="12700" cap="flat" cmpd="sng" algn="ctr">
-                      <a:solidFill>
-                        <a:schemeClr val="tx1"/>
-                      </a:solidFill>
-                      <a:prstDash val="solid"/>
-                      <a:round/>
-                      <a:headEnd type="none" w="med" len="med"/>
-                      <a:tailEnd type="none" w="med" len="med"/>
-                    </a:lnB>
-                    <a:solidFill>
-                      <a:schemeClr val="accent1">
-                        <a:lumMod val="20000"/>
-                        <a:lumOff val="80000"/>
-                      </a:schemeClr>
-                    </a:solidFill>
-                  </a:tcPr>
-                </a:tc>
-                <a:tc>
-                  <a:txBody>
-                    <a:bodyPr/>
-                    <a:lstStyle/>
-                    <a:p>
-                      <a:endParaRPr lang="en-GB">
-                        <a:solidFill>
-                          <a:schemeClr val="tx1"/>
-                        </a:solidFill>
-                      </a:endParaRPr>
-                    </a:p>
-                  </a:txBody>
-                  <a:tcPr>
-                    <a:lnL w="12700" cap="flat" cmpd="sng" algn="ctr">
-                      <a:solidFill>
-                        <a:schemeClr val="tx1"/>
-                      </a:solidFill>
-                      <a:prstDash val="solid"/>
-                      <a:round/>
-                      <a:headEnd type="none" w="med" len="med"/>
-                      <a:tailEnd type="none" w="med" len="med"/>
-                    </a:lnL>
-                    <a:lnR w="12700" cap="flat" cmpd="sng" algn="ctr">
-                      <a:solidFill>
-                        <a:schemeClr val="tx1"/>
-                      </a:solidFill>
-                      <a:prstDash val="solid"/>
-                      <a:round/>
-                      <a:headEnd type="none" w="med" len="med"/>
-                      <a:tailEnd type="none" w="med" len="med"/>
-                    </a:lnR>
-                    <a:lnT w="12700" cap="flat" cmpd="sng" algn="ctr">
-                      <a:solidFill>
-                        <a:schemeClr val="tx1"/>
-                      </a:solidFill>
-                      <a:prstDash val="solid"/>
-                      <a:round/>
-                      <a:headEnd type="none" w="med" len="med"/>
-                      <a:tailEnd type="none" w="med" len="med"/>
-                    </a:lnT>
-                    <a:lnB w="12700" cap="flat" cmpd="sng" algn="ctr">
-                      <a:solidFill>
-                        <a:schemeClr val="tx1"/>
-                      </a:solidFill>
-                      <a:prstDash val="solid"/>
-                      <a:round/>
-                      <a:headEnd type="none" w="med" len="med"/>
-                      <a:tailEnd type="none" w="med" len="med"/>
-                    </a:lnB>
-                    <a:solidFill>
-                      <a:schemeClr val="accent1">
-                        <a:lumMod val="20000"/>
-                        <a:lumOff val="80000"/>
-                      </a:schemeClr>
-                    </a:solidFill>
-                  </a:tcPr>
-                </a:tc>
-                <a:tc>
-                  <a:txBody>
-                    <a:bodyPr/>
-                    <a:lstStyle/>
-                    <a:p>
-                      <a:endParaRPr lang="en-GB">
-                        <a:solidFill>
-                          <a:schemeClr val="tx1"/>
-                        </a:solidFill>
-                      </a:endParaRPr>
-                    </a:p>
-                  </a:txBody>
-                  <a:tcPr>
-                    <a:lnL w="12700" cap="flat" cmpd="sng" algn="ctr">
-                      <a:solidFill>
-                        <a:schemeClr val="tx1"/>
-                      </a:solidFill>
-                      <a:prstDash val="solid"/>
-                      <a:round/>
-                      <a:headEnd type="none" w="med" len="med"/>
-                      <a:tailEnd type="none" w="med" len="med"/>
-                    </a:lnL>
-                    <a:lnR w="12700" cap="flat" cmpd="sng" algn="ctr">
-                      <a:solidFill>
-                        <a:schemeClr val="tx1"/>
-                      </a:solidFill>
-                      <a:prstDash val="solid"/>
-                      <a:round/>
-                      <a:headEnd type="none" w="med" len="med"/>
-                      <a:tailEnd type="none" w="med" len="med"/>
-                    </a:lnR>
-                    <a:lnT w="12700" cap="flat" cmpd="sng" algn="ctr">
-                      <a:solidFill>
-                        <a:schemeClr val="tx1"/>
-                      </a:solidFill>
-                      <a:prstDash val="solid"/>
-                      <a:round/>
-                      <a:headEnd type="none" w="med" len="med"/>
-                      <a:tailEnd type="none" w="med" len="med"/>
-                    </a:lnT>
-                    <a:lnB w="12700" cap="flat" cmpd="sng" algn="ctr">
-                      <a:solidFill>
-                        <a:schemeClr val="tx1"/>
-                      </a:solidFill>
-                      <a:prstDash val="solid"/>
-                      <a:round/>
-                      <a:headEnd type="none" w="med" len="med"/>
-                      <a:tailEnd type="none" w="med" len="med"/>
-                    </a:lnB>
-                    <a:solidFill>
-                      <a:schemeClr val="accent1">
-                        <a:lumMod val="20000"/>
-                        <a:lumOff val="80000"/>
-                      </a:schemeClr>
-                    </a:solidFill>
-                  </a:tcPr>
-                </a:tc>
-                <a:extLst>
-                  <a:ext uri="{0D108BD9-81ED-4DB2-BD59-A6C34878D82A}">
-                    <a16:rowId xmlns:a16="http://schemas.microsoft.com/office/drawing/2014/main" val="3312434552"/>
-                  </a:ext>
-                </a:extLst>
-              </a:tr>
-              <a:tr h="370840">
-                <a:tc gridSpan="2" vMerge="1">
-                  <a:txBody>
-                    <a:bodyPr/>
-                    <a:lstStyle/>
-                    <a:p>
-                      <a:endParaRPr lang="en-GB">
-                        <a:solidFill>
-                          <a:schemeClr val="tx1"/>
-                        </a:solidFill>
-                      </a:endParaRPr>
-                    </a:p>
-                  </a:txBody>
-                  <a:tcPr>
-                    <a:lnL w="12700" cap="flat" cmpd="sng" algn="ctr">
-                      <a:solidFill>
-                        <a:schemeClr val="tx1"/>
-                      </a:solidFill>
-                      <a:prstDash val="solid"/>
-                      <a:round/>
-                      <a:headEnd type="none" w="med" len="med"/>
-                      <a:tailEnd type="none" w="med" len="med"/>
-                    </a:lnL>
-                    <a:lnR w="12700" cap="flat" cmpd="sng" algn="ctr">
-                      <a:solidFill>
-                        <a:schemeClr val="tx1"/>
-                      </a:solidFill>
-                      <a:prstDash val="solid"/>
-                      <a:round/>
-                      <a:headEnd type="none" w="med" len="med"/>
-                      <a:tailEnd type="none" w="med" len="med"/>
-                    </a:lnR>
-                    <a:lnT w="12700" cap="flat" cmpd="sng" algn="ctr">
-                      <a:solidFill>
-                        <a:schemeClr val="tx1"/>
-                      </a:solidFill>
-                      <a:prstDash val="solid"/>
-                      <a:round/>
-                      <a:headEnd type="none" w="med" len="med"/>
-                      <a:tailEnd type="none" w="med" len="med"/>
-                    </a:lnT>
-                    <a:lnB w="12700" cap="flat" cmpd="sng" algn="ctr">
-                      <a:solidFill>
-                        <a:schemeClr val="tx1"/>
-                      </a:solidFill>
-                      <a:prstDash val="solid"/>
-                      <a:round/>
-                      <a:headEnd type="none" w="med" len="med"/>
-                      <a:tailEnd type="none" w="med" len="med"/>
-                    </a:lnB>
-                    <a:solidFill>
-                      <a:schemeClr val="accent1">
-                        <a:lumMod val="20000"/>
-                        <a:lumOff val="80000"/>
-                      </a:schemeClr>
-                    </a:solidFill>
-                  </a:tcPr>
-                </a:tc>
-                <a:tc hMerge="1" vMerge="1">
-                  <a:txBody>
-                    <a:bodyPr/>
-                    <a:lstStyle/>
-                    <a:p>
-                      <a:endParaRPr lang="en-GB" dirty="0">
-                        <a:solidFill>
-                          <a:schemeClr val="tx1"/>
-                        </a:solidFill>
-                      </a:endParaRPr>
-                    </a:p>
-                  </a:txBody>
-                  <a:tcPr>
-                    <a:lnL w="12700" cap="flat" cmpd="sng" algn="ctr">
-                      <a:solidFill>
-                        <a:schemeClr val="tx1"/>
-                      </a:solidFill>
-                      <a:prstDash val="solid"/>
-                      <a:round/>
-                      <a:headEnd type="none" w="med" len="med"/>
-                      <a:tailEnd type="none" w="med" len="med"/>
-                    </a:lnL>
-                    <a:lnR w="12700" cap="flat" cmpd="sng" algn="ctr">
-                      <a:solidFill>
-                        <a:schemeClr val="tx1"/>
-                      </a:solidFill>
-                      <a:prstDash val="solid"/>
-                      <a:round/>
-                      <a:headEnd type="none" w="med" len="med"/>
-                      <a:tailEnd type="none" w="med" len="med"/>
-                    </a:lnR>
-                    <a:lnT w="12700" cap="flat" cmpd="sng" algn="ctr">
-                      <a:solidFill>
-                        <a:schemeClr val="tx1"/>
-                      </a:solidFill>
-                      <a:prstDash val="solid"/>
-                      <a:round/>
-                      <a:headEnd type="none" w="med" len="med"/>
-                      <a:tailEnd type="none" w="med" len="med"/>
-                    </a:lnT>
-                    <a:lnB w="12700" cap="flat" cmpd="sng" algn="ctr">
-                      <a:solidFill>
-                        <a:schemeClr val="tx1"/>
-                      </a:solidFill>
-                      <a:prstDash val="solid"/>
-                      <a:round/>
-                      <a:headEnd type="none" w="med" len="med"/>
-                      <a:tailEnd type="none" w="med" len="med"/>
-                    </a:lnB>
-                    <a:solidFill>
-                      <a:schemeClr val="accent1">
-                        <a:lumMod val="20000"/>
-                        <a:lumOff val="80000"/>
-                      </a:schemeClr>
-                    </a:solidFill>
-                  </a:tcPr>
-                </a:tc>
-                <a:tc>
-                  <a:txBody>
-                    <a:bodyPr/>
-                    <a:lstStyle/>
-                    <a:p>
-                      <a:endParaRPr lang="en-GB">
-                        <a:solidFill>
-                          <a:schemeClr val="tx1"/>
-                        </a:solidFill>
-                      </a:endParaRPr>
-                    </a:p>
-                  </a:txBody>
-                  <a:tcPr>
-                    <a:lnL w="12700" cap="flat" cmpd="sng" algn="ctr">
-                      <a:solidFill>
-                        <a:schemeClr val="tx1"/>
-                      </a:solidFill>
-                      <a:prstDash val="solid"/>
-                      <a:round/>
-                      <a:headEnd type="none" w="med" len="med"/>
-                      <a:tailEnd type="none" w="med" len="med"/>
-                    </a:lnL>
-                    <a:lnR w="12700" cap="flat" cmpd="sng" algn="ctr">
-                      <a:solidFill>
-                        <a:schemeClr val="tx1"/>
-                      </a:solidFill>
-                      <a:prstDash val="solid"/>
-                      <a:round/>
-                      <a:headEnd type="none" w="med" len="med"/>
-                      <a:tailEnd type="none" w="med" len="med"/>
-                    </a:lnR>
-                    <a:lnT w="12700" cap="flat" cmpd="sng" algn="ctr">
-                      <a:solidFill>
-                        <a:schemeClr val="tx1"/>
-                      </a:solidFill>
-                      <a:prstDash val="solid"/>
-                      <a:round/>
-                      <a:headEnd type="none" w="med" len="med"/>
-                      <a:tailEnd type="none" w="med" len="med"/>
-                    </a:lnT>
-                    <a:lnB w="12700" cap="flat" cmpd="sng" algn="ctr">
-                      <a:solidFill>
-                        <a:schemeClr val="tx1"/>
-                      </a:solidFill>
-                      <a:prstDash val="solid"/>
-                      <a:round/>
-                      <a:headEnd type="none" w="med" len="med"/>
-                      <a:tailEnd type="none" w="med" len="med"/>
-                    </a:lnB>
-                    <a:solidFill>
-                      <a:schemeClr val="accent1">
-                        <a:lumMod val="20000"/>
-                        <a:lumOff val="80000"/>
-                      </a:schemeClr>
-                    </a:solidFill>
-                  </a:tcPr>
-                </a:tc>
-                <a:tc>
-                  <a:txBody>
-                    <a:bodyPr/>
-                    <a:lstStyle/>
-                    <a:p>
-                      <a:endParaRPr lang="en-GB">
-                        <a:solidFill>
-                          <a:schemeClr val="tx1"/>
-                        </a:solidFill>
-                      </a:endParaRPr>
-                    </a:p>
-                  </a:txBody>
-                  <a:tcPr>
-                    <a:lnL w="12700" cap="flat" cmpd="sng" algn="ctr">
-                      <a:solidFill>
-                        <a:schemeClr val="tx1"/>
-                      </a:solidFill>
-                      <a:prstDash val="solid"/>
-                      <a:round/>
-                      <a:headEnd type="none" w="med" len="med"/>
-                      <a:tailEnd type="none" w="med" len="med"/>
-                    </a:lnL>
-                    <a:lnR w="12700" cap="flat" cmpd="sng" algn="ctr">
-                      <a:solidFill>
-                        <a:schemeClr val="tx1"/>
-                      </a:solidFill>
-                      <a:prstDash val="solid"/>
-                      <a:round/>
-                      <a:headEnd type="none" w="med" len="med"/>
-                      <a:tailEnd type="none" w="med" len="med"/>
-                    </a:lnR>
-                    <a:lnT w="12700" cap="flat" cmpd="sng" algn="ctr">
-                      <a:solidFill>
-                        <a:schemeClr val="tx1"/>
-                      </a:solidFill>
-                      <a:prstDash val="solid"/>
-                      <a:round/>
-                      <a:headEnd type="none" w="med" len="med"/>
-                      <a:tailEnd type="none" w="med" len="med"/>
-                    </a:lnT>
-                    <a:lnB w="12700" cap="flat" cmpd="sng" algn="ctr">
-                      <a:solidFill>
-                        <a:schemeClr val="tx1"/>
-                      </a:solidFill>
-                      <a:prstDash val="solid"/>
-                      <a:round/>
-                      <a:headEnd type="none" w="med" len="med"/>
-                      <a:tailEnd type="none" w="med" len="med"/>
-                    </a:lnB>
-                    <a:solidFill>
-                      <a:schemeClr val="accent1">
-                        <a:lumMod val="20000"/>
-                        <a:lumOff val="80000"/>
-                      </a:schemeClr>
-                    </a:solidFill>
-                  </a:tcPr>
-                </a:tc>
-                <a:tc>
-                  <a:txBody>
-                    <a:bodyPr/>
-                    <a:lstStyle/>
-                    <a:p>
-                      <a:endParaRPr lang="en-GB">
-                        <a:solidFill>
-                          <a:schemeClr val="tx1"/>
-                        </a:solidFill>
-                      </a:endParaRPr>
-                    </a:p>
-                  </a:txBody>
-                  <a:tcPr>
-                    <a:lnL w="12700" cap="flat" cmpd="sng" algn="ctr">
-                      <a:solidFill>
-                        <a:schemeClr val="tx1"/>
-                      </a:solidFill>
-                      <a:prstDash val="solid"/>
-                      <a:round/>
-                      <a:headEnd type="none" w="med" len="med"/>
-                      <a:tailEnd type="none" w="med" len="med"/>
-                    </a:lnL>
-                    <a:lnR w="12700" cap="flat" cmpd="sng" algn="ctr">
-                      <a:solidFill>
-                        <a:schemeClr val="tx1"/>
-                      </a:solidFill>
-                      <a:prstDash val="solid"/>
-                      <a:round/>
-                      <a:headEnd type="none" w="med" len="med"/>
-                      <a:tailEnd type="none" w="med" len="med"/>
-                    </a:lnR>
-                    <a:lnT w="12700" cap="flat" cmpd="sng" algn="ctr">
-                      <a:solidFill>
-                        <a:schemeClr val="tx1"/>
-                      </a:solidFill>
-                      <a:prstDash val="solid"/>
-                      <a:round/>
-                      <a:headEnd type="none" w="med" len="med"/>
-                      <a:tailEnd type="none" w="med" len="med"/>
-                    </a:lnT>
-                    <a:lnB w="12700" cap="flat" cmpd="sng" algn="ctr">
-                      <a:solidFill>
-                        <a:schemeClr val="tx1"/>
-                      </a:solidFill>
-                      <a:prstDash val="solid"/>
-                      <a:round/>
-                      <a:headEnd type="none" w="med" len="med"/>
-                      <a:tailEnd type="none" w="med" len="med"/>
-                    </a:lnB>
-                    <a:solidFill>
-                      <a:schemeClr val="accent1">
-                        <a:lumMod val="20000"/>
-                        <a:lumOff val="80000"/>
-                      </a:schemeClr>
-                    </a:solidFill>
-                  </a:tcPr>
-                </a:tc>
-                <a:tc>
-                  <a:txBody>
-                    <a:bodyPr/>
-                    <a:lstStyle/>
-                    <a:p>
-                      <a:endParaRPr lang="en-GB">
-                        <a:solidFill>
-                          <a:schemeClr val="tx1"/>
-                        </a:solidFill>
-                      </a:endParaRPr>
-                    </a:p>
-                  </a:txBody>
-                  <a:tcPr>
-                    <a:lnL w="12700" cap="flat" cmpd="sng" algn="ctr">
-                      <a:solidFill>
-                        <a:schemeClr val="tx1"/>
-                      </a:solidFill>
-                      <a:prstDash val="solid"/>
-                      <a:round/>
-                      <a:headEnd type="none" w="med" len="med"/>
-                      <a:tailEnd type="none" w="med" len="med"/>
-                    </a:lnL>
-                    <a:lnR w="12700" cap="flat" cmpd="sng" algn="ctr">
-                      <a:solidFill>
-                        <a:schemeClr val="tx1"/>
-                      </a:solidFill>
-                      <a:prstDash val="solid"/>
-                      <a:round/>
-                      <a:headEnd type="none" w="med" len="med"/>
-                      <a:tailEnd type="none" w="med" len="med"/>
-                    </a:lnR>
-                    <a:lnT w="12700" cap="flat" cmpd="sng" algn="ctr">
-                      <a:solidFill>
-                        <a:schemeClr val="tx1"/>
-                      </a:solidFill>
-                      <a:prstDash val="solid"/>
-                      <a:round/>
-                      <a:headEnd type="none" w="med" len="med"/>
-                      <a:tailEnd type="none" w="med" len="med"/>
-                    </a:lnT>
-                    <a:lnB w="12700" cap="flat" cmpd="sng" algn="ctr">
-                      <a:solidFill>
-                        <a:schemeClr val="tx1"/>
-                      </a:solidFill>
-                      <a:prstDash val="solid"/>
-                      <a:round/>
-                      <a:headEnd type="none" w="med" len="med"/>
-                      <a:tailEnd type="none" w="med" len="med"/>
-                    </a:lnB>
-                    <a:solidFill>
-                      <a:schemeClr val="accent1">
-                        <a:lumMod val="20000"/>
-                        <a:lumOff val="80000"/>
-                      </a:schemeClr>
-                    </a:solidFill>
-                  </a:tcPr>
-                </a:tc>
-                <a:tc>
-                  <a:txBody>
-                    <a:bodyPr/>
-                    <a:lstStyle/>
-                    <a:p>
-                      <a:endParaRPr lang="en-GB">
-                        <a:solidFill>
-                          <a:schemeClr val="tx1"/>
-                        </a:solidFill>
-                      </a:endParaRPr>
-                    </a:p>
-                  </a:txBody>
-                  <a:tcPr>
-                    <a:lnL w="12700" cap="flat" cmpd="sng" algn="ctr">
-                      <a:solidFill>
-                        <a:schemeClr val="tx1"/>
-                      </a:solidFill>
-                      <a:prstDash val="solid"/>
-                      <a:round/>
-                      <a:headEnd type="none" w="med" len="med"/>
-                      <a:tailEnd type="none" w="med" len="med"/>
-                    </a:lnL>
-                    <a:lnR w="12700" cap="flat" cmpd="sng" algn="ctr">
-                      <a:solidFill>
-                        <a:schemeClr val="tx1"/>
-                      </a:solidFill>
-                      <a:prstDash val="solid"/>
-                      <a:round/>
-                      <a:headEnd type="none" w="med" len="med"/>
-                      <a:tailEnd type="none" w="med" len="med"/>
-                    </a:lnR>
-                    <a:lnT w="12700" cap="flat" cmpd="sng" algn="ctr">
-                      <a:solidFill>
-                        <a:schemeClr val="tx1"/>
-                      </a:solidFill>
-                      <a:prstDash val="solid"/>
-                      <a:round/>
-                      <a:headEnd type="none" w="med" len="med"/>
-                      <a:tailEnd type="none" w="med" len="med"/>
-                    </a:lnT>
-                    <a:lnB w="12700" cap="flat" cmpd="sng" algn="ctr">
-                      <a:solidFill>
-                        <a:schemeClr val="tx1"/>
-                      </a:solidFill>
-                      <a:prstDash val="solid"/>
-                      <a:round/>
-                      <a:headEnd type="none" w="med" len="med"/>
-                      <a:tailEnd type="none" w="med" len="med"/>
-                    </a:lnB>
-                    <a:solidFill>
-                      <a:schemeClr val="accent1">
-                        <a:lumMod val="20000"/>
-                        <a:lumOff val="80000"/>
-                      </a:schemeClr>
-                    </a:solidFill>
-                  </a:tcPr>
-                </a:tc>
-                <a:tc>
-                  <a:txBody>
-                    <a:bodyPr/>
-                    <a:lstStyle/>
-                    <a:p>
-                      <a:endParaRPr lang="en-GB">
-                        <a:solidFill>
-                          <a:schemeClr val="tx1"/>
-                        </a:solidFill>
-                      </a:endParaRPr>
-                    </a:p>
-                  </a:txBody>
-                  <a:tcPr>
-                    <a:lnL w="12700" cap="flat" cmpd="sng" algn="ctr">
-                      <a:solidFill>
-                        <a:schemeClr val="tx1"/>
-                      </a:solidFill>
-                      <a:prstDash val="solid"/>
-                      <a:round/>
-                      <a:headEnd type="none" w="med" len="med"/>
-                      <a:tailEnd type="none" w="med" len="med"/>
-                    </a:lnL>
-                    <a:lnR w="12700" cap="flat" cmpd="sng" algn="ctr">
-                      <a:solidFill>
-                        <a:schemeClr val="tx1"/>
-                      </a:solidFill>
-                      <a:prstDash val="solid"/>
-                      <a:round/>
-                      <a:headEnd type="none" w="med" len="med"/>
-                      <a:tailEnd type="none" w="med" len="med"/>
-                    </a:lnR>
-                    <a:lnT w="12700" cap="flat" cmpd="sng" algn="ctr">
-                      <a:solidFill>
-                        <a:schemeClr val="tx1"/>
-                      </a:solidFill>
-                      <a:prstDash val="solid"/>
-                      <a:round/>
-                      <a:headEnd type="none" w="med" len="med"/>
-                      <a:tailEnd type="none" w="med" len="med"/>
-                    </a:lnT>
-                    <a:lnB w="12700" cap="flat" cmpd="sng" algn="ctr">
-                      <a:solidFill>
-                        <a:schemeClr val="tx1"/>
-                      </a:solidFill>
-                      <a:prstDash val="solid"/>
-                      <a:round/>
-                      <a:headEnd type="none" w="med" len="med"/>
-                      <a:tailEnd type="none" w="med" len="med"/>
-                    </a:lnB>
-                    <a:solidFill>
-                      <a:schemeClr val="accent1">
-                        <a:lumMod val="20000"/>
-                        <a:lumOff val="80000"/>
-                      </a:schemeClr>
-                    </a:solidFill>
-                  </a:tcPr>
-                </a:tc>
-                <a:tc>
-                  <a:txBody>
-                    <a:bodyPr/>
-                    <a:lstStyle/>
-                    <a:p>
-                      <a:endParaRPr lang="en-GB">
-                        <a:solidFill>
-                          <a:schemeClr val="tx1"/>
-                        </a:solidFill>
-                      </a:endParaRPr>
-                    </a:p>
-                  </a:txBody>
-                  <a:tcPr>
-                    <a:lnL w="12700" cap="flat" cmpd="sng" algn="ctr">
-                      <a:solidFill>
-                        <a:schemeClr val="tx1"/>
-                      </a:solidFill>
-                      <a:prstDash val="solid"/>
-                      <a:round/>
-                      <a:headEnd type="none" w="med" len="med"/>
-                      <a:tailEnd type="none" w="med" len="med"/>
-                    </a:lnL>
-                    <a:lnR w="12700" cap="flat" cmpd="sng" algn="ctr">
-                      <a:solidFill>
-                        <a:schemeClr val="tx1"/>
-                      </a:solidFill>
-                      <a:prstDash val="solid"/>
-                      <a:round/>
-                      <a:headEnd type="none" w="med" len="med"/>
-                      <a:tailEnd type="none" w="med" len="med"/>
-                    </a:lnR>
-                    <a:lnT w="12700" cap="flat" cmpd="sng" algn="ctr">
-                      <a:solidFill>
-                        <a:schemeClr val="tx1"/>
-                      </a:solidFill>
-                      <a:prstDash val="solid"/>
-                      <a:round/>
-                      <a:headEnd type="none" w="med" len="med"/>
-                      <a:tailEnd type="none" w="med" len="med"/>
-                    </a:lnT>
-                    <a:lnB w="12700" cap="flat" cmpd="sng" algn="ctr">
-                      <a:solidFill>
-                        <a:schemeClr val="tx1"/>
-                      </a:solidFill>
-                      <a:prstDash val="solid"/>
-                      <a:round/>
-                      <a:headEnd type="none" w="med" len="med"/>
-                      <a:tailEnd type="none" w="med" len="med"/>
-                    </a:lnB>
-                    <a:solidFill>
-                      <a:schemeClr val="accent1">
-                        <a:lumMod val="20000"/>
-                        <a:lumOff val="80000"/>
-                      </a:schemeClr>
-                    </a:solidFill>
-                  </a:tcPr>
-                </a:tc>
-                <a:tc>
-                  <a:txBody>
-                    <a:bodyPr/>
-                    <a:lstStyle/>
-                    <a:p>
-                      <a:endParaRPr lang="en-GB">
-                        <a:solidFill>
-                          <a:schemeClr val="tx1"/>
-                        </a:solidFill>
-                      </a:endParaRPr>
-                    </a:p>
-                  </a:txBody>
-                  <a:tcPr>
-                    <a:lnL w="12700" cap="flat" cmpd="sng" algn="ctr">
-                      <a:solidFill>
-                        <a:schemeClr val="tx1"/>
-                      </a:solidFill>
-                      <a:prstDash val="solid"/>
-                      <a:round/>
-                      <a:headEnd type="none" w="med" len="med"/>
-                      <a:tailEnd type="none" w="med" len="med"/>
-                    </a:lnL>
-                    <a:lnR w="12700" cap="flat" cmpd="sng" algn="ctr">
-                      <a:solidFill>
-                        <a:schemeClr val="tx1"/>
-                      </a:solidFill>
-                      <a:prstDash val="solid"/>
-                      <a:round/>
-                      <a:headEnd type="none" w="med" len="med"/>
-                      <a:tailEnd type="none" w="med" len="med"/>
-                    </a:lnR>
-                    <a:lnT w="12700" cap="flat" cmpd="sng" algn="ctr">
-                      <a:solidFill>
-                        <a:schemeClr val="tx1"/>
-                      </a:solidFill>
-                      <a:prstDash val="solid"/>
-                      <a:round/>
-                      <a:headEnd type="none" w="med" len="med"/>
-                      <a:tailEnd type="none" w="med" len="med"/>
-                    </a:lnT>
-                    <a:lnB w="12700" cap="flat" cmpd="sng" algn="ctr">
-                      <a:solidFill>
-                        <a:schemeClr val="tx1"/>
-                      </a:solidFill>
-                      <a:prstDash val="solid"/>
-                      <a:round/>
-                      <a:headEnd type="none" w="med" len="med"/>
-                      <a:tailEnd type="none" w="med" len="med"/>
-                    </a:lnB>
-                    <a:solidFill>
-                      <a:schemeClr val="accent1">
-                        <a:lumMod val="20000"/>
-                        <a:lumOff val="80000"/>
-                      </a:schemeClr>
-                    </a:solidFill>
-                  </a:tcPr>
-                </a:tc>
-                <a:tc>
-                  <a:txBody>
-                    <a:bodyPr/>
-                    <a:lstStyle/>
-                    <a:p>
-                      <a:endParaRPr lang="en-GB">
-                        <a:solidFill>
-                          <a:schemeClr val="tx1"/>
-                        </a:solidFill>
-                      </a:endParaRPr>
-                    </a:p>
-                  </a:txBody>
-                  <a:tcPr>
-                    <a:lnL w="12700" cap="flat" cmpd="sng" algn="ctr">
-                      <a:solidFill>
-                        <a:schemeClr val="tx1"/>
-                      </a:solidFill>
-                      <a:prstDash val="solid"/>
-                      <a:round/>
-                      <a:headEnd type="none" w="med" len="med"/>
-                      <a:tailEnd type="none" w="med" len="med"/>
-                    </a:lnL>
-                    <a:lnR w="12700" cap="flat" cmpd="sng" algn="ctr">
-                      <a:solidFill>
-                        <a:schemeClr val="tx1"/>
-                      </a:solidFill>
-                      <a:prstDash val="solid"/>
-                      <a:round/>
-                      <a:headEnd type="none" w="med" len="med"/>
-                      <a:tailEnd type="none" w="med" len="med"/>
-                    </a:lnR>
-                    <a:lnT w="12700" cap="flat" cmpd="sng" algn="ctr">
-                      <a:solidFill>
-                        <a:schemeClr val="tx1"/>
-                      </a:solidFill>
-                      <a:prstDash val="solid"/>
-                      <a:round/>
-                      <a:headEnd type="none" w="med" len="med"/>
-                      <a:tailEnd type="none" w="med" len="med"/>
-                    </a:lnT>
-                    <a:lnB w="12700" cap="flat" cmpd="sng" algn="ctr">
-                      <a:solidFill>
-                        <a:schemeClr val="tx1"/>
-                      </a:solidFill>
-                      <a:prstDash val="solid"/>
-                      <a:round/>
-                      <a:headEnd type="none" w="med" len="med"/>
-                      <a:tailEnd type="none" w="med" len="med"/>
-                    </a:lnB>
-                    <a:solidFill>
-                      <a:schemeClr val="accent1">
-                        <a:lumMod val="20000"/>
-                        <a:lumOff val="80000"/>
-                      </a:schemeClr>
-                    </a:solidFill>
-                  </a:tcPr>
-                </a:tc>
-                <a:tc>
-                  <a:txBody>
-                    <a:bodyPr/>
-                    <a:lstStyle/>
-                    <a:p>
-                      <a:endParaRPr lang="en-GB">
-                        <a:solidFill>
-                          <a:schemeClr val="tx1"/>
-                        </a:solidFill>
-                      </a:endParaRPr>
-                    </a:p>
-                  </a:txBody>
-                  <a:tcPr>
-                    <a:lnL w="12700" cap="flat" cmpd="sng" algn="ctr">
-                      <a:solidFill>
-                        <a:schemeClr val="tx1"/>
-                      </a:solidFill>
-                      <a:prstDash val="solid"/>
-                      <a:round/>
-                      <a:headEnd type="none" w="med" len="med"/>
-                      <a:tailEnd type="none" w="med" len="med"/>
-                    </a:lnL>
-                    <a:lnR w="12700" cap="flat" cmpd="sng" algn="ctr">
-                      <a:solidFill>
-                        <a:schemeClr val="tx1"/>
-                      </a:solidFill>
-                      <a:prstDash val="solid"/>
-                      <a:round/>
-                      <a:headEnd type="none" w="med" len="med"/>
-                      <a:tailEnd type="none" w="med" len="med"/>
-                    </a:lnR>
-                    <a:lnT w="12700" cap="flat" cmpd="sng" algn="ctr">
-                      <a:solidFill>
-                        <a:schemeClr val="tx1"/>
-                      </a:solidFill>
-                      <a:prstDash val="solid"/>
-                      <a:round/>
-                      <a:headEnd type="none" w="med" len="med"/>
-                      <a:tailEnd type="none" w="med" len="med"/>
-                    </a:lnT>
-                    <a:lnB w="12700" cap="flat" cmpd="sng" algn="ctr">
-                      <a:solidFill>
-                        <a:schemeClr val="tx1"/>
-                      </a:solidFill>
-                      <a:prstDash val="solid"/>
-                      <a:round/>
-                      <a:headEnd type="none" w="med" len="med"/>
-                      <a:tailEnd type="none" w="med" len="med"/>
-                    </a:lnB>
-                    <a:solidFill>
-                      <a:schemeClr val="accent1">
-                        <a:lumMod val="20000"/>
-                        <a:lumOff val="80000"/>
-                      </a:schemeClr>
-                    </a:solidFill>
-                  </a:tcPr>
-                </a:tc>
-                <a:tc>
-                  <a:txBody>
-                    <a:bodyPr/>
-                    <a:lstStyle/>
-                    <a:p>
-                      <a:endParaRPr lang="en-GB">
-                        <a:solidFill>
-                          <a:schemeClr val="tx1"/>
-                        </a:solidFill>
-                      </a:endParaRPr>
-                    </a:p>
-                  </a:txBody>
-                  <a:tcPr>
-                    <a:lnL w="12700" cap="flat" cmpd="sng" algn="ctr">
-                      <a:solidFill>
-                        <a:schemeClr val="tx1"/>
-                      </a:solidFill>
-                      <a:prstDash val="solid"/>
-                      <a:round/>
-                      <a:headEnd type="none" w="med" len="med"/>
-                      <a:tailEnd type="none" w="med" len="med"/>
-                    </a:lnL>
-                    <a:lnR w="12700" cap="flat" cmpd="sng" algn="ctr">
-                      <a:solidFill>
-                        <a:schemeClr val="tx1"/>
-                      </a:solidFill>
-                      <a:prstDash val="solid"/>
-                      <a:round/>
-                      <a:headEnd type="none" w="med" len="med"/>
-                      <a:tailEnd type="none" w="med" len="med"/>
-                    </a:lnR>
-                    <a:lnT w="12700" cap="flat" cmpd="sng" algn="ctr">
-                      <a:solidFill>
-                        <a:schemeClr val="tx1"/>
-                      </a:solidFill>
-                      <a:prstDash val="solid"/>
-                      <a:round/>
-                      <a:headEnd type="none" w="med" len="med"/>
-                      <a:tailEnd type="none" w="med" len="med"/>
-                    </a:lnT>
-                    <a:lnB w="12700" cap="flat" cmpd="sng" algn="ctr">
-                      <a:solidFill>
-                        <a:schemeClr val="tx1"/>
-                      </a:solidFill>
-                      <a:prstDash val="solid"/>
-                      <a:round/>
-                      <a:headEnd type="none" w="med" len="med"/>
-                      <a:tailEnd type="none" w="med" len="med"/>
-                    </a:lnB>
-                    <a:solidFill>
-                      <a:schemeClr val="accent1">
-                        <a:lumMod val="20000"/>
-                        <a:lumOff val="80000"/>
-                      </a:schemeClr>
-                    </a:solidFill>
-                  </a:tcPr>
-                </a:tc>
-                <a:tc>
-                  <a:txBody>
-                    <a:bodyPr/>
-                    <a:lstStyle/>
-                    <a:p>
-                      <a:endParaRPr lang="en-GB">
-                        <a:solidFill>
-                          <a:schemeClr val="tx1"/>
-                        </a:solidFill>
-                      </a:endParaRPr>
-                    </a:p>
-                  </a:txBody>
-                  <a:tcPr>
-                    <a:lnL w="12700" cap="flat" cmpd="sng" algn="ctr">
-                      <a:solidFill>
-                        <a:schemeClr val="tx1"/>
-                      </a:solidFill>
-                      <a:prstDash val="solid"/>
-                      <a:round/>
-                      <a:headEnd type="none" w="med" len="med"/>
-                      <a:tailEnd type="none" w="med" len="med"/>
-                    </a:lnL>
-                    <a:lnR w="12700" cap="flat" cmpd="sng" algn="ctr">
-                      <a:solidFill>
-                        <a:schemeClr val="tx1"/>
-                      </a:solidFill>
-                      <a:prstDash val="solid"/>
-                      <a:round/>
-                      <a:headEnd type="none" w="med" len="med"/>
-                      <a:tailEnd type="none" w="med" len="med"/>
-                    </a:lnR>
-                    <a:lnT w="12700" cap="flat" cmpd="sng" algn="ctr">
-                      <a:solidFill>
-                        <a:schemeClr val="tx1"/>
-                      </a:solidFill>
-                      <a:prstDash val="solid"/>
-                      <a:round/>
-                      <a:headEnd type="none" w="med" len="med"/>
-                      <a:tailEnd type="none" w="med" len="med"/>
-                    </a:lnT>
-                    <a:lnB w="12700" cap="flat" cmpd="sng" algn="ctr">
-                      <a:solidFill>
-                        <a:schemeClr val="tx1"/>
-                      </a:solidFill>
-                      <a:prstDash val="solid"/>
-                      <a:round/>
-                      <a:headEnd type="none" w="med" len="med"/>
-                      <a:tailEnd type="none" w="med" len="med"/>
-                    </a:lnB>
-                    <a:solidFill>
-                      <a:schemeClr val="accent1">
-                        <a:lumMod val="20000"/>
-                        <a:lumOff val="80000"/>
-                      </a:schemeClr>
-                    </a:solidFill>
-                  </a:tcPr>
-                </a:tc>
-                <a:tc>
-                  <a:txBody>
-                    <a:bodyPr/>
-                    <a:lstStyle/>
-                    <a:p>
-                      <a:endParaRPr lang="en-GB">
-                        <a:solidFill>
-                          <a:schemeClr val="tx1"/>
-                        </a:solidFill>
-                      </a:endParaRPr>
-                    </a:p>
-                  </a:txBody>
-                  <a:tcPr>
-                    <a:lnL w="12700" cap="flat" cmpd="sng" algn="ctr">
-                      <a:solidFill>
-                        <a:schemeClr val="tx1"/>
-                      </a:solidFill>
-                      <a:prstDash val="solid"/>
-                      <a:round/>
-                      <a:headEnd type="none" w="med" len="med"/>
-                      <a:tailEnd type="none" w="med" len="med"/>
-                    </a:lnL>
-                    <a:lnR w="12700" cap="flat" cmpd="sng" algn="ctr">
-                      <a:solidFill>
-                        <a:schemeClr val="tx1"/>
-                      </a:solidFill>
-                      <a:prstDash val="solid"/>
-                      <a:round/>
-                      <a:headEnd type="none" w="med" len="med"/>
-                      <a:tailEnd type="none" w="med" len="med"/>
-                    </a:lnR>
-                    <a:lnT w="12700" cap="flat" cmpd="sng" algn="ctr">
-                      <a:solidFill>
-                        <a:schemeClr val="tx1"/>
-                      </a:solidFill>
-                      <a:prstDash val="solid"/>
-                      <a:round/>
-                      <a:headEnd type="none" w="med" len="med"/>
-                      <a:tailEnd type="none" w="med" len="med"/>
-                    </a:lnT>
-                    <a:lnB w="12700" cap="flat" cmpd="sng" algn="ctr">
-                      <a:solidFill>
-                        <a:schemeClr val="tx1"/>
-                      </a:solidFill>
-                      <a:prstDash val="solid"/>
-                      <a:round/>
-                      <a:headEnd type="none" w="med" len="med"/>
-                      <a:tailEnd type="none" w="med" len="med"/>
-                    </a:lnB>
-                    <a:solidFill>
-                      <a:schemeClr val="accent1">
-                        <a:lumMod val="20000"/>
-                        <a:lumOff val="80000"/>
-                      </a:schemeClr>
-                    </a:solidFill>
-                  </a:tcPr>
-                </a:tc>
-                <a:tc>
-                  <a:txBody>
-                    <a:bodyPr/>
-                    <a:lstStyle/>
-                    <a:p>
-                      <a:endParaRPr lang="en-GB">
-                        <a:solidFill>
-                          <a:schemeClr val="tx1"/>
-                        </a:solidFill>
-                      </a:endParaRPr>
-                    </a:p>
-                  </a:txBody>
-                  <a:tcPr>
-                    <a:lnL w="12700" cap="flat" cmpd="sng" algn="ctr">
-                      <a:solidFill>
-                        <a:schemeClr val="tx1"/>
-                      </a:solidFill>
-                      <a:prstDash val="solid"/>
-                      <a:round/>
-                      <a:headEnd type="none" w="med" len="med"/>
-                      <a:tailEnd type="none" w="med" len="med"/>
-                    </a:lnL>
-                    <a:lnR w="12700" cap="flat" cmpd="sng" algn="ctr">
-                      <a:solidFill>
-                        <a:schemeClr val="tx1"/>
-                      </a:solidFill>
-                      <a:prstDash val="solid"/>
-                      <a:round/>
-                      <a:headEnd type="none" w="med" len="med"/>
-                      <a:tailEnd type="none" w="med" len="med"/>
-                    </a:lnR>
-                    <a:lnT w="12700" cap="flat" cmpd="sng" algn="ctr">
-                      <a:solidFill>
-                        <a:schemeClr val="tx1"/>
-                      </a:solidFill>
-                      <a:prstDash val="solid"/>
-                      <a:round/>
-                      <a:headEnd type="none" w="med" len="med"/>
-                      <a:tailEnd type="none" w="med" len="med"/>
-                    </a:lnT>
-                    <a:lnB w="12700" cap="flat" cmpd="sng" algn="ctr">
-                      <a:solidFill>
-                        <a:schemeClr val="tx1"/>
-                      </a:solidFill>
-                      <a:prstDash val="solid"/>
-                      <a:round/>
-                      <a:headEnd type="none" w="med" len="med"/>
-                      <a:tailEnd type="none" w="med" len="med"/>
-                    </a:lnB>
-                    <a:solidFill>
-                      <a:schemeClr val="accent1">
-                        <a:lumMod val="20000"/>
-                        <a:lumOff val="80000"/>
-                      </a:schemeClr>
-                    </a:solidFill>
-                  </a:tcPr>
-                </a:tc>
-                <a:tc>
-                  <a:txBody>
-                    <a:bodyPr/>
-                    <a:lstStyle/>
-                    <a:p>
-                      <a:endParaRPr lang="en-GB">
-                        <a:solidFill>
-                          <a:schemeClr val="tx1"/>
-                        </a:solidFill>
-                      </a:endParaRPr>
-                    </a:p>
-                  </a:txBody>
-                  <a:tcPr>
-                    <a:lnL w="12700" cap="flat" cmpd="sng" algn="ctr">
-                      <a:solidFill>
-                        <a:schemeClr val="tx1"/>
-                      </a:solidFill>
-                      <a:prstDash val="solid"/>
-                      <a:round/>
-                      <a:headEnd type="none" w="med" len="med"/>
-                      <a:tailEnd type="none" w="med" len="med"/>
-                    </a:lnL>
-                    <a:lnR w="12700" cap="flat" cmpd="sng" algn="ctr">
-                      <a:solidFill>
-                        <a:schemeClr val="tx1"/>
-                      </a:solidFill>
-                      <a:prstDash val="solid"/>
-                      <a:round/>
-                      <a:headEnd type="none" w="med" len="med"/>
-                      <a:tailEnd type="none" w="med" len="med"/>
-                    </a:lnR>
-                    <a:lnT w="12700" cap="flat" cmpd="sng" algn="ctr">
-                      <a:solidFill>
-                        <a:schemeClr val="tx1"/>
-                      </a:solidFill>
-                      <a:prstDash val="solid"/>
-                      <a:round/>
-                      <a:headEnd type="none" w="med" len="med"/>
-                      <a:tailEnd type="none" w="med" len="med"/>
-                    </a:lnT>
-                    <a:lnB w="12700" cap="flat" cmpd="sng" algn="ctr">
-                      <a:solidFill>
-                        <a:schemeClr val="tx1"/>
-                      </a:solidFill>
-                      <a:prstDash val="solid"/>
-                      <a:round/>
-                      <a:headEnd type="none" w="med" len="med"/>
-                      <a:tailEnd type="none" w="med" len="med"/>
-                    </a:lnB>
-                    <a:solidFill>
-                      <a:schemeClr val="accent1">
-                        <a:lumMod val="20000"/>
-                        <a:lumOff val="80000"/>
-                      </a:schemeClr>
-                    </a:solidFill>
-                  </a:tcPr>
-                </a:tc>
-                <a:extLst>
-                  <a:ext uri="{0D108BD9-81ED-4DB2-BD59-A6C34878D82A}">
-                    <a16:rowId xmlns:a16="http://schemas.microsoft.com/office/drawing/2014/main" val="997601572"/>
-                  </a:ext>
-                </a:extLst>
-              </a:tr>
-              <a:tr h="370840">
-                <a:tc>
-                  <a:txBody>
-                    <a:bodyPr/>
-                    <a:lstStyle/>
-                    <a:p>
-                      <a:endParaRPr lang="en-GB">
-                        <a:solidFill>
-                          <a:schemeClr val="tx1"/>
-                        </a:solidFill>
-                      </a:endParaRPr>
-                    </a:p>
-                  </a:txBody>
-                  <a:tcPr>
-                    <a:lnL w="12700" cap="flat" cmpd="sng" algn="ctr">
-                      <a:solidFill>
-                        <a:schemeClr val="tx1"/>
-                      </a:solidFill>
-                      <a:prstDash val="solid"/>
-                      <a:round/>
-                      <a:headEnd type="none" w="med" len="med"/>
-                      <a:tailEnd type="none" w="med" len="med"/>
-                    </a:lnL>
-                    <a:lnR w="12700" cap="flat" cmpd="sng" algn="ctr">
-                      <a:solidFill>
-                        <a:schemeClr val="tx1"/>
-                      </a:solidFill>
-                      <a:prstDash val="solid"/>
-                      <a:round/>
-                      <a:headEnd type="none" w="med" len="med"/>
-                      <a:tailEnd type="none" w="med" len="med"/>
-                    </a:lnR>
-                    <a:lnT w="12700" cap="flat" cmpd="sng" algn="ctr">
-                      <a:solidFill>
-                        <a:schemeClr val="tx1"/>
-                      </a:solidFill>
-                      <a:prstDash val="solid"/>
-                      <a:round/>
-                      <a:headEnd type="none" w="med" len="med"/>
-                      <a:tailEnd type="none" w="med" len="med"/>
-                    </a:lnT>
-                    <a:lnB w="12700" cap="flat" cmpd="sng" algn="ctr">
-                      <a:solidFill>
-                        <a:schemeClr val="tx1"/>
-                      </a:solidFill>
-                      <a:prstDash val="solid"/>
-                      <a:round/>
-                      <a:headEnd type="none" w="med" len="med"/>
-                      <a:tailEnd type="none" w="med" len="med"/>
-                    </a:lnB>
-                    <a:solidFill>
-                      <a:schemeClr val="accent1">
-                        <a:lumMod val="20000"/>
-                        <a:lumOff val="80000"/>
-                      </a:schemeClr>
-                    </a:solidFill>
-                  </a:tcPr>
-                </a:tc>
-                <a:tc>
-                  <a:txBody>
-                    <a:bodyPr/>
-                    <a:lstStyle/>
-                    <a:p>
-                      <a:endParaRPr lang="en-GB">
-                        <a:solidFill>
-                          <a:schemeClr val="tx1"/>
-                        </a:solidFill>
-                      </a:endParaRPr>
-                    </a:p>
-                  </a:txBody>
-                  <a:tcPr>
-                    <a:lnL w="12700" cap="flat" cmpd="sng" algn="ctr">
-                      <a:solidFill>
-                        <a:schemeClr val="tx1"/>
-                      </a:solidFill>
-                      <a:prstDash val="solid"/>
-                      <a:round/>
-                      <a:headEnd type="none" w="med" len="med"/>
-                      <a:tailEnd type="none" w="med" len="med"/>
-                    </a:lnL>
-                    <a:lnR w="12700" cap="flat" cmpd="sng" algn="ctr">
-                      <a:solidFill>
-                        <a:schemeClr val="tx1"/>
-                      </a:solidFill>
-                      <a:prstDash val="solid"/>
-                      <a:round/>
-                      <a:headEnd type="none" w="med" len="med"/>
-                      <a:tailEnd type="none" w="med" len="med"/>
-                    </a:lnR>
-                    <a:lnT w="12700" cap="flat" cmpd="sng" algn="ctr">
-                      <a:solidFill>
-                        <a:schemeClr val="tx1"/>
-                      </a:solidFill>
-                      <a:prstDash val="solid"/>
-                      <a:round/>
-                      <a:headEnd type="none" w="med" len="med"/>
-                      <a:tailEnd type="none" w="med" len="med"/>
-                    </a:lnT>
-                    <a:lnB w="12700" cap="flat" cmpd="sng" algn="ctr">
-                      <a:solidFill>
-                        <a:schemeClr val="tx1"/>
-                      </a:solidFill>
-                      <a:prstDash val="solid"/>
-                      <a:round/>
-                      <a:headEnd type="none" w="med" len="med"/>
-                      <a:tailEnd type="none" w="med" len="med"/>
-                    </a:lnB>
-                    <a:solidFill>
-                      <a:schemeClr val="accent1">
-                        <a:lumMod val="20000"/>
-                        <a:lumOff val="80000"/>
-                      </a:schemeClr>
-                    </a:solidFill>
-                  </a:tcPr>
-                </a:tc>
-                <a:tc>
-                  <a:txBody>
-                    <a:bodyPr/>
-                    <a:lstStyle/>
-                    <a:p>
-                      <a:endParaRPr lang="en-GB">
-                        <a:solidFill>
-                          <a:schemeClr val="tx1"/>
-                        </a:solidFill>
-                      </a:endParaRPr>
-                    </a:p>
-                  </a:txBody>
-                  <a:tcPr>
-                    <a:lnL w="12700" cap="flat" cmpd="sng" algn="ctr">
-                      <a:solidFill>
-                        <a:schemeClr val="tx1"/>
-                      </a:solidFill>
-                      <a:prstDash val="solid"/>
-                      <a:round/>
-                      <a:headEnd type="none" w="med" len="med"/>
-                      <a:tailEnd type="none" w="med" len="med"/>
-                    </a:lnL>
-                    <a:lnR w="12700" cap="flat" cmpd="sng" algn="ctr">
-                      <a:solidFill>
-                        <a:schemeClr val="tx1"/>
-                      </a:solidFill>
-                      <a:prstDash val="solid"/>
-                      <a:round/>
-                      <a:headEnd type="none" w="med" len="med"/>
-                      <a:tailEnd type="none" w="med" len="med"/>
-                    </a:lnR>
-                    <a:lnT w="12700" cap="flat" cmpd="sng" algn="ctr">
-                      <a:solidFill>
-                        <a:schemeClr val="tx1"/>
-                      </a:solidFill>
-                      <a:prstDash val="solid"/>
-                      <a:round/>
-                      <a:headEnd type="none" w="med" len="med"/>
-                      <a:tailEnd type="none" w="med" len="med"/>
-                    </a:lnT>
-                    <a:lnB w="12700" cap="flat" cmpd="sng" algn="ctr">
-                      <a:solidFill>
-                        <a:schemeClr val="tx1"/>
-                      </a:solidFill>
-                      <a:prstDash val="solid"/>
-                      <a:round/>
-                      <a:headEnd type="none" w="med" len="med"/>
-                      <a:tailEnd type="none" w="med" len="med"/>
-                    </a:lnB>
-                    <a:solidFill>
-                      <a:schemeClr val="accent1">
-                        <a:lumMod val="20000"/>
-                        <a:lumOff val="80000"/>
-                      </a:schemeClr>
-                    </a:solidFill>
-                  </a:tcPr>
-                </a:tc>
-                <a:tc>
-                  <a:txBody>
-                    <a:bodyPr/>
-                    <a:lstStyle/>
-                    <a:p>
-                      <a:endParaRPr lang="en-GB">
-                        <a:solidFill>
-                          <a:schemeClr val="tx1"/>
-                        </a:solidFill>
-                      </a:endParaRPr>
-                    </a:p>
-                  </a:txBody>
-                  <a:tcPr>
-                    <a:lnL w="12700" cap="flat" cmpd="sng" algn="ctr">
-                      <a:solidFill>
-                        <a:schemeClr val="tx1"/>
-                      </a:solidFill>
-                      <a:prstDash val="solid"/>
-                      <a:round/>
-                      <a:headEnd type="none" w="med" len="med"/>
-                      <a:tailEnd type="none" w="med" len="med"/>
-                    </a:lnL>
-                    <a:lnR w="12700" cap="flat" cmpd="sng" algn="ctr">
-                      <a:solidFill>
-                        <a:schemeClr val="tx1"/>
-                      </a:solidFill>
-                      <a:prstDash val="solid"/>
-                      <a:round/>
-                      <a:headEnd type="none" w="med" len="med"/>
-                      <a:tailEnd type="none" w="med" len="med"/>
-                    </a:lnR>
-                    <a:lnT w="12700" cap="flat" cmpd="sng" algn="ctr">
-                      <a:solidFill>
-                        <a:schemeClr val="tx1"/>
-                      </a:solidFill>
-                      <a:prstDash val="solid"/>
-                      <a:round/>
-                      <a:headEnd type="none" w="med" len="med"/>
-                      <a:tailEnd type="none" w="med" len="med"/>
-                    </a:lnT>
-                    <a:lnB w="12700" cap="flat" cmpd="sng" algn="ctr">
-                      <a:solidFill>
-                        <a:schemeClr val="tx1"/>
-                      </a:solidFill>
-                      <a:prstDash val="solid"/>
-                      <a:round/>
-                      <a:headEnd type="none" w="med" len="med"/>
-                      <a:tailEnd type="none" w="med" len="med"/>
-                    </a:lnB>
-                    <a:solidFill>
-                      <a:schemeClr val="accent1">
-                        <a:lumMod val="20000"/>
-                        <a:lumOff val="80000"/>
-                      </a:schemeClr>
-                    </a:solidFill>
-                  </a:tcPr>
-                </a:tc>
-                <a:tc>
-                  <a:txBody>
-                    <a:bodyPr/>
-                    <a:lstStyle/>
-                    <a:p>
-                      <a:endParaRPr lang="en-GB">
-                        <a:solidFill>
-                          <a:schemeClr val="tx1"/>
-                        </a:solidFill>
-                      </a:endParaRPr>
-                    </a:p>
-                  </a:txBody>
-                  <a:tcPr>
-                    <a:lnL w="12700" cap="flat" cmpd="sng" algn="ctr">
-                      <a:solidFill>
-                        <a:schemeClr val="tx1"/>
-                      </a:solidFill>
-                      <a:prstDash val="solid"/>
-                      <a:round/>
-                      <a:headEnd type="none" w="med" len="med"/>
-                      <a:tailEnd type="none" w="med" len="med"/>
-                    </a:lnL>
-                    <a:lnR w="12700" cap="flat" cmpd="sng" algn="ctr">
-                      <a:solidFill>
-                        <a:schemeClr val="tx1"/>
-                      </a:solidFill>
-                      <a:prstDash val="solid"/>
-                      <a:round/>
-                      <a:headEnd type="none" w="med" len="med"/>
-                      <a:tailEnd type="none" w="med" len="med"/>
-                    </a:lnR>
-                    <a:lnT w="12700" cap="flat" cmpd="sng" algn="ctr">
-                      <a:solidFill>
-                        <a:schemeClr val="tx1"/>
-                      </a:solidFill>
-                      <a:prstDash val="solid"/>
-                      <a:round/>
-                      <a:headEnd type="none" w="med" len="med"/>
-                      <a:tailEnd type="none" w="med" len="med"/>
-                    </a:lnT>
-                    <a:lnB w="12700" cap="flat" cmpd="sng" algn="ctr">
-                      <a:solidFill>
-                        <a:schemeClr val="tx1"/>
-                      </a:solidFill>
-                      <a:prstDash val="solid"/>
-                      <a:round/>
-                      <a:headEnd type="none" w="med" len="med"/>
-                      <a:tailEnd type="none" w="med" len="med"/>
-                    </a:lnB>
-                    <a:solidFill>
-                      <a:schemeClr val="accent1">
-                        <a:lumMod val="20000"/>
-                        <a:lumOff val="80000"/>
-                      </a:schemeClr>
-                    </a:solidFill>
-                  </a:tcPr>
-                </a:tc>
-                <a:tc>
-                  <a:txBody>
-                    <a:bodyPr/>
-                    <a:lstStyle/>
-                    <a:p>
-                      <a:endParaRPr lang="en-GB">
-                        <a:solidFill>
-                          <a:schemeClr val="tx1"/>
-                        </a:solidFill>
-                      </a:endParaRPr>
-                    </a:p>
-                  </a:txBody>
-                  <a:tcPr>
-                    <a:lnL w="12700" cap="flat" cmpd="sng" algn="ctr">
-                      <a:solidFill>
-                        <a:schemeClr val="tx1"/>
-                      </a:solidFill>
-                      <a:prstDash val="solid"/>
-                      <a:round/>
-                      <a:headEnd type="none" w="med" len="med"/>
-                      <a:tailEnd type="none" w="med" len="med"/>
-                    </a:lnL>
-                    <a:lnR w="12700" cap="flat" cmpd="sng" algn="ctr">
-                      <a:solidFill>
-                        <a:schemeClr val="tx1"/>
-                      </a:solidFill>
-                      <a:prstDash val="solid"/>
-                      <a:round/>
-                      <a:headEnd type="none" w="med" len="med"/>
-                      <a:tailEnd type="none" w="med" len="med"/>
-                    </a:lnR>
-                    <a:lnT w="12700" cap="flat" cmpd="sng" algn="ctr">
-                      <a:solidFill>
-                        <a:schemeClr val="tx1"/>
-                      </a:solidFill>
-                      <a:prstDash val="solid"/>
-                      <a:round/>
-                      <a:headEnd type="none" w="med" len="med"/>
-                      <a:tailEnd type="none" w="med" len="med"/>
-                    </a:lnT>
-                    <a:lnB w="12700" cap="flat" cmpd="sng" algn="ctr">
-                      <a:solidFill>
-                        <a:schemeClr val="tx1"/>
-                      </a:solidFill>
-                      <a:prstDash val="solid"/>
-                      <a:round/>
-                      <a:headEnd type="none" w="med" len="med"/>
-                      <a:tailEnd type="none" w="med" len="med"/>
-                    </a:lnB>
-                    <a:solidFill>
-                      <a:schemeClr val="accent1">
-                        <a:lumMod val="20000"/>
-                        <a:lumOff val="80000"/>
-                      </a:schemeClr>
-                    </a:solidFill>
-                  </a:tcPr>
-                </a:tc>
-                <a:tc>
-                  <a:txBody>
-                    <a:bodyPr/>
-                    <a:lstStyle/>
-                    <a:p>
-                      <a:endParaRPr lang="en-GB">
-                        <a:solidFill>
-                          <a:schemeClr val="tx1"/>
-                        </a:solidFill>
-                      </a:endParaRPr>
-                    </a:p>
-                  </a:txBody>
-                  <a:tcPr>
-                    <a:lnL w="12700" cap="flat" cmpd="sng" algn="ctr">
-                      <a:solidFill>
-                        <a:schemeClr val="tx1"/>
-                      </a:solidFill>
-                      <a:prstDash val="solid"/>
-                      <a:round/>
-                      <a:headEnd type="none" w="med" len="med"/>
-                      <a:tailEnd type="none" w="med" len="med"/>
-                    </a:lnL>
-                    <a:lnR w="12700" cap="flat" cmpd="sng" algn="ctr">
-                      <a:solidFill>
-                        <a:schemeClr val="tx1"/>
-                      </a:solidFill>
-                      <a:prstDash val="solid"/>
-                      <a:round/>
-                      <a:headEnd type="none" w="med" len="med"/>
-                      <a:tailEnd type="none" w="med" len="med"/>
-                    </a:lnR>
-                    <a:lnT w="12700" cap="flat" cmpd="sng" algn="ctr">
-                      <a:solidFill>
-                        <a:schemeClr val="tx1"/>
-                      </a:solidFill>
-                      <a:prstDash val="solid"/>
-                      <a:round/>
-                      <a:headEnd type="none" w="med" len="med"/>
-                      <a:tailEnd type="none" w="med" len="med"/>
-                    </a:lnT>
-                    <a:lnB w="12700" cap="flat" cmpd="sng" algn="ctr">
-                      <a:solidFill>
-                        <a:schemeClr val="tx1"/>
-                      </a:solidFill>
-                      <a:prstDash val="solid"/>
-                      <a:round/>
-                      <a:headEnd type="none" w="med" len="med"/>
-                      <a:tailEnd type="none" w="med" len="med"/>
-                    </a:lnB>
-                    <a:solidFill>
-                      <a:schemeClr val="accent1">
-                        <a:lumMod val="20000"/>
-                        <a:lumOff val="80000"/>
-                      </a:schemeClr>
-                    </a:solidFill>
-                  </a:tcPr>
-                </a:tc>
-                <a:tc>
-                  <a:txBody>
-                    <a:bodyPr/>
-                    <a:lstStyle/>
-                    <a:p>
-                      <a:endParaRPr lang="en-GB">
-                        <a:solidFill>
-                          <a:schemeClr val="tx1"/>
-                        </a:solidFill>
-                      </a:endParaRPr>
-                    </a:p>
-                  </a:txBody>
-                  <a:tcPr>
-                    <a:lnL w="12700" cap="flat" cmpd="sng" algn="ctr">
-                      <a:solidFill>
-                        <a:schemeClr val="tx1"/>
-                      </a:solidFill>
-                      <a:prstDash val="solid"/>
-                      <a:round/>
-                      <a:headEnd type="none" w="med" len="med"/>
-                      <a:tailEnd type="none" w="med" len="med"/>
-                    </a:lnL>
-                    <a:lnR w="12700" cap="flat" cmpd="sng" algn="ctr">
-                      <a:solidFill>
-                        <a:schemeClr val="tx1"/>
-                      </a:solidFill>
-                      <a:prstDash val="solid"/>
-                      <a:round/>
-                      <a:headEnd type="none" w="med" len="med"/>
-                      <a:tailEnd type="none" w="med" len="med"/>
-                    </a:lnR>
-                    <a:lnT w="12700" cap="flat" cmpd="sng" algn="ctr">
-                      <a:solidFill>
-                        <a:schemeClr val="tx1"/>
-                      </a:solidFill>
-                      <a:prstDash val="solid"/>
-                      <a:round/>
-                      <a:headEnd type="none" w="med" len="med"/>
-                      <a:tailEnd type="none" w="med" len="med"/>
-                    </a:lnT>
-                    <a:lnB w="12700" cap="flat" cmpd="sng" algn="ctr">
-                      <a:solidFill>
-                        <a:schemeClr val="tx1"/>
-                      </a:solidFill>
-                      <a:prstDash val="solid"/>
-                      <a:round/>
-                      <a:headEnd type="none" w="med" len="med"/>
-                      <a:tailEnd type="none" w="med" len="med"/>
-                    </a:lnB>
-                    <a:solidFill>
-                      <a:schemeClr val="accent1">
-                        <a:lumMod val="20000"/>
-                        <a:lumOff val="80000"/>
-                      </a:schemeClr>
-                    </a:solidFill>
-                  </a:tcPr>
-                </a:tc>
-                <a:tc>
-                  <a:txBody>
-                    <a:bodyPr/>
-                    <a:lstStyle/>
-                    <a:p>
-                      <a:endParaRPr lang="en-GB">
-                        <a:solidFill>
-                          <a:schemeClr val="tx1"/>
-                        </a:solidFill>
-                      </a:endParaRPr>
-                    </a:p>
-                  </a:txBody>
-                  <a:tcPr>
-                    <a:lnL w="12700" cap="flat" cmpd="sng" algn="ctr">
-                      <a:solidFill>
-                        <a:schemeClr val="tx1"/>
-                      </a:solidFill>
-                      <a:prstDash val="solid"/>
-                      <a:round/>
-                      <a:headEnd type="none" w="med" len="med"/>
-                      <a:tailEnd type="none" w="med" len="med"/>
-                    </a:lnL>
-                    <a:lnR w="12700" cap="flat" cmpd="sng" algn="ctr">
-                      <a:solidFill>
-                        <a:schemeClr val="tx1"/>
-                      </a:solidFill>
-                      <a:prstDash val="solid"/>
-                      <a:round/>
-                      <a:headEnd type="none" w="med" len="med"/>
-                      <a:tailEnd type="none" w="med" len="med"/>
-                    </a:lnR>
-                    <a:lnT w="12700" cap="flat" cmpd="sng" algn="ctr">
-                      <a:solidFill>
-                        <a:schemeClr val="tx1"/>
-                      </a:solidFill>
-                      <a:prstDash val="solid"/>
-                      <a:round/>
-                      <a:headEnd type="none" w="med" len="med"/>
-                      <a:tailEnd type="none" w="med" len="med"/>
-                    </a:lnT>
-                    <a:lnB w="12700" cap="flat" cmpd="sng" algn="ctr">
-                      <a:solidFill>
-                        <a:schemeClr val="tx1"/>
-                      </a:solidFill>
-                      <a:prstDash val="solid"/>
-                      <a:round/>
-                      <a:headEnd type="none" w="med" len="med"/>
-                      <a:tailEnd type="none" w="med" len="med"/>
-                    </a:lnB>
-                    <a:solidFill>
-                      <a:schemeClr val="accent1">
-                        <a:lumMod val="20000"/>
-                        <a:lumOff val="80000"/>
-                      </a:schemeClr>
-                    </a:solidFill>
-                  </a:tcPr>
-                </a:tc>
-                <a:tc>
-                  <a:txBody>
-                    <a:bodyPr/>
-                    <a:lstStyle/>
-                    <a:p>
-                      <a:endParaRPr lang="en-GB">
-                        <a:solidFill>
-                          <a:schemeClr val="tx1"/>
-                        </a:solidFill>
-                      </a:endParaRPr>
-                    </a:p>
-                  </a:txBody>
-                  <a:tcPr>
-                    <a:lnL w="12700" cap="flat" cmpd="sng" algn="ctr">
-                      <a:solidFill>
-                        <a:schemeClr val="tx1"/>
-                      </a:solidFill>
-                      <a:prstDash val="solid"/>
-                      <a:round/>
-                      <a:headEnd type="none" w="med" len="med"/>
-                      <a:tailEnd type="none" w="med" len="med"/>
-                    </a:lnL>
-                    <a:lnR w="12700" cap="flat" cmpd="sng" algn="ctr">
-                      <a:solidFill>
-                        <a:schemeClr val="tx1"/>
-                      </a:solidFill>
-                      <a:prstDash val="solid"/>
-                      <a:round/>
-                      <a:headEnd type="none" w="med" len="med"/>
-                      <a:tailEnd type="none" w="med" len="med"/>
-                    </a:lnR>
-                    <a:lnT w="12700" cap="flat" cmpd="sng" algn="ctr">
-                      <a:solidFill>
-                        <a:schemeClr val="tx1"/>
-                      </a:solidFill>
-                      <a:prstDash val="solid"/>
-                      <a:round/>
-                      <a:headEnd type="none" w="med" len="med"/>
-                      <a:tailEnd type="none" w="med" len="med"/>
-                    </a:lnT>
-                    <a:lnB w="12700" cap="flat" cmpd="sng" algn="ctr">
-                      <a:solidFill>
-                        <a:schemeClr val="tx1"/>
-                      </a:solidFill>
-                      <a:prstDash val="solid"/>
-                      <a:round/>
-                      <a:headEnd type="none" w="med" len="med"/>
-                      <a:tailEnd type="none" w="med" len="med"/>
-                    </a:lnB>
-                    <a:solidFill>
-                      <a:schemeClr val="accent1">
-                        <a:lumMod val="20000"/>
-                        <a:lumOff val="80000"/>
-                      </a:schemeClr>
-                    </a:solidFill>
-                  </a:tcPr>
-                </a:tc>
-                <a:tc>
-                  <a:txBody>
-                    <a:bodyPr/>
-                    <a:lstStyle/>
-                    <a:p>
-                      <a:endParaRPr lang="en-GB">
-                        <a:solidFill>
-                          <a:schemeClr val="tx1"/>
-                        </a:solidFill>
-                      </a:endParaRPr>
-                    </a:p>
-                  </a:txBody>
-                  <a:tcPr>
-                    <a:lnL w="12700" cap="flat" cmpd="sng" algn="ctr">
-                      <a:solidFill>
-                        <a:schemeClr val="tx1"/>
-                      </a:solidFill>
-                      <a:prstDash val="solid"/>
-                      <a:round/>
-                      <a:headEnd type="none" w="med" len="med"/>
-                      <a:tailEnd type="none" w="med" len="med"/>
-                    </a:lnL>
-                    <a:lnR w="12700" cap="flat" cmpd="sng" algn="ctr">
-                      <a:solidFill>
-                        <a:schemeClr val="tx1"/>
-                      </a:solidFill>
-                      <a:prstDash val="solid"/>
-                      <a:round/>
-                      <a:headEnd type="none" w="med" len="med"/>
-                      <a:tailEnd type="none" w="med" len="med"/>
-                    </a:lnR>
-                    <a:lnT w="12700" cap="flat" cmpd="sng" algn="ctr">
-                      <a:solidFill>
-                        <a:schemeClr val="tx1"/>
-                      </a:solidFill>
-                      <a:prstDash val="solid"/>
-                      <a:round/>
-                      <a:headEnd type="none" w="med" len="med"/>
-                      <a:tailEnd type="none" w="med" len="med"/>
-                    </a:lnT>
-                    <a:lnB w="12700" cap="flat" cmpd="sng" algn="ctr">
-                      <a:solidFill>
-                        <a:schemeClr val="tx1"/>
-                      </a:solidFill>
-                      <a:prstDash val="solid"/>
-                      <a:round/>
-                      <a:headEnd type="none" w="med" len="med"/>
-                      <a:tailEnd type="none" w="med" len="med"/>
-                    </a:lnB>
-                    <a:solidFill>
-                      <a:schemeClr val="accent1">
-                        <a:lumMod val="20000"/>
-                        <a:lumOff val="80000"/>
-                      </a:schemeClr>
-                    </a:solidFill>
-                  </a:tcPr>
-                </a:tc>
-                <a:tc>
-                  <a:txBody>
-                    <a:bodyPr/>
-                    <a:lstStyle/>
-                    <a:p>
-                      <a:endParaRPr lang="en-GB">
-                        <a:solidFill>
-                          <a:schemeClr val="tx1"/>
-                        </a:solidFill>
-                      </a:endParaRPr>
-                    </a:p>
-                  </a:txBody>
-                  <a:tcPr>
-                    <a:lnL w="12700" cap="flat" cmpd="sng" algn="ctr">
-                      <a:solidFill>
-                        <a:schemeClr val="tx1"/>
-                      </a:solidFill>
-                      <a:prstDash val="solid"/>
-                      <a:round/>
-                      <a:headEnd type="none" w="med" len="med"/>
-                      <a:tailEnd type="none" w="med" len="med"/>
-                    </a:lnL>
-                    <a:lnR w="12700" cap="flat" cmpd="sng" algn="ctr">
-                      <a:solidFill>
-                        <a:schemeClr val="tx1"/>
-                      </a:solidFill>
-                      <a:prstDash val="solid"/>
-                      <a:round/>
-                      <a:headEnd type="none" w="med" len="med"/>
-                      <a:tailEnd type="none" w="med" len="med"/>
-                    </a:lnR>
-                    <a:lnT w="12700" cap="flat" cmpd="sng" algn="ctr">
-                      <a:solidFill>
-                        <a:schemeClr val="tx1"/>
-                      </a:solidFill>
-                      <a:prstDash val="solid"/>
-                      <a:round/>
-                      <a:headEnd type="none" w="med" len="med"/>
-                      <a:tailEnd type="none" w="med" len="med"/>
-                    </a:lnT>
-                    <a:lnB w="12700" cap="flat" cmpd="sng" algn="ctr">
-                      <a:solidFill>
-                        <a:schemeClr val="tx1"/>
-                      </a:solidFill>
-                      <a:prstDash val="solid"/>
-                      <a:round/>
-                      <a:headEnd type="none" w="med" len="med"/>
-                      <a:tailEnd type="none" w="med" len="med"/>
-                    </a:lnB>
-                    <a:solidFill>
-                      <a:schemeClr val="accent1">
-                        <a:lumMod val="20000"/>
-                        <a:lumOff val="80000"/>
-                      </a:schemeClr>
-                    </a:solidFill>
-                  </a:tcPr>
-                </a:tc>
-                <a:tc>
-                  <a:txBody>
-                    <a:bodyPr/>
-                    <a:lstStyle/>
-                    <a:p>
-                      <a:endParaRPr lang="en-GB">
-                        <a:solidFill>
-                          <a:schemeClr val="tx1"/>
-                        </a:solidFill>
-                      </a:endParaRPr>
-                    </a:p>
-                  </a:txBody>
-                  <a:tcPr>
-                    <a:lnL w="12700" cap="flat" cmpd="sng" algn="ctr">
-                      <a:solidFill>
-                        <a:schemeClr val="tx1"/>
-                      </a:solidFill>
-                      <a:prstDash val="solid"/>
-                      <a:round/>
-                      <a:headEnd type="none" w="med" len="med"/>
-                      <a:tailEnd type="none" w="med" len="med"/>
-                    </a:lnL>
-                    <a:lnR w="12700" cap="flat" cmpd="sng" algn="ctr">
-                      <a:solidFill>
-                        <a:schemeClr val="tx1"/>
-                      </a:solidFill>
-                      <a:prstDash val="solid"/>
-                      <a:round/>
-                      <a:headEnd type="none" w="med" len="med"/>
-                      <a:tailEnd type="none" w="med" len="med"/>
-                    </a:lnR>
-                    <a:lnT w="12700" cap="flat" cmpd="sng" algn="ctr">
-                      <a:solidFill>
-                        <a:schemeClr val="tx1"/>
-                      </a:solidFill>
-                      <a:prstDash val="solid"/>
-                      <a:round/>
-                      <a:headEnd type="none" w="med" len="med"/>
-                      <a:tailEnd type="none" w="med" len="med"/>
-                    </a:lnT>
-                    <a:lnB w="12700" cap="flat" cmpd="sng" algn="ctr">
-                      <a:solidFill>
-                        <a:schemeClr val="tx1"/>
-                      </a:solidFill>
-                      <a:prstDash val="solid"/>
-                      <a:round/>
-                      <a:headEnd type="none" w="med" len="med"/>
-                      <a:tailEnd type="none" w="med" len="med"/>
-                    </a:lnB>
-                    <a:solidFill>
-                      <a:schemeClr val="accent1">
-                        <a:lumMod val="20000"/>
-                        <a:lumOff val="80000"/>
-                      </a:schemeClr>
-                    </a:solidFill>
-                  </a:tcPr>
-                </a:tc>
-                <a:tc>
-                  <a:txBody>
-                    <a:bodyPr/>
-                    <a:lstStyle/>
-                    <a:p>
-                      <a:endParaRPr lang="en-GB">
-                        <a:solidFill>
-                          <a:schemeClr val="tx1"/>
-                        </a:solidFill>
-                      </a:endParaRPr>
-                    </a:p>
-                  </a:txBody>
-                  <a:tcPr>
-                    <a:lnL w="12700" cap="flat" cmpd="sng" algn="ctr">
-                      <a:solidFill>
-                        <a:schemeClr val="tx1"/>
-                      </a:solidFill>
-                      <a:prstDash val="solid"/>
-                      <a:round/>
-                      <a:headEnd type="none" w="med" len="med"/>
-                      <a:tailEnd type="none" w="med" len="med"/>
-                    </a:lnL>
-                    <a:lnR w="12700" cap="flat" cmpd="sng" algn="ctr">
-                      <a:solidFill>
-                        <a:schemeClr val="tx1"/>
-                      </a:solidFill>
-                      <a:prstDash val="solid"/>
-                      <a:round/>
-                      <a:headEnd type="none" w="med" len="med"/>
-                      <a:tailEnd type="none" w="med" len="med"/>
-                    </a:lnR>
-                    <a:lnT w="12700" cap="flat" cmpd="sng" algn="ctr">
-                      <a:solidFill>
-                        <a:schemeClr val="tx1"/>
-                      </a:solidFill>
-                      <a:prstDash val="solid"/>
-                      <a:round/>
-                      <a:headEnd type="none" w="med" len="med"/>
-                      <a:tailEnd type="none" w="med" len="med"/>
-                    </a:lnT>
-                    <a:lnB w="12700" cap="flat" cmpd="sng" algn="ctr">
-                      <a:solidFill>
-                        <a:schemeClr val="tx1"/>
-                      </a:solidFill>
-                      <a:prstDash val="solid"/>
-                      <a:round/>
-                      <a:headEnd type="none" w="med" len="med"/>
-                      <a:tailEnd type="none" w="med" len="med"/>
-                    </a:lnB>
-                    <a:solidFill>
-                      <a:schemeClr val="accent1">
-                        <a:lumMod val="20000"/>
-                        <a:lumOff val="80000"/>
-                      </a:schemeClr>
-                    </a:solidFill>
-                  </a:tcPr>
-                </a:tc>
-                <a:tc>
-                  <a:txBody>
-                    <a:bodyPr/>
-                    <a:lstStyle/>
-                    <a:p>
-                      <a:endParaRPr lang="en-GB">
-                        <a:solidFill>
-                          <a:schemeClr val="tx1"/>
-                        </a:solidFill>
-                      </a:endParaRPr>
-                    </a:p>
-                  </a:txBody>
-                  <a:tcPr>
-                    <a:lnL w="12700" cap="flat" cmpd="sng" algn="ctr">
-                      <a:solidFill>
-                        <a:schemeClr val="tx1"/>
-                      </a:solidFill>
-                      <a:prstDash val="solid"/>
-                      <a:round/>
-                      <a:headEnd type="none" w="med" len="med"/>
-                      <a:tailEnd type="none" w="med" len="med"/>
-                    </a:lnL>
-                    <a:lnR w="12700" cap="flat" cmpd="sng" algn="ctr">
-                      <a:solidFill>
-                        <a:schemeClr val="tx1"/>
-                      </a:solidFill>
-                      <a:prstDash val="solid"/>
-                      <a:round/>
-                      <a:headEnd type="none" w="med" len="med"/>
-                      <a:tailEnd type="none" w="med" len="med"/>
-                    </a:lnR>
-                    <a:lnT w="12700" cap="flat" cmpd="sng" algn="ctr">
-                      <a:solidFill>
-                        <a:schemeClr val="tx1"/>
-                      </a:solidFill>
-                      <a:prstDash val="solid"/>
-                      <a:round/>
-                      <a:headEnd type="none" w="med" len="med"/>
-                      <a:tailEnd type="none" w="med" len="med"/>
-                    </a:lnT>
-                    <a:lnB w="12700" cap="flat" cmpd="sng" algn="ctr">
-                      <a:solidFill>
-                        <a:schemeClr val="tx1"/>
-                      </a:solidFill>
-                      <a:prstDash val="solid"/>
-                      <a:round/>
-                      <a:headEnd type="none" w="med" len="med"/>
-                      <a:tailEnd type="none" w="med" len="med"/>
-                    </a:lnB>
-                    <a:solidFill>
-                      <a:schemeClr val="accent1">
-                        <a:lumMod val="20000"/>
-                        <a:lumOff val="80000"/>
-                      </a:schemeClr>
-                    </a:solidFill>
-                  </a:tcPr>
-                </a:tc>
-                <a:tc>
-                  <a:txBody>
-                    <a:bodyPr/>
-                    <a:lstStyle/>
-                    <a:p>
-                      <a:endParaRPr lang="en-GB">
-                        <a:solidFill>
-                          <a:schemeClr val="tx1"/>
-                        </a:solidFill>
-                      </a:endParaRPr>
-                    </a:p>
-                  </a:txBody>
-                  <a:tcPr>
-                    <a:lnL w="12700" cap="flat" cmpd="sng" algn="ctr">
-                      <a:solidFill>
-                        <a:schemeClr val="tx1"/>
-                      </a:solidFill>
-                      <a:prstDash val="solid"/>
-                      <a:round/>
-                      <a:headEnd type="none" w="med" len="med"/>
-                      <a:tailEnd type="none" w="med" len="med"/>
-                    </a:lnL>
-                    <a:lnR w="12700" cap="flat" cmpd="sng" algn="ctr">
-                      <a:solidFill>
-                        <a:schemeClr val="tx1"/>
-                      </a:solidFill>
-                      <a:prstDash val="solid"/>
-                      <a:round/>
-                      <a:headEnd type="none" w="med" len="med"/>
-                      <a:tailEnd type="none" w="med" len="med"/>
-                    </a:lnR>
-                    <a:lnT w="12700" cap="flat" cmpd="sng" algn="ctr">
-                      <a:solidFill>
-                        <a:schemeClr val="tx1"/>
-                      </a:solidFill>
-                      <a:prstDash val="solid"/>
-                      <a:round/>
-                      <a:headEnd type="none" w="med" len="med"/>
-                      <a:tailEnd type="none" w="med" len="med"/>
-                    </a:lnT>
-                    <a:lnB w="12700" cap="flat" cmpd="sng" algn="ctr">
-                      <a:solidFill>
-                        <a:schemeClr val="tx1"/>
-                      </a:solidFill>
-                      <a:prstDash val="solid"/>
-                      <a:round/>
-                      <a:headEnd type="none" w="med" len="med"/>
-                      <a:tailEnd type="none" w="med" len="med"/>
-                    </a:lnB>
-                    <a:solidFill>
-                      <a:schemeClr val="accent1">
-                        <a:lumMod val="20000"/>
-                        <a:lumOff val="80000"/>
-                      </a:schemeClr>
-                    </a:solidFill>
-                  </a:tcPr>
-                </a:tc>
-                <a:tc>
-                  <a:txBody>
-                    <a:bodyPr/>
-                    <a:lstStyle/>
-                    <a:p>
-                      <a:endParaRPr lang="en-GB">
-                        <a:solidFill>
-                          <a:schemeClr val="tx1"/>
-                        </a:solidFill>
-                      </a:endParaRPr>
-                    </a:p>
-                  </a:txBody>
-                  <a:tcPr>
-                    <a:lnL w="12700" cap="flat" cmpd="sng" algn="ctr">
-                      <a:solidFill>
-                        <a:schemeClr val="tx1"/>
-                      </a:solidFill>
-                      <a:prstDash val="solid"/>
-                      <a:round/>
-                      <a:headEnd type="none" w="med" len="med"/>
-                      <a:tailEnd type="none" w="med" len="med"/>
-                    </a:lnL>
-                    <a:lnR w="12700" cap="flat" cmpd="sng" algn="ctr">
-                      <a:solidFill>
-                        <a:schemeClr val="tx1"/>
-                      </a:solidFill>
-                      <a:prstDash val="solid"/>
-                      <a:round/>
-                      <a:headEnd type="none" w="med" len="med"/>
-                      <a:tailEnd type="none" w="med" len="med"/>
-                    </a:lnR>
-                    <a:lnT w="12700" cap="flat" cmpd="sng" algn="ctr">
-                      <a:solidFill>
-                        <a:schemeClr val="tx1"/>
-                      </a:solidFill>
-                      <a:prstDash val="solid"/>
-                      <a:round/>
-                      <a:headEnd type="none" w="med" len="med"/>
-                      <a:tailEnd type="none" w="med" len="med"/>
-                    </a:lnT>
-                    <a:lnB w="12700" cap="flat" cmpd="sng" algn="ctr">
-                      <a:solidFill>
-                        <a:schemeClr val="tx1"/>
-                      </a:solidFill>
-                      <a:prstDash val="solid"/>
-                      <a:round/>
-                      <a:headEnd type="none" w="med" len="med"/>
-                      <a:tailEnd type="none" w="med" len="med"/>
-                    </a:lnB>
-                    <a:solidFill>
-                      <a:schemeClr val="accent1">
-                        <a:lumMod val="20000"/>
-                        <a:lumOff val="80000"/>
-                      </a:schemeClr>
-                    </a:solidFill>
-                  </a:tcPr>
-                </a:tc>
-                <a:extLst>
-                  <a:ext uri="{0D108BD9-81ED-4DB2-BD59-A6C34878D82A}">
-                    <a16:rowId xmlns:a16="http://schemas.microsoft.com/office/drawing/2014/main" val="1941479760"/>
-                  </a:ext>
-                </a:extLst>
-              </a:tr>
-              <a:tr h="370840">
-                <a:tc>
-                  <a:txBody>
-                    <a:bodyPr/>
-                    <a:lstStyle/>
-                    <a:p>
-                      <a:endParaRPr lang="en-GB">
-                        <a:solidFill>
-                          <a:schemeClr val="tx1"/>
-                        </a:solidFill>
-                      </a:endParaRPr>
-                    </a:p>
-                  </a:txBody>
-                  <a:tcPr>
-                    <a:lnL w="12700" cap="flat" cmpd="sng" algn="ctr">
-                      <a:solidFill>
-                        <a:schemeClr val="tx1"/>
-                      </a:solidFill>
-                      <a:prstDash val="solid"/>
-                      <a:round/>
-                      <a:headEnd type="none" w="med" len="med"/>
-                      <a:tailEnd type="none" w="med" len="med"/>
-                    </a:lnL>
-                    <a:lnR w="12700" cap="flat" cmpd="sng" algn="ctr">
-                      <a:solidFill>
-                        <a:schemeClr val="tx1"/>
-                      </a:solidFill>
-                      <a:prstDash val="solid"/>
-                      <a:round/>
-                      <a:headEnd type="none" w="med" len="med"/>
-                      <a:tailEnd type="none" w="med" len="med"/>
-                    </a:lnR>
-                    <a:lnT w="12700" cap="flat" cmpd="sng" algn="ctr">
-                      <a:solidFill>
-                        <a:schemeClr val="tx1"/>
-                      </a:solidFill>
-                      <a:prstDash val="solid"/>
-                      <a:round/>
-                      <a:headEnd type="none" w="med" len="med"/>
-                      <a:tailEnd type="none" w="med" len="med"/>
-                    </a:lnT>
-                    <a:lnB w="12700" cap="flat" cmpd="sng" algn="ctr">
-                      <a:solidFill>
-                        <a:schemeClr val="tx1"/>
-                      </a:solidFill>
-                      <a:prstDash val="solid"/>
-                      <a:round/>
-                      <a:headEnd type="none" w="med" len="med"/>
-                      <a:tailEnd type="none" w="med" len="med"/>
-                    </a:lnB>
-                    <a:solidFill>
-                      <a:schemeClr val="accent1">
-                        <a:lumMod val="20000"/>
-                        <a:lumOff val="80000"/>
-                      </a:schemeClr>
-                    </a:solidFill>
-                  </a:tcPr>
-                </a:tc>
-                <a:tc>
-                  <a:txBody>
-                    <a:bodyPr/>
-                    <a:lstStyle/>
-                    <a:p>
-                      <a:r>
-                        <a:rPr lang="en-GB" sz="1000" dirty="0">
-                          <a:solidFill>
-                            <a:schemeClr val="tx1"/>
-                          </a:solidFill>
-                        </a:rPr>
-                        <a:t>12</a:t>
-                      </a:r>
-                    </a:p>
-                  </a:txBody>
-                  <a:tcPr>
-                    <a:lnL w="12700" cap="flat" cmpd="sng" algn="ctr">
-                      <a:solidFill>
-                        <a:schemeClr val="tx1"/>
-                      </a:solidFill>
-                      <a:prstDash val="solid"/>
-                      <a:round/>
-                      <a:headEnd type="none" w="med" len="med"/>
-                      <a:tailEnd type="none" w="med" len="med"/>
-                    </a:lnL>
-                    <a:lnR w="12700" cap="flat" cmpd="sng" algn="ctr">
-                      <a:solidFill>
-                        <a:schemeClr val="tx1"/>
-                      </a:solidFill>
-                      <a:prstDash val="solid"/>
-                      <a:round/>
-                      <a:headEnd type="none" w="med" len="med"/>
-                      <a:tailEnd type="none" w="med" len="med"/>
-                    </a:lnR>
-                    <a:lnT w="12700" cap="flat" cmpd="sng" algn="ctr">
-                      <a:solidFill>
-                        <a:schemeClr val="tx1"/>
-                      </a:solidFill>
-                      <a:prstDash val="solid"/>
-                      <a:round/>
-                      <a:headEnd type="none" w="med" len="med"/>
-                      <a:tailEnd type="none" w="med" len="med"/>
-                    </a:lnT>
-                    <a:lnB w="12700" cap="flat" cmpd="sng" algn="ctr">
-                      <a:solidFill>
-                        <a:schemeClr val="tx1"/>
-                      </a:solidFill>
-                      <a:prstDash val="solid"/>
-                      <a:round/>
-                      <a:headEnd type="none" w="med" len="med"/>
-                      <a:tailEnd type="none" w="med" len="med"/>
-                    </a:lnB>
-                    <a:solidFill>
-                      <a:schemeClr val="accent1">
-                        <a:lumMod val="20000"/>
-                        <a:lumOff val="80000"/>
-                      </a:schemeClr>
-                    </a:solidFill>
-                  </a:tcPr>
-                </a:tc>
-                <a:tc>
-                  <a:txBody>
-                    <a:bodyPr/>
-                    <a:lstStyle/>
-                    <a:p>
-                      <a:r>
-                        <a:rPr lang="en-GB" sz="1000" dirty="0">
-                          <a:solidFill>
-                            <a:schemeClr val="tx1"/>
-                          </a:solidFill>
-                        </a:rPr>
-                        <a:t>11</a:t>
-                      </a:r>
-                    </a:p>
-                  </a:txBody>
-                  <a:tcPr>
-                    <a:lnL w="12700" cap="flat" cmpd="sng" algn="ctr">
-                      <a:solidFill>
-                        <a:schemeClr val="tx1"/>
-                      </a:solidFill>
-                      <a:prstDash val="solid"/>
-                      <a:round/>
-                      <a:headEnd type="none" w="med" len="med"/>
-                      <a:tailEnd type="none" w="med" len="med"/>
-                    </a:lnL>
-                    <a:lnR w="12700" cap="flat" cmpd="sng" algn="ctr">
-                      <a:solidFill>
-                        <a:schemeClr val="tx1"/>
-                      </a:solidFill>
-                      <a:prstDash val="solid"/>
-                      <a:round/>
-                      <a:headEnd type="none" w="med" len="med"/>
-                      <a:tailEnd type="none" w="med" len="med"/>
-                    </a:lnR>
-                    <a:lnT w="12700" cap="flat" cmpd="sng" algn="ctr">
-                      <a:solidFill>
-                        <a:schemeClr val="tx1"/>
-                      </a:solidFill>
-                      <a:prstDash val="solid"/>
-                      <a:round/>
-                      <a:headEnd type="none" w="med" len="med"/>
-                      <a:tailEnd type="none" w="med" len="med"/>
-                    </a:lnT>
-                    <a:lnB w="12700" cap="flat" cmpd="sng" algn="ctr">
-                      <a:solidFill>
-                        <a:schemeClr val="tx1"/>
-                      </a:solidFill>
-                      <a:prstDash val="solid"/>
-                      <a:round/>
-                      <a:headEnd type="none" w="med" len="med"/>
-                      <a:tailEnd type="none" w="med" len="med"/>
-                    </a:lnB>
-                    <a:solidFill>
-                      <a:schemeClr val="accent1">
-                        <a:lumMod val="20000"/>
-                        <a:lumOff val="80000"/>
-                      </a:schemeClr>
-                    </a:solidFill>
-                  </a:tcPr>
-                </a:tc>
-                <a:tc>
-                  <a:txBody>
-                    <a:bodyPr/>
-                    <a:lstStyle/>
-                    <a:p>
-                      <a:r>
-                        <a:rPr lang="en-GB" sz="1000" dirty="0">
-                          <a:solidFill>
-                            <a:schemeClr val="tx1"/>
-                          </a:solidFill>
-                        </a:rPr>
-                        <a:t>10</a:t>
-                      </a:r>
-                    </a:p>
-                  </a:txBody>
-                  <a:tcPr>
-                    <a:lnL w="12700" cap="flat" cmpd="sng" algn="ctr">
-                      <a:solidFill>
-                        <a:schemeClr val="tx1"/>
-                      </a:solidFill>
-                      <a:prstDash val="solid"/>
-                      <a:round/>
-                      <a:headEnd type="none" w="med" len="med"/>
-                      <a:tailEnd type="none" w="med" len="med"/>
-                    </a:lnL>
-                    <a:lnR w="12700" cap="flat" cmpd="sng" algn="ctr">
-                      <a:solidFill>
-                        <a:schemeClr val="tx1"/>
-                      </a:solidFill>
-                      <a:prstDash val="solid"/>
-                      <a:round/>
-                      <a:headEnd type="none" w="med" len="med"/>
-                      <a:tailEnd type="none" w="med" len="med"/>
-                    </a:lnR>
-                    <a:lnT w="12700" cap="flat" cmpd="sng" algn="ctr">
-                      <a:solidFill>
-                        <a:schemeClr val="tx1"/>
-                      </a:solidFill>
-                      <a:prstDash val="solid"/>
-                      <a:round/>
-                      <a:headEnd type="none" w="med" len="med"/>
-                      <a:tailEnd type="none" w="med" len="med"/>
-                    </a:lnT>
-                    <a:lnB w="12700" cap="flat" cmpd="sng" algn="ctr">
-                      <a:solidFill>
-                        <a:schemeClr val="tx1"/>
-                      </a:solidFill>
-                      <a:prstDash val="solid"/>
-                      <a:round/>
-                      <a:headEnd type="none" w="med" len="med"/>
-                      <a:tailEnd type="none" w="med" len="med"/>
-                    </a:lnB>
-                    <a:solidFill>
-                      <a:schemeClr val="accent1">
-                        <a:lumMod val="20000"/>
-                        <a:lumOff val="80000"/>
-                      </a:schemeClr>
-                    </a:solidFill>
-                  </a:tcPr>
-                </a:tc>
-                <a:tc>
-                  <a:txBody>
-                    <a:bodyPr/>
-                    <a:lstStyle/>
-                    <a:p>
-                      <a:r>
-                        <a:rPr lang="en-GB" sz="1000" dirty="0">
-                          <a:solidFill>
-                            <a:schemeClr val="tx1"/>
-                          </a:solidFill>
-                        </a:rPr>
-                        <a:t>9</a:t>
-                      </a:r>
-                    </a:p>
-                  </a:txBody>
-                  <a:tcPr>
-                    <a:lnL w="12700" cap="flat" cmpd="sng" algn="ctr">
-                      <a:solidFill>
-                        <a:schemeClr val="tx1"/>
-                      </a:solidFill>
-                      <a:prstDash val="solid"/>
-                      <a:round/>
-                      <a:headEnd type="none" w="med" len="med"/>
-                      <a:tailEnd type="none" w="med" len="med"/>
-                    </a:lnL>
-                    <a:lnR w="12700" cap="flat" cmpd="sng" algn="ctr">
-                      <a:solidFill>
-                        <a:schemeClr val="tx1"/>
-                      </a:solidFill>
-                      <a:prstDash val="solid"/>
-                      <a:round/>
-                      <a:headEnd type="none" w="med" len="med"/>
-                      <a:tailEnd type="none" w="med" len="med"/>
-                    </a:lnR>
-                    <a:lnT w="12700" cap="flat" cmpd="sng" algn="ctr">
-                      <a:solidFill>
-                        <a:schemeClr val="tx1"/>
-                      </a:solidFill>
-                      <a:prstDash val="solid"/>
-                      <a:round/>
-                      <a:headEnd type="none" w="med" len="med"/>
-                      <a:tailEnd type="none" w="med" len="med"/>
-                    </a:lnT>
-                    <a:lnB w="12700" cap="flat" cmpd="sng" algn="ctr">
-                      <a:solidFill>
-                        <a:schemeClr val="tx1"/>
-                      </a:solidFill>
-                      <a:prstDash val="solid"/>
-                      <a:round/>
-                      <a:headEnd type="none" w="med" len="med"/>
-                      <a:tailEnd type="none" w="med" len="med"/>
-                    </a:lnB>
-                    <a:solidFill>
-                      <a:schemeClr val="accent1">
-                        <a:lumMod val="20000"/>
-                        <a:lumOff val="80000"/>
-                      </a:schemeClr>
-                    </a:solidFill>
-                  </a:tcPr>
-                </a:tc>
-                <a:tc>
-                  <a:txBody>
-                    <a:bodyPr/>
-                    <a:lstStyle/>
-                    <a:p>
-                      <a:r>
-                        <a:rPr lang="en-GB" sz="1000" dirty="0">
-                          <a:solidFill>
-                            <a:schemeClr val="tx1"/>
-                          </a:solidFill>
-                        </a:rPr>
-                        <a:t>8</a:t>
-                      </a:r>
-                    </a:p>
-                  </a:txBody>
-                  <a:tcPr>
-                    <a:lnL w="12700" cap="flat" cmpd="sng" algn="ctr">
-                      <a:solidFill>
-                        <a:schemeClr val="tx1"/>
-                      </a:solidFill>
-                      <a:prstDash val="solid"/>
-                      <a:round/>
-                      <a:headEnd type="none" w="med" len="med"/>
-                      <a:tailEnd type="none" w="med" len="med"/>
-                    </a:lnL>
-                    <a:lnR w="12700" cap="flat" cmpd="sng" algn="ctr">
-                      <a:solidFill>
-                        <a:schemeClr val="tx1"/>
-                      </a:solidFill>
-                      <a:prstDash val="solid"/>
-                      <a:round/>
-                      <a:headEnd type="none" w="med" len="med"/>
-                      <a:tailEnd type="none" w="med" len="med"/>
-                    </a:lnR>
-                    <a:lnT w="12700" cap="flat" cmpd="sng" algn="ctr">
-                      <a:solidFill>
-                        <a:schemeClr val="tx1"/>
-                      </a:solidFill>
-                      <a:prstDash val="solid"/>
-                      <a:round/>
-                      <a:headEnd type="none" w="med" len="med"/>
-                      <a:tailEnd type="none" w="med" len="med"/>
-                    </a:lnT>
-                    <a:lnB w="12700" cap="flat" cmpd="sng" algn="ctr">
-                      <a:solidFill>
-                        <a:schemeClr val="tx1"/>
-                      </a:solidFill>
-                      <a:prstDash val="solid"/>
-                      <a:round/>
-                      <a:headEnd type="none" w="med" len="med"/>
-                      <a:tailEnd type="none" w="med" len="med"/>
-                    </a:lnB>
-                    <a:solidFill>
-                      <a:schemeClr val="accent1">
-                        <a:lumMod val="20000"/>
-                        <a:lumOff val="80000"/>
-                      </a:schemeClr>
-                    </a:solidFill>
-                  </a:tcPr>
-                </a:tc>
-                <a:tc>
-                  <a:txBody>
-                    <a:bodyPr/>
-                    <a:lstStyle/>
-                    <a:p>
-                      <a:r>
-                        <a:rPr lang="en-GB" sz="1000" dirty="0">
-                          <a:solidFill>
-                            <a:schemeClr val="tx1"/>
-                          </a:solidFill>
-                        </a:rPr>
-                        <a:t>7</a:t>
-                      </a:r>
-                    </a:p>
-                  </a:txBody>
-                  <a:tcPr>
-                    <a:lnL w="12700" cap="flat" cmpd="sng" algn="ctr">
-                      <a:solidFill>
-                        <a:schemeClr val="tx1"/>
-                      </a:solidFill>
-                      <a:prstDash val="solid"/>
-                      <a:round/>
-                      <a:headEnd type="none" w="med" len="med"/>
-                      <a:tailEnd type="none" w="med" len="med"/>
-                    </a:lnL>
-                    <a:lnR w="12700" cap="flat" cmpd="sng" algn="ctr">
-                      <a:solidFill>
-                        <a:schemeClr val="tx1"/>
-                      </a:solidFill>
-                      <a:prstDash val="solid"/>
-                      <a:round/>
-                      <a:headEnd type="none" w="med" len="med"/>
-                      <a:tailEnd type="none" w="med" len="med"/>
-                    </a:lnR>
-                    <a:lnT w="12700" cap="flat" cmpd="sng" algn="ctr">
-                      <a:solidFill>
-                        <a:schemeClr val="tx1"/>
-                      </a:solidFill>
-                      <a:prstDash val="solid"/>
-                      <a:round/>
-                      <a:headEnd type="none" w="med" len="med"/>
-                      <a:tailEnd type="none" w="med" len="med"/>
-                    </a:lnT>
-                    <a:lnB w="12700" cap="flat" cmpd="sng" algn="ctr">
-                      <a:solidFill>
-                        <a:schemeClr val="tx1"/>
-                      </a:solidFill>
-                      <a:prstDash val="solid"/>
-                      <a:round/>
-                      <a:headEnd type="none" w="med" len="med"/>
-                      <a:tailEnd type="none" w="med" len="med"/>
-                    </a:lnB>
-                    <a:solidFill>
-                      <a:schemeClr val="accent1">
-                        <a:lumMod val="20000"/>
-                        <a:lumOff val="80000"/>
-                      </a:schemeClr>
-                    </a:solidFill>
-                  </a:tcPr>
-                </a:tc>
-                <a:tc>
-                  <a:txBody>
-                    <a:bodyPr/>
-                    <a:lstStyle/>
-                    <a:p>
-                      <a:r>
-                        <a:rPr lang="en-GB" sz="1000" dirty="0">
-                          <a:solidFill>
-                            <a:schemeClr val="tx1"/>
-                          </a:solidFill>
-                        </a:rPr>
-                        <a:t>6</a:t>
-                      </a:r>
-                    </a:p>
-                  </a:txBody>
-                  <a:tcPr>
-                    <a:lnL w="12700" cap="flat" cmpd="sng" algn="ctr">
-                      <a:solidFill>
-                        <a:schemeClr val="tx1"/>
-                      </a:solidFill>
-                      <a:prstDash val="solid"/>
-                      <a:round/>
-                      <a:headEnd type="none" w="med" len="med"/>
-                      <a:tailEnd type="none" w="med" len="med"/>
-                    </a:lnL>
-                    <a:lnR w="12700" cap="flat" cmpd="sng" algn="ctr">
-                      <a:solidFill>
-                        <a:schemeClr val="tx1"/>
-                      </a:solidFill>
-                      <a:prstDash val="solid"/>
-                      <a:round/>
-                      <a:headEnd type="none" w="med" len="med"/>
-                      <a:tailEnd type="none" w="med" len="med"/>
-                    </a:lnR>
-                    <a:lnT w="12700" cap="flat" cmpd="sng" algn="ctr">
-                      <a:solidFill>
-                        <a:schemeClr val="tx1"/>
-                      </a:solidFill>
-                      <a:prstDash val="solid"/>
-                      <a:round/>
-                      <a:headEnd type="none" w="med" len="med"/>
-                      <a:tailEnd type="none" w="med" len="med"/>
-                    </a:lnT>
-                    <a:lnB w="12700" cap="flat" cmpd="sng" algn="ctr">
-                      <a:solidFill>
-                        <a:schemeClr val="tx1"/>
-                      </a:solidFill>
-                      <a:prstDash val="solid"/>
-                      <a:round/>
-                      <a:headEnd type="none" w="med" len="med"/>
-                      <a:tailEnd type="none" w="med" len="med"/>
-                    </a:lnB>
-                    <a:solidFill>
-                      <a:schemeClr val="accent1">
-                        <a:lumMod val="20000"/>
-                        <a:lumOff val="80000"/>
-                      </a:schemeClr>
-                    </a:solidFill>
-                  </a:tcPr>
-                </a:tc>
-                <a:tc>
-                  <a:txBody>
-                    <a:bodyPr/>
-                    <a:lstStyle/>
-                    <a:p>
-                      <a:r>
-                        <a:rPr lang="en-GB" sz="1000" dirty="0">
-                          <a:solidFill>
-                            <a:schemeClr val="tx1"/>
-                          </a:solidFill>
-                        </a:rPr>
-                        <a:t>5</a:t>
-                      </a:r>
-                    </a:p>
-                  </a:txBody>
-                  <a:tcPr>
-                    <a:lnL w="12700" cap="flat" cmpd="sng" algn="ctr">
-                      <a:solidFill>
-                        <a:schemeClr val="tx1"/>
-                      </a:solidFill>
-                      <a:prstDash val="solid"/>
-                      <a:round/>
-                      <a:headEnd type="none" w="med" len="med"/>
-                      <a:tailEnd type="none" w="med" len="med"/>
-                    </a:lnL>
-                    <a:lnR w="12700" cap="flat" cmpd="sng" algn="ctr">
-                      <a:solidFill>
-                        <a:schemeClr val="tx1"/>
-                      </a:solidFill>
-                      <a:prstDash val="solid"/>
-                      <a:round/>
-                      <a:headEnd type="none" w="med" len="med"/>
-                      <a:tailEnd type="none" w="med" len="med"/>
-                    </a:lnR>
-                    <a:lnT w="12700" cap="flat" cmpd="sng" algn="ctr">
-                      <a:solidFill>
-                        <a:schemeClr val="tx1"/>
-                      </a:solidFill>
-                      <a:prstDash val="solid"/>
-                      <a:round/>
-                      <a:headEnd type="none" w="med" len="med"/>
-                      <a:tailEnd type="none" w="med" len="med"/>
-                    </a:lnT>
-                    <a:lnB w="12700" cap="flat" cmpd="sng" algn="ctr">
-                      <a:solidFill>
-                        <a:schemeClr val="tx1"/>
-                      </a:solidFill>
-                      <a:prstDash val="solid"/>
-                      <a:round/>
-                      <a:headEnd type="none" w="med" len="med"/>
-                      <a:tailEnd type="none" w="med" len="med"/>
-                    </a:lnB>
-                    <a:solidFill>
-                      <a:schemeClr val="accent1">
-                        <a:lumMod val="20000"/>
-                        <a:lumOff val="80000"/>
-                      </a:schemeClr>
-                    </a:solidFill>
-                  </a:tcPr>
-                </a:tc>
-                <a:tc>
-                  <a:txBody>
-                    <a:bodyPr/>
-                    <a:lstStyle/>
-                    <a:p>
-                      <a:r>
-                        <a:rPr lang="en-GB" sz="1000" dirty="0">
-                          <a:solidFill>
-                            <a:schemeClr val="tx1"/>
-                          </a:solidFill>
-                        </a:rPr>
-                        <a:t>4</a:t>
-                      </a:r>
-                    </a:p>
-                  </a:txBody>
-                  <a:tcPr>
-                    <a:lnL w="12700" cap="flat" cmpd="sng" algn="ctr">
-                      <a:solidFill>
-                        <a:schemeClr val="tx1"/>
-                      </a:solidFill>
-                      <a:prstDash val="solid"/>
-                      <a:round/>
-                      <a:headEnd type="none" w="med" len="med"/>
-                      <a:tailEnd type="none" w="med" len="med"/>
-                    </a:lnL>
-                    <a:lnR w="12700" cap="flat" cmpd="sng" algn="ctr">
-                      <a:solidFill>
-                        <a:schemeClr val="tx1"/>
-                      </a:solidFill>
-                      <a:prstDash val="solid"/>
-                      <a:round/>
-                      <a:headEnd type="none" w="med" len="med"/>
-                      <a:tailEnd type="none" w="med" len="med"/>
-                    </a:lnR>
-                    <a:lnT w="12700" cap="flat" cmpd="sng" algn="ctr">
-                      <a:solidFill>
-                        <a:schemeClr val="tx1"/>
-                      </a:solidFill>
-                      <a:prstDash val="solid"/>
-                      <a:round/>
-                      <a:headEnd type="none" w="med" len="med"/>
-                      <a:tailEnd type="none" w="med" len="med"/>
-                    </a:lnT>
-                    <a:lnB w="12700" cap="flat" cmpd="sng" algn="ctr">
-                      <a:solidFill>
-                        <a:schemeClr val="tx1"/>
-                      </a:solidFill>
-                      <a:prstDash val="solid"/>
-                      <a:round/>
-                      <a:headEnd type="none" w="med" len="med"/>
-                      <a:tailEnd type="none" w="med" len="med"/>
-                    </a:lnB>
-                    <a:solidFill>
-                      <a:schemeClr val="accent1">
-                        <a:lumMod val="20000"/>
-                        <a:lumOff val="80000"/>
-                      </a:schemeClr>
-                    </a:solidFill>
-                  </a:tcPr>
-                </a:tc>
-                <a:tc>
-                  <a:txBody>
-                    <a:bodyPr/>
-                    <a:lstStyle/>
-                    <a:p>
-                      <a:r>
-                        <a:rPr lang="en-GB" sz="1000" dirty="0">
-                          <a:solidFill>
-                            <a:schemeClr val="tx1"/>
-                          </a:solidFill>
-                        </a:rPr>
-                        <a:t>3</a:t>
-                      </a:r>
-                    </a:p>
-                  </a:txBody>
-                  <a:tcPr>
-                    <a:lnL w="12700" cap="flat" cmpd="sng" algn="ctr">
-                      <a:solidFill>
-                        <a:schemeClr val="tx1"/>
-                      </a:solidFill>
-                      <a:prstDash val="solid"/>
-                      <a:round/>
-                      <a:headEnd type="none" w="med" len="med"/>
-                      <a:tailEnd type="none" w="med" len="med"/>
-                    </a:lnL>
-                    <a:lnR w="12700" cap="flat" cmpd="sng" algn="ctr">
-                      <a:solidFill>
-                        <a:schemeClr val="tx1"/>
-                      </a:solidFill>
-                      <a:prstDash val="solid"/>
-                      <a:round/>
-                      <a:headEnd type="none" w="med" len="med"/>
-                      <a:tailEnd type="none" w="med" len="med"/>
-                    </a:lnR>
-                    <a:lnT w="12700" cap="flat" cmpd="sng" algn="ctr">
-                      <a:solidFill>
-                        <a:schemeClr val="tx1"/>
-                      </a:solidFill>
-                      <a:prstDash val="solid"/>
-                      <a:round/>
-                      <a:headEnd type="none" w="med" len="med"/>
-                      <a:tailEnd type="none" w="med" len="med"/>
-                    </a:lnT>
-                    <a:lnB w="12700" cap="flat" cmpd="sng" algn="ctr">
-                      <a:solidFill>
-                        <a:schemeClr val="tx1"/>
-                      </a:solidFill>
-                      <a:prstDash val="solid"/>
-                      <a:round/>
-                      <a:headEnd type="none" w="med" len="med"/>
-                      <a:tailEnd type="none" w="med" len="med"/>
-                    </a:lnB>
-                    <a:solidFill>
-                      <a:schemeClr val="accent1">
-                        <a:lumMod val="20000"/>
-                        <a:lumOff val="80000"/>
-                      </a:schemeClr>
-                    </a:solidFill>
-                  </a:tcPr>
-                </a:tc>
-                <a:tc>
-                  <a:txBody>
-                    <a:bodyPr/>
-                    <a:lstStyle/>
-                    <a:p>
-                      <a:r>
-                        <a:rPr lang="en-GB" sz="1000" dirty="0">
-                          <a:solidFill>
-                            <a:schemeClr val="tx1"/>
-                          </a:solidFill>
-                        </a:rPr>
-                        <a:t>2</a:t>
-                      </a:r>
-                    </a:p>
-                  </a:txBody>
-                  <a:tcPr>
-                    <a:lnL w="12700" cap="flat" cmpd="sng" algn="ctr">
-                      <a:solidFill>
-                        <a:schemeClr val="tx1"/>
-                      </a:solidFill>
-                      <a:prstDash val="solid"/>
-                      <a:round/>
-                      <a:headEnd type="none" w="med" len="med"/>
-                      <a:tailEnd type="none" w="med" len="med"/>
-                    </a:lnL>
-                    <a:lnR w="12700" cap="flat" cmpd="sng" algn="ctr">
-                      <a:solidFill>
-                        <a:schemeClr val="tx1"/>
-                      </a:solidFill>
-                      <a:prstDash val="solid"/>
-                      <a:round/>
-                      <a:headEnd type="none" w="med" len="med"/>
-                      <a:tailEnd type="none" w="med" len="med"/>
-                    </a:lnR>
-                    <a:lnT w="12700" cap="flat" cmpd="sng" algn="ctr">
-                      <a:solidFill>
-                        <a:schemeClr val="tx1"/>
-                      </a:solidFill>
-                      <a:prstDash val="solid"/>
-                      <a:round/>
-                      <a:headEnd type="none" w="med" len="med"/>
-                      <a:tailEnd type="none" w="med" len="med"/>
-                    </a:lnT>
-                    <a:lnB w="12700" cap="flat" cmpd="sng" algn="ctr">
-                      <a:solidFill>
-                        <a:schemeClr val="tx1"/>
-                      </a:solidFill>
-                      <a:prstDash val="solid"/>
-                      <a:round/>
-                      <a:headEnd type="none" w="med" len="med"/>
-                      <a:tailEnd type="none" w="med" len="med"/>
-                    </a:lnB>
-                    <a:solidFill>
-                      <a:schemeClr val="accent1">
-                        <a:lumMod val="20000"/>
-                        <a:lumOff val="80000"/>
-                      </a:schemeClr>
-                    </a:solidFill>
-                  </a:tcPr>
-                </a:tc>
-                <a:tc>
-                  <a:txBody>
-                    <a:bodyPr/>
-                    <a:lstStyle/>
-                    <a:p>
-                      <a:r>
-                        <a:rPr lang="en-GB" sz="1000" dirty="0">
-                          <a:solidFill>
-                            <a:schemeClr val="tx1"/>
-                          </a:solidFill>
-                        </a:rPr>
-                        <a:t>GND</a:t>
-                      </a:r>
-                    </a:p>
-                  </a:txBody>
-                  <a:tcPr>
-                    <a:lnL w="12700" cap="flat" cmpd="sng" algn="ctr">
-                      <a:solidFill>
-                        <a:schemeClr val="tx1"/>
-                      </a:solidFill>
-                      <a:prstDash val="solid"/>
-                      <a:round/>
-                      <a:headEnd type="none" w="med" len="med"/>
-                      <a:tailEnd type="none" w="med" len="med"/>
-                    </a:lnL>
-                    <a:lnR w="12700" cap="flat" cmpd="sng" algn="ctr">
-                      <a:solidFill>
-                        <a:schemeClr val="tx1"/>
-                      </a:solidFill>
-                      <a:prstDash val="solid"/>
-                      <a:round/>
-                      <a:headEnd type="none" w="med" len="med"/>
-                      <a:tailEnd type="none" w="med" len="med"/>
-                    </a:lnR>
-                    <a:lnT w="12700" cap="flat" cmpd="sng" algn="ctr">
-                      <a:solidFill>
-                        <a:schemeClr val="tx1"/>
-                      </a:solidFill>
-                      <a:prstDash val="solid"/>
-                      <a:round/>
-                      <a:headEnd type="none" w="med" len="med"/>
-                      <a:tailEnd type="none" w="med" len="med"/>
-                    </a:lnT>
-                    <a:lnB w="12700" cap="flat" cmpd="sng" algn="ctr">
-                      <a:solidFill>
-                        <a:schemeClr val="tx1"/>
-                      </a:solidFill>
-                      <a:prstDash val="solid"/>
-                      <a:round/>
-                      <a:headEnd type="none" w="med" len="med"/>
-                      <a:tailEnd type="none" w="med" len="med"/>
-                    </a:lnB>
-                    <a:solidFill>
-                      <a:schemeClr val="accent1">
-                        <a:lumMod val="20000"/>
-                        <a:lumOff val="80000"/>
-                      </a:schemeClr>
-                    </a:solidFill>
-                  </a:tcPr>
-                </a:tc>
-                <a:tc>
-                  <a:txBody>
-                    <a:bodyPr/>
-                    <a:lstStyle/>
-                    <a:p>
-                      <a:r>
-                        <a:rPr lang="en-GB" sz="1000" dirty="0">
-                          <a:solidFill>
-                            <a:schemeClr val="tx1"/>
-                          </a:solidFill>
-                        </a:rPr>
-                        <a:t>RST</a:t>
-                      </a:r>
-                    </a:p>
-                  </a:txBody>
-                  <a:tcPr>
-                    <a:lnL w="12700" cap="flat" cmpd="sng" algn="ctr">
-                      <a:solidFill>
-                        <a:schemeClr val="tx1"/>
-                      </a:solidFill>
-                      <a:prstDash val="solid"/>
-                      <a:round/>
-                      <a:headEnd type="none" w="med" len="med"/>
-                      <a:tailEnd type="none" w="med" len="med"/>
-                    </a:lnL>
-                    <a:lnR w="12700" cap="flat" cmpd="sng" algn="ctr">
-                      <a:solidFill>
-                        <a:schemeClr val="tx1"/>
-                      </a:solidFill>
-                      <a:prstDash val="solid"/>
-                      <a:round/>
-                      <a:headEnd type="none" w="med" len="med"/>
-                      <a:tailEnd type="none" w="med" len="med"/>
-                    </a:lnR>
-                    <a:lnT w="12700" cap="flat" cmpd="sng" algn="ctr">
-                      <a:solidFill>
-                        <a:schemeClr val="tx1"/>
-                      </a:solidFill>
-                      <a:prstDash val="solid"/>
-                      <a:round/>
-                      <a:headEnd type="none" w="med" len="med"/>
-                      <a:tailEnd type="none" w="med" len="med"/>
-                    </a:lnT>
-                    <a:lnB w="12700" cap="flat" cmpd="sng" algn="ctr">
-                      <a:solidFill>
-                        <a:schemeClr val="tx1"/>
-                      </a:solidFill>
-                      <a:prstDash val="solid"/>
-                      <a:round/>
-                      <a:headEnd type="none" w="med" len="med"/>
-                      <a:tailEnd type="none" w="med" len="med"/>
-                    </a:lnB>
-                    <a:solidFill>
-                      <a:schemeClr val="accent1">
-                        <a:lumMod val="20000"/>
-                        <a:lumOff val="80000"/>
-                      </a:schemeClr>
-                    </a:solidFill>
-                  </a:tcPr>
-                </a:tc>
-                <a:tc>
-                  <a:txBody>
-                    <a:bodyPr/>
-                    <a:lstStyle/>
-                    <a:p>
-                      <a:r>
-                        <a:rPr lang="en-GB" sz="1000" dirty="0">
-                          <a:solidFill>
-                            <a:schemeClr val="tx1"/>
-                          </a:solidFill>
-                        </a:rPr>
-                        <a:t>RX</a:t>
-                      </a:r>
-                    </a:p>
-                  </a:txBody>
-                  <a:tcPr>
-                    <a:lnL w="12700" cap="flat" cmpd="sng" algn="ctr">
-                      <a:solidFill>
-                        <a:schemeClr val="tx1"/>
-                      </a:solidFill>
-                      <a:prstDash val="solid"/>
-                      <a:round/>
-                      <a:headEnd type="none" w="med" len="med"/>
-                      <a:tailEnd type="none" w="med" len="med"/>
-                    </a:lnL>
-                    <a:lnR w="12700" cap="flat" cmpd="sng" algn="ctr">
-                      <a:solidFill>
-                        <a:schemeClr val="tx1"/>
-                      </a:solidFill>
-                      <a:prstDash val="solid"/>
-                      <a:round/>
-                      <a:headEnd type="none" w="med" len="med"/>
-                      <a:tailEnd type="none" w="med" len="med"/>
-                    </a:lnR>
-                    <a:lnT w="12700" cap="flat" cmpd="sng" algn="ctr">
-                      <a:solidFill>
-                        <a:schemeClr val="tx1"/>
-                      </a:solidFill>
-                      <a:prstDash val="solid"/>
-                      <a:round/>
-                      <a:headEnd type="none" w="med" len="med"/>
-                      <a:tailEnd type="none" w="med" len="med"/>
-                    </a:lnT>
-                    <a:lnB w="12700" cap="flat" cmpd="sng" algn="ctr">
-                      <a:solidFill>
-                        <a:schemeClr val="tx1"/>
-                      </a:solidFill>
-                      <a:prstDash val="solid"/>
-                      <a:round/>
-                      <a:headEnd type="none" w="med" len="med"/>
-                      <a:tailEnd type="none" w="med" len="med"/>
-                    </a:lnB>
-                    <a:solidFill>
-                      <a:schemeClr val="accent1">
-                        <a:lumMod val="20000"/>
-                        <a:lumOff val="80000"/>
-                      </a:schemeClr>
-                    </a:solidFill>
-                  </a:tcPr>
-                </a:tc>
-                <a:tc>
-                  <a:txBody>
-                    <a:bodyPr/>
-                    <a:lstStyle/>
-                    <a:p>
-                      <a:r>
-                        <a:rPr lang="en-GB" sz="1000" dirty="0">
-                          <a:solidFill>
-                            <a:schemeClr val="tx1"/>
-                          </a:solidFill>
-                        </a:rPr>
-                        <a:t>TC</a:t>
-                      </a:r>
-                    </a:p>
-                  </a:txBody>
-                  <a:tcPr>
-                    <a:lnL w="12700" cap="flat" cmpd="sng" algn="ctr">
-                      <a:solidFill>
-                        <a:schemeClr val="tx1"/>
-                      </a:solidFill>
-                      <a:prstDash val="solid"/>
-                      <a:round/>
-                      <a:headEnd type="none" w="med" len="med"/>
-                      <a:tailEnd type="none" w="med" len="med"/>
-                    </a:lnL>
-                    <a:lnR w="12700" cap="flat" cmpd="sng" algn="ctr">
-                      <a:solidFill>
-                        <a:schemeClr val="tx1"/>
-                      </a:solidFill>
-                      <a:prstDash val="solid"/>
-                      <a:round/>
-                      <a:headEnd type="none" w="med" len="med"/>
-                      <a:tailEnd type="none" w="med" len="med"/>
-                    </a:lnR>
-                    <a:lnT w="12700" cap="flat" cmpd="sng" algn="ctr">
-                      <a:solidFill>
-                        <a:schemeClr val="tx1"/>
-                      </a:solidFill>
-                      <a:prstDash val="solid"/>
-                      <a:round/>
-                      <a:headEnd type="none" w="med" len="med"/>
-                      <a:tailEnd type="none" w="med" len="med"/>
-                    </a:lnT>
-                    <a:lnB w="12700" cap="flat" cmpd="sng" algn="ctr">
-                      <a:solidFill>
-                        <a:schemeClr val="tx1"/>
-                      </a:solidFill>
-                      <a:prstDash val="solid"/>
-                      <a:round/>
-                      <a:headEnd type="none" w="med" len="med"/>
-                      <a:tailEnd type="none" w="med" len="med"/>
-                    </a:lnB>
-                    <a:solidFill>
-                      <a:schemeClr val="accent1">
-                        <a:lumMod val="20000"/>
-                        <a:lumOff val="80000"/>
-                      </a:schemeClr>
-                    </a:solidFill>
-                  </a:tcPr>
-                </a:tc>
-                <a:tc>
-                  <a:txBody>
-                    <a:bodyPr/>
-                    <a:lstStyle/>
-                    <a:p>
-                      <a:endParaRPr lang="en-GB" sz="700" dirty="0">
-                        <a:solidFill>
-                          <a:schemeClr val="tx1"/>
-                        </a:solidFill>
-                      </a:endParaRPr>
-                    </a:p>
-                  </a:txBody>
-                  <a:tcPr>
-                    <a:lnL w="12700" cap="flat" cmpd="sng" algn="ctr">
-                      <a:solidFill>
-                        <a:schemeClr val="tx1"/>
-                      </a:solidFill>
-                      <a:prstDash val="solid"/>
-                      <a:round/>
-                      <a:headEnd type="none" w="med" len="med"/>
-                      <a:tailEnd type="none" w="med" len="med"/>
-                    </a:lnL>
-                    <a:lnR w="12700" cap="flat" cmpd="sng" algn="ctr">
-                      <a:solidFill>
-                        <a:schemeClr val="tx1"/>
-                      </a:solidFill>
-                      <a:prstDash val="solid"/>
-                      <a:round/>
-                      <a:headEnd type="none" w="med" len="med"/>
-                      <a:tailEnd type="none" w="med" len="med"/>
-                    </a:lnR>
-                    <a:lnT w="12700" cap="flat" cmpd="sng" algn="ctr">
-                      <a:solidFill>
-                        <a:schemeClr val="tx1"/>
-                      </a:solidFill>
-                      <a:prstDash val="solid"/>
-                      <a:round/>
-                      <a:headEnd type="none" w="med" len="med"/>
-                      <a:tailEnd type="none" w="med" len="med"/>
-                    </a:lnT>
-                    <a:lnB w="12700" cap="flat" cmpd="sng" algn="ctr">
-                      <a:solidFill>
-                        <a:schemeClr val="tx1"/>
-                      </a:solidFill>
-                      <a:prstDash val="solid"/>
-                      <a:round/>
-                      <a:headEnd type="none" w="med" len="med"/>
-                      <a:tailEnd type="none" w="med" len="med"/>
-                    </a:lnB>
-                    <a:solidFill>
-                      <a:schemeClr val="accent1">
-                        <a:lumMod val="20000"/>
-                        <a:lumOff val="80000"/>
-                      </a:schemeClr>
-                    </a:solidFill>
-                  </a:tcPr>
-                </a:tc>
-                <a:extLst>
-                  <a:ext uri="{0D108BD9-81ED-4DB2-BD59-A6C34878D82A}">
-                    <a16:rowId xmlns:a16="http://schemas.microsoft.com/office/drawing/2014/main" val="1237381860"/>
-                  </a:ext>
-                </a:extLst>
-              </a:tr>
-            </a:tbl>
-          </a:graphicData>
-        </a:graphic>
-      </p:graphicFrame>
-      <p:graphicFrame>
-        <p:nvGraphicFramePr>
           <p:cNvPr id="46" name="Tableau 15">
             <a:extLst>
               <a:ext uri="{FF2B5EF4-FFF2-40B4-BE49-F238E27FC236}">
@@ -30939,7 +24360,7 @@
           <p:nvPr>
             <p:extLst>
               <p:ext uri="{D42A27DB-BD31-4B8C-83A1-F6EECF244321}">
-                <p14:modId xmlns:p14="http://schemas.microsoft.com/office/powerpoint/2010/main" val="4120311790"/>
+                <p14:modId xmlns:p14="http://schemas.microsoft.com/office/powerpoint/2010/main" val="313163612"/>
               </p:ext>
             </p:extLst>
           </p:nvPr>
@@ -38127,6 +31548,8 @@
               <a:srgbClr val="FF5D5D"/>
             </a:solidFill>
             <a:prstDash val="dashDot"/>
+            <a:headEnd type="oval" w="med" len="med"/>
+            <a:tailEnd type="oval" w="med" len="med"/>
           </a:ln>
         </p:spPr>
         <p:style>
@@ -38144,6 +31567,1289 @@
           </a:fontRef>
         </p:style>
       </p:cxnSp>
+      <p:cxnSp>
+        <p:nvCxnSpPr>
+          <p:cNvPr id="45" name="Connecteur droit 44">
+            <a:extLst>
+              <a:ext uri="{FF2B5EF4-FFF2-40B4-BE49-F238E27FC236}">
+                <a16:creationId xmlns:a16="http://schemas.microsoft.com/office/drawing/2014/main" id="{226E967D-D7F5-4018-987D-EBE791D721A4}"/>
+              </a:ext>
+            </a:extLst>
+          </p:cNvPr>
+          <p:cNvCxnSpPr>
+            <a:cxnSpLocks/>
+          </p:cNvCxnSpPr>
+          <p:nvPr/>
+        </p:nvCxnSpPr>
+        <p:spPr>
+          <a:xfrm flipH="1">
+            <a:off x="8826000" y="2332653"/>
+            <a:ext cx="393000" cy="1170733"/>
+          </a:xfrm>
+          <a:prstGeom prst="line">
+            <a:avLst/>
+          </a:prstGeom>
+          <a:ln w="38100">
+            <a:solidFill>
+              <a:srgbClr val="7030A0"/>
+            </a:solidFill>
+            <a:headEnd type="oval" w="med" len="med"/>
+            <a:tailEnd type="oval" w="med" len="med"/>
+          </a:ln>
+        </p:spPr>
+        <p:style>
+          <a:lnRef idx="1">
+            <a:schemeClr val="accent1"/>
+          </a:lnRef>
+          <a:fillRef idx="0">
+            <a:schemeClr val="accent1"/>
+          </a:fillRef>
+          <a:effectRef idx="0">
+            <a:schemeClr val="accent1"/>
+          </a:effectRef>
+          <a:fontRef idx="minor">
+            <a:schemeClr val="tx1"/>
+          </a:fontRef>
+        </p:style>
+      </p:cxnSp>
+      <p:cxnSp>
+        <p:nvCxnSpPr>
+          <p:cNvPr id="50" name="Connecteur droit 49">
+            <a:extLst>
+              <a:ext uri="{FF2B5EF4-FFF2-40B4-BE49-F238E27FC236}">
+                <a16:creationId xmlns:a16="http://schemas.microsoft.com/office/drawing/2014/main" id="{DCCD07AE-5CD5-4BEE-81F8-41FA53F0EF91}"/>
+              </a:ext>
+            </a:extLst>
+          </p:cNvPr>
+          <p:cNvCxnSpPr>
+            <a:cxnSpLocks/>
+          </p:cNvCxnSpPr>
+          <p:nvPr/>
+        </p:nvCxnSpPr>
+        <p:spPr>
+          <a:xfrm flipH="1">
+            <a:off x="5202035" y="1938475"/>
+            <a:ext cx="4343964" cy="0"/>
+          </a:xfrm>
+          <a:prstGeom prst="line">
+            <a:avLst/>
+          </a:prstGeom>
+          <a:ln w="38100">
+            <a:solidFill>
+              <a:srgbClr val="7030A0"/>
+            </a:solidFill>
+            <a:headEnd type="oval" w="med" len="med"/>
+            <a:tailEnd type="oval" w="med" len="med"/>
+          </a:ln>
+        </p:spPr>
+        <p:style>
+          <a:lnRef idx="1">
+            <a:schemeClr val="accent1"/>
+          </a:lnRef>
+          <a:fillRef idx="0">
+            <a:schemeClr val="accent1"/>
+          </a:fillRef>
+          <a:effectRef idx="0">
+            <a:schemeClr val="accent1"/>
+          </a:effectRef>
+          <a:fontRef idx="minor">
+            <a:schemeClr val="tx1"/>
+          </a:fontRef>
+        </p:style>
+      </p:cxnSp>
+      <p:cxnSp>
+        <p:nvCxnSpPr>
+          <p:cNvPr id="51" name="Connecteur droit 50">
+            <a:extLst>
+              <a:ext uri="{FF2B5EF4-FFF2-40B4-BE49-F238E27FC236}">
+                <a16:creationId xmlns:a16="http://schemas.microsoft.com/office/drawing/2014/main" id="{5D8BDB0D-396E-4A9E-9679-A7B8544ED026}"/>
+              </a:ext>
+            </a:extLst>
+          </p:cNvPr>
+          <p:cNvCxnSpPr>
+            <a:cxnSpLocks/>
+          </p:cNvCxnSpPr>
+          <p:nvPr/>
+        </p:nvCxnSpPr>
+        <p:spPr>
+          <a:xfrm flipH="1" flipV="1">
+            <a:off x="6678023" y="1173923"/>
+            <a:ext cx="310606" cy="2752146"/>
+          </a:xfrm>
+          <a:prstGeom prst="line">
+            <a:avLst/>
+          </a:prstGeom>
+          <a:ln w="38100">
+            <a:solidFill>
+              <a:srgbClr val="7030A0"/>
+            </a:solidFill>
+            <a:headEnd type="oval" w="med" len="med"/>
+            <a:tailEnd type="oval" w="med" len="med"/>
+          </a:ln>
+        </p:spPr>
+        <p:style>
+          <a:lnRef idx="1">
+            <a:schemeClr val="accent1"/>
+          </a:lnRef>
+          <a:fillRef idx="0">
+            <a:schemeClr val="accent1"/>
+          </a:fillRef>
+          <a:effectRef idx="0">
+            <a:schemeClr val="accent1"/>
+          </a:effectRef>
+          <a:fontRef idx="minor">
+            <a:schemeClr val="tx1"/>
+          </a:fontRef>
+        </p:style>
+      </p:cxnSp>
+      <p:sp>
+        <p:nvSpPr>
+          <p:cNvPr id="19" name="Rectangle 18">
+            <a:extLst>
+              <a:ext uri="{FF2B5EF4-FFF2-40B4-BE49-F238E27FC236}">
+                <a16:creationId xmlns:a16="http://schemas.microsoft.com/office/drawing/2014/main" id="{B025431A-5F8F-4DF2-AFA4-99DA585B5F3A}"/>
+              </a:ext>
+            </a:extLst>
+          </p:cNvPr>
+          <p:cNvSpPr/>
+          <p:nvPr/>
+        </p:nvSpPr>
+        <p:spPr>
+          <a:xfrm>
+            <a:off x="4703966" y="4255395"/>
+            <a:ext cx="1041837" cy="143630"/>
+          </a:xfrm>
+          <a:prstGeom prst="rect">
+            <a:avLst/>
+          </a:prstGeom>
+          <a:solidFill>
+            <a:schemeClr val="bg2">
+              <a:lumMod val="50000"/>
+            </a:schemeClr>
+          </a:solidFill>
+          <a:ln w="19050">
+            <a:solidFill>
+              <a:schemeClr val="tx1"/>
+            </a:solidFill>
+          </a:ln>
+        </p:spPr>
+        <p:style>
+          <a:lnRef idx="0">
+            <a:scrgbClr r="0" g="0" b="0"/>
+          </a:lnRef>
+          <a:fillRef idx="0">
+            <a:scrgbClr r="0" g="0" b="0"/>
+          </a:fillRef>
+          <a:effectRef idx="0">
+            <a:scrgbClr r="0" g="0" b="0"/>
+          </a:effectRef>
+          <a:fontRef idx="minor">
+            <a:schemeClr val="accent5"/>
+          </a:fontRef>
+        </p:style>
+        <p:txBody>
+          <a:bodyPr rtlCol="0" anchor="ctr"/>
+          <a:lstStyle/>
+          <a:p>
+            <a:pPr algn="ctr"/>
+            <a:endParaRPr lang="en-GB"/>
+          </a:p>
+        </p:txBody>
+      </p:sp>
+      <p:sp>
+        <p:nvSpPr>
+          <p:cNvPr id="52" name="Rectangle 51">
+            <a:extLst>
+              <a:ext uri="{FF2B5EF4-FFF2-40B4-BE49-F238E27FC236}">
+                <a16:creationId xmlns:a16="http://schemas.microsoft.com/office/drawing/2014/main" id="{107BDEEE-2E81-4274-B85E-40064470D4A5}"/>
+              </a:ext>
+            </a:extLst>
+          </p:cNvPr>
+          <p:cNvSpPr/>
+          <p:nvPr/>
+        </p:nvSpPr>
+        <p:spPr>
+          <a:xfrm>
+            <a:off x="3479541" y="6238126"/>
+            <a:ext cx="1041837" cy="143630"/>
+          </a:xfrm>
+          <a:prstGeom prst="rect">
+            <a:avLst/>
+          </a:prstGeom>
+          <a:solidFill>
+            <a:schemeClr val="bg2">
+              <a:lumMod val="50000"/>
+            </a:schemeClr>
+          </a:solidFill>
+          <a:ln w="19050">
+            <a:solidFill>
+              <a:schemeClr val="tx1"/>
+            </a:solidFill>
+          </a:ln>
+        </p:spPr>
+        <p:style>
+          <a:lnRef idx="0">
+            <a:scrgbClr r="0" g="0" b="0"/>
+          </a:lnRef>
+          <a:fillRef idx="0">
+            <a:scrgbClr r="0" g="0" b="0"/>
+          </a:fillRef>
+          <a:effectRef idx="0">
+            <a:scrgbClr r="0" g="0" b="0"/>
+          </a:effectRef>
+          <a:fontRef idx="minor">
+            <a:schemeClr val="accent5"/>
+          </a:fontRef>
+        </p:style>
+        <p:txBody>
+          <a:bodyPr rtlCol="0" anchor="ctr"/>
+          <a:lstStyle/>
+          <a:p>
+            <a:pPr algn="ctr"/>
+            <a:endParaRPr lang="en-GB"/>
+          </a:p>
+        </p:txBody>
+      </p:sp>
+      <p:sp>
+        <p:nvSpPr>
+          <p:cNvPr id="20" name="ZoneTexte 19">
+            <a:extLst>
+              <a:ext uri="{FF2B5EF4-FFF2-40B4-BE49-F238E27FC236}">
+                <a16:creationId xmlns:a16="http://schemas.microsoft.com/office/drawing/2014/main" id="{E85ACB5C-A470-4F5B-BBE9-C5A0FBA8FBE3}"/>
+              </a:ext>
+            </a:extLst>
+          </p:cNvPr>
+          <p:cNvSpPr txBox="1"/>
+          <p:nvPr/>
+        </p:nvSpPr>
+        <p:spPr>
+          <a:xfrm>
+            <a:off x="4861495" y="6178372"/>
+            <a:ext cx="1781257" cy="369332"/>
+          </a:xfrm>
+          <a:prstGeom prst="rect">
+            <a:avLst/>
+          </a:prstGeom>
+          <a:noFill/>
+        </p:spPr>
+        <p:txBody>
+          <a:bodyPr wrap="none" rtlCol="0">
+            <a:spAutoFit/>
+          </a:bodyPr>
+          <a:lstStyle/>
+          <a:p>
+            <a:r>
+              <a:rPr lang="en-GB" dirty="0"/>
+              <a:t>Couper </a:t>
+            </a:r>
+            <a:r>
+              <a:rPr lang="en-GB" dirty="0" err="1"/>
+              <a:t>jonctions</a:t>
+            </a:r>
+            <a:endParaRPr lang="en-GB" dirty="0"/>
+          </a:p>
+        </p:txBody>
+      </p:sp>
+      <p:sp>
+        <p:nvSpPr>
+          <p:cNvPr id="53" name="Rectangle 52">
+            <a:extLst>
+              <a:ext uri="{FF2B5EF4-FFF2-40B4-BE49-F238E27FC236}">
+                <a16:creationId xmlns:a16="http://schemas.microsoft.com/office/drawing/2014/main" id="{CC8B488D-F72B-4AAB-9063-9449FFD9C5D9}"/>
+              </a:ext>
+            </a:extLst>
+          </p:cNvPr>
+          <p:cNvSpPr/>
+          <p:nvPr/>
+        </p:nvSpPr>
+        <p:spPr>
+          <a:xfrm>
+            <a:off x="6467711" y="1443488"/>
+            <a:ext cx="696290" cy="113044"/>
+          </a:xfrm>
+          <a:prstGeom prst="rect">
+            <a:avLst/>
+          </a:prstGeom>
+          <a:solidFill>
+            <a:schemeClr val="bg2">
+              <a:lumMod val="50000"/>
+            </a:schemeClr>
+          </a:solidFill>
+          <a:ln w="19050">
+            <a:solidFill>
+              <a:schemeClr val="tx1"/>
+            </a:solidFill>
+          </a:ln>
+        </p:spPr>
+        <p:style>
+          <a:lnRef idx="0">
+            <a:scrgbClr r="0" g="0" b="0"/>
+          </a:lnRef>
+          <a:fillRef idx="0">
+            <a:scrgbClr r="0" g="0" b="0"/>
+          </a:fillRef>
+          <a:effectRef idx="0">
+            <a:scrgbClr r="0" g="0" b="0"/>
+          </a:effectRef>
+          <a:fontRef idx="minor">
+            <a:schemeClr val="accent5"/>
+          </a:fontRef>
+        </p:style>
+        <p:txBody>
+          <a:bodyPr rtlCol="0" anchor="ctr"/>
+          <a:lstStyle/>
+          <a:p>
+            <a:pPr algn="ctr"/>
+            <a:endParaRPr lang="en-GB"/>
+          </a:p>
+        </p:txBody>
+      </p:sp>
+      <p:cxnSp>
+        <p:nvCxnSpPr>
+          <p:cNvPr id="54" name="Connecteur droit 53">
+            <a:extLst>
+              <a:ext uri="{FF2B5EF4-FFF2-40B4-BE49-F238E27FC236}">
+                <a16:creationId xmlns:a16="http://schemas.microsoft.com/office/drawing/2014/main" id="{EDB7086C-115E-4AD5-8581-DE47947A1E4B}"/>
+              </a:ext>
+            </a:extLst>
+          </p:cNvPr>
+          <p:cNvCxnSpPr>
+            <a:cxnSpLocks/>
+          </p:cNvCxnSpPr>
+          <p:nvPr/>
+        </p:nvCxnSpPr>
+        <p:spPr>
+          <a:xfrm flipV="1">
+            <a:off x="5538098" y="1061846"/>
+            <a:ext cx="0" cy="489866"/>
+          </a:xfrm>
+          <a:prstGeom prst="line">
+            <a:avLst/>
+          </a:prstGeom>
+          <a:ln w="38100">
+            <a:solidFill>
+              <a:srgbClr val="7030A0"/>
+            </a:solidFill>
+            <a:headEnd type="oval" w="med" len="med"/>
+            <a:tailEnd type="oval" w="med" len="med"/>
+          </a:ln>
+        </p:spPr>
+        <p:style>
+          <a:lnRef idx="1">
+            <a:schemeClr val="accent1"/>
+          </a:lnRef>
+          <a:fillRef idx="0">
+            <a:schemeClr val="accent1"/>
+          </a:fillRef>
+          <a:effectRef idx="0">
+            <a:schemeClr val="accent1"/>
+          </a:effectRef>
+          <a:fontRef idx="minor">
+            <a:schemeClr val="tx1"/>
+          </a:fontRef>
+        </p:style>
+      </p:cxnSp>
+      <p:cxnSp>
+        <p:nvCxnSpPr>
+          <p:cNvPr id="55" name="Connecteur droit 54">
+            <a:extLst>
+              <a:ext uri="{FF2B5EF4-FFF2-40B4-BE49-F238E27FC236}">
+                <a16:creationId xmlns:a16="http://schemas.microsoft.com/office/drawing/2014/main" id="{42C856E9-0479-4D14-8B6E-BD4C1EE905EA}"/>
+              </a:ext>
+            </a:extLst>
+          </p:cNvPr>
+          <p:cNvCxnSpPr>
+            <a:cxnSpLocks/>
+          </p:cNvCxnSpPr>
+          <p:nvPr/>
+        </p:nvCxnSpPr>
+        <p:spPr>
+          <a:xfrm flipV="1">
+            <a:off x="5953590" y="1061846"/>
+            <a:ext cx="0" cy="489866"/>
+          </a:xfrm>
+          <a:prstGeom prst="line">
+            <a:avLst/>
+          </a:prstGeom>
+          <a:ln w="38100">
+            <a:solidFill>
+              <a:srgbClr val="7030A0"/>
+            </a:solidFill>
+            <a:headEnd type="oval" w="med" len="med"/>
+            <a:tailEnd type="oval" w="med" len="med"/>
+          </a:ln>
+        </p:spPr>
+        <p:style>
+          <a:lnRef idx="1">
+            <a:schemeClr val="accent1"/>
+          </a:lnRef>
+          <a:fillRef idx="0">
+            <a:schemeClr val="accent1"/>
+          </a:fillRef>
+          <a:effectRef idx="0">
+            <a:schemeClr val="accent1"/>
+          </a:effectRef>
+          <a:fontRef idx="minor">
+            <a:schemeClr val="tx1"/>
+          </a:fontRef>
+        </p:style>
+      </p:cxnSp>
+      <p:cxnSp>
+        <p:nvCxnSpPr>
+          <p:cNvPr id="56" name="Connecteur droit 55">
+            <a:extLst>
+              <a:ext uri="{FF2B5EF4-FFF2-40B4-BE49-F238E27FC236}">
+                <a16:creationId xmlns:a16="http://schemas.microsoft.com/office/drawing/2014/main" id="{5DA5B5FD-ADEC-41D7-BFB3-B9E4B4C4EF19}"/>
+              </a:ext>
+            </a:extLst>
+          </p:cNvPr>
+          <p:cNvCxnSpPr>
+            <a:cxnSpLocks/>
+          </p:cNvCxnSpPr>
+          <p:nvPr/>
+        </p:nvCxnSpPr>
+        <p:spPr>
+          <a:xfrm flipV="1">
+            <a:off x="6342757" y="1061846"/>
+            <a:ext cx="0" cy="489866"/>
+          </a:xfrm>
+          <a:prstGeom prst="line">
+            <a:avLst/>
+          </a:prstGeom>
+          <a:ln w="38100">
+            <a:solidFill>
+              <a:srgbClr val="7030A0"/>
+            </a:solidFill>
+            <a:headEnd type="oval" w="med" len="med"/>
+            <a:tailEnd type="oval" w="med" len="med"/>
+          </a:ln>
+        </p:spPr>
+        <p:style>
+          <a:lnRef idx="1">
+            <a:schemeClr val="accent1"/>
+          </a:lnRef>
+          <a:fillRef idx="0">
+            <a:schemeClr val="accent1"/>
+          </a:fillRef>
+          <a:effectRef idx="0">
+            <a:schemeClr val="accent1"/>
+          </a:effectRef>
+          <a:fontRef idx="minor">
+            <a:schemeClr val="tx1"/>
+          </a:fontRef>
+        </p:style>
+      </p:cxnSp>
+      <p:cxnSp>
+        <p:nvCxnSpPr>
+          <p:cNvPr id="57" name="Connecteur droit 56">
+            <a:extLst>
+              <a:ext uri="{FF2B5EF4-FFF2-40B4-BE49-F238E27FC236}">
+                <a16:creationId xmlns:a16="http://schemas.microsoft.com/office/drawing/2014/main" id="{720A4DE1-C884-45FC-AD92-73A8C4714183}"/>
+              </a:ext>
+            </a:extLst>
+          </p:cNvPr>
+          <p:cNvCxnSpPr>
+            <a:cxnSpLocks/>
+          </p:cNvCxnSpPr>
+          <p:nvPr/>
+        </p:nvCxnSpPr>
+        <p:spPr>
+          <a:xfrm flipV="1">
+            <a:off x="8041813" y="1173923"/>
+            <a:ext cx="0" cy="489866"/>
+          </a:xfrm>
+          <a:prstGeom prst="line">
+            <a:avLst/>
+          </a:prstGeom>
+          <a:ln w="38100">
+            <a:solidFill>
+              <a:srgbClr val="7030A0"/>
+            </a:solidFill>
+            <a:headEnd type="oval" w="med" len="med"/>
+            <a:tailEnd type="oval" w="med" len="med"/>
+          </a:ln>
+        </p:spPr>
+        <p:style>
+          <a:lnRef idx="1">
+            <a:schemeClr val="accent1"/>
+          </a:lnRef>
+          <a:fillRef idx="0">
+            <a:schemeClr val="accent1"/>
+          </a:fillRef>
+          <a:effectRef idx="0">
+            <a:schemeClr val="accent1"/>
+          </a:effectRef>
+          <a:fontRef idx="minor">
+            <a:schemeClr val="tx1"/>
+          </a:fontRef>
+        </p:style>
+      </p:cxnSp>
+      <p:cxnSp>
+        <p:nvCxnSpPr>
+          <p:cNvPr id="58" name="Connecteur droit 57">
+            <a:extLst>
+              <a:ext uri="{FF2B5EF4-FFF2-40B4-BE49-F238E27FC236}">
+                <a16:creationId xmlns:a16="http://schemas.microsoft.com/office/drawing/2014/main" id="{08BF78AB-FE7E-46B6-9B55-273A59E137F9}"/>
+              </a:ext>
+            </a:extLst>
+          </p:cNvPr>
+          <p:cNvCxnSpPr>
+            <a:cxnSpLocks/>
+          </p:cNvCxnSpPr>
+          <p:nvPr/>
+        </p:nvCxnSpPr>
+        <p:spPr>
+          <a:xfrm flipV="1">
+            <a:off x="8457305" y="1173923"/>
+            <a:ext cx="0" cy="489866"/>
+          </a:xfrm>
+          <a:prstGeom prst="line">
+            <a:avLst/>
+          </a:prstGeom>
+          <a:ln w="38100">
+            <a:solidFill>
+              <a:srgbClr val="7030A0"/>
+            </a:solidFill>
+            <a:headEnd type="oval" w="med" len="med"/>
+            <a:tailEnd type="oval" w="med" len="med"/>
+          </a:ln>
+        </p:spPr>
+        <p:style>
+          <a:lnRef idx="1">
+            <a:schemeClr val="accent1"/>
+          </a:lnRef>
+          <a:fillRef idx="0">
+            <a:schemeClr val="accent1"/>
+          </a:fillRef>
+          <a:effectRef idx="0">
+            <a:schemeClr val="accent1"/>
+          </a:effectRef>
+          <a:fontRef idx="minor">
+            <a:schemeClr val="tx1"/>
+          </a:fontRef>
+        </p:style>
+      </p:cxnSp>
+      <p:cxnSp>
+        <p:nvCxnSpPr>
+          <p:cNvPr id="59" name="Connecteur droit 58">
+            <a:extLst>
+              <a:ext uri="{FF2B5EF4-FFF2-40B4-BE49-F238E27FC236}">
+                <a16:creationId xmlns:a16="http://schemas.microsoft.com/office/drawing/2014/main" id="{ADE79F64-EE12-4323-8DD2-73FABD521FEF}"/>
+              </a:ext>
+            </a:extLst>
+          </p:cNvPr>
+          <p:cNvCxnSpPr>
+            <a:cxnSpLocks/>
+          </p:cNvCxnSpPr>
+          <p:nvPr/>
+        </p:nvCxnSpPr>
+        <p:spPr>
+          <a:xfrm flipV="1">
+            <a:off x="8846472" y="1173923"/>
+            <a:ext cx="0" cy="489866"/>
+          </a:xfrm>
+          <a:prstGeom prst="line">
+            <a:avLst/>
+          </a:prstGeom>
+          <a:ln w="38100">
+            <a:solidFill>
+              <a:srgbClr val="7030A0"/>
+            </a:solidFill>
+            <a:headEnd type="oval" w="med" len="med"/>
+            <a:tailEnd type="oval" w="med" len="med"/>
+          </a:ln>
+        </p:spPr>
+        <p:style>
+          <a:lnRef idx="1">
+            <a:schemeClr val="accent1"/>
+          </a:lnRef>
+          <a:fillRef idx="0">
+            <a:schemeClr val="accent1"/>
+          </a:fillRef>
+          <a:effectRef idx="0">
+            <a:schemeClr val="accent1"/>
+          </a:effectRef>
+          <a:fontRef idx="minor">
+            <a:schemeClr val="tx1"/>
+          </a:fontRef>
+        </p:style>
+      </p:cxnSp>
+      <p:cxnSp>
+        <p:nvCxnSpPr>
+          <p:cNvPr id="61" name="Connecteur droit 60">
+            <a:extLst>
+              <a:ext uri="{FF2B5EF4-FFF2-40B4-BE49-F238E27FC236}">
+                <a16:creationId xmlns:a16="http://schemas.microsoft.com/office/drawing/2014/main" id="{F832F248-D4C4-4F4C-B4A1-5FB41E04EE92}"/>
+              </a:ext>
+            </a:extLst>
+          </p:cNvPr>
+          <p:cNvCxnSpPr>
+            <a:cxnSpLocks/>
+          </p:cNvCxnSpPr>
+          <p:nvPr/>
+        </p:nvCxnSpPr>
+        <p:spPr>
+          <a:xfrm>
+            <a:off x="9136832" y="1143278"/>
+            <a:ext cx="77845" cy="1189375"/>
+          </a:xfrm>
+          <a:prstGeom prst="line">
+            <a:avLst/>
+          </a:prstGeom>
+          <a:ln w="38100">
+            <a:solidFill>
+              <a:srgbClr val="7030A0"/>
+            </a:solidFill>
+            <a:headEnd type="oval" w="med" len="med"/>
+            <a:tailEnd type="oval" w="med" len="med"/>
+          </a:ln>
+        </p:spPr>
+        <p:style>
+          <a:lnRef idx="1">
+            <a:schemeClr val="accent1"/>
+          </a:lnRef>
+          <a:fillRef idx="0">
+            <a:schemeClr val="accent1"/>
+          </a:fillRef>
+          <a:effectRef idx="0">
+            <a:schemeClr val="accent1"/>
+          </a:effectRef>
+          <a:fontRef idx="minor">
+            <a:schemeClr val="tx1"/>
+          </a:fontRef>
+        </p:style>
+      </p:cxnSp>
+      <p:sp>
+        <p:nvSpPr>
+          <p:cNvPr id="62" name="Rectangle 61">
+            <a:extLst>
+              <a:ext uri="{FF2B5EF4-FFF2-40B4-BE49-F238E27FC236}">
+                <a16:creationId xmlns:a16="http://schemas.microsoft.com/office/drawing/2014/main" id="{92574FE4-BD72-4647-8A90-3C5AF2FB211F}"/>
+              </a:ext>
+            </a:extLst>
+          </p:cNvPr>
+          <p:cNvSpPr/>
+          <p:nvPr/>
+        </p:nvSpPr>
+        <p:spPr>
+          <a:xfrm>
+            <a:off x="755441" y="4073839"/>
+            <a:ext cx="900545" cy="178139"/>
+          </a:xfrm>
+          <a:prstGeom prst="rect">
+            <a:avLst/>
+          </a:prstGeom>
+          <a:solidFill>
+            <a:schemeClr val="bg1"/>
+          </a:solidFill>
+          <a:ln>
+            <a:solidFill>
+              <a:schemeClr val="bg1"/>
+            </a:solidFill>
+          </a:ln>
+        </p:spPr>
+        <p:style>
+          <a:lnRef idx="2">
+            <a:schemeClr val="accent1">
+              <a:shade val="50000"/>
+            </a:schemeClr>
+          </a:lnRef>
+          <a:fillRef idx="1">
+            <a:schemeClr val="accent1"/>
+          </a:fillRef>
+          <a:effectRef idx="0">
+            <a:schemeClr val="accent1"/>
+          </a:effectRef>
+          <a:fontRef idx="minor">
+            <a:schemeClr val="lt1"/>
+          </a:fontRef>
+        </p:style>
+        <p:txBody>
+          <a:bodyPr rtlCol="0" anchor="ctr"/>
+          <a:lstStyle/>
+          <a:p>
+            <a:pPr algn="ctr"/>
+            <a:endParaRPr lang="en-GB"/>
+          </a:p>
+        </p:txBody>
+      </p:sp>
+      <p:sp>
+        <p:nvSpPr>
+          <p:cNvPr id="63" name="Rectangle 62">
+            <a:extLst>
+              <a:ext uri="{FF2B5EF4-FFF2-40B4-BE49-F238E27FC236}">
+                <a16:creationId xmlns:a16="http://schemas.microsoft.com/office/drawing/2014/main" id="{8E35644A-D220-4FE5-8316-B1ABA1916EF7}"/>
+              </a:ext>
+            </a:extLst>
+          </p:cNvPr>
+          <p:cNvSpPr/>
+          <p:nvPr/>
+        </p:nvSpPr>
+        <p:spPr>
+          <a:xfrm>
+            <a:off x="5902983" y="4533964"/>
+            <a:ext cx="523996" cy="143630"/>
+          </a:xfrm>
+          <a:prstGeom prst="rect">
+            <a:avLst/>
+          </a:prstGeom>
+          <a:solidFill>
+            <a:schemeClr val="bg1"/>
+          </a:solidFill>
+          <a:ln>
+            <a:solidFill>
+              <a:schemeClr val="bg1"/>
+            </a:solidFill>
+          </a:ln>
+        </p:spPr>
+        <p:style>
+          <a:lnRef idx="2">
+            <a:schemeClr val="accent1">
+              <a:shade val="50000"/>
+            </a:schemeClr>
+          </a:lnRef>
+          <a:fillRef idx="1">
+            <a:schemeClr val="accent1"/>
+          </a:fillRef>
+          <a:effectRef idx="0">
+            <a:schemeClr val="accent1"/>
+          </a:effectRef>
+          <a:fontRef idx="minor">
+            <a:schemeClr val="lt1"/>
+          </a:fontRef>
+        </p:style>
+        <p:txBody>
+          <a:bodyPr rtlCol="0" anchor="ctr"/>
+          <a:lstStyle/>
+          <a:p>
+            <a:pPr algn="ctr"/>
+            <a:endParaRPr lang="en-GB"/>
+          </a:p>
+        </p:txBody>
+      </p:sp>
+      <p:sp>
+        <p:nvSpPr>
+          <p:cNvPr id="64" name="Rectangle 63">
+            <a:extLst>
+              <a:ext uri="{FF2B5EF4-FFF2-40B4-BE49-F238E27FC236}">
+                <a16:creationId xmlns:a16="http://schemas.microsoft.com/office/drawing/2014/main" id="{FE3EDD4F-1CD3-4D89-8A54-041CC4D79615}"/>
+              </a:ext>
+            </a:extLst>
+          </p:cNvPr>
+          <p:cNvSpPr/>
+          <p:nvPr/>
+        </p:nvSpPr>
+        <p:spPr>
+          <a:xfrm>
+            <a:off x="4833910" y="4566273"/>
+            <a:ext cx="523996" cy="143630"/>
+          </a:xfrm>
+          <a:prstGeom prst="rect">
+            <a:avLst/>
+          </a:prstGeom>
+          <a:solidFill>
+            <a:schemeClr val="bg1"/>
+          </a:solidFill>
+          <a:ln>
+            <a:solidFill>
+              <a:schemeClr val="bg1"/>
+            </a:solidFill>
+          </a:ln>
+        </p:spPr>
+        <p:style>
+          <a:lnRef idx="2">
+            <a:schemeClr val="accent1">
+              <a:shade val="50000"/>
+            </a:schemeClr>
+          </a:lnRef>
+          <a:fillRef idx="1">
+            <a:schemeClr val="accent1"/>
+          </a:fillRef>
+          <a:effectRef idx="0">
+            <a:schemeClr val="accent1"/>
+          </a:effectRef>
+          <a:fontRef idx="minor">
+            <a:schemeClr val="lt1"/>
+          </a:fontRef>
+        </p:style>
+        <p:txBody>
+          <a:bodyPr rtlCol="0" anchor="ctr"/>
+          <a:lstStyle/>
+          <a:p>
+            <a:pPr algn="ctr"/>
+            <a:endParaRPr lang="en-GB"/>
+          </a:p>
+        </p:txBody>
+      </p:sp>
+      <p:sp>
+        <p:nvSpPr>
+          <p:cNvPr id="65" name="Rectangle 64">
+            <a:extLst>
+              <a:ext uri="{FF2B5EF4-FFF2-40B4-BE49-F238E27FC236}">
+                <a16:creationId xmlns:a16="http://schemas.microsoft.com/office/drawing/2014/main" id="{B4DF400B-014A-4296-8301-ACFA93834AA7}"/>
+              </a:ext>
+            </a:extLst>
+          </p:cNvPr>
+          <p:cNvSpPr/>
+          <p:nvPr/>
+        </p:nvSpPr>
+        <p:spPr>
+          <a:xfrm>
+            <a:off x="5900759" y="460999"/>
+            <a:ext cx="523996" cy="143630"/>
+          </a:xfrm>
+          <a:prstGeom prst="rect">
+            <a:avLst/>
+          </a:prstGeom>
+          <a:solidFill>
+            <a:schemeClr val="bg1"/>
+          </a:solidFill>
+          <a:ln>
+            <a:solidFill>
+              <a:schemeClr val="bg1"/>
+            </a:solidFill>
+          </a:ln>
+        </p:spPr>
+        <p:style>
+          <a:lnRef idx="2">
+            <a:schemeClr val="accent1">
+              <a:shade val="50000"/>
+            </a:schemeClr>
+          </a:lnRef>
+          <a:fillRef idx="1">
+            <a:schemeClr val="accent1"/>
+          </a:fillRef>
+          <a:effectRef idx="0">
+            <a:schemeClr val="accent1"/>
+          </a:effectRef>
+          <a:fontRef idx="minor">
+            <a:schemeClr val="lt1"/>
+          </a:fontRef>
+        </p:style>
+        <p:txBody>
+          <a:bodyPr rtlCol="0" anchor="ctr"/>
+          <a:lstStyle/>
+          <a:p>
+            <a:pPr algn="ctr"/>
+            <a:endParaRPr lang="en-GB"/>
+          </a:p>
+        </p:txBody>
+      </p:sp>
+      <p:sp>
+        <p:nvSpPr>
+          <p:cNvPr id="66" name="Rectangle 65">
+            <a:extLst>
+              <a:ext uri="{FF2B5EF4-FFF2-40B4-BE49-F238E27FC236}">
+                <a16:creationId xmlns:a16="http://schemas.microsoft.com/office/drawing/2014/main" id="{1AACB870-9FA3-44E7-80C6-69C0F5EB40E3}"/>
+              </a:ext>
+            </a:extLst>
+          </p:cNvPr>
+          <p:cNvSpPr/>
+          <p:nvPr/>
+        </p:nvSpPr>
+        <p:spPr>
+          <a:xfrm>
+            <a:off x="8584474" y="536411"/>
+            <a:ext cx="523996" cy="143630"/>
+          </a:xfrm>
+          <a:prstGeom prst="rect">
+            <a:avLst/>
+          </a:prstGeom>
+          <a:solidFill>
+            <a:schemeClr val="bg1"/>
+          </a:solidFill>
+          <a:ln>
+            <a:solidFill>
+              <a:schemeClr val="bg1"/>
+            </a:solidFill>
+          </a:ln>
+        </p:spPr>
+        <p:style>
+          <a:lnRef idx="2">
+            <a:schemeClr val="accent1">
+              <a:shade val="50000"/>
+            </a:schemeClr>
+          </a:lnRef>
+          <a:fillRef idx="1">
+            <a:schemeClr val="accent1"/>
+          </a:fillRef>
+          <a:effectRef idx="0">
+            <a:schemeClr val="accent1"/>
+          </a:effectRef>
+          <a:fontRef idx="minor">
+            <a:schemeClr val="lt1"/>
+          </a:fontRef>
+        </p:style>
+        <p:txBody>
+          <a:bodyPr rtlCol="0" anchor="ctr"/>
+          <a:lstStyle/>
+          <a:p>
+            <a:pPr algn="ctr"/>
+            <a:endParaRPr lang="en-GB"/>
+          </a:p>
+        </p:txBody>
+      </p:sp>
+      <p:sp>
+        <p:nvSpPr>
+          <p:cNvPr id="67" name="Rectangle 66">
+            <a:extLst>
+              <a:ext uri="{FF2B5EF4-FFF2-40B4-BE49-F238E27FC236}">
+                <a16:creationId xmlns:a16="http://schemas.microsoft.com/office/drawing/2014/main" id="{B51AB091-B006-4369-B3CA-B8F07B681BFE}"/>
+              </a:ext>
+            </a:extLst>
+          </p:cNvPr>
+          <p:cNvSpPr/>
+          <p:nvPr/>
+        </p:nvSpPr>
+        <p:spPr>
+          <a:xfrm rot="16200000">
+            <a:off x="10031063" y="5259223"/>
+            <a:ext cx="523996" cy="143630"/>
+          </a:xfrm>
+          <a:prstGeom prst="rect">
+            <a:avLst/>
+          </a:prstGeom>
+          <a:solidFill>
+            <a:schemeClr val="bg1"/>
+          </a:solidFill>
+          <a:ln>
+            <a:solidFill>
+              <a:schemeClr val="bg1"/>
+            </a:solidFill>
+          </a:ln>
+        </p:spPr>
+        <p:style>
+          <a:lnRef idx="2">
+            <a:schemeClr val="accent1">
+              <a:shade val="50000"/>
+            </a:schemeClr>
+          </a:lnRef>
+          <a:fillRef idx="1">
+            <a:schemeClr val="accent1"/>
+          </a:fillRef>
+          <a:effectRef idx="0">
+            <a:schemeClr val="accent1"/>
+          </a:effectRef>
+          <a:fontRef idx="minor">
+            <a:schemeClr val="lt1"/>
+          </a:fontRef>
+        </p:style>
+        <p:txBody>
+          <a:bodyPr rtlCol="0" anchor="ctr"/>
+          <a:lstStyle/>
+          <a:p>
+            <a:pPr algn="ctr"/>
+            <a:endParaRPr lang="en-GB"/>
+          </a:p>
+        </p:txBody>
+      </p:sp>
+      <p:sp>
+        <p:nvSpPr>
+          <p:cNvPr id="68" name="Rectangle 67">
+            <a:extLst>
+              <a:ext uri="{FF2B5EF4-FFF2-40B4-BE49-F238E27FC236}">
+                <a16:creationId xmlns:a16="http://schemas.microsoft.com/office/drawing/2014/main" id="{3099996C-F05A-46B7-8FA2-09ABE8D861BC}"/>
+              </a:ext>
+            </a:extLst>
+          </p:cNvPr>
+          <p:cNvSpPr/>
+          <p:nvPr/>
+        </p:nvSpPr>
+        <p:spPr>
+          <a:xfrm rot="16200000">
+            <a:off x="1729033" y="5190564"/>
+            <a:ext cx="523996" cy="143630"/>
+          </a:xfrm>
+          <a:prstGeom prst="rect">
+            <a:avLst/>
+          </a:prstGeom>
+          <a:solidFill>
+            <a:schemeClr val="bg1"/>
+          </a:solidFill>
+          <a:ln>
+            <a:solidFill>
+              <a:schemeClr val="bg1"/>
+            </a:solidFill>
+          </a:ln>
+        </p:spPr>
+        <p:style>
+          <a:lnRef idx="2">
+            <a:schemeClr val="accent1">
+              <a:shade val="50000"/>
+            </a:schemeClr>
+          </a:lnRef>
+          <a:fillRef idx="1">
+            <a:schemeClr val="accent1"/>
+          </a:fillRef>
+          <a:effectRef idx="0">
+            <a:schemeClr val="accent1"/>
+          </a:effectRef>
+          <a:fontRef idx="minor">
+            <a:schemeClr val="lt1"/>
+          </a:fontRef>
+        </p:style>
+        <p:txBody>
+          <a:bodyPr rtlCol="0" anchor="ctr"/>
+          <a:lstStyle/>
+          <a:p>
+            <a:pPr algn="ctr"/>
+            <a:endParaRPr lang="en-GB"/>
+          </a:p>
+        </p:txBody>
+      </p:sp>
+      <p:sp>
+        <p:nvSpPr>
+          <p:cNvPr id="69" name="Rectangle 68">
+            <a:extLst>
+              <a:ext uri="{FF2B5EF4-FFF2-40B4-BE49-F238E27FC236}">
+                <a16:creationId xmlns:a16="http://schemas.microsoft.com/office/drawing/2014/main" id="{B16E38B9-6E8F-4ECC-8F50-342EE3B90930}"/>
+              </a:ext>
+            </a:extLst>
+          </p:cNvPr>
+          <p:cNvSpPr/>
+          <p:nvPr/>
+        </p:nvSpPr>
+        <p:spPr>
+          <a:xfrm>
+            <a:off x="2020756" y="-194240"/>
+            <a:ext cx="720000" cy="1440000"/>
+          </a:xfrm>
+          <a:prstGeom prst="rect">
+            <a:avLst/>
+          </a:prstGeom>
+          <a:solidFill>
+            <a:srgbClr val="FF5D5D"/>
+          </a:solidFill>
+          <a:ln w="38100">
+            <a:solidFill>
+              <a:srgbClr val="C00000"/>
+            </a:solidFill>
+          </a:ln>
+        </p:spPr>
+        <p:style>
+          <a:lnRef idx="2">
+            <a:schemeClr val="accent1">
+              <a:shade val="50000"/>
+            </a:schemeClr>
+          </a:lnRef>
+          <a:fillRef idx="1">
+            <a:schemeClr val="accent1"/>
+          </a:fillRef>
+          <a:effectRef idx="0">
+            <a:schemeClr val="accent1"/>
+          </a:effectRef>
+          <a:fontRef idx="minor">
+            <a:schemeClr val="lt1"/>
+          </a:fontRef>
+        </p:style>
+        <p:txBody>
+          <a:bodyPr rot="0" spcFirstLastPara="0" vert="vert270" wrap="square" lIns="74295" tIns="37148" rIns="74295" bIns="37148" numCol="1" spcCol="0" rtlCol="0" fromWordArt="0" anchor="ctr" anchorCtr="0" forceAA="0" compatLnSpc="1">
+            <a:prstTxWarp prst="textNoShape">
+              <a:avLst/>
+            </a:prstTxWarp>
+            <a:noAutofit/>
+          </a:bodyPr>
+          <a:lstStyle>
+            <a:lvl1pPr marL="0" indent="0">
+              <a:defRPr sz="1100">
+                <a:solidFill>
+                  <a:schemeClr val="lt1"/>
+                </a:solidFill>
+                <a:latin typeface="+mn-lt"/>
+                <a:ea typeface="+mn-ea"/>
+                <a:cs typeface="+mn-cs"/>
+              </a:defRPr>
+            </a:lvl1pPr>
+            <a:lvl2pPr marL="457200" indent="0">
+              <a:defRPr sz="1100">
+                <a:solidFill>
+                  <a:schemeClr val="lt1"/>
+                </a:solidFill>
+                <a:latin typeface="+mn-lt"/>
+                <a:ea typeface="+mn-ea"/>
+                <a:cs typeface="+mn-cs"/>
+              </a:defRPr>
+            </a:lvl2pPr>
+            <a:lvl3pPr marL="914400" indent="0">
+              <a:defRPr sz="1100">
+                <a:solidFill>
+                  <a:schemeClr val="lt1"/>
+                </a:solidFill>
+                <a:latin typeface="+mn-lt"/>
+                <a:ea typeface="+mn-ea"/>
+                <a:cs typeface="+mn-cs"/>
+              </a:defRPr>
+            </a:lvl3pPr>
+            <a:lvl4pPr marL="1371600" indent="0">
+              <a:defRPr sz="1100">
+                <a:solidFill>
+                  <a:schemeClr val="lt1"/>
+                </a:solidFill>
+                <a:latin typeface="+mn-lt"/>
+                <a:ea typeface="+mn-ea"/>
+                <a:cs typeface="+mn-cs"/>
+              </a:defRPr>
+            </a:lvl4pPr>
+            <a:lvl5pPr marL="1828800" indent="0">
+              <a:defRPr sz="1100">
+                <a:solidFill>
+                  <a:schemeClr val="lt1"/>
+                </a:solidFill>
+                <a:latin typeface="+mn-lt"/>
+                <a:ea typeface="+mn-ea"/>
+                <a:cs typeface="+mn-cs"/>
+              </a:defRPr>
+            </a:lvl5pPr>
+            <a:lvl6pPr marL="2286000" indent="0">
+              <a:defRPr sz="1100">
+                <a:solidFill>
+                  <a:schemeClr val="lt1"/>
+                </a:solidFill>
+                <a:latin typeface="+mn-lt"/>
+                <a:ea typeface="+mn-ea"/>
+                <a:cs typeface="+mn-cs"/>
+              </a:defRPr>
+            </a:lvl6pPr>
+            <a:lvl7pPr marL="2743200" indent="0">
+              <a:defRPr sz="1100">
+                <a:solidFill>
+                  <a:schemeClr val="lt1"/>
+                </a:solidFill>
+                <a:latin typeface="+mn-lt"/>
+                <a:ea typeface="+mn-ea"/>
+                <a:cs typeface="+mn-cs"/>
+              </a:defRPr>
+            </a:lvl7pPr>
+            <a:lvl8pPr marL="3200400" indent="0">
+              <a:defRPr sz="1100">
+                <a:solidFill>
+                  <a:schemeClr val="lt1"/>
+                </a:solidFill>
+                <a:latin typeface="+mn-lt"/>
+                <a:ea typeface="+mn-ea"/>
+                <a:cs typeface="+mn-cs"/>
+              </a:defRPr>
+            </a:lvl8pPr>
+            <a:lvl9pPr marL="3657600" indent="0">
+              <a:defRPr sz="1100">
+                <a:solidFill>
+                  <a:schemeClr val="lt1"/>
+                </a:solidFill>
+                <a:latin typeface="+mn-lt"/>
+                <a:ea typeface="+mn-ea"/>
+                <a:cs typeface="+mn-cs"/>
+              </a:defRPr>
+            </a:lvl9pPr>
+          </a:lstStyle>
+          <a:p>
+            <a:pPr algn="ctr"/>
+            <a:r>
+              <a:rPr lang="fr-FR" sz="1625" dirty="0"/>
+              <a:t>Alim Radio</a:t>
+            </a:r>
+          </a:p>
+        </p:txBody>
+      </p:sp>
+      <p:cxnSp>
+        <p:nvCxnSpPr>
+          <p:cNvPr id="70" name="Connecteur droit 69">
+            <a:extLst>
+              <a:ext uri="{FF2B5EF4-FFF2-40B4-BE49-F238E27FC236}">
+                <a16:creationId xmlns:a16="http://schemas.microsoft.com/office/drawing/2014/main" id="{6EAD3A2E-A48D-417E-AB14-8FFD49171B86}"/>
+              </a:ext>
+            </a:extLst>
+          </p:cNvPr>
+          <p:cNvCxnSpPr>
+            <a:cxnSpLocks/>
+          </p:cNvCxnSpPr>
+          <p:nvPr/>
+        </p:nvCxnSpPr>
+        <p:spPr>
+          <a:xfrm>
+            <a:off x="2279216" y="2332653"/>
+            <a:ext cx="0" cy="1055633"/>
+          </a:xfrm>
+          <a:prstGeom prst="line">
+            <a:avLst/>
+          </a:prstGeom>
+          <a:ln w="50800" cmpd="sng">
+            <a:solidFill>
+              <a:srgbClr val="FF5D5D"/>
+            </a:solidFill>
+            <a:prstDash val="dashDot"/>
+            <a:headEnd type="oval" w="med" len="med"/>
+            <a:tailEnd type="oval" w="med" len="med"/>
+          </a:ln>
+        </p:spPr>
+        <p:style>
+          <a:lnRef idx="1">
+            <a:schemeClr val="accent1"/>
+          </a:lnRef>
+          <a:fillRef idx="0">
+            <a:schemeClr val="accent1"/>
+          </a:fillRef>
+          <a:effectRef idx="0">
+            <a:schemeClr val="accent1"/>
+          </a:effectRef>
+          <a:fontRef idx="minor">
+            <a:schemeClr val="tx1"/>
+          </a:fontRef>
+        </p:style>
+      </p:cxnSp>
+      <p:sp>
+        <p:nvSpPr>
+          <p:cNvPr id="72" name="Rectangle 71">
+            <a:extLst>
+              <a:ext uri="{FF2B5EF4-FFF2-40B4-BE49-F238E27FC236}">
+                <a16:creationId xmlns:a16="http://schemas.microsoft.com/office/drawing/2014/main" id="{69311F25-077A-4D56-890F-E50534D88FF0}"/>
+              </a:ext>
+            </a:extLst>
+          </p:cNvPr>
+          <p:cNvSpPr/>
+          <p:nvPr/>
+        </p:nvSpPr>
+        <p:spPr>
+          <a:xfrm rot="16200000">
+            <a:off x="1778550" y="350895"/>
+            <a:ext cx="523996" cy="143630"/>
+          </a:xfrm>
+          <a:prstGeom prst="rect">
+            <a:avLst/>
+          </a:prstGeom>
+          <a:solidFill>
+            <a:schemeClr val="bg1"/>
+          </a:solidFill>
+          <a:ln>
+            <a:solidFill>
+              <a:schemeClr val="bg1"/>
+            </a:solidFill>
+          </a:ln>
+        </p:spPr>
+        <p:style>
+          <a:lnRef idx="2">
+            <a:schemeClr val="accent1">
+              <a:shade val="50000"/>
+            </a:schemeClr>
+          </a:lnRef>
+          <a:fillRef idx="1">
+            <a:schemeClr val="accent1"/>
+          </a:fillRef>
+          <a:effectRef idx="0">
+            <a:schemeClr val="accent1"/>
+          </a:effectRef>
+          <a:fontRef idx="minor">
+            <a:schemeClr val="lt1"/>
+          </a:fontRef>
+        </p:style>
+        <p:txBody>
+          <a:bodyPr rtlCol="0" anchor="ctr"/>
+          <a:lstStyle/>
+          <a:p>
+            <a:pPr algn="ctr"/>
+            <a:endParaRPr lang="en-GB"/>
+          </a:p>
+        </p:txBody>
+      </p:sp>
     </p:spTree>
     <p:extLst>
       <p:ext uri="{BB962C8B-B14F-4D97-AF65-F5344CB8AC3E}">

--- a/Carte.pptx
+++ b/Carte.pptx
@@ -32850,6 +32850,1262 @@
           </a:p>
         </p:txBody>
       </p:sp>
+      <p:graphicFrame>
+        <p:nvGraphicFramePr>
+          <p:cNvPr id="2" name="Tableau 1">
+            <a:extLst>
+              <a:ext uri="{FF2B5EF4-FFF2-40B4-BE49-F238E27FC236}">
+                <a16:creationId xmlns:a16="http://schemas.microsoft.com/office/drawing/2014/main" id="{8C2135AB-A4B3-4D04-95EA-86F625899251}"/>
+              </a:ext>
+            </a:extLst>
+          </p:cNvPr>
+          <p:cNvGraphicFramePr>
+            <a:graphicFrameLocks noGrp="1"/>
+          </p:cNvGraphicFramePr>
+          <p:nvPr>
+            <p:extLst>
+              <p:ext uri="{D42A27DB-BD31-4B8C-83A1-F6EECF244321}">
+                <p14:modId xmlns:p14="http://schemas.microsoft.com/office/powerpoint/2010/main" val="2613143583"/>
+              </p:ext>
+            </p:extLst>
+          </p:nvPr>
+        </p:nvGraphicFramePr>
+        <p:xfrm>
+          <a:off x="-3121619" y="-138055"/>
+          <a:ext cx="2577659" cy="6477555"/>
+        </p:xfrm>
+        <a:graphic>
+          <a:graphicData uri="http://schemas.openxmlformats.org/drawingml/2006/table">
+            <a:tbl>
+              <a:tblPr>
+                <a:tableStyleId>{5C22544A-7EE6-4342-B048-85BDC9FD1C3A}</a:tableStyleId>
+              </a:tblPr>
+              <a:tblGrid>
+                <a:gridCol w="575427">
+                  <a:extLst>
+                    <a:ext uri="{9D8B030D-6E8A-4147-A177-3AD203B41FA5}">
+                      <a16:colId xmlns:a16="http://schemas.microsoft.com/office/drawing/2014/main" val="2886069703"/>
+                    </a:ext>
+                  </a:extLst>
+                </a:gridCol>
+                <a:gridCol w="2002232">
+                  <a:extLst>
+                    <a:ext uri="{9D8B030D-6E8A-4147-A177-3AD203B41FA5}">
+                      <a16:colId xmlns:a16="http://schemas.microsoft.com/office/drawing/2014/main" val="1923889105"/>
+                    </a:ext>
+                  </a:extLst>
+                </a:gridCol>
+              </a:tblGrid>
+              <a:tr h="407588">
+                <a:tc>
+                  <a:txBody>
+                    <a:bodyPr/>
+                    <a:lstStyle/>
+                    <a:p>
+                      <a:pPr algn="l" fontAlgn="b"/>
+                      <a:endParaRPr lang="fr-FR" sz="1200" b="0" i="0" u="none" strike="noStrike">
+                        <a:solidFill>
+                          <a:srgbClr val="000000"/>
+                        </a:solidFill>
+                        <a:effectLst/>
+                        <a:latin typeface="Calibri" panose="020F0502020204030204" pitchFamily="34" charset="0"/>
+                      </a:endParaRPr>
+                    </a:p>
+                  </a:txBody>
+                  <a:tcPr marL="5359" marR="5359" marT="5359" marB="0" anchor="b"/>
+                </a:tc>
+                <a:tc>
+                  <a:txBody>
+                    <a:bodyPr/>
+                    <a:lstStyle/>
+                    <a:p>
+                      <a:pPr algn="l" fontAlgn="b"/>
+                      <a:r>
+                        <a:rPr lang="fr-FR" sz="2000" u="none" strike="noStrike">
+                          <a:effectLst/>
+                        </a:rPr>
+                        <a:t>Sensor Nano</a:t>
+                      </a:r>
+                      <a:endParaRPr lang="fr-FR" sz="2000" b="0" i="0" u="none" strike="noStrike">
+                        <a:solidFill>
+                          <a:srgbClr val="000000"/>
+                        </a:solidFill>
+                        <a:effectLst/>
+                        <a:latin typeface="Calibri" panose="020F0502020204030204" pitchFamily="34" charset="0"/>
+                      </a:endParaRPr>
+                    </a:p>
+                  </a:txBody>
+                  <a:tcPr marL="5359" marR="5359" marT="5359" marB="0" anchor="b"/>
+                </a:tc>
+                <a:extLst>
+                  <a:ext uri="{0D108BD9-81ED-4DB2-BD59-A6C34878D82A}">
+                    <a16:rowId xmlns:a16="http://schemas.microsoft.com/office/drawing/2014/main" val="856879035"/>
+                  </a:ext>
+                </a:extLst>
+              </a:tr>
+              <a:tr h="255495">
+                <a:tc>
+                  <a:txBody>
+                    <a:bodyPr/>
+                    <a:lstStyle/>
+                    <a:p>
+                      <a:pPr algn="r" fontAlgn="b"/>
+                      <a:r>
+                        <a:rPr lang="fr-FR" sz="1600" u="none" strike="noStrike">
+                          <a:effectLst/>
+                        </a:rPr>
+                        <a:t>0</a:t>
+                      </a:r>
+                      <a:endParaRPr lang="fr-FR" sz="1600" b="1" i="0" u="none" strike="noStrike">
+                        <a:solidFill>
+                          <a:srgbClr val="000000"/>
+                        </a:solidFill>
+                        <a:effectLst/>
+                        <a:latin typeface="Calibri" panose="020F0502020204030204" pitchFamily="34" charset="0"/>
+                      </a:endParaRPr>
+                    </a:p>
+                  </a:txBody>
+                  <a:tcPr marL="5359" marR="5359" marT="5359" marB="0" anchor="b"/>
+                </a:tc>
+                <a:tc>
+                  <a:txBody>
+                    <a:bodyPr/>
+                    <a:lstStyle/>
+                    <a:p>
+                      <a:pPr algn="l" fontAlgn="b"/>
+                      <a:endParaRPr lang="fr-FR" sz="1200" b="0" i="0" u="none" strike="noStrike">
+                        <a:solidFill>
+                          <a:srgbClr val="000000"/>
+                        </a:solidFill>
+                        <a:effectLst/>
+                        <a:latin typeface="Calibri" panose="020F0502020204030204" pitchFamily="34" charset="0"/>
+                      </a:endParaRPr>
+                    </a:p>
+                  </a:txBody>
+                  <a:tcPr marL="5359" marR="5359" marT="5359" marB="0" anchor="b"/>
+                </a:tc>
+                <a:extLst>
+                  <a:ext uri="{0D108BD9-81ED-4DB2-BD59-A6C34878D82A}">
+                    <a16:rowId xmlns:a16="http://schemas.microsoft.com/office/drawing/2014/main" val="3232102560"/>
+                  </a:ext>
+                </a:extLst>
+              </a:tr>
+              <a:tr h="255495">
+                <a:tc>
+                  <a:txBody>
+                    <a:bodyPr/>
+                    <a:lstStyle/>
+                    <a:p>
+                      <a:pPr algn="r" fontAlgn="b"/>
+                      <a:r>
+                        <a:rPr lang="fr-FR" sz="1600" u="none" strike="noStrike">
+                          <a:effectLst/>
+                        </a:rPr>
+                        <a:t>1</a:t>
+                      </a:r>
+                      <a:endParaRPr lang="fr-FR" sz="1600" b="1" i="0" u="none" strike="noStrike">
+                        <a:solidFill>
+                          <a:srgbClr val="000000"/>
+                        </a:solidFill>
+                        <a:effectLst/>
+                        <a:latin typeface="Calibri" panose="020F0502020204030204" pitchFamily="34" charset="0"/>
+                      </a:endParaRPr>
+                    </a:p>
+                  </a:txBody>
+                  <a:tcPr marL="5359" marR="5359" marT="5359" marB="0" anchor="b"/>
+                </a:tc>
+                <a:tc>
+                  <a:txBody>
+                    <a:bodyPr/>
+                    <a:lstStyle/>
+                    <a:p>
+                      <a:pPr algn="l" fontAlgn="b"/>
+                      <a:endParaRPr lang="fr-FR" sz="1200" b="0" i="0" u="none" strike="noStrike">
+                        <a:solidFill>
+                          <a:srgbClr val="000000"/>
+                        </a:solidFill>
+                        <a:effectLst/>
+                        <a:latin typeface="Calibri" panose="020F0502020204030204" pitchFamily="34" charset="0"/>
+                      </a:endParaRPr>
+                    </a:p>
+                  </a:txBody>
+                  <a:tcPr marL="5359" marR="5359" marT="5359" marB="0" anchor="b"/>
+                </a:tc>
+                <a:extLst>
+                  <a:ext uri="{0D108BD9-81ED-4DB2-BD59-A6C34878D82A}">
+                    <a16:rowId xmlns:a16="http://schemas.microsoft.com/office/drawing/2014/main" val="264649448"/>
+                  </a:ext>
+                </a:extLst>
+              </a:tr>
+              <a:tr h="255495">
+                <a:tc>
+                  <a:txBody>
+                    <a:bodyPr/>
+                    <a:lstStyle/>
+                    <a:p>
+                      <a:pPr algn="r" fontAlgn="b"/>
+                      <a:r>
+                        <a:rPr lang="fr-FR" sz="1600" u="none" strike="noStrike">
+                          <a:effectLst/>
+                        </a:rPr>
+                        <a:t>2</a:t>
+                      </a:r>
+                      <a:endParaRPr lang="fr-FR" sz="1600" b="1" i="0" u="none" strike="noStrike">
+                        <a:solidFill>
+                          <a:srgbClr val="000000"/>
+                        </a:solidFill>
+                        <a:effectLst/>
+                        <a:latin typeface="Calibri" panose="020F0502020204030204" pitchFamily="34" charset="0"/>
+                      </a:endParaRPr>
+                    </a:p>
+                  </a:txBody>
+                  <a:tcPr marL="5359" marR="5359" marT="5359" marB="0" anchor="b"/>
+                </a:tc>
+                <a:tc>
+                  <a:txBody>
+                    <a:bodyPr/>
+                    <a:lstStyle/>
+                    <a:p>
+                      <a:pPr algn="l" fontAlgn="b"/>
+                      <a:r>
+                        <a:rPr lang="fr-FR" sz="1200" u="none" strike="noStrike">
+                          <a:effectLst/>
+                        </a:rPr>
+                        <a:t>DIO0</a:t>
+                      </a:r>
+                      <a:endParaRPr lang="fr-FR" sz="1200" b="0" i="0" u="none" strike="noStrike">
+                        <a:solidFill>
+                          <a:srgbClr val="000000"/>
+                        </a:solidFill>
+                        <a:effectLst/>
+                        <a:latin typeface="Calibri" panose="020F0502020204030204" pitchFamily="34" charset="0"/>
+                      </a:endParaRPr>
+                    </a:p>
+                  </a:txBody>
+                  <a:tcPr marL="5359" marR="5359" marT="5359" marB="0" anchor="b"/>
+                </a:tc>
+                <a:extLst>
+                  <a:ext uri="{0D108BD9-81ED-4DB2-BD59-A6C34878D82A}">
+                    <a16:rowId xmlns:a16="http://schemas.microsoft.com/office/drawing/2014/main" val="3388206216"/>
+                  </a:ext>
+                </a:extLst>
+              </a:tr>
+              <a:tr h="270772">
+                <a:tc>
+                  <a:txBody>
+                    <a:bodyPr/>
+                    <a:lstStyle/>
+                    <a:p>
+                      <a:pPr algn="r" fontAlgn="b"/>
+                      <a:r>
+                        <a:rPr lang="fr-FR" sz="1600" u="none" strike="noStrike">
+                          <a:effectLst/>
+                        </a:rPr>
+                        <a:t>3</a:t>
+                      </a:r>
+                      <a:endParaRPr lang="fr-FR" sz="1600" b="1" i="0" u="none" strike="noStrike">
+                        <a:solidFill>
+                          <a:srgbClr val="000000"/>
+                        </a:solidFill>
+                        <a:effectLst/>
+                        <a:latin typeface="Calibri" panose="020F0502020204030204" pitchFamily="34" charset="0"/>
+                      </a:endParaRPr>
+                    </a:p>
+                  </a:txBody>
+                  <a:tcPr marL="5359" marR="5359" marT="5359" marB="0" anchor="b"/>
+                </a:tc>
+                <a:tc>
+                  <a:txBody>
+                    <a:bodyPr/>
+                    <a:lstStyle/>
+                    <a:p>
+                      <a:pPr algn="l" fontAlgn="b"/>
+                      <a:r>
+                        <a:rPr lang="fr-FR" sz="1200" u="none" strike="noStrike">
+                          <a:effectLst/>
+                        </a:rPr>
+                        <a:t>Anemometre</a:t>
+                      </a:r>
+                      <a:endParaRPr lang="fr-FR" sz="1200" b="0" i="0" u="none" strike="noStrike">
+                        <a:solidFill>
+                          <a:srgbClr val="000000"/>
+                        </a:solidFill>
+                        <a:effectLst/>
+                        <a:latin typeface="Calibri" panose="020F0502020204030204" pitchFamily="34" charset="0"/>
+                      </a:endParaRPr>
+                    </a:p>
+                  </a:txBody>
+                  <a:tcPr marL="5359" marR="5359" marT="5359" marB="0" anchor="b"/>
+                </a:tc>
+                <a:extLst>
+                  <a:ext uri="{0D108BD9-81ED-4DB2-BD59-A6C34878D82A}">
+                    <a16:rowId xmlns:a16="http://schemas.microsoft.com/office/drawing/2014/main" val="3482107091"/>
+                  </a:ext>
+                </a:extLst>
+              </a:tr>
+              <a:tr h="255495">
+                <a:tc>
+                  <a:txBody>
+                    <a:bodyPr/>
+                    <a:lstStyle/>
+                    <a:p>
+                      <a:pPr algn="r" fontAlgn="b"/>
+                      <a:r>
+                        <a:rPr lang="fr-FR" sz="1600" u="none" strike="noStrike">
+                          <a:effectLst/>
+                        </a:rPr>
+                        <a:t>4</a:t>
+                      </a:r>
+                      <a:endParaRPr lang="fr-FR" sz="1600" b="1" i="0" u="none" strike="noStrike">
+                        <a:solidFill>
+                          <a:srgbClr val="000000"/>
+                        </a:solidFill>
+                        <a:effectLst/>
+                        <a:latin typeface="Calibri" panose="020F0502020204030204" pitchFamily="34" charset="0"/>
+                      </a:endParaRPr>
+                    </a:p>
+                  </a:txBody>
+                  <a:tcPr marL="5359" marR="5359" marT="5359" marB="0" anchor="b"/>
+                </a:tc>
+                <a:tc>
+                  <a:txBody>
+                    <a:bodyPr/>
+                    <a:lstStyle/>
+                    <a:p>
+                      <a:pPr algn="l" fontAlgn="b"/>
+                      <a:r>
+                        <a:rPr lang="fr-FR" sz="1200" u="none" strike="noStrike">
+                          <a:effectLst/>
+                        </a:rPr>
+                        <a:t>Pluviometre</a:t>
+                      </a:r>
+                      <a:endParaRPr lang="fr-FR" sz="1200" b="0" i="0" u="none" strike="noStrike">
+                        <a:solidFill>
+                          <a:srgbClr val="000000"/>
+                        </a:solidFill>
+                        <a:effectLst/>
+                        <a:latin typeface="Calibri" panose="020F0502020204030204" pitchFamily="34" charset="0"/>
+                      </a:endParaRPr>
+                    </a:p>
+                  </a:txBody>
+                  <a:tcPr marL="5359" marR="5359" marT="5359" marB="0" anchor="b"/>
+                </a:tc>
+                <a:extLst>
+                  <a:ext uri="{0D108BD9-81ED-4DB2-BD59-A6C34878D82A}">
+                    <a16:rowId xmlns:a16="http://schemas.microsoft.com/office/drawing/2014/main" val="3116477140"/>
+                  </a:ext>
+                </a:extLst>
+              </a:tr>
+              <a:tr h="255495">
+                <a:tc>
+                  <a:txBody>
+                    <a:bodyPr/>
+                    <a:lstStyle/>
+                    <a:p>
+                      <a:pPr algn="r" fontAlgn="b"/>
+                      <a:r>
+                        <a:rPr lang="fr-FR" sz="1600" u="none" strike="noStrike">
+                          <a:effectLst/>
+                        </a:rPr>
+                        <a:t>5</a:t>
+                      </a:r>
+                      <a:endParaRPr lang="fr-FR" sz="1600" b="1" i="0" u="none" strike="noStrike">
+                        <a:solidFill>
+                          <a:srgbClr val="000000"/>
+                        </a:solidFill>
+                        <a:effectLst/>
+                        <a:latin typeface="Calibri" panose="020F0502020204030204" pitchFamily="34" charset="0"/>
+                      </a:endParaRPr>
+                    </a:p>
+                  </a:txBody>
+                  <a:tcPr marL="5359" marR="5359" marT="5359" marB="0" anchor="b"/>
+                </a:tc>
+                <a:tc>
+                  <a:txBody>
+                    <a:bodyPr/>
+                    <a:lstStyle/>
+                    <a:p>
+                      <a:pPr algn="l" fontAlgn="b"/>
+                      <a:r>
+                        <a:rPr lang="fr-FR" sz="1200" u="none" strike="noStrike">
+                          <a:effectLst/>
+                        </a:rPr>
+                        <a:t>DHT22</a:t>
+                      </a:r>
+                      <a:endParaRPr lang="fr-FR" sz="1200" b="0" i="0" u="none" strike="noStrike">
+                        <a:solidFill>
+                          <a:srgbClr val="000000"/>
+                        </a:solidFill>
+                        <a:effectLst/>
+                        <a:latin typeface="Calibri" panose="020F0502020204030204" pitchFamily="34" charset="0"/>
+                      </a:endParaRPr>
+                    </a:p>
+                  </a:txBody>
+                  <a:tcPr marL="5359" marR="5359" marT="5359" marB="0" anchor="b"/>
+                </a:tc>
+                <a:extLst>
+                  <a:ext uri="{0D108BD9-81ED-4DB2-BD59-A6C34878D82A}">
+                    <a16:rowId xmlns:a16="http://schemas.microsoft.com/office/drawing/2014/main" val="3634391106"/>
+                  </a:ext>
+                </a:extLst>
+              </a:tr>
+              <a:tr h="255495">
+                <a:tc>
+                  <a:txBody>
+                    <a:bodyPr/>
+                    <a:lstStyle/>
+                    <a:p>
+                      <a:pPr algn="r" fontAlgn="b"/>
+                      <a:r>
+                        <a:rPr lang="fr-FR" sz="1600" u="none" strike="noStrike">
+                          <a:effectLst/>
+                        </a:rPr>
+                        <a:t>6</a:t>
+                      </a:r>
+                      <a:endParaRPr lang="fr-FR" sz="1600" b="1" i="0" u="none" strike="noStrike">
+                        <a:solidFill>
+                          <a:srgbClr val="000000"/>
+                        </a:solidFill>
+                        <a:effectLst/>
+                        <a:latin typeface="Calibri" panose="020F0502020204030204" pitchFamily="34" charset="0"/>
+                      </a:endParaRPr>
+                    </a:p>
+                  </a:txBody>
+                  <a:tcPr marL="5359" marR="5359" marT="5359" marB="0" anchor="b"/>
+                </a:tc>
+                <a:tc>
+                  <a:txBody>
+                    <a:bodyPr/>
+                    <a:lstStyle/>
+                    <a:p>
+                      <a:pPr algn="l" fontAlgn="b"/>
+                      <a:endParaRPr lang="fr-FR" sz="1200" b="0" i="0" u="none" strike="noStrike">
+                        <a:solidFill>
+                          <a:srgbClr val="000000"/>
+                        </a:solidFill>
+                        <a:effectLst/>
+                        <a:latin typeface="Calibri" panose="020F0502020204030204" pitchFamily="34" charset="0"/>
+                      </a:endParaRPr>
+                    </a:p>
+                  </a:txBody>
+                  <a:tcPr marL="5359" marR="5359" marT="5359" marB="0" anchor="b"/>
+                </a:tc>
+                <a:extLst>
+                  <a:ext uri="{0D108BD9-81ED-4DB2-BD59-A6C34878D82A}">
+                    <a16:rowId xmlns:a16="http://schemas.microsoft.com/office/drawing/2014/main" val="2947003339"/>
+                  </a:ext>
+                </a:extLst>
+              </a:tr>
+              <a:tr h="255495">
+                <a:tc>
+                  <a:txBody>
+                    <a:bodyPr/>
+                    <a:lstStyle/>
+                    <a:p>
+                      <a:pPr algn="r" fontAlgn="b"/>
+                      <a:r>
+                        <a:rPr lang="fr-FR" sz="1600" u="none" strike="noStrike">
+                          <a:effectLst/>
+                        </a:rPr>
+                        <a:t>7</a:t>
+                      </a:r>
+                      <a:endParaRPr lang="fr-FR" sz="1600" b="1" i="0" u="none" strike="noStrike">
+                        <a:solidFill>
+                          <a:srgbClr val="000000"/>
+                        </a:solidFill>
+                        <a:effectLst/>
+                        <a:latin typeface="Calibri" panose="020F0502020204030204" pitchFamily="34" charset="0"/>
+                      </a:endParaRPr>
+                    </a:p>
+                  </a:txBody>
+                  <a:tcPr marL="5359" marR="5359" marT="5359" marB="0" anchor="b"/>
+                </a:tc>
+                <a:tc>
+                  <a:txBody>
+                    <a:bodyPr/>
+                    <a:lstStyle/>
+                    <a:p>
+                      <a:pPr algn="l" fontAlgn="b"/>
+                      <a:endParaRPr lang="fr-FR" sz="1200" b="0" i="0" u="none" strike="noStrike">
+                        <a:solidFill>
+                          <a:srgbClr val="000000"/>
+                        </a:solidFill>
+                        <a:effectLst/>
+                        <a:latin typeface="Calibri" panose="020F0502020204030204" pitchFamily="34" charset="0"/>
+                      </a:endParaRPr>
+                    </a:p>
+                  </a:txBody>
+                  <a:tcPr marL="5359" marR="5359" marT="5359" marB="0" anchor="b"/>
+                </a:tc>
+                <a:extLst>
+                  <a:ext uri="{0D108BD9-81ED-4DB2-BD59-A6C34878D82A}">
+                    <a16:rowId xmlns:a16="http://schemas.microsoft.com/office/drawing/2014/main" val="1037781097"/>
+                  </a:ext>
+                </a:extLst>
+              </a:tr>
+              <a:tr h="255495">
+                <a:tc>
+                  <a:txBody>
+                    <a:bodyPr/>
+                    <a:lstStyle/>
+                    <a:p>
+                      <a:pPr algn="r" fontAlgn="b"/>
+                      <a:r>
+                        <a:rPr lang="fr-FR" sz="1600" u="none" strike="noStrike">
+                          <a:effectLst/>
+                        </a:rPr>
+                        <a:t>8</a:t>
+                      </a:r>
+                      <a:endParaRPr lang="fr-FR" sz="1600" b="1" i="0" u="none" strike="noStrike">
+                        <a:solidFill>
+                          <a:srgbClr val="000000"/>
+                        </a:solidFill>
+                        <a:effectLst/>
+                        <a:latin typeface="Calibri" panose="020F0502020204030204" pitchFamily="34" charset="0"/>
+                      </a:endParaRPr>
+                    </a:p>
+                  </a:txBody>
+                  <a:tcPr marL="5359" marR="5359" marT="5359" marB="0" anchor="b"/>
+                </a:tc>
+                <a:tc>
+                  <a:txBody>
+                    <a:bodyPr/>
+                    <a:lstStyle/>
+                    <a:p>
+                      <a:pPr algn="l" fontAlgn="b"/>
+                      <a:endParaRPr lang="fr-FR" sz="1200" b="0" i="0" u="none" strike="noStrike">
+                        <a:solidFill>
+                          <a:srgbClr val="000000"/>
+                        </a:solidFill>
+                        <a:effectLst/>
+                        <a:latin typeface="Calibri" panose="020F0502020204030204" pitchFamily="34" charset="0"/>
+                      </a:endParaRPr>
+                    </a:p>
+                  </a:txBody>
+                  <a:tcPr marL="5359" marR="5359" marT="5359" marB="0" anchor="b"/>
+                </a:tc>
+                <a:extLst>
+                  <a:ext uri="{0D108BD9-81ED-4DB2-BD59-A6C34878D82A}">
+                    <a16:rowId xmlns:a16="http://schemas.microsoft.com/office/drawing/2014/main" val="1062653465"/>
+                  </a:ext>
+                </a:extLst>
+              </a:tr>
+              <a:tr h="255495">
+                <a:tc>
+                  <a:txBody>
+                    <a:bodyPr/>
+                    <a:lstStyle/>
+                    <a:p>
+                      <a:pPr algn="r" fontAlgn="b"/>
+                      <a:r>
+                        <a:rPr lang="fr-FR" sz="1600" u="none" strike="noStrike">
+                          <a:effectLst/>
+                        </a:rPr>
+                        <a:t>9</a:t>
+                      </a:r>
+                      <a:endParaRPr lang="fr-FR" sz="1600" b="1" i="0" u="none" strike="noStrike">
+                        <a:solidFill>
+                          <a:srgbClr val="000000"/>
+                        </a:solidFill>
+                        <a:effectLst/>
+                        <a:latin typeface="Calibri" panose="020F0502020204030204" pitchFamily="34" charset="0"/>
+                      </a:endParaRPr>
+                    </a:p>
+                  </a:txBody>
+                  <a:tcPr marL="5359" marR="5359" marT="5359" marB="0" anchor="b"/>
+                </a:tc>
+                <a:tc>
+                  <a:txBody>
+                    <a:bodyPr/>
+                    <a:lstStyle/>
+                    <a:p>
+                      <a:pPr algn="l" fontAlgn="b"/>
+                      <a:endParaRPr lang="fr-FR" sz="1200" b="0" i="0" u="none" strike="noStrike">
+                        <a:solidFill>
+                          <a:srgbClr val="000000"/>
+                        </a:solidFill>
+                        <a:effectLst/>
+                        <a:latin typeface="Calibri" panose="020F0502020204030204" pitchFamily="34" charset="0"/>
+                      </a:endParaRPr>
+                    </a:p>
+                  </a:txBody>
+                  <a:tcPr marL="5359" marR="5359" marT="5359" marB="0" anchor="b"/>
+                </a:tc>
+                <a:extLst>
+                  <a:ext uri="{0D108BD9-81ED-4DB2-BD59-A6C34878D82A}">
+                    <a16:rowId xmlns:a16="http://schemas.microsoft.com/office/drawing/2014/main" val="1500650357"/>
+                  </a:ext>
+                </a:extLst>
+              </a:tr>
+              <a:tr h="255495">
+                <a:tc>
+                  <a:txBody>
+                    <a:bodyPr/>
+                    <a:lstStyle/>
+                    <a:p>
+                      <a:pPr algn="r" fontAlgn="b"/>
+                      <a:r>
+                        <a:rPr lang="fr-FR" sz="1600" u="none" strike="noStrike">
+                          <a:effectLst/>
+                        </a:rPr>
+                        <a:t>10</a:t>
+                      </a:r>
+                      <a:endParaRPr lang="fr-FR" sz="1600" b="1" i="0" u="none" strike="noStrike">
+                        <a:solidFill>
+                          <a:srgbClr val="000000"/>
+                        </a:solidFill>
+                        <a:effectLst/>
+                        <a:latin typeface="Calibri" panose="020F0502020204030204" pitchFamily="34" charset="0"/>
+                      </a:endParaRPr>
+                    </a:p>
+                  </a:txBody>
+                  <a:tcPr marL="5359" marR="5359" marT="5359" marB="0" anchor="b"/>
+                </a:tc>
+                <a:tc>
+                  <a:txBody>
+                    <a:bodyPr/>
+                    <a:lstStyle/>
+                    <a:p>
+                      <a:pPr algn="l" fontAlgn="b"/>
+                      <a:r>
+                        <a:rPr lang="fr-FR" sz="1200" u="none" strike="noStrike">
+                          <a:effectLst/>
+                        </a:rPr>
+                        <a:t>CS radio</a:t>
+                      </a:r>
+                      <a:endParaRPr lang="fr-FR" sz="1200" b="0" i="0" u="none" strike="noStrike">
+                        <a:solidFill>
+                          <a:srgbClr val="000000"/>
+                        </a:solidFill>
+                        <a:effectLst/>
+                        <a:latin typeface="Calibri" panose="020F0502020204030204" pitchFamily="34" charset="0"/>
+                      </a:endParaRPr>
+                    </a:p>
+                  </a:txBody>
+                  <a:tcPr marL="5359" marR="5359" marT="5359" marB="0" anchor="b"/>
+                </a:tc>
+                <a:extLst>
+                  <a:ext uri="{0D108BD9-81ED-4DB2-BD59-A6C34878D82A}">
+                    <a16:rowId xmlns:a16="http://schemas.microsoft.com/office/drawing/2014/main" val="2742673325"/>
+                  </a:ext>
+                </a:extLst>
+              </a:tr>
+              <a:tr h="255495">
+                <a:tc>
+                  <a:txBody>
+                    <a:bodyPr/>
+                    <a:lstStyle/>
+                    <a:p>
+                      <a:pPr algn="r" fontAlgn="b"/>
+                      <a:r>
+                        <a:rPr lang="fr-FR" sz="1600" u="none" strike="noStrike">
+                          <a:effectLst/>
+                        </a:rPr>
+                        <a:t>11</a:t>
+                      </a:r>
+                      <a:endParaRPr lang="fr-FR" sz="1600" b="1" i="0" u="none" strike="noStrike">
+                        <a:solidFill>
+                          <a:srgbClr val="000000"/>
+                        </a:solidFill>
+                        <a:effectLst/>
+                        <a:latin typeface="Calibri" panose="020F0502020204030204" pitchFamily="34" charset="0"/>
+                      </a:endParaRPr>
+                    </a:p>
+                  </a:txBody>
+                  <a:tcPr marL="5359" marR="5359" marT="5359" marB="0" anchor="b"/>
+                </a:tc>
+                <a:tc>
+                  <a:txBody>
+                    <a:bodyPr/>
+                    <a:lstStyle/>
+                    <a:p>
+                      <a:pPr algn="l" fontAlgn="b"/>
+                      <a:r>
+                        <a:rPr lang="fr-FR" sz="1200" u="none" strike="noStrike">
+                          <a:effectLst/>
+                        </a:rPr>
+                        <a:t>MOSI</a:t>
+                      </a:r>
+                      <a:endParaRPr lang="fr-FR" sz="1200" b="0" i="0" u="none" strike="noStrike">
+                        <a:solidFill>
+                          <a:srgbClr val="000000"/>
+                        </a:solidFill>
+                        <a:effectLst/>
+                        <a:latin typeface="Calibri" panose="020F0502020204030204" pitchFamily="34" charset="0"/>
+                      </a:endParaRPr>
+                    </a:p>
+                  </a:txBody>
+                  <a:tcPr marL="5359" marR="5359" marT="5359" marB="0" anchor="b"/>
+                </a:tc>
+                <a:extLst>
+                  <a:ext uri="{0D108BD9-81ED-4DB2-BD59-A6C34878D82A}">
+                    <a16:rowId xmlns:a16="http://schemas.microsoft.com/office/drawing/2014/main" val="3811969496"/>
+                  </a:ext>
+                </a:extLst>
+              </a:tr>
+              <a:tr h="255495">
+                <a:tc>
+                  <a:txBody>
+                    <a:bodyPr/>
+                    <a:lstStyle/>
+                    <a:p>
+                      <a:pPr algn="r" fontAlgn="b"/>
+                      <a:r>
+                        <a:rPr lang="fr-FR" sz="1600" u="none" strike="noStrike">
+                          <a:effectLst/>
+                        </a:rPr>
+                        <a:t>12</a:t>
+                      </a:r>
+                      <a:endParaRPr lang="fr-FR" sz="1600" b="1" i="0" u="none" strike="noStrike">
+                        <a:solidFill>
+                          <a:srgbClr val="000000"/>
+                        </a:solidFill>
+                        <a:effectLst/>
+                        <a:latin typeface="Calibri" panose="020F0502020204030204" pitchFamily="34" charset="0"/>
+                      </a:endParaRPr>
+                    </a:p>
+                  </a:txBody>
+                  <a:tcPr marL="5359" marR="5359" marT="5359" marB="0" anchor="b"/>
+                </a:tc>
+                <a:tc>
+                  <a:txBody>
+                    <a:bodyPr/>
+                    <a:lstStyle/>
+                    <a:p>
+                      <a:pPr algn="l" fontAlgn="b"/>
+                      <a:r>
+                        <a:rPr lang="fr-FR" sz="1200" u="none" strike="noStrike">
+                          <a:effectLst/>
+                        </a:rPr>
+                        <a:t>MISO</a:t>
+                      </a:r>
+                      <a:endParaRPr lang="fr-FR" sz="1200" b="0" i="0" u="none" strike="noStrike">
+                        <a:solidFill>
+                          <a:srgbClr val="000000"/>
+                        </a:solidFill>
+                        <a:effectLst/>
+                        <a:latin typeface="Calibri" panose="020F0502020204030204" pitchFamily="34" charset="0"/>
+                      </a:endParaRPr>
+                    </a:p>
+                  </a:txBody>
+                  <a:tcPr marL="5359" marR="5359" marT="5359" marB="0" anchor="b"/>
+                </a:tc>
+                <a:extLst>
+                  <a:ext uri="{0D108BD9-81ED-4DB2-BD59-A6C34878D82A}">
+                    <a16:rowId xmlns:a16="http://schemas.microsoft.com/office/drawing/2014/main" val="4091245042"/>
+                  </a:ext>
+                </a:extLst>
+              </a:tr>
+              <a:tr h="255495">
+                <a:tc>
+                  <a:txBody>
+                    <a:bodyPr/>
+                    <a:lstStyle/>
+                    <a:p>
+                      <a:pPr algn="r" fontAlgn="b"/>
+                      <a:r>
+                        <a:rPr lang="fr-FR" sz="1600" u="none" strike="noStrike">
+                          <a:effectLst/>
+                        </a:rPr>
+                        <a:t>13</a:t>
+                      </a:r>
+                      <a:endParaRPr lang="fr-FR" sz="1600" b="1" i="0" u="none" strike="noStrike">
+                        <a:solidFill>
+                          <a:srgbClr val="000000"/>
+                        </a:solidFill>
+                        <a:effectLst/>
+                        <a:latin typeface="Calibri" panose="020F0502020204030204" pitchFamily="34" charset="0"/>
+                      </a:endParaRPr>
+                    </a:p>
+                  </a:txBody>
+                  <a:tcPr marL="5359" marR="5359" marT="5359" marB="0" anchor="b"/>
+                </a:tc>
+                <a:tc>
+                  <a:txBody>
+                    <a:bodyPr/>
+                    <a:lstStyle/>
+                    <a:p>
+                      <a:pPr algn="l" fontAlgn="b"/>
+                      <a:r>
+                        <a:rPr lang="fr-FR" sz="1200" u="none" strike="noStrike">
+                          <a:effectLst/>
+                        </a:rPr>
+                        <a:t>SCK</a:t>
+                      </a:r>
+                      <a:endParaRPr lang="fr-FR" sz="1200" b="0" i="0" u="none" strike="noStrike">
+                        <a:solidFill>
+                          <a:srgbClr val="000000"/>
+                        </a:solidFill>
+                        <a:effectLst/>
+                        <a:latin typeface="Calibri" panose="020F0502020204030204" pitchFamily="34" charset="0"/>
+                      </a:endParaRPr>
+                    </a:p>
+                  </a:txBody>
+                  <a:tcPr marL="5359" marR="5359" marT="5359" marB="0" anchor="b"/>
+                </a:tc>
+                <a:extLst>
+                  <a:ext uri="{0D108BD9-81ED-4DB2-BD59-A6C34878D82A}">
+                    <a16:rowId xmlns:a16="http://schemas.microsoft.com/office/drawing/2014/main" val="3514006710"/>
+                  </a:ext>
+                </a:extLst>
+              </a:tr>
+              <a:tr h="255495">
+                <a:tc>
+                  <a:txBody>
+                    <a:bodyPr/>
+                    <a:lstStyle/>
+                    <a:p>
+                      <a:pPr algn="l" fontAlgn="b"/>
+                      <a:endParaRPr lang="fr-FR" sz="1600" b="1" i="0" u="none" strike="noStrike">
+                        <a:solidFill>
+                          <a:srgbClr val="000000"/>
+                        </a:solidFill>
+                        <a:effectLst/>
+                        <a:latin typeface="Calibri" panose="020F0502020204030204" pitchFamily="34" charset="0"/>
+                      </a:endParaRPr>
+                    </a:p>
+                  </a:txBody>
+                  <a:tcPr marL="5359" marR="5359" marT="5359" marB="0" anchor="b"/>
+                </a:tc>
+                <a:tc>
+                  <a:txBody>
+                    <a:bodyPr/>
+                    <a:lstStyle/>
+                    <a:p>
+                      <a:pPr algn="l" fontAlgn="b"/>
+                      <a:endParaRPr lang="fr-FR" sz="1200" b="0" i="0" u="none" strike="noStrike">
+                        <a:solidFill>
+                          <a:srgbClr val="000000"/>
+                        </a:solidFill>
+                        <a:effectLst/>
+                        <a:latin typeface="Calibri" panose="020F0502020204030204" pitchFamily="34" charset="0"/>
+                      </a:endParaRPr>
+                    </a:p>
+                  </a:txBody>
+                  <a:tcPr marL="5359" marR="5359" marT="5359" marB="0" anchor="b"/>
+                </a:tc>
+                <a:extLst>
+                  <a:ext uri="{0D108BD9-81ED-4DB2-BD59-A6C34878D82A}">
+                    <a16:rowId xmlns:a16="http://schemas.microsoft.com/office/drawing/2014/main" val="3398816463"/>
+                  </a:ext>
+                </a:extLst>
+              </a:tr>
+              <a:tr h="255495">
+                <a:tc>
+                  <a:txBody>
+                    <a:bodyPr/>
+                    <a:lstStyle/>
+                    <a:p>
+                      <a:pPr algn="r" fontAlgn="b"/>
+                      <a:r>
+                        <a:rPr lang="fr-FR" sz="1600" u="none" strike="noStrike">
+                          <a:effectLst/>
+                        </a:rPr>
+                        <a:t>A0</a:t>
+                      </a:r>
+                      <a:endParaRPr lang="fr-FR" sz="1600" b="1" i="0" u="none" strike="noStrike">
+                        <a:solidFill>
+                          <a:srgbClr val="000000"/>
+                        </a:solidFill>
+                        <a:effectLst/>
+                        <a:latin typeface="Calibri" panose="020F0502020204030204" pitchFamily="34" charset="0"/>
+                      </a:endParaRPr>
+                    </a:p>
+                  </a:txBody>
+                  <a:tcPr marL="5359" marR="5359" marT="5359" marB="0" anchor="b"/>
+                </a:tc>
+                <a:tc>
+                  <a:txBody>
+                    <a:bodyPr/>
+                    <a:lstStyle/>
+                    <a:p>
+                      <a:pPr algn="l" fontAlgn="b"/>
+                      <a:endParaRPr lang="fr-FR" sz="1200" b="0" i="0" u="none" strike="noStrike">
+                        <a:solidFill>
+                          <a:srgbClr val="000000"/>
+                        </a:solidFill>
+                        <a:effectLst/>
+                        <a:latin typeface="Calibri" panose="020F0502020204030204" pitchFamily="34" charset="0"/>
+                      </a:endParaRPr>
+                    </a:p>
+                  </a:txBody>
+                  <a:tcPr marL="5359" marR="5359" marT="5359" marB="0" anchor="b"/>
+                </a:tc>
+                <a:extLst>
+                  <a:ext uri="{0D108BD9-81ED-4DB2-BD59-A6C34878D82A}">
+                    <a16:rowId xmlns:a16="http://schemas.microsoft.com/office/drawing/2014/main" val="3754507352"/>
+                  </a:ext>
+                </a:extLst>
+              </a:tr>
+              <a:tr h="255495">
+                <a:tc>
+                  <a:txBody>
+                    <a:bodyPr/>
+                    <a:lstStyle/>
+                    <a:p>
+                      <a:pPr algn="r" fontAlgn="b"/>
+                      <a:r>
+                        <a:rPr lang="fr-FR" sz="1600" u="none" strike="noStrike">
+                          <a:effectLst/>
+                        </a:rPr>
+                        <a:t>A1</a:t>
+                      </a:r>
+                      <a:endParaRPr lang="fr-FR" sz="1600" b="1" i="0" u="none" strike="noStrike">
+                        <a:solidFill>
+                          <a:srgbClr val="000000"/>
+                        </a:solidFill>
+                        <a:effectLst/>
+                        <a:latin typeface="Calibri" panose="020F0502020204030204" pitchFamily="34" charset="0"/>
+                      </a:endParaRPr>
+                    </a:p>
+                  </a:txBody>
+                  <a:tcPr marL="5359" marR="5359" marT="5359" marB="0" anchor="b"/>
+                </a:tc>
+                <a:tc>
+                  <a:txBody>
+                    <a:bodyPr/>
+                    <a:lstStyle/>
+                    <a:p>
+                      <a:pPr algn="l" fontAlgn="b"/>
+                      <a:endParaRPr lang="fr-FR" sz="1200" b="0" i="0" u="none" strike="noStrike">
+                        <a:solidFill>
+                          <a:srgbClr val="000000"/>
+                        </a:solidFill>
+                        <a:effectLst/>
+                        <a:latin typeface="Calibri" panose="020F0502020204030204" pitchFamily="34" charset="0"/>
+                      </a:endParaRPr>
+                    </a:p>
+                  </a:txBody>
+                  <a:tcPr marL="5359" marR="5359" marT="5359" marB="0" anchor="b"/>
+                </a:tc>
+                <a:extLst>
+                  <a:ext uri="{0D108BD9-81ED-4DB2-BD59-A6C34878D82A}">
+                    <a16:rowId xmlns:a16="http://schemas.microsoft.com/office/drawing/2014/main" val="1500133517"/>
+                  </a:ext>
+                </a:extLst>
+              </a:tr>
+              <a:tr h="255495">
+                <a:tc>
+                  <a:txBody>
+                    <a:bodyPr/>
+                    <a:lstStyle/>
+                    <a:p>
+                      <a:pPr algn="r" fontAlgn="b"/>
+                      <a:r>
+                        <a:rPr lang="fr-FR" sz="1600" u="none" strike="noStrike">
+                          <a:effectLst/>
+                        </a:rPr>
+                        <a:t>A2</a:t>
+                      </a:r>
+                      <a:endParaRPr lang="fr-FR" sz="1600" b="1" i="0" u="none" strike="noStrike">
+                        <a:solidFill>
+                          <a:srgbClr val="000000"/>
+                        </a:solidFill>
+                        <a:effectLst/>
+                        <a:latin typeface="Calibri" panose="020F0502020204030204" pitchFamily="34" charset="0"/>
+                      </a:endParaRPr>
+                    </a:p>
+                  </a:txBody>
+                  <a:tcPr marL="5359" marR="5359" marT="5359" marB="0" anchor="b"/>
+                </a:tc>
+                <a:tc>
+                  <a:txBody>
+                    <a:bodyPr/>
+                    <a:lstStyle/>
+                    <a:p>
+                      <a:pPr algn="l" fontAlgn="b"/>
+                      <a:r>
+                        <a:rPr lang="fr-FR" sz="1200" u="none" strike="noStrike">
+                          <a:effectLst/>
+                        </a:rPr>
+                        <a:t>WindDir</a:t>
+                      </a:r>
+                      <a:endParaRPr lang="fr-FR" sz="1200" b="0" i="0" u="none" strike="noStrike">
+                        <a:solidFill>
+                          <a:srgbClr val="000000"/>
+                        </a:solidFill>
+                        <a:effectLst/>
+                        <a:latin typeface="Calibri" panose="020F0502020204030204" pitchFamily="34" charset="0"/>
+                      </a:endParaRPr>
+                    </a:p>
+                  </a:txBody>
+                  <a:tcPr marL="5359" marR="5359" marT="5359" marB="0" anchor="b"/>
+                </a:tc>
+                <a:extLst>
+                  <a:ext uri="{0D108BD9-81ED-4DB2-BD59-A6C34878D82A}">
+                    <a16:rowId xmlns:a16="http://schemas.microsoft.com/office/drawing/2014/main" val="3903180743"/>
+                  </a:ext>
+                </a:extLst>
+              </a:tr>
+              <a:tr h="403246">
+                <a:tc>
+                  <a:txBody>
+                    <a:bodyPr/>
+                    <a:lstStyle/>
+                    <a:p>
+                      <a:pPr algn="r" fontAlgn="b"/>
+                      <a:r>
+                        <a:rPr lang="fr-FR" sz="1600" u="none" strike="noStrike">
+                          <a:effectLst/>
+                        </a:rPr>
+                        <a:t>A3</a:t>
+                      </a:r>
+                      <a:endParaRPr lang="fr-FR" sz="1600" b="1" i="0" u="none" strike="noStrike">
+                        <a:solidFill>
+                          <a:srgbClr val="000000"/>
+                        </a:solidFill>
+                        <a:effectLst/>
+                        <a:latin typeface="Calibri" panose="020F0502020204030204" pitchFamily="34" charset="0"/>
+                      </a:endParaRPr>
+                    </a:p>
+                  </a:txBody>
+                  <a:tcPr marL="5359" marR="5359" marT="5359" marB="0" anchor="b"/>
+                </a:tc>
+                <a:tc>
+                  <a:txBody>
+                    <a:bodyPr/>
+                    <a:lstStyle/>
+                    <a:p>
+                      <a:pPr algn="l" fontAlgn="b"/>
+                      <a:r>
+                        <a:rPr lang="en-US" sz="1200" u="none" strike="noStrike">
+                          <a:effectLst/>
+                        </a:rPr>
+                        <a:t>Ref 3,3V du low drop regulator</a:t>
+                      </a:r>
+                      <a:endParaRPr lang="en-US" sz="1200" b="0" i="0" u="none" strike="noStrike">
+                        <a:solidFill>
+                          <a:srgbClr val="000000"/>
+                        </a:solidFill>
+                        <a:effectLst/>
+                        <a:latin typeface="Calibri" panose="020F0502020204030204" pitchFamily="34" charset="0"/>
+                      </a:endParaRPr>
+                    </a:p>
+                  </a:txBody>
+                  <a:tcPr marL="5359" marR="5359" marT="5359" marB="0" anchor="b"/>
+                </a:tc>
+                <a:extLst>
+                  <a:ext uri="{0D108BD9-81ED-4DB2-BD59-A6C34878D82A}">
+                    <a16:rowId xmlns:a16="http://schemas.microsoft.com/office/drawing/2014/main" val="2593121018"/>
+                  </a:ext>
+                </a:extLst>
+              </a:tr>
+              <a:tr h="255495">
+                <a:tc>
+                  <a:txBody>
+                    <a:bodyPr/>
+                    <a:lstStyle/>
+                    <a:p>
+                      <a:pPr algn="r" fontAlgn="b"/>
+                      <a:r>
+                        <a:rPr lang="fr-FR" sz="1600" u="none" strike="noStrike">
+                          <a:effectLst/>
+                        </a:rPr>
+                        <a:t>A4</a:t>
+                      </a:r>
+                      <a:endParaRPr lang="fr-FR" sz="1600" b="1" i="0" u="none" strike="noStrike">
+                        <a:solidFill>
+                          <a:srgbClr val="000000"/>
+                        </a:solidFill>
+                        <a:effectLst/>
+                        <a:latin typeface="Calibri" panose="020F0502020204030204" pitchFamily="34" charset="0"/>
+                      </a:endParaRPr>
+                    </a:p>
+                  </a:txBody>
+                  <a:tcPr marL="5359" marR="5359" marT="5359" marB="0" anchor="b"/>
+                </a:tc>
+                <a:tc>
+                  <a:txBody>
+                    <a:bodyPr/>
+                    <a:lstStyle/>
+                    <a:p>
+                      <a:pPr algn="l" fontAlgn="b"/>
+                      <a:r>
+                        <a:rPr lang="fr-FR" sz="1200" u="none" strike="noStrike">
+                          <a:effectLst/>
+                        </a:rPr>
+                        <a:t>SDA</a:t>
+                      </a:r>
+                      <a:endParaRPr lang="fr-FR" sz="1200" b="0" i="0" u="none" strike="noStrike">
+                        <a:solidFill>
+                          <a:srgbClr val="000000"/>
+                        </a:solidFill>
+                        <a:effectLst/>
+                        <a:latin typeface="Calibri" panose="020F0502020204030204" pitchFamily="34" charset="0"/>
+                      </a:endParaRPr>
+                    </a:p>
+                  </a:txBody>
+                  <a:tcPr marL="5359" marR="5359" marT="5359" marB="0" anchor="b"/>
+                </a:tc>
+                <a:extLst>
+                  <a:ext uri="{0D108BD9-81ED-4DB2-BD59-A6C34878D82A}">
+                    <a16:rowId xmlns:a16="http://schemas.microsoft.com/office/drawing/2014/main" val="2085774392"/>
+                  </a:ext>
+                </a:extLst>
+              </a:tr>
+              <a:tr h="255495">
+                <a:tc>
+                  <a:txBody>
+                    <a:bodyPr/>
+                    <a:lstStyle/>
+                    <a:p>
+                      <a:pPr algn="r" fontAlgn="b"/>
+                      <a:r>
+                        <a:rPr lang="fr-FR" sz="1600" u="none" strike="noStrike">
+                          <a:effectLst/>
+                        </a:rPr>
+                        <a:t>A5</a:t>
+                      </a:r>
+                      <a:endParaRPr lang="fr-FR" sz="1600" b="1" i="0" u="none" strike="noStrike">
+                        <a:solidFill>
+                          <a:srgbClr val="000000"/>
+                        </a:solidFill>
+                        <a:effectLst/>
+                        <a:latin typeface="Calibri" panose="020F0502020204030204" pitchFamily="34" charset="0"/>
+                      </a:endParaRPr>
+                    </a:p>
+                  </a:txBody>
+                  <a:tcPr marL="5359" marR="5359" marT="5359" marB="0" anchor="b"/>
+                </a:tc>
+                <a:tc>
+                  <a:txBody>
+                    <a:bodyPr/>
+                    <a:lstStyle/>
+                    <a:p>
+                      <a:pPr algn="l" fontAlgn="b"/>
+                      <a:r>
+                        <a:rPr lang="fr-FR" sz="1200" u="none" strike="noStrike">
+                          <a:effectLst/>
+                        </a:rPr>
+                        <a:t>SCL</a:t>
+                      </a:r>
+                      <a:endParaRPr lang="fr-FR" sz="1200" b="0" i="0" u="none" strike="noStrike">
+                        <a:solidFill>
+                          <a:srgbClr val="000000"/>
+                        </a:solidFill>
+                        <a:effectLst/>
+                        <a:latin typeface="Calibri" panose="020F0502020204030204" pitchFamily="34" charset="0"/>
+                      </a:endParaRPr>
+                    </a:p>
+                  </a:txBody>
+                  <a:tcPr marL="5359" marR="5359" marT="5359" marB="0" anchor="b"/>
+                </a:tc>
+                <a:extLst>
+                  <a:ext uri="{0D108BD9-81ED-4DB2-BD59-A6C34878D82A}">
+                    <a16:rowId xmlns:a16="http://schemas.microsoft.com/office/drawing/2014/main" val="1357321137"/>
+                  </a:ext>
+                </a:extLst>
+              </a:tr>
+              <a:tr h="270772">
+                <a:tc>
+                  <a:txBody>
+                    <a:bodyPr/>
+                    <a:lstStyle/>
+                    <a:p>
+                      <a:pPr algn="r" fontAlgn="b"/>
+                      <a:r>
+                        <a:rPr lang="fr-FR" sz="1600" u="none" strike="noStrike">
+                          <a:effectLst/>
+                        </a:rPr>
+                        <a:t>A6</a:t>
+                      </a:r>
+                      <a:endParaRPr lang="fr-FR" sz="1600" b="1" i="0" u="none" strike="noStrike">
+                        <a:solidFill>
+                          <a:srgbClr val="000000"/>
+                        </a:solidFill>
+                        <a:effectLst/>
+                        <a:latin typeface="Calibri" panose="020F0502020204030204" pitchFamily="34" charset="0"/>
+                      </a:endParaRPr>
+                    </a:p>
+                  </a:txBody>
+                  <a:tcPr marL="5359" marR="5359" marT="5359" marB="0" anchor="b"/>
+                </a:tc>
+                <a:tc>
+                  <a:txBody>
+                    <a:bodyPr/>
+                    <a:lstStyle/>
+                    <a:p>
+                      <a:pPr algn="l" fontAlgn="b"/>
+                      <a:r>
+                        <a:rPr lang="fr-FR" sz="1200" u="none" strike="noStrike">
+                          <a:effectLst/>
+                        </a:rPr>
+                        <a:t>Battery temp</a:t>
+                      </a:r>
+                      <a:endParaRPr lang="fr-FR" sz="1200" b="0" i="0" u="none" strike="noStrike">
+                        <a:solidFill>
+                          <a:srgbClr val="000000"/>
+                        </a:solidFill>
+                        <a:effectLst/>
+                        <a:latin typeface="Calibri" panose="020F0502020204030204" pitchFamily="34" charset="0"/>
+                      </a:endParaRPr>
+                    </a:p>
+                  </a:txBody>
+                  <a:tcPr marL="5359" marR="5359" marT="5359" marB="0" anchor="b"/>
+                </a:tc>
+                <a:extLst>
+                  <a:ext uri="{0D108BD9-81ED-4DB2-BD59-A6C34878D82A}">
+                    <a16:rowId xmlns:a16="http://schemas.microsoft.com/office/drawing/2014/main" val="2372977089"/>
+                  </a:ext>
+                </a:extLst>
+              </a:tr>
+              <a:tr h="270772">
+                <a:tc>
+                  <a:txBody>
+                    <a:bodyPr/>
+                    <a:lstStyle/>
+                    <a:p>
+                      <a:pPr algn="r" fontAlgn="b"/>
+                      <a:r>
+                        <a:rPr lang="fr-FR" sz="1600" u="none" strike="noStrike">
+                          <a:effectLst/>
+                        </a:rPr>
+                        <a:t>A7</a:t>
+                      </a:r>
+                      <a:endParaRPr lang="fr-FR" sz="1600" b="1" i="0" u="none" strike="noStrike">
+                        <a:solidFill>
+                          <a:srgbClr val="000000"/>
+                        </a:solidFill>
+                        <a:effectLst/>
+                        <a:latin typeface="Calibri" panose="020F0502020204030204" pitchFamily="34" charset="0"/>
+                      </a:endParaRPr>
+                    </a:p>
+                  </a:txBody>
+                  <a:tcPr marL="5359" marR="5359" marT="5359" marB="0" anchor="b"/>
+                </a:tc>
+                <a:tc>
+                  <a:txBody>
+                    <a:bodyPr/>
+                    <a:lstStyle/>
+                    <a:p>
+                      <a:pPr algn="l" fontAlgn="b"/>
+                      <a:r>
+                        <a:rPr lang="fr-FR" sz="1200" u="none" strike="noStrike" dirty="0">
+                          <a:effectLst/>
+                        </a:rPr>
+                        <a:t>Battery Voltage</a:t>
+                      </a:r>
+                      <a:endParaRPr lang="fr-FR" sz="1200" b="0" i="0" u="none" strike="noStrike" dirty="0">
+                        <a:solidFill>
+                          <a:srgbClr val="000000"/>
+                        </a:solidFill>
+                        <a:effectLst/>
+                        <a:latin typeface="Calibri" panose="020F0502020204030204" pitchFamily="34" charset="0"/>
+                      </a:endParaRPr>
+                    </a:p>
+                  </a:txBody>
+                  <a:tcPr marL="5359" marR="5359" marT="5359" marB="0" anchor="b"/>
+                </a:tc>
+                <a:extLst>
+                  <a:ext uri="{0D108BD9-81ED-4DB2-BD59-A6C34878D82A}">
+                    <a16:rowId xmlns:a16="http://schemas.microsoft.com/office/drawing/2014/main" val="957506957"/>
+                  </a:ext>
+                </a:extLst>
+              </a:tr>
+            </a:tbl>
+          </a:graphicData>
+        </a:graphic>
+      </p:graphicFrame>
     </p:spTree>
     <p:extLst>
       <p:ext uri="{BB962C8B-B14F-4D97-AF65-F5344CB8AC3E}">

--- a/Carte.pptx
+++ b/Carte.pptx
@@ -13488,7 +13488,7 @@
                     <a:bodyPr/>
                     <a:lstStyle/>
                     <a:p>
-                      <a:endParaRPr lang="en-GB" sz="1300"/>
+                      <a:endParaRPr lang="en-GB" sz="1300" dirty="0"/>
                     </a:p>
                   </a:txBody>
                   <a:tcPr marL="74295" marR="74295" marT="37148" marB="37148">
@@ -29546,8 +29546,8 @@
           <p:nvPr/>
         </p:nvSpPr>
         <p:spPr>
-          <a:xfrm rot="16200000">
-            <a:off x="571995" y="4860000"/>
+          <a:xfrm>
+            <a:off x="190823" y="4508412"/>
             <a:ext cx="1440000" cy="720000"/>
           </a:xfrm>
           <a:prstGeom prst="rect">
@@ -29845,8 +29845,8 @@
           <p:nvPr/>
         </p:nvSpPr>
         <p:spPr>
-          <a:xfrm>
-            <a:off x="2010875" y="4491720"/>
+          <a:xfrm rot="5400000">
+            <a:off x="2087872" y="4142453"/>
             <a:ext cx="720000" cy="1440000"/>
           </a:xfrm>
           <a:prstGeom prst="rect">
@@ -30004,7 +30004,7 @@
         </p:nvSpPr>
         <p:spPr>
           <a:xfrm>
-            <a:off x="731734" y="3249000"/>
+            <a:off x="382300" y="3207221"/>
             <a:ext cx="1080000" cy="360000"/>
           </a:xfrm>
           <a:prstGeom prst="rect">
@@ -30580,8 +30580,8 @@
         </p:nvCxnSpPr>
         <p:spPr>
           <a:xfrm flipV="1">
-            <a:off x="2340000" y="1583267"/>
-            <a:ext cx="5740579" cy="2534795"/>
+            <a:off x="2340000" y="1689693"/>
+            <a:ext cx="4298382" cy="2428370"/>
           </a:xfrm>
           <a:prstGeom prst="line">
             <a:avLst/>
@@ -30669,8 +30669,8 @@
         </p:nvSpPr>
         <p:spPr>
           <a:xfrm>
-            <a:off x="3601346" y="2189460"/>
-            <a:ext cx="1041837" cy="143630"/>
+            <a:off x="8651535" y="4058541"/>
+            <a:ext cx="776900" cy="149392"/>
           </a:xfrm>
           <a:prstGeom prst="rect">
             <a:avLst/>
@@ -31076,10 +31076,10 @@
         </p:nvGrpSpPr>
         <p:grpSpPr>
           <a:xfrm rot="10800000">
-            <a:off x="5908623" y="178941"/>
-            <a:ext cx="1093560" cy="1323920"/>
-            <a:chOff x="9634133" y="3780726"/>
-            <a:chExt cx="1093560" cy="1323920"/>
+            <a:off x="8144260" y="148657"/>
+            <a:ext cx="1080000" cy="1298490"/>
+            <a:chOff x="9467075" y="3794184"/>
+            <a:chExt cx="1321661" cy="1323841"/>
           </a:xfrm>
         </p:grpSpPr>
         <p:sp>
@@ -31096,8 +31096,8 @@
           </p:nvSpPr>
           <p:spPr>
             <a:xfrm rot="5400000">
-              <a:off x="9827693" y="4204646"/>
-              <a:ext cx="720000" cy="1080000"/>
+              <a:off x="9760877" y="4090166"/>
+              <a:ext cx="734057" cy="1321661"/>
             </a:xfrm>
             <a:prstGeom prst="rect">
               <a:avLst/>
@@ -31243,9 +31243,9 @@
             <p:nvPr/>
           </p:nvCxnSpPr>
           <p:spPr>
-            <a:xfrm rot="10800000" flipH="1" flipV="1">
-              <a:off x="9634133" y="3780726"/>
-              <a:ext cx="282682" cy="594333"/>
+            <a:xfrm rot="10800000" flipV="1">
+              <a:off x="9916815" y="3794184"/>
+              <a:ext cx="94264" cy="580876"/>
             </a:xfrm>
             <a:prstGeom prst="line">
               <a:avLst/>
@@ -31287,8 +31287,8 @@
           </p:nvCxnSpPr>
           <p:spPr>
             <a:xfrm rot="10800000" flipH="1" flipV="1">
-              <a:off x="10060502" y="3802328"/>
-              <a:ext cx="244328" cy="549037"/>
+              <a:off x="10443893" y="3848211"/>
+              <a:ext cx="18" cy="498440"/>
             </a:xfrm>
             <a:prstGeom prst="line">
               <a:avLst/>
@@ -31437,10 +31437,10 @@
         </p:nvGrpSpPr>
         <p:grpSpPr>
           <a:xfrm rot="10800000">
-            <a:off x="4988130" y="1840734"/>
-            <a:ext cx="1800000" cy="3472146"/>
+            <a:off x="6638382" y="1665048"/>
+            <a:ext cx="1800000" cy="3546672"/>
             <a:chOff x="5207290" y="453923"/>
-            <a:chExt cx="1800000" cy="3472146"/>
+            <a:chExt cx="1800000" cy="3546672"/>
           </a:xfrm>
         </p:grpSpPr>
         <p:grpSp>
@@ -31458,9 +31458,9 @@
           <p:grpSpPr>
             <a:xfrm>
               <a:off x="5207290" y="453923"/>
-              <a:ext cx="1800000" cy="3472146"/>
+              <a:ext cx="1800000" cy="3546672"/>
               <a:chOff x="5207290" y="453923"/>
-              <a:chExt cx="1800000" cy="3472146"/>
+              <a:chExt cx="1800000" cy="3546672"/>
             </a:xfrm>
           </p:grpSpPr>
           <p:sp>
@@ -31624,9 +31624,9 @@
               <p:nvPr/>
             </p:nvCxnSpPr>
             <p:spPr>
-              <a:xfrm flipH="1" flipV="1">
+              <a:xfrm rot="10800000">
                 <a:off x="6678023" y="1173923"/>
-                <a:ext cx="310606" cy="2752146"/>
+                <a:ext cx="14621" cy="514397"/>
               </a:xfrm>
               <a:prstGeom prst="line">
                 <a:avLst/>
@@ -31669,9 +31669,9 @@
               <p:nvPr/>
             </p:nvCxnSpPr>
             <p:spPr>
-              <a:xfrm flipV="1">
-                <a:off x="5538098" y="1061846"/>
-                <a:ext cx="0" cy="489866"/>
+              <a:xfrm rot="10800000">
+                <a:off x="5538097" y="1061846"/>
+                <a:ext cx="1139926" cy="2938749"/>
               </a:xfrm>
               <a:prstGeom prst="line">
                 <a:avLst/>
@@ -31859,10 +31859,10 @@
         </p:nvGrpSpPr>
         <p:grpSpPr>
           <a:xfrm rot="10800000">
-            <a:off x="6924749" y="2242374"/>
-            <a:ext cx="2160000" cy="2977626"/>
+            <a:off x="8548340" y="1689693"/>
+            <a:ext cx="2160000" cy="3499836"/>
             <a:chOff x="7746000" y="525760"/>
-            <a:chExt cx="2160000" cy="2977626"/>
+            <a:chExt cx="2160000" cy="3499836"/>
           </a:xfrm>
         </p:grpSpPr>
         <p:sp>
@@ -32026,9 +32026,9 @@
             <p:nvPr/>
           </p:nvCxnSpPr>
           <p:spPr>
-            <a:xfrm flipH="1">
-              <a:off x="8826000" y="2332653"/>
-              <a:ext cx="393000" cy="1170733"/>
+            <a:xfrm rot="10800000" flipV="1">
+              <a:off x="8233094" y="2332652"/>
+              <a:ext cx="985906" cy="1692944"/>
             </a:xfrm>
             <a:prstGeom prst="line">
               <a:avLst/>
@@ -33755,7 +33755,7 @@
         </p:nvSpPr>
         <p:spPr>
           <a:xfrm>
-            <a:off x="1865292" y="3231161"/>
+            <a:off x="1811697" y="3249000"/>
             <a:ext cx="1080000" cy="360000"/>
           </a:xfrm>
           <a:prstGeom prst="rect">
@@ -33989,7 +33989,7 @@
         </p:nvCxnSpPr>
         <p:spPr>
           <a:xfrm>
-            <a:off x="1865292" y="4500000"/>
+            <a:off x="2031605" y="4682019"/>
             <a:ext cx="0" cy="757990"/>
           </a:xfrm>
           <a:prstGeom prst="line">
@@ -33999,6 +33999,51 @@
             <a:solidFill>
               <a:schemeClr val="tx1"/>
             </a:solidFill>
+          </a:ln>
+        </p:spPr>
+        <p:style>
+          <a:lnRef idx="1">
+            <a:schemeClr val="accent1"/>
+          </a:lnRef>
+          <a:fillRef idx="0">
+            <a:schemeClr val="accent1"/>
+          </a:fillRef>
+          <a:effectRef idx="0">
+            <a:schemeClr val="accent1"/>
+          </a:effectRef>
+          <a:fontRef idx="minor">
+            <a:schemeClr val="tx1"/>
+          </a:fontRef>
+        </p:style>
+      </p:cxnSp>
+      <p:cxnSp>
+        <p:nvCxnSpPr>
+          <p:cNvPr id="82" name="Connecteur droit 81">
+            <a:extLst>
+              <a:ext uri="{FF2B5EF4-FFF2-40B4-BE49-F238E27FC236}">
+                <a16:creationId xmlns:a16="http://schemas.microsoft.com/office/drawing/2014/main" id="{A1AFF8EB-0685-43D3-B90A-787139F14B5C}"/>
+              </a:ext>
+            </a:extLst>
+          </p:cNvPr>
+          <p:cNvCxnSpPr>
+            <a:cxnSpLocks/>
+          </p:cNvCxnSpPr>
+          <p:nvPr/>
+        </p:nvCxnSpPr>
+        <p:spPr>
+          <a:xfrm>
+            <a:off x="6638382" y="3911600"/>
+            <a:ext cx="2264849" cy="629767"/>
+          </a:xfrm>
+          <a:prstGeom prst="line">
+            <a:avLst/>
+          </a:prstGeom>
+          <a:ln w="38100">
+            <a:solidFill>
+              <a:srgbClr val="7030A0"/>
+            </a:solidFill>
+            <a:headEnd type="oval" w="med" len="med"/>
+            <a:tailEnd type="oval" w="med" len="med"/>
           </a:ln>
         </p:spPr>
         <p:style>
